--- a/presi/presi.pptx
+++ b/presi/presi.pptx
@@ -7,14 +7,15 @@
   <p:sldIdLst>
     <p:sldId id="256" r:id="rId2"/>
     <p:sldId id="262" r:id="rId3"/>
-    <p:sldId id="257" r:id="rId4"/>
-    <p:sldId id="258" r:id="rId5"/>
-    <p:sldId id="259" r:id="rId6"/>
-    <p:sldId id="260" r:id="rId7"/>
-    <p:sldId id="261" r:id="rId8"/>
-    <p:sldId id="263" r:id="rId9"/>
-    <p:sldId id="264" r:id="rId10"/>
-    <p:sldId id="265" r:id="rId11"/>
+    <p:sldId id="266" r:id="rId4"/>
+    <p:sldId id="257" r:id="rId5"/>
+    <p:sldId id="258" r:id="rId6"/>
+    <p:sldId id="259" r:id="rId7"/>
+    <p:sldId id="260" r:id="rId8"/>
+    <p:sldId id="261" r:id="rId9"/>
+    <p:sldId id="263" r:id="rId10"/>
+    <p:sldId id="264" r:id="rId11"/>
+    <p:sldId id="265" r:id="rId12"/>
   </p:sldIdLst>
   <p:sldSz cx="12192000" cy="6858000"/>
   <p:notesSz cx="6858000" cy="9144000"/>
@@ -252,7 +253,7 @@
           <a:p>
             <a:fld id="{C31526B6-66CE-4ADC-93C7-07C2ECA5558A}" type="datetimeFigureOut">
               <a:rPr lang="de-CH" smtClean="0"/>
-              <a:t>08.12.2015</a:t>
+              <a:t>09.12.2015</a:t>
             </a:fld>
             <a:endParaRPr lang="de-CH"/>
           </a:p>
@@ -422,7 +423,7 @@
           <a:p>
             <a:fld id="{C31526B6-66CE-4ADC-93C7-07C2ECA5558A}" type="datetimeFigureOut">
               <a:rPr lang="de-CH" smtClean="0"/>
-              <a:t>08.12.2015</a:t>
+              <a:t>09.12.2015</a:t>
             </a:fld>
             <a:endParaRPr lang="de-CH"/>
           </a:p>
@@ -602,7 +603,7 @@
           <a:p>
             <a:fld id="{C31526B6-66CE-4ADC-93C7-07C2ECA5558A}" type="datetimeFigureOut">
               <a:rPr lang="de-CH" smtClean="0"/>
-              <a:t>08.12.2015</a:t>
+              <a:t>09.12.2015</a:t>
             </a:fld>
             <a:endParaRPr lang="de-CH"/>
           </a:p>
@@ -772,7 +773,7 @@
           <a:p>
             <a:fld id="{C31526B6-66CE-4ADC-93C7-07C2ECA5558A}" type="datetimeFigureOut">
               <a:rPr lang="de-CH" smtClean="0"/>
-              <a:t>08.12.2015</a:t>
+              <a:t>09.12.2015</a:t>
             </a:fld>
             <a:endParaRPr lang="de-CH"/>
           </a:p>
@@ -1018,7 +1019,7 @@
           <a:p>
             <a:fld id="{C31526B6-66CE-4ADC-93C7-07C2ECA5558A}" type="datetimeFigureOut">
               <a:rPr lang="de-CH" smtClean="0"/>
-              <a:t>08.12.2015</a:t>
+              <a:t>09.12.2015</a:t>
             </a:fld>
             <a:endParaRPr lang="de-CH"/>
           </a:p>
@@ -1250,7 +1251,7 @@
           <a:p>
             <a:fld id="{C31526B6-66CE-4ADC-93C7-07C2ECA5558A}" type="datetimeFigureOut">
               <a:rPr lang="de-CH" smtClean="0"/>
-              <a:t>08.12.2015</a:t>
+              <a:t>09.12.2015</a:t>
             </a:fld>
             <a:endParaRPr lang="de-CH"/>
           </a:p>
@@ -1617,7 +1618,7 @@
           <a:p>
             <a:fld id="{C31526B6-66CE-4ADC-93C7-07C2ECA5558A}" type="datetimeFigureOut">
               <a:rPr lang="de-CH" smtClean="0"/>
-              <a:t>08.12.2015</a:t>
+              <a:t>09.12.2015</a:t>
             </a:fld>
             <a:endParaRPr lang="de-CH"/>
           </a:p>
@@ -1735,7 +1736,7 @@
           <a:p>
             <a:fld id="{C31526B6-66CE-4ADC-93C7-07C2ECA5558A}" type="datetimeFigureOut">
               <a:rPr lang="de-CH" smtClean="0"/>
-              <a:t>08.12.2015</a:t>
+              <a:t>09.12.2015</a:t>
             </a:fld>
             <a:endParaRPr lang="de-CH"/>
           </a:p>
@@ -1830,7 +1831,7 @@
           <a:p>
             <a:fld id="{C31526B6-66CE-4ADC-93C7-07C2ECA5558A}" type="datetimeFigureOut">
               <a:rPr lang="de-CH" smtClean="0"/>
-              <a:t>08.12.2015</a:t>
+              <a:t>09.12.2015</a:t>
             </a:fld>
             <a:endParaRPr lang="de-CH"/>
           </a:p>
@@ -2107,7 +2108,7 @@
           <a:p>
             <a:fld id="{C31526B6-66CE-4ADC-93C7-07C2ECA5558A}" type="datetimeFigureOut">
               <a:rPr lang="de-CH" smtClean="0"/>
-              <a:t>08.12.2015</a:t>
+              <a:t>09.12.2015</a:t>
             </a:fld>
             <a:endParaRPr lang="de-CH"/>
           </a:p>
@@ -2360,7 +2361,7 @@
           <a:p>
             <a:fld id="{C31526B6-66CE-4ADC-93C7-07C2ECA5558A}" type="datetimeFigureOut">
               <a:rPr lang="de-CH" smtClean="0"/>
-              <a:t>08.12.2015</a:t>
+              <a:t>09.12.2015</a:t>
             </a:fld>
             <a:endParaRPr lang="de-CH"/>
           </a:p>
@@ -2573,7 +2574,7 @@
           <a:p>
             <a:fld id="{C31526B6-66CE-4ADC-93C7-07C2ECA5558A}" type="datetimeFigureOut">
               <a:rPr lang="de-CH" smtClean="0"/>
-              <a:t>08.12.2015</a:t>
+              <a:t>09.12.2015</a:t>
             </a:fld>
             <a:endParaRPr lang="de-CH"/>
           </a:p>
@@ -3062,6 +3063,78 @@
           <a:p>
             <a:r>
               <a:rPr lang="de-CH" dirty="0" smtClean="0"/>
+              <a:t>Fazit Alex</a:t>
+            </a:r>
+            <a:endParaRPr lang="de-CH" dirty="0"/>
+          </a:p>
+        </p:txBody>
+      </p:sp>
+      <p:sp>
+        <p:nvSpPr>
+          <p:cNvPr id="3" name="Inhaltsplatzhalter 2"/>
+          <p:cNvSpPr>
+            <a:spLocks noGrp="1"/>
+          </p:cNvSpPr>
+          <p:nvPr>
+            <p:ph idx="1"/>
+          </p:nvPr>
+        </p:nvSpPr>
+        <p:spPr/>
+        <p:txBody>
+          <a:bodyPr/>
+          <a:lstStyle/>
+          <a:p>
+            <a:endParaRPr lang="de-CH"/>
+          </a:p>
+        </p:txBody>
+      </p:sp>
+    </p:spTree>
+    <p:extLst>
+      <p:ext uri="{BB962C8B-B14F-4D97-AF65-F5344CB8AC3E}">
+        <p14:creationId xmlns:p14="http://schemas.microsoft.com/office/powerpoint/2010/main" val="1362767083"/>
+      </p:ext>
+    </p:extLst>
+  </p:cSld>
+  <p:clrMapOvr>
+    <a:masterClrMapping/>
+  </p:clrMapOvr>
+</p:sld>
+</file>
+
+<file path=ppt/slides/slide11.xml><?xml version="1.0" encoding="utf-8"?>
+<p:sld xmlns:a="http://schemas.openxmlformats.org/drawingml/2006/main" xmlns:r="http://schemas.openxmlformats.org/officeDocument/2006/relationships" xmlns:p="http://schemas.openxmlformats.org/presentationml/2006/main">
+  <p:cSld>
+    <p:spTree>
+      <p:nvGrpSpPr>
+        <p:cNvPr id="1" name=""/>
+        <p:cNvGrpSpPr/>
+        <p:nvPr/>
+      </p:nvGrpSpPr>
+      <p:grpSpPr>
+        <a:xfrm>
+          <a:off x="0" y="0"/>
+          <a:ext cx="0" cy="0"/>
+          <a:chOff x="0" y="0"/>
+          <a:chExt cx="0" cy="0"/>
+        </a:xfrm>
+      </p:grpSpPr>
+      <p:sp>
+        <p:nvSpPr>
+          <p:cNvPr id="2" name="Titel 1"/>
+          <p:cNvSpPr>
+            <a:spLocks noGrp="1"/>
+          </p:cNvSpPr>
+          <p:nvPr>
+            <p:ph type="title"/>
+          </p:nvPr>
+        </p:nvSpPr>
+        <p:spPr/>
+        <p:txBody>
+          <a:bodyPr/>
+          <a:lstStyle/>
+          <a:p>
+            <a:r>
+              <a:rPr lang="de-CH" dirty="0" smtClean="0"/>
               <a:t>Fazit Fabian</a:t>
             </a:r>
             <a:endParaRPr lang="de-CH" dirty="0"/>
@@ -3137,7 +3210,51 @@
             </a:pPr>
             <a:r>
               <a:rPr lang="en-US" dirty="0" smtClean="0"/>
-              <a:t>“Go </a:t>
+              <a:t>System </a:t>
+            </a:r>
+            <a:r>
+              <a:rPr lang="en-US" dirty="0" err="1" smtClean="0"/>
+              <a:t>Programmierung</a:t>
+            </a:r>
+            <a:endParaRPr lang="en-US" dirty="0" smtClean="0"/>
+          </a:p>
+          <a:p>
+            <a:pPr marL="0" indent="0" algn="ctr">
+              <a:buNone/>
+            </a:pPr>
+            <a:r>
+              <a:rPr lang="en-US" dirty="0" err="1" smtClean="0"/>
+              <a:t>Cli</a:t>
+            </a:r>
+            <a:endParaRPr lang="en-US" dirty="0" smtClean="0"/>
+          </a:p>
+          <a:p>
+            <a:pPr marL="0" indent="0" algn="ctr">
+              <a:buNone/>
+            </a:pPr>
+            <a:r>
+              <a:rPr lang="en-US" dirty="0" err="1" smtClean="0"/>
+              <a:t>webservice</a:t>
+            </a:r>
+            <a:endParaRPr lang="en-US" dirty="0" smtClean="0"/>
+          </a:p>
+          <a:p>
+            <a:pPr marL="0" indent="0" algn="ctr">
+              <a:buNone/>
+            </a:pPr>
+            <a:endParaRPr lang="en-US" dirty="0" smtClean="0"/>
+          </a:p>
+          <a:p>
+            <a:pPr marL="0" indent="0" algn="ctr">
+              <a:buNone/>
+            </a:pPr>
+            <a:r>
+              <a:rPr lang="en-US" dirty="0" smtClean="0"/>
+              <a:t>“</a:t>
+            </a:r>
+            <a:r>
+              <a:rPr lang="en-US" dirty="0" smtClean="0"/>
+              <a:t>Go </a:t>
             </a:r>
             <a:r>
               <a:rPr lang="en-US" dirty="0"/>
@@ -3175,6 +3292,13 @@
   <p:clrMapOvr>
     <a:masterClrMapping/>
   </p:clrMapOvr>
+  <p:timing>
+    <p:tnLst>
+      <p:par>
+        <p:cTn id="1" dur="indefinite" restart="never" nodeType="tmRoot"/>
+      </p:par>
+    </p:tnLst>
+  </p:timing>
 </p:sld>
 </file>
 
@@ -3212,6 +3336,88 @@
           <a:p>
             <a:r>
               <a:rPr lang="de-CH" dirty="0" smtClean="0"/>
+              <a:t>Warum und wofür</a:t>
+            </a:r>
+            <a:endParaRPr lang="de-CH" dirty="0"/>
+          </a:p>
+        </p:txBody>
+      </p:sp>
+      <p:sp>
+        <p:nvSpPr>
+          <p:cNvPr id="3" name="Inhaltsplatzhalter 2"/>
+          <p:cNvSpPr>
+            <a:spLocks noGrp="1"/>
+          </p:cNvSpPr>
+          <p:nvPr>
+            <p:ph idx="1"/>
+          </p:nvPr>
+        </p:nvSpPr>
+        <p:spPr/>
+        <p:txBody>
+          <a:bodyPr/>
+          <a:lstStyle/>
+          <a:p>
+            <a:r>
+              <a:rPr lang="de-CH" dirty="0" smtClean="0"/>
+              <a:t>Docker</a:t>
+            </a:r>
+          </a:p>
+          <a:p>
+            <a:r>
+              <a:rPr lang="de-CH" dirty="0" smtClean="0"/>
+              <a:t>Golang.org</a:t>
+            </a:r>
+            <a:endParaRPr lang="de-CH" dirty="0"/>
+          </a:p>
+        </p:txBody>
+      </p:sp>
+    </p:spTree>
+    <p:extLst>
+      <p:ext uri="{BB962C8B-B14F-4D97-AF65-F5344CB8AC3E}">
+        <p14:creationId xmlns:p14="http://schemas.microsoft.com/office/powerpoint/2010/main" val="1790229670"/>
+      </p:ext>
+    </p:extLst>
+  </p:cSld>
+  <p:clrMapOvr>
+    <a:masterClrMapping/>
+  </p:clrMapOvr>
+</p:sld>
+</file>
+
+<file path=ppt/slides/slide4.xml><?xml version="1.0" encoding="utf-8"?>
+<p:sld xmlns:a="http://schemas.openxmlformats.org/drawingml/2006/main" xmlns:r="http://schemas.openxmlformats.org/officeDocument/2006/relationships" xmlns:p="http://schemas.openxmlformats.org/presentationml/2006/main">
+  <p:cSld>
+    <p:spTree>
+      <p:nvGrpSpPr>
+        <p:cNvPr id="1" name=""/>
+        <p:cNvGrpSpPr/>
+        <p:nvPr/>
+      </p:nvGrpSpPr>
+      <p:grpSpPr>
+        <a:xfrm>
+          <a:off x="0" y="0"/>
+          <a:ext cx="0" cy="0"/>
+          <a:chOff x="0" y="0"/>
+          <a:chExt cx="0" cy="0"/>
+        </a:xfrm>
+      </p:grpSpPr>
+      <p:sp>
+        <p:nvSpPr>
+          <p:cNvPr id="2" name="Titel 1"/>
+          <p:cNvSpPr>
+            <a:spLocks noGrp="1"/>
+          </p:cNvSpPr>
+          <p:nvPr>
+            <p:ph type="title"/>
+          </p:nvPr>
+        </p:nvSpPr>
+        <p:spPr/>
+        <p:txBody>
+          <a:bodyPr/>
+          <a:lstStyle/>
+          <a:p>
+            <a:r>
+              <a:rPr lang="de-CH" dirty="0" smtClean="0"/>
               <a:t>Inhalt</a:t>
             </a:r>
             <a:endParaRPr lang="de-CH" dirty="0"/>
@@ -3251,6 +3457,10 @@
               <a:rPr lang="de-CH" dirty="0" err="1" smtClean="0"/>
               <a:t>Reflection</a:t>
             </a:r>
+            <a:r>
+              <a:rPr lang="de-CH" dirty="0" smtClean="0"/>
+              <a:t> (Wollen wir nicht präsentieren)</a:t>
+            </a:r>
             <a:endParaRPr lang="de-CH" dirty="0"/>
           </a:p>
           <a:p>
@@ -3260,8 +3470,25 @@
             </a:r>
             <a:r>
               <a:rPr lang="de-CH" dirty="0" smtClean="0"/>
-              <a:t> Collection</a:t>
-            </a:r>
+              <a:t> </a:t>
+            </a:r>
+            <a:r>
+              <a:rPr lang="de-CH" dirty="0" smtClean="0"/>
+              <a:t>Collection (</a:t>
+            </a:r>
+            <a:r>
+              <a:rPr lang="de-CH" dirty="0" err="1" smtClean="0"/>
+              <a:t>go</a:t>
+            </a:r>
+            <a:r>
+              <a:rPr lang="de-CH" dirty="0" smtClean="0"/>
+              <a:t> </a:t>
+            </a:r>
+            <a:r>
+              <a:rPr lang="de-CH" dirty="0" err="1" smtClean="0"/>
+              <a:t>runtime</a:t>
+            </a:r>
+            <a:endParaRPr lang="de-CH" dirty="0" smtClean="0"/>
           </a:p>
           <a:p>
             <a:r>
@@ -3276,11 +3503,7 @@
             </a:r>
             <a:r>
               <a:rPr lang="de-CH" dirty="0" smtClean="0"/>
-              <a:t> (anderes Team</a:t>
-            </a:r>
-            <a:r>
-              <a:rPr lang="de-CH" dirty="0" smtClean="0"/>
-              <a:t>?)</a:t>
+              <a:t> (anderes Team?)</a:t>
             </a:r>
           </a:p>
           <a:p>
@@ -3308,7 +3531,7 @@
 </p:sld>
 </file>
 
-<file path=ppt/slides/slide4.xml><?xml version="1.0" encoding="utf-8"?>
+<file path=ppt/slides/slide5.xml><?xml version="1.0" encoding="utf-8"?>
 <p:sld xmlns:a="http://schemas.openxmlformats.org/drawingml/2006/main" xmlns:r="http://schemas.openxmlformats.org/officeDocument/2006/relationships" xmlns:p="http://schemas.openxmlformats.org/presentationml/2006/main">
   <p:cSld>
     <p:spTree>
@@ -3385,78 +3608,6 @@
 </p:sld>
 </file>
 
-<file path=ppt/slides/slide5.xml><?xml version="1.0" encoding="utf-8"?>
-<p:sld xmlns:a="http://schemas.openxmlformats.org/drawingml/2006/main" xmlns:r="http://schemas.openxmlformats.org/officeDocument/2006/relationships" xmlns:p="http://schemas.openxmlformats.org/presentationml/2006/main">
-  <p:cSld>
-    <p:spTree>
-      <p:nvGrpSpPr>
-        <p:cNvPr id="1" name=""/>
-        <p:cNvGrpSpPr/>
-        <p:nvPr/>
-      </p:nvGrpSpPr>
-      <p:grpSpPr>
-        <a:xfrm>
-          <a:off x="0" y="0"/>
-          <a:ext cx="0" cy="0"/>
-          <a:chOff x="0" y="0"/>
-          <a:chExt cx="0" cy="0"/>
-        </a:xfrm>
-      </p:grpSpPr>
-      <p:sp>
-        <p:nvSpPr>
-          <p:cNvPr id="2" name="Titel 1"/>
-          <p:cNvSpPr>
-            <a:spLocks noGrp="1"/>
-          </p:cNvSpPr>
-          <p:nvPr>
-            <p:ph type="title"/>
-          </p:nvPr>
-        </p:nvSpPr>
-        <p:spPr/>
-        <p:txBody>
-          <a:bodyPr/>
-          <a:lstStyle/>
-          <a:p>
-            <a:r>
-              <a:rPr lang="de-CH" dirty="0" smtClean="0"/>
-              <a:t>Multiple Return Values</a:t>
-            </a:r>
-            <a:endParaRPr lang="de-CH" dirty="0"/>
-          </a:p>
-        </p:txBody>
-      </p:sp>
-      <p:sp>
-        <p:nvSpPr>
-          <p:cNvPr id="3" name="Inhaltsplatzhalter 2"/>
-          <p:cNvSpPr>
-            <a:spLocks noGrp="1"/>
-          </p:cNvSpPr>
-          <p:nvPr>
-            <p:ph idx="1"/>
-          </p:nvPr>
-        </p:nvSpPr>
-        <p:spPr/>
-        <p:txBody>
-          <a:bodyPr/>
-          <a:lstStyle/>
-          <a:p>
-            <a:endParaRPr lang="de-CH"/>
-          </a:p>
-        </p:txBody>
-      </p:sp>
-    </p:spTree>
-    <p:extLst>
-      <p:ext uri="{BB962C8B-B14F-4D97-AF65-F5344CB8AC3E}">
-        <p14:creationId xmlns:p14="http://schemas.microsoft.com/office/powerpoint/2010/main" val="292546015"/>
-      </p:ext>
-    </p:extLst>
-  </p:cSld>
-  <p:clrMapOvr>
-    <a:masterClrMapping/>
-  </p:clrMapOvr>
-</p:sld>
-</file>
-
 <file path=ppt/slides/slide6.xml><?xml version="1.0" encoding="utf-8"?>
 <p:sld xmlns:a="http://schemas.openxmlformats.org/drawingml/2006/main" xmlns:r="http://schemas.openxmlformats.org/officeDocument/2006/relationships" xmlns:p="http://schemas.openxmlformats.org/presentationml/2006/main">
   <p:cSld>
@@ -3491,23 +3642,7 @@
           <a:p>
             <a:r>
               <a:rPr lang="de-CH" dirty="0" smtClean="0"/>
-              <a:t>Komposition mit </a:t>
-            </a:r>
-            <a:r>
-              <a:rPr lang="de-CH" dirty="0" err="1" smtClean="0"/>
-              <a:t>Mixins</a:t>
-            </a:r>
-            <a:r>
-              <a:rPr lang="de-CH" dirty="0" smtClean="0"/>
-              <a:t> (</a:t>
-            </a:r>
-            <a:r>
-              <a:rPr lang="de-CH" dirty="0" err="1" smtClean="0"/>
-              <a:t>Inheritance</a:t>
-            </a:r>
-            <a:r>
-              <a:rPr lang="de-CH" dirty="0" smtClean="0"/>
-              <a:t>)</a:t>
+              <a:t>Multiple Return Values</a:t>
             </a:r>
             <a:endParaRPr lang="de-CH" dirty="0"/>
           </a:p>
@@ -3535,7 +3670,7 @@
     </p:spTree>
     <p:extLst>
       <p:ext uri="{BB962C8B-B14F-4D97-AF65-F5344CB8AC3E}">
-        <p14:creationId xmlns:p14="http://schemas.microsoft.com/office/powerpoint/2010/main" val="847568716"/>
+        <p14:creationId xmlns:p14="http://schemas.microsoft.com/office/powerpoint/2010/main" val="292546015"/>
       </p:ext>
     </p:extLst>
   </p:cSld>
@@ -3578,8 +3713,24 @@
           <a:lstStyle/>
           <a:p>
             <a:r>
+              <a:rPr lang="de-CH" dirty="0" smtClean="0"/>
+              <a:t>Komposition mit </a:t>
+            </a:r>
+            <a:r>
               <a:rPr lang="de-CH" dirty="0" err="1" smtClean="0"/>
-              <a:t>Reflection</a:t>
+              <a:t>Mixins</a:t>
+            </a:r>
+            <a:r>
+              <a:rPr lang="de-CH" dirty="0" smtClean="0"/>
+              <a:t> (</a:t>
+            </a:r>
+            <a:r>
+              <a:rPr lang="de-CH" dirty="0" err="1" smtClean="0"/>
+              <a:t>Inheritance</a:t>
+            </a:r>
+            <a:r>
+              <a:rPr lang="de-CH" dirty="0" smtClean="0"/>
+              <a:t>)</a:t>
             </a:r>
             <a:endParaRPr lang="de-CH" dirty="0"/>
           </a:p>
@@ -3607,7 +3758,7 @@
     </p:spTree>
     <p:extLst>
       <p:ext uri="{BB962C8B-B14F-4D97-AF65-F5344CB8AC3E}">
-        <p14:creationId xmlns:p14="http://schemas.microsoft.com/office/powerpoint/2010/main" val="4282711948"/>
+        <p14:creationId xmlns:p14="http://schemas.microsoft.com/office/powerpoint/2010/main" val="847568716"/>
       </p:ext>
     </p:extLst>
   </p:cSld>
@@ -3650,8 +3801,8 @@
           <a:lstStyle/>
           <a:p>
             <a:r>
-              <a:rPr lang="de-CH" dirty="0" smtClean="0"/>
-              <a:t>Fazit Team</a:t>
+              <a:rPr lang="de-CH" dirty="0" err="1" smtClean="0"/>
+              <a:t>Reflection</a:t>
             </a:r>
             <a:endParaRPr lang="de-CH" dirty="0"/>
           </a:p>
@@ -3672,14 +3823,14 @@
           <a:bodyPr/>
           <a:lstStyle/>
           <a:p>
-            <a:endParaRPr lang="de-CH" dirty="0"/>
+            <a:endParaRPr lang="de-CH"/>
           </a:p>
         </p:txBody>
       </p:sp>
     </p:spTree>
     <p:extLst>
       <p:ext uri="{BB962C8B-B14F-4D97-AF65-F5344CB8AC3E}">
-        <p14:creationId xmlns:p14="http://schemas.microsoft.com/office/powerpoint/2010/main" val="1796784916"/>
+        <p14:creationId xmlns:p14="http://schemas.microsoft.com/office/powerpoint/2010/main" val="4282711948"/>
       </p:ext>
     </p:extLst>
   </p:cSld>
@@ -3723,7 +3874,7 @@
           <a:p>
             <a:r>
               <a:rPr lang="de-CH" dirty="0" smtClean="0"/>
-              <a:t>Fazit Alex</a:t>
+              <a:t>Fazit Team</a:t>
             </a:r>
             <a:endParaRPr lang="de-CH" dirty="0"/>
           </a:p>
@@ -3744,14 +3895,14 @@
           <a:bodyPr/>
           <a:lstStyle/>
           <a:p>
-            <a:endParaRPr lang="de-CH"/>
+            <a:endParaRPr lang="de-CH" dirty="0"/>
           </a:p>
         </p:txBody>
       </p:sp>
     </p:spTree>
     <p:extLst>
       <p:ext uri="{BB962C8B-B14F-4D97-AF65-F5344CB8AC3E}">
-        <p14:creationId xmlns:p14="http://schemas.microsoft.com/office/powerpoint/2010/main" val="1362767083"/>
+        <p14:creationId xmlns:p14="http://schemas.microsoft.com/office/powerpoint/2010/main" val="1796784916"/>
       </p:ext>
     </p:extLst>
   </p:cSld>

--- a/presi/presi.pptx
+++ b/presi/presi.pptx
@@ -6,16 +6,15 @@
   </p:sldMasterIdLst>
   <p:sldIdLst>
     <p:sldId id="256" r:id="rId2"/>
-    <p:sldId id="262" r:id="rId3"/>
-    <p:sldId id="266" r:id="rId4"/>
-    <p:sldId id="257" r:id="rId5"/>
-    <p:sldId id="258" r:id="rId6"/>
+    <p:sldId id="257" r:id="rId3"/>
+    <p:sldId id="262" r:id="rId4"/>
+    <p:sldId id="258" r:id="rId5"/>
+    <p:sldId id="260" r:id="rId6"/>
     <p:sldId id="259" r:id="rId7"/>
-    <p:sldId id="260" r:id="rId8"/>
-    <p:sldId id="261" r:id="rId9"/>
-    <p:sldId id="263" r:id="rId10"/>
-    <p:sldId id="264" r:id="rId11"/>
-    <p:sldId id="265" r:id="rId12"/>
+    <p:sldId id="267" r:id="rId8"/>
+    <p:sldId id="263" r:id="rId9"/>
+    <p:sldId id="264" r:id="rId10"/>
+    <p:sldId id="265" r:id="rId11"/>
   </p:sldIdLst>
   <p:sldSz cx="12192000" cy="6858000"/>
   <p:notesSz cx="6858000" cy="9144000"/>
@@ -3063,78 +3062,6 @@
           <a:p>
             <a:r>
               <a:rPr lang="de-CH" dirty="0" smtClean="0"/>
-              <a:t>Fazit Alex</a:t>
-            </a:r>
-            <a:endParaRPr lang="de-CH" dirty="0"/>
-          </a:p>
-        </p:txBody>
-      </p:sp>
-      <p:sp>
-        <p:nvSpPr>
-          <p:cNvPr id="3" name="Inhaltsplatzhalter 2"/>
-          <p:cNvSpPr>
-            <a:spLocks noGrp="1"/>
-          </p:cNvSpPr>
-          <p:nvPr>
-            <p:ph idx="1"/>
-          </p:nvPr>
-        </p:nvSpPr>
-        <p:spPr/>
-        <p:txBody>
-          <a:bodyPr/>
-          <a:lstStyle/>
-          <a:p>
-            <a:endParaRPr lang="de-CH"/>
-          </a:p>
-        </p:txBody>
-      </p:sp>
-    </p:spTree>
-    <p:extLst>
-      <p:ext uri="{BB962C8B-B14F-4D97-AF65-F5344CB8AC3E}">
-        <p14:creationId xmlns:p14="http://schemas.microsoft.com/office/powerpoint/2010/main" val="1362767083"/>
-      </p:ext>
-    </p:extLst>
-  </p:cSld>
-  <p:clrMapOvr>
-    <a:masterClrMapping/>
-  </p:clrMapOvr>
-</p:sld>
-</file>
-
-<file path=ppt/slides/slide11.xml><?xml version="1.0" encoding="utf-8"?>
-<p:sld xmlns:a="http://schemas.openxmlformats.org/drawingml/2006/main" xmlns:r="http://schemas.openxmlformats.org/officeDocument/2006/relationships" xmlns:p="http://schemas.openxmlformats.org/presentationml/2006/main">
-  <p:cSld>
-    <p:spTree>
-      <p:nvGrpSpPr>
-        <p:cNvPr id="1" name=""/>
-        <p:cNvGrpSpPr/>
-        <p:nvPr/>
-      </p:nvGrpSpPr>
-      <p:grpSpPr>
-        <a:xfrm>
-          <a:off x="0" y="0"/>
-          <a:ext cx="0" cy="0"/>
-          <a:chOff x="0" y="0"/>
-          <a:chExt cx="0" cy="0"/>
-        </a:xfrm>
-      </p:grpSpPr>
-      <p:sp>
-        <p:nvSpPr>
-          <p:cNvPr id="2" name="Titel 1"/>
-          <p:cNvSpPr>
-            <a:spLocks noGrp="1"/>
-          </p:cNvSpPr>
-          <p:nvPr>
-            <p:ph type="title"/>
-          </p:nvPr>
-        </p:nvSpPr>
-        <p:spPr/>
-        <p:txBody>
-          <a:bodyPr/>
-          <a:lstStyle/>
-          <a:p>
-            <a:r>
-              <a:rPr lang="de-CH" dirty="0" smtClean="0"/>
               <a:t>Fazit Fabian</a:t>
             </a:r>
             <a:endParaRPr lang="de-CH" dirty="0"/>
@@ -3192,6 +3119,29 @@
       </p:grpSpPr>
       <p:sp>
         <p:nvSpPr>
+          <p:cNvPr id="2" name="Titel 1"/>
+          <p:cNvSpPr>
+            <a:spLocks noGrp="1"/>
+          </p:cNvSpPr>
+          <p:nvPr>
+            <p:ph type="title"/>
+          </p:nvPr>
+        </p:nvSpPr>
+        <p:spPr/>
+        <p:txBody>
+          <a:bodyPr/>
+          <a:lstStyle/>
+          <a:p>
+            <a:r>
+              <a:rPr lang="de-CH" dirty="0" smtClean="0"/>
+              <a:t>Inhalt</a:t>
+            </a:r>
+            <a:endParaRPr lang="de-CH" dirty="0"/>
+          </a:p>
+        </p:txBody>
+      </p:sp>
+      <p:sp>
+        <p:nvSpPr>
           <p:cNvPr id="3" name="Inhaltsplatzhalter 2"/>
           <p:cNvSpPr>
             <a:spLocks noGrp="1"/>
@@ -3202,83 +3152,367 @@
         </p:nvSpPr>
         <p:spPr/>
         <p:txBody>
-          <a:bodyPr/>
-          <a:lstStyle/>
-          <a:p>
-            <a:pPr marL="0" indent="0" algn="ctr">
+          <a:bodyPr>
+            <a:normAutofit/>
+          </a:bodyPr>
+          <a:lstStyle/>
+          <a:p>
+            <a:r>
+              <a:rPr lang="de-CH" dirty="0" smtClean="0"/>
+              <a:t>Go</a:t>
+            </a:r>
+          </a:p>
+          <a:p>
+            <a:r>
+              <a:rPr lang="de-CH" dirty="0" smtClean="0"/>
+              <a:t>Themen</a:t>
+            </a:r>
+          </a:p>
+          <a:p>
+            <a:pPr lvl="1"/>
+            <a:r>
+              <a:rPr lang="de-CH" dirty="0" smtClean="0"/>
+              <a:t>Slice</a:t>
+            </a:r>
+            <a:endParaRPr lang="de-CH" dirty="0" smtClean="0"/>
+          </a:p>
+          <a:p>
+            <a:pPr lvl="1"/>
+            <a:r>
+              <a:rPr lang="de-CH" dirty="0" smtClean="0"/>
+              <a:t>Vererbung durch </a:t>
+            </a:r>
+            <a:r>
+              <a:rPr lang="de-CH" dirty="0" smtClean="0"/>
+              <a:t>Komposition</a:t>
+            </a:r>
+          </a:p>
+          <a:p>
+            <a:pPr lvl="1"/>
+            <a:r>
+              <a:rPr lang="de-CH" dirty="0" err="1" smtClean="0"/>
+              <a:t>Reflection</a:t>
+            </a:r>
+            <a:r>
+              <a:rPr lang="de-CH" dirty="0" smtClean="0"/>
+              <a:t>? </a:t>
+            </a:r>
+            <a:r>
+              <a:rPr lang="de-CH" dirty="0" err="1" smtClean="0"/>
+              <a:t>Garbage</a:t>
+            </a:r>
+            <a:r>
+              <a:rPr lang="de-CH" dirty="0" smtClean="0"/>
+              <a:t> </a:t>
+            </a:r>
+            <a:r>
+              <a:rPr lang="de-CH" dirty="0" err="1" smtClean="0"/>
+              <a:t>Collector</a:t>
+            </a:r>
+            <a:r>
+              <a:rPr lang="de-CH" dirty="0" smtClean="0"/>
+              <a:t>? (zu definieren)</a:t>
+            </a:r>
+            <a:endParaRPr lang="de-CH" dirty="0" smtClean="0"/>
+          </a:p>
+          <a:p>
+            <a:pPr lvl="1"/>
+            <a:r>
+              <a:rPr lang="de-CH" dirty="0" smtClean="0"/>
+              <a:t>Multiple </a:t>
+            </a:r>
+            <a:r>
+              <a:rPr lang="de-CH" dirty="0" smtClean="0"/>
+              <a:t>Return Values (anderes Team?)</a:t>
+            </a:r>
+          </a:p>
+          <a:p>
+            <a:pPr lvl="1"/>
+            <a:r>
+              <a:rPr lang="de-CH" dirty="0" err="1" smtClean="0"/>
+              <a:t>Concurrency</a:t>
+            </a:r>
+            <a:r>
+              <a:rPr lang="de-CH" dirty="0" smtClean="0"/>
+              <a:t> (anderes Team</a:t>
+            </a:r>
+            <a:r>
+              <a:rPr lang="de-CH" dirty="0" smtClean="0"/>
+              <a:t>?)</a:t>
+            </a:r>
+            <a:endParaRPr lang="de-CH" dirty="0"/>
+          </a:p>
+          <a:p>
+            <a:r>
+              <a:rPr lang="de-CH" dirty="0" smtClean="0"/>
+              <a:t>Fazit</a:t>
+            </a:r>
+            <a:endParaRPr lang="de-CH" dirty="0"/>
+          </a:p>
+        </p:txBody>
+      </p:sp>
+    </p:spTree>
+    <p:extLst>
+      <p:ext uri="{BB962C8B-B14F-4D97-AF65-F5344CB8AC3E}">
+        <p14:creationId xmlns:p14="http://schemas.microsoft.com/office/powerpoint/2010/main" val="3352374294"/>
+      </p:ext>
+    </p:extLst>
+  </p:cSld>
+  <p:clrMapOvr>
+    <a:masterClrMapping/>
+  </p:clrMapOvr>
+</p:sld>
+</file>
+
+<file path=ppt/slides/slide3.xml><?xml version="1.0" encoding="utf-8"?>
+<p:sld xmlns:a="http://schemas.openxmlformats.org/drawingml/2006/main" xmlns:r="http://schemas.openxmlformats.org/officeDocument/2006/relationships" xmlns:p="http://schemas.openxmlformats.org/presentationml/2006/main">
+  <p:cSld>
+    <p:spTree>
+      <p:nvGrpSpPr>
+        <p:cNvPr id="1" name=""/>
+        <p:cNvGrpSpPr/>
+        <p:nvPr/>
+      </p:nvGrpSpPr>
+      <p:grpSpPr>
+        <a:xfrm>
+          <a:off x="0" y="0"/>
+          <a:ext cx="0" cy="0"/>
+          <a:chOff x="0" y="0"/>
+          <a:chExt cx="0" cy="0"/>
+        </a:xfrm>
+      </p:grpSpPr>
+      <p:sp>
+        <p:nvSpPr>
+          <p:cNvPr id="3" name="Inhaltsplatzhalter 2"/>
+          <p:cNvSpPr>
+            <a:spLocks noGrp="1"/>
+          </p:cNvSpPr>
+          <p:nvPr>
+            <p:ph idx="1"/>
+          </p:nvPr>
+        </p:nvSpPr>
+        <p:spPr/>
+        <p:txBody>
+          <a:bodyPr>
+            <a:normAutofit/>
+          </a:bodyPr>
+          <a:lstStyle/>
+          <a:p>
+            <a:pPr marL="0" indent="0">
               <a:buNone/>
             </a:pPr>
             <a:r>
               <a:rPr lang="en-US" dirty="0" smtClean="0"/>
-              <a:t>System </a:t>
+              <a:t>Google, </a:t>
             </a:r>
             <a:r>
               <a:rPr lang="en-US" dirty="0" err="1" smtClean="0"/>
-              <a:t>Programmierung</a:t>
+              <a:t>OpenSource</a:t>
+            </a:r>
+            <a:r>
+              <a:rPr lang="en-US" dirty="0" smtClean="0"/>
+              <a:t> </a:t>
+            </a:r>
+            <a:r>
+              <a:rPr lang="en-US" dirty="0" smtClean="0"/>
+              <a:t>2009, First official Release 2012</a:t>
             </a:r>
             <a:endParaRPr lang="en-US" dirty="0" smtClean="0"/>
           </a:p>
           <a:p>
-            <a:pPr marL="0" indent="0" algn="ctr">
-              <a:buNone/>
-            </a:pPr>
-            <a:r>
-              <a:rPr lang="en-US" dirty="0" err="1" smtClean="0"/>
-              <a:t>Cli</a:t>
-            </a:r>
-            <a:endParaRPr lang="en-US" dirty="0" smtClean="0"/>
-          </a:p>
-          <a:p>
-            <a:pPr marL="0" indent="0" algn="ctr">
-              <a:buNone/>
-            </a:pPr>
-            <a:r>
-              <a:rPr lang="en-US" dirty="0" err="1" smtClean="0"/>
-              <a:t>webservice</a:t>
-            </a:r>
-            <a:endParaRPr lang="en-US" dirty="0" smtClean="0"/>
-          </a:p>
-          <a:p>
-            <a:pPr marL="0" indent="0" algn="ctr">
+            <a:pPr marL="0" indent="0">
               <a:buNone/>
             </a:pPr>
             <a:endParaRPr lang="en-US" dirty="0" smtClean="0"/>
           </a:p>
           <a:p>
-            <a:pPr marL="0" indent="0" algn="ctr">
+            <a:pPr marL="0" indent="0">
               <a:buNone/>
             </a:pPr>
             <a:r>
-              <a:rPr lang="en-US" dirty="0" smtClean="0"/>
-              <a:t>“</a:t>
-            </a:r>
-            <a:r>
-              <a:rPr lang="en-US" dirty="0" smtClean="0"/>
+              <a:rPr lang="en-US" i="1" dirty="0"/>
+              <a:t>Go is a programming language designed by Google to help solve Google's problems, and Google has big problems</a:t>
+            </a:r>
+            <a:r>
+              <a:rPr lang="en-US" i="1" dirty="0"/>
+              <a:t>. </a:t>
+            </a:r>
+            <a:endParaRPr lang="en-US" i="1" dirty="0" smtClean="0"/>
+          </a:p>
+          <a:p>
+            <a:pPr marL="0" indent="0">
+              <a:buNone/>
+            </a:pPr>
+            <a:endParaRPr lang="en-US" i="1" dirty="0" smtClean="0"/>
+          </a:p>
+          <a:p>
+            <a:pPr marL="0" indent="0">
+              <a:buNone/>
+            </a:pPr>
+            <a:r>
+              <a:rPr lang="en-US" i="1" dirty="0" smtClean="0"/>
               <a:t>Go </a:t>
             </a:r>
             <a:r>
-              <a:rPr lang="en-US" dirty="0"/>
-              <a:t>is an attempt to combine the ease of programming of an interpreted, dynamically typed language with the efficiency and safety of a statically typed, compiled language</a:t>
-            </a:r>
-            <a:r>
-              <a:rPr lang="en-US" dirty="0" smtClean="0"/>
-              <a:t>.”</a:t>
-            </a:r>
-          </a:p>
-          <a:p>
-            <a:pPr marL="0" indent="0" algn="ctr">
+              <a:rPr lang="en-US" i="1" dirty="0" err="1" smtClean="0"/>
+              <a:t>findet</a:t>
+            </a:r>
+            <a:r>
+              <a:rPr lang="en-US" i="1" dirty="0" smtClean="0"/>
+              <a:t> </a:t>
+            </a:r>
+            <a:r>
+              <a:rPr lang="en-US" i="1" dirty="0" err="1" smtClean="0"/>
+              <a:t>Einsatz</a:t>
+            </a:r>
+            <a:r>
+              <a:rPr lang="en-US" i="1" dirty="0" smtClean="0"/>
+              <a:t> um CLI-Tools und Backend-Services </a:t>
+            </a:r>
+            <a:r>
+              <a:rPr lang="en-US" i="1" dirty="0" err="1" smtClean="0"/>
+              <a:t>zu</a:t>
+            </a:r>
+            <a:r>
+              <a:rPr lang="en-US" i="1" dirty="0" smtClean="0"/>
+              <a:t> </a:t>
+            </a:r>
+            <a:r>
+              <a:rPr lang="en-US" i="1" dirty="0" err="1" smtClean="0"/>
+              <a:t>realisieren</a:t>
+            </a:r>
+            <a:r>
+              <a:rPr lang="en-US" i="1" dirty="0" smtClean="0"/>
+              <a:t>. </a:t>
+            </a:r>
+            <a:r>
+              <a:rPr lang="en-US" i="1" dirty="0" err="1" smtClean="0"/>
+              <a:t>Auch</a:t>
+            </a:r>
+            <a:r>
+              <a:rPr lang="en-US" i="1" dirty="0" smtClean="0"/>
+              <a:t> </a:t>
+            </a:r>
+            <a:r>
+              <a:rPr lang="en-US" i="1" dirty="0" err="1" smtClean="0"/>
+              <a:t>ganze</a:t>
+            </a:r>
+            <a:r>
+              <a:rPr lang="en-US" i="1" dirty="0" smtClean="0"/>
+              <a:t> </a:t>
+            </a:r>
+            <a:r>
+              <a:rPr lang="en-US" i="1" dirty="0" err="1" smtClean="0"/>
+              <a:t>Webseiten</a:t>
+            </a:r>
+            <a:r>
+              <a:rPr lang="en-US" i="1" dirty="0" smtClean="0"/>
+              <a:t> </a:t>
+            </a:r>
+            <a:r>
+              <a:rPr lang="en-US" i="1" dirty="0" err="1" smtClean="0"/>
+              <a:t>werden</a:t>
+            </a:r>
+            <a:r>
+              <a:rPr lang="en-US" i="1" dirty="0" smtClean="0"/>
+              <a:t> </a:t>
+            </a:r>
+            <a:r>
+              <a:rPr lang="en-US" i="1" dirty="0" err="1" smtClean="0"/>
+              <a:t>bereits</a:t>
+            </a:r>
+            <a:r>
+              <a:rPr lang="en-US" i="1" dirty="0" smtClean="0"/>
+              <a:t> </a:t>
+            </a:r>
+            <a:r>
+              <a:rPr lang="en-US" i="1" dirty="0" err="1" smtClean="0"/>
+              <a:t>mit</a:t>
+            </a:r>
+            <a:r>
+              <a:rPr lang="en-US" i="1" dirty="0" smtClean="0"/>
+              <a:t> Go </a:t>
+            </a:r>
+            <a:r>
+              <a:rPr lang="en-US" i="1" dirty="0" err="1" smtClean="0"/>
+              <a:t>realisiert</a:t>
+            </a:r>
+            <a:r>
+              <a:rPr lang="en-US" i="1" dirty="0" smtClean="0"/>
+              <a:t>.</a:t>
+            </a:r>
+          </a:p>
+          <a:p>
+            <a:pPr marL="0" indent="0">
               <a:buNone/>
             </a:pPr>
             <a:endParaRPr lang="en-US" dirty="0"/>
           </a:p>
           <a:p>
-            <a:pPr marL="0" indent="0" algn="ctr">
+            <a:pPr marL="0" indent="0">
               <a:buNone/>
             </a:pPr>
             <a:r>
-              <a:rPr lang="de-CH" dirty="0"/>
-              <a:t>https://golang.org/doc/faq</a:t>
-            </a:r>
+              <a:rPr lang="en-US" dirty="0" smtClean="0">
+                <a:hlinkClick r:id="rId2"/>
+              </a:rPr>
+              <a:t>https</a:t>
+            </a:r>
+            <a:r>
+              <a:rPr lang="en-US" dirty="0">
+                <a:hlinkClick r:id="rId2"/>
+              </a:rPr>
+              <a:t>://</a:t>
+            </a:r>
+            <a:r>
+              <a:rPr lang="en-US" dirty="0" smtClean="0">
+                <a:hlinkClick r:id="rId2"/>
+              </a:rPr>
+              <a:t>talks.golang.org/2012/splash.article</a:t>
+            </a:r>
+            <a:endParaRPr lang="en-US" dirty="0"/>
+          </a:p>
+          <a:p>
+            <a:pPr marL="457200" lvl="1" indent="0">
+              <a:buNone/>
+            </a:pPr>
+            <a:endParaRPr lang="en-US" dirty="0"/>
+          </a:p>
+        </p:txBody>
+      </p:sp>
+      <p:sp>
+        <p:nvSpPr>
+          <p:cNvPr id="4" name="Titel 1"/>
+          <p:cNvSpPr>
+            <a:spLocks noGrp="1"/>
+          </p:cNvSpPr>
+          <p:nvPr>
+            <p:ph type="title"/>
+          </p:nvPr>
+        </p:nvSpPr>
+        <p:spPr>
+          <a:xfrm>
+            <a:off x="838200" y="365125"/>
+            <a:ext cx="10515600" cy="1325563"/>
+          </a:xfrm>
+        </p:spPr>
+        <p:txBody>
+          <a:bodyPr/>
+          <a:lstStyle/>
+          <a:p>
+            <a:r>
+              <a:rPr lang="de-CH" dirty="0" smtClean="0"/>
+              <a:t>Go (</a:t>
+            </a:r>
+            <a:r>
+              <a:rPr lang="de-CH" dirty="0" err="1" smtClean="0"/>
+              <a:t>golang</a:t>
+            </a:r>
+            <a:r>
+              <a:rPr lang="de-CH" dirty="0" smtClean="0"/>
+              <a:t>)</a:t>
+            </a:r>
+            <a:endParaRPr lang="de-CH" dirty="0"/>
           </a:p>
         </p:txBody>
       </p:sp>
@@ -3302,88 +3536,6 @@
 </p:sld>
 </file>
 
-<file path=ppt/slides/slide3.xml><?xml version="1.0" encoding="utf-8"?>
-<p:sld xmlns:a="http://schemas.openxmlformats.org/drawingml/2006/main" xmlns:r="http://schemas.openxmlformats.org/officeDocument/2006/relationships" xmlns:p="http://schemas.openxmlformats.org/presentationml/2006/main">
-  <p:cSld>
-    <p:spTree>
-      <p:nvGrpSpPr>
-        <p:cNvPr id="1" name=""/>
-        <p:cNvGrpSpPr/>
-        <p:nvPr/>
-      </p:nvGrpSpPr>
-      <p:grpSpPr>
-        <a:xfrm>
-          <a:off x="0" y="0"/>
-          <a:ext cx="0" cy="0"/>
-          <a:chOff x="0" y="0"/>
-          <a:chExt cx="0" cy="0"/>
-        </a:xfrm>
-      </p:grpSpPr>
-      <p:sp>
-        <p:nvSpPr>
-          <p:cNvPr id="2" name="Titel 1"/>
-          <p:cNvSpPr>
-            <a:spLocks noGrp="1"/>
-          </p:cNvSpPr>
-          <p:nvPr>
-            <p:ph type="title"/>
-          </p:nvPr>
-        </p:nvSpPr>
-        <p:spPr/>
-        <p:txBody>
-          <a:bodyPr/>
-          <a:lstStyle/>
-          <a:p>
-            <a:r>
-              <a:rPr lang="de-CH" dirty="0" smtClean="0"/>
-              <a:t>Warum und wofür</a:t>
-            </a:r>
-            <a:endParaRPr lang="de-CH" dirty="0"/>
-          </a:p>
-        </p:txBody>
-      </p:sp>
-      <p:sp>
-        <p:nvSpPr>
-          <p:cNvPr id="3" name="Inhaltsplatzhalter 2"/>
-          <p:cNvSpPr>
-            <a:spLocks noGrp="1"/>
-          </p:cNvSpPr>
-          <p:nvPr>
-            <p:ph idx="1"/>
-          </p:nvPr>
-        </p:nvSpPr>
-        <p:spPr/>
-        <p:txBody>
-          <a:bodyPr/>
-          <a:lstStyle/>
-          <a:p>
-            <a:r>
-              <a:rPr lang="de-CH" dirty="0" smtClean="0"/>
-              <a:t>Docker</a:t>
-            </a:r>
-          </a:p>
-          <a:p>
-            <a:r>
-              <a:rPr lang="de-CH" dirty="0" smtClean="0"/>
-              <a:t>Golang.org</a:t>
-            </a:r>
-            <a:endParaRPr lang="de-CH" dirty="0"/>
-          </a:p>
-        </p:txBody>
-      </p:sp>
-    </p:spTree>
-    <p:extLst>
-      <p:ext uri="{BB962C8B-B14F-4D97-AF65-F5344CB8AC3E}">
-        <p14:creationId xmlns:p14="http://schemas.microsoft.com/office/powerpoint/2010/main" val="1790229670"/>
-      </p:ext>
-    </p:extLst>
-  </p:cSld>
-  <p:clrMapOvr>
-    <a:masterClrMapping/>
-  </p:clrMapOvr>
-</p:sld>
-</file>
-
 <file path=ppt/slides/slide4.xml><?xml version="1.0" encoding="utf-8"?>
 <p:sld xmlns:a="http://schemas.openxmlformats.org/drawingml/2006/main" xmlns:r="http://schemas.openxmlformats.org/officeDocument/2006/relationships" xmlns:p="http://schemas.openxmlformats.org/presentationml/2006/main">
   <p:cSld>
@@ -3418,101 +3570,7 @@
           <a:p>
             <a:r>
               <a:rPr lang="de-CH" dirty="0" smtClean="0"/>
-              <a:t>Inhalt</a:t>
-            </a:r>
-            <a:endParaRPr lang="de-CH" dirty="0"/>
-          </a:p>
-        </p:txBody>
-      </p:sp>
-      <p:sp>
-        <p:nvSpPr>
-          <p:cNvPr id="3" name="Inhaltsplatzhalter 2"/>
-          <p:cNvSpPr>
-            <a:spLocks noGrp="1"/>
-          </p:cNvSpPr>
-          <p:nvPr>
-            <p:ph idx="1"/>
-          </p:nvPr>
-        </p:nvSpPr>
-        <p:spPr/>
-        <p:txBody>
-          <a:bodyPr>
-            <a:normAutofit/>
-          </a:bodyPr>
-          <a:lstStyle/>
-          <a:p>
-            <a:r>
-              <a:rPr lang="de-CH" dirty="0" smtClean="0"/>
               <a:t>Slice</a:t>
-            </a:r>
-          </a:p>
-          <a:p>
-            <a:r>
-              <a:rPr lang="de-CH" dirty="0" smtClean="0"/>
-              <a:t>Vererbung durch Komposition</a:t>
-            </a:r>
-          </a:p>
-          <a:p>
-            <a:r>
-              <a:rPr lang="de-CH" dirty="0" err="1" smtClean="0"/>
-              <a:t>Reflection</a:t>
-            </a:r>
-            <a:r>
-              <a:rPr lang="de-CH" dirty="0" smtClean="0"/>
-              <a:t> (Wollen wir nicht präsentieren)</a:t>
-            </a:r>
-            <a:endParaRPr lang="de-CH" dirty="0"/>
-          </a:p>
-          <a:p>
-            <a:r>
-              <a:rPr lang="de-CH" dirty="0" err="1" smtClean="0"/>
-              <a:t>Garbage</a:t>
-            </a:r>
-            <a:r>
-              <a:rPr lang="de-CH" dirty="0" smtClean="0"/>
-              <a:t> </a:t>
-            </a:r>
-            <a:r>
-              <a:rPr lang="de-CH" dirty="0" smtClean="0"/>
-              <a:t>Collection (</a:t>
-            </a:r>
-            <a:r>
-              <a:rPr lang="de-CH" dirty="0" err="1" smtClean="0"/>
-              <a:t>go</a:t>
-            </a:r>
-            <a:r>
-              <a:rPr lang="de-CH" dirty="0" smtClean="0"/>
-              <a:t> </a:t>
-            </a:r>
-            <a:r>
-              <a:rPr lang="de-CH" dirty="0" err="1" smtClean="0"/>
-              <a:t>runtime</a:t>
-            </a:r>
-            <a:endParaRPr lang="de-CH" dirty="0" smtClean="0"/>
-          </a:p>
-          <a:p>
-            <a:r>
-              <a:rPr lang="de-CH" dirty="0" smtClean="0"/>
-              <a:t>Multiple Return Values (anderes Team?)</a:t>
-            </a:r>
-          </a:p>
-          <a:p>
-            <a:r>
-              <a:rPr lang="de-CH" dirty="0" err="1" smtClean="0"/>
-              <a:t>Concurrency</a:t>
-            </a:r>
-            <a:r>
-              <a:rPr lang="de-CH" dirty="0" smtClean="0"/>
-              <a:t> (anderes Team?)</a:t>
-            </a:r>
-          </a:p>
-          <a:p>
-            <a:endParaRPr lang="de-CH" dirty="0"/>
-          </a:p>
-          <a:p>
-            <a:r>
-              <a:rPr lang="de-CH" dirty="0" smtClean="0"/>
-              <a:t>Fazit</a:t>
             </a:r>
             <a:endParaRPr lang="de-CH" dirty="0"/>
           </a:p>
@@ -3521,7 +3579,7 @@
     </p:spTree>
     <p:extLst>
       <p:ext uri="{BB962C8B-B14F-4D97-AF65-F5344CB8AC3E}">
-        <p14:creationId xmlns:p14="http://schemas.microsoft.com/office/powerpoint/2010/main" val="3352374294"/>
+        <p14:creationId xmlns:p14="http://schemas.microsoft.com/office/powerpoint/2010/main" val="3859172446"/>
       </p:ext>
     </p:extLst>
   </p:cSld>
@@ -3564,41 +3622,36 @@
           <a:lstStyle/>
           <a:p>
             <a:r>
-              <a:rPr lang="de-CH" dirty="0" smtClean="0"/>
-              <a:t>Slice</a:t>
+              <a:rPr lang="de-CH" dirty="0"/>
+              <a:t>Vererbung durch Komposition</a:t>
             </a:r>
             <a:endParaRPr lang="de-CH" dirty="0"/>
           </a:p>
         </p:txBody>
       </p:sp>
-      <p:pic>
-        <p:nvPicPr>
-          <p:cNvPr id="5" name="Grafik 4"/>
-          <p:cNvPicPr>
-            <a:picLocks noChangeAspect="1"/>
-          </p:cNvPicPr>
-          <p:nvPr/>
-        </p:nvPicPr>
-        <p:blipFill>
-          <a:blip r:embed="rId2"/>
-          <a:stretch>
-            <a:fillRect/>
-          </a:stretch>
-        </p:blipFill>
-        <p:spPr>
-          <a:xfrm>
-            <a:off x="838200" y="1690688"/>
-            <a:ext cx="5210175" cy="2457450"/>
-          </a:xfrm>
-          <a:prstGeom prst="rect">
-            <a:avLst/>
-          </a:prstGeom>
-        </p:spPr>
-      </p:pic>
+      <p:sp>
+        <p:nvSpPr>
+          <p:cNvPr id="3" name="Inhaltsplatzhalter 2"/>
+          <p:cNvSpPr>
+            <a:spLocks noGrp="1"/>
+          </p:cNvSpPr>
+          <p:nvPr>
+            <p:ph idx="1"/>
+          </p:nvPr>
+        </p:nvSpPr>
+        <p:spPr/>
+        <p:txBody>
+          <a:bodyPr/>
+          <a:lstStyle/>
+          <a:p>
+            <a:endParaRPr lang="de-CH"/>
+          </a:p>
+        </p:txBody>
+      </p:sp>
     </p:spTree>
     <p:extLst>
       <p:ext uri="{BB962C8B-B14F-4D97-AF65-F5344CB8AC3E}">
-        <p14:creationId xmlns:p14="http://schemas.microsoft.com/office/powerpoint/2010/main" val="3859172446"/>
+        <p14:creationId xmlns:p14="http://schemas.microsoft.com/office/powerpoint/2010/main" val="847568716"/>
       </p:ext>
     </p:extLst>
   </p:cSld>
@@ -3642,28 +3695,129 @@
           <a:p>
             <a:r>
               <a:rPr lang="de-CH" dirty="0" smtClean="0"/>
-              <a:t>Multiple Return Values</a:t>
+              <a:t>Multiple Return </a:t>
+            </a:r>
+            <a:r>
+              <a:rPr lang="de-CH" dirty="0" smtClean="0"/>
+              <a:t>Values (anderes Team)</a:t>
             </a:r>
             <a:endParaRPr lang="de-CH" dirty="0"/>
           </a:p>
         </p:txBody>
       </p:sp>
-      <p:sp>
-        <p:nvSpPr>
-          <p:cNvPr id="3" name="Inhaltsplatzhalter 2"/>
-          <p:cNvSpPr>
-            <a:spLocks noGrp="1"/>
-          </p:cNvSpPr>
-          <p:nvPr>
-            <p:ph idx="1"/>
-          </p:nvPr>
-        </p:nvSpPr>
-        <p:spPr/>
-        <p:txBody>
-          <a:bodyPr/>
-          <a:lstStyle/>
-          <a:p>
-            <a:endParaRPr lang="de-CH"/>
+      <p:pic>
+        <p:nvPicPr>
+          <p:cNvPr id="4" name="Grafik 3"/>
+          <p:cNvPicPr>
+            <a:picLocks noChangeAspect="1"/>
+          </p:cNvPicPr>
+          <p:nvPr/>
+        </p:nvPicPr>
+        <p:blipFill rotWithShape="1">
+          <a:blip r:embed="rId2"/>
+          <a:srcRect t="41070"/>
+          <a:stretch/>
+        </p:blipFill>
+        <p:spPr>
+          <a:xfrm>
+            <a:off x="1095375" y="2422526"/>
+            <a:ext cx="4438650" cy="3885926"/>
+          </a:xfrm>
+          <a:prstGeom prst="rect">
+            <a:avLst/>
+          </a:prstGeom>
+        </p:spPr>
+      </p:pic>
+      <p:pic>
+        <p:nvPicPr>
+          <p:cNvPr id="5" name="Grafik 4"/>
+          <p:cNvPicPr>
+            <a:picLocks noChangeAspect="1"/>
+          </p:cNvPicPr>
+          <p:nvPr/>
+        </p:nvPicPr>
+        <p:blipFill>
+          <a:blip r:embed="rId3"/>
+          <a:stretch>
+            <a:fillRect/>
+          </a:stretch>
+        </p:blipFill>
+        <p:spPr>
+          <a:xfrm>
+            <a:off x="6210300" y="1562894"/>
+            <a:ext cx="5265144" cy="4745558"/>
+          </a:xfrm>
+          <a:prstGeom prst="rect">
+            <a:avLst/>
+          </a:prstGeom>
+        </p:spPr>
+      </p:pic>
+      <p:pic>
+        <p:nvPicPr>
+          <p:cNvPr id="6" name="Grafik 5"/>
+          <p:cNvPicPr>
+            <a:picLocks noChangeAspect="1"/>
+          </p:cNvPicPr>
+          <p:nvPr/>
+        </p:nvPicPr>
+        <p:blipFill rotWithShape="1">
+          <a:blip r:embed="rId2"/>
+          <a:srcRect b="94367"/>
+          <a:stretch/>
+        </p:blipFill>
+        <p:spPr>
+          <a:xfrm>
+            <a:off x="1095375" y="1562894"/>
+            <a:ext cx="4438650" cy="371476"/>
+          </a:xfrm>
+          <a:prstGeom prst="rect">
+            <a:avLst/>
+          </a:prstGeom>
+        </p:spPr>
+      </p:pic>
+      <p:sp>
+        <p:nvSpPr>
+          <p:cNvPr id="7" name="Textfeld 6"/>
+          <p:cNvSpPr txBox="1"/>
+          <p:nvPr/>
+        </p:nvSpPr>
+        <p:spPr>
+          <a:xfrm>
+            <a:off x="1511300" y="2053194"/>
+            <a:ext cx="1874552" cy="369332"/>
+          </a:xfrm>
+          <a:prstGeom prst="rect">
+            <a:avLst/>
+          </a:prstGeom>
+          <a:noFill/>
+        </p:spPr>
+        <p:txBody>
+          <a:bodyPr wrap="none" rtlCol="0">
+            <a:spAutoFit/>
+          </a:bodyPr>
+          <a:lstStyle/>
+          <a:p>
+            <a:r>
+              <a:rPr lang="de-CH" dirty="0" smtClean="0"/>
+              <a:t>... </a:t>
+            </a:r>
+            <a:r>
+              <a:rPr lang="de-CH" dirty="0" err="1" smtClean="0"/>
+              <a:t>code</a:t>
+            </a:r>
+            <a:r>
+              <a:rPr lang="de-CH" dirty="0" smtClean="0"/>
+              <a:t> </a:t>
+            </a:r>
+            <a:r>
+              <a:rPr lang="de-CH" dirty="0" err="1" smtClean="0"/>
+              <a:t>omitted</a:t>
+            </a:r>
+            <a:r>
+              <a:rPr lang="de-CH" dirty="0" smtClean="0"/>
+              <a:t> …</a:t>
+            </a:r>
+            <a:endParaRPr lang="de-CH" dirty="0"/>
           </a:p>
         </p:txBody>
       </p:sp>
@@ -3713,52 +3867,167 @@
           <a:lstStyle/>
           <a:p>
             <a:r>
+              <a:rPr lang="de-CH" dirty="0" err="1" smtClean="0"/>
+              <a:t>Concurrency</a:t>
+            </a:r>
+            <a:r>
               <a:rPr lang="de-CH" dirty="0" smtClean="0"/>
-              <a:t>Komposition mit </a:t>
-            </a:r>
+              <a:t> (Mit anderem Go-Team abstimmen)</a:t>
+            </a:r>
+            <a:endParaRPr lang="de-CH" dirty="0"/>
+          </a:p>
+        </p:txBody>
+      </p:sp>
+      <p:sp>
+        <p:nvSpPr>
+          <p:cNvPr id="3" name="Inhaltsplatzhalter 2"/>
+          <p:cNvSpPr>
+            <a:spLocks noGrp="1"/>
+          </p:cNvSpPr>
+          <p:nvPr>
+            <p:ph idx="1"/>
+          </p:nvPr>
+        </p:nvSpPr>
+        <p:spPr/>
+        <p:txBody>
+          <a:bodyPr>
+            <a:normAutofit/>
+          </a:bodyPr>
+          <a:lstStyle/>
+          <a:p>
             <a:r>
               <a:rPr lang="de-CH" dirty="0" err="1" smtClean="0"/>
-              <a:t>Mixins</a:t>
-            </a:r>
+              <a:t>Goroutine</a:t>
+            </a:r>
+            <a:endParaRPr lang="de-CH" dirty="0" smtClean="0"/>
+          </a:p>
+          <a:p>
             <a:r>
               <a:rPr lang="de-CH" dirty="0" smtClean="0"/>
-              <a:t> (</a:t>
+              <a:t>Channel (+ </a:t>
             </a:r>
             <a:r>
               <a:rPr lang="de-CH" dirty="0" err="1" smtClean="0"/>
-              <a:t>Inheritance</a:t>
+              <a:t>Buffering</a:t>
             </a:r>
             <a:r>
               <a:rPr lang="de-CH" dirty="0" smtClean="0"/>
               <a:t>)</a:t>
             </a:r>
+          </a:p>
+          <a:p>
+            <a:r>
+              <a:rPr lang="de-CH" dirty="0" smtClean="0"/>
+              <a:t>Channel-Synchronisation</a:t>
+            </a:r>
+          </a:p>
+          <a:p>
+            <a:endParaRPr lang="de-CH" dirty="0" smtClean="0"/>
+          </a:p>
+          <a:p>
+            <a:r>
+              <a:rPr lang="de-CH" dirty="0" smtClean="0"/>
+              <a:t>Wichtige Punkte dazu:</a:t>
+            </a:r>
             <a:endParaRPr lang="de-CH" dirty="0"/>
           </a:p>
-        </p:txBody>
-      </p:sp>
-      <p:sp>
-        <p:nvSpPr>
-          <p:cNvPr id="3" name="Inhaltsplatzhalter 2"/>
-          <p:cNvSpPr>
-            <a:spLocks noGrp="1"/>
-          </p:cNvSpPr>
-          <p:nvPr>
-            <p:ph idx="1"/>
-          </p:nvPr>
-        </p:nvSpPr>
-        <p:spPr/>
-        <p:txBody>
-          <a:bodyPr/>
-          <a:lstStyle/>
-          <a:p>
-            <a:endParaRPr lang="de-CH"/>
+          <a:p>
+            <a:pPr lvl="1"/>
+            <a:r>
+              <a:rPr lang="de-CH" dirty="0" err="1" smtClean="0"/>
+              <a:t>Concurrency</a:t>
+            </a:r>
+            <a:r>
+              <a:rPr lang="de-CH" dirty="0" smtClean="0"/>
+              <a:t> </a:t>
+            </a:r>
+            <a:r>
+              <a:rPr lang="de-CH" dirty="0" err="1" smtClean="0"/>
+              <a:t>is</a:t>
+            </a:r>
+            <a:r>
+              <a:rPr lang="de-CH" dirty="0" smtClean="0"/>
+              <a:t> not </a:t>
+            </a:r>
+            <a:r>
+              <a:rPr lang="de-CH" dirty="0" err="1" smtClean="0"/>
+              <a:t>parellism</a:t>
+            </a:r>
+            <a:endParaRPr lang="de-CH" dirty="0" smtClean="0"/>
+          </a:p>
+          <a:p>
+            <a:pPr lvl="1"/>
+            <a:r>
+              <a:rPr lang="de-CH" dirty="0" err="1" smtClean="0"/>
+              <a:t>Go’s</a:t>
+            </a:r>
+            <a:r>
+              <a:rPr lang="de-CH" dirty="0" smtClean="0"/>
+              <a:t> </a:t>
+            </a:r>
+            <a:r>
+              <a:rPr lang="de-CH" dirty="0" err="1" smtClean="0"/>
+              <a:t>concurrency</a:t>
+            </a:r>
+            <a:r>
+              <a:rPr lang="de-CH" dirty="0" smtClean="0"/>
+              <a:t> </a:t>
+            </a:r>
+            <a:r>
+              <a:rPr lang="de-CH" dirty="0" err="1" smtClean="0"/>
+              <a:t>slogan</a:t>
+            </a:r>
+            <a:r>
+              <a:rPr lang="de-CH" dirty="0" smtClean="0"/>
+              <a:t>: </a:t>
+            </a:r>
+            <a:r>
+              <a:rPr lang="en-US" dirty="0" smtClean="0"/>
+              <a:t>Do </a:t>
+            </a:r>
+            <a:r>
+              <a:rPr lang="en-US" dirty="0"/>
+              <a:t>not communicate by sharing memory; instead, share memory by communicating</a:t>
+            </a:r>
+            <a:r>
+              <a:rPr lang="en-US" dirty="0" smtClean="0"/>
+              <a:t>.</a:t>
+            </a:r>
+          </a:p>
+          <a:p>
+            <a:pPr lvl="1"/>
+            <a:r>
+              <a:rPr lang="en-US" dirty="0" err="1" smtClean="0"/>
+              <a:t>Goroutinen</a:t>
+            </a:r>
+            <a:r>
+              <a:rPr lang="en-US" dirty="0" smtClean="0"/>
+              <a:t> </a:t>
+            </a:r>
+            <a:r>
+              <a:rPr lang="en-US" dirty="0" err="1" smtClean="0"/>
+              <a:t>sind</a:t>
+            </a:r>
+            <a:r>
+              <a:rPr lang="en-US" dirty="0" smtClean="0"/>
+              <a:t> </a:t>
+            </a:r>
+            <a:r>
+              <a:rPr lang="en-US" dirty="0" err="1" smtClean="0"/>
+              <a:t>keine</a:t>
+            </a:r>
+            <a:r>
+              <a:rPr lang="en-US" dirty="0" smtClean="0"/>
+              <a:t> Threads!</a:t>
+            </a:r>
+            <a:endParaRPr lang="de-CH" dirty="0"/>
           </a:p>
         </p:txBody>
       </p:sp>
     </p:spTree>
     <p:extLst>
       <p:ext uri="{BB962C8B-B14F-4D97-AF65-F5344CB8AC3E}">
-        <p14:creationId xmlns:p14="http://schemas.microsoft.com/office/powerpoint/2010/main" val="847568716"/>
+        <p14:creationId xmlns:p14="http://schemas.microsoft.com/office/powerpoint/2010/main" val="2527285512"/>
       </p:ext>
     </p:extLst>
   </p:cSld>
@@ -3801,8 +4070,8 @@
           <a:lstStyle/>
           <a:p>
             <a:r>
-              <a:rPr lang="de-CH" dirty="0" err="1" smtClean="0"/>
-              <a:t>Reflection</a:t>
+              <a:rPr lang="de-CH" dirty="0" smtClean="0"/>
+              <a:t>Fazit Team</a:t>
             </a:r>
             <a:endParaRPr lang="de-CH" dirty="0"/>
           </a:p>
@@ -3823,14 +4092,18 @@
           <a:bodyPr/>
           <a:lstStyle/>
           <a:p>
-            <a:endParaRPr lang="de-CH"/>
+            <a:r>
+              <a:rPr lang="de-CH" dirty="0" smtClean="0"/>
+              <a:t>Schnelle E</a:t>
+            </a:r>
+            <a:endParaRPr lang="de-CH" dirty="0"/>
           </a:p>
         </p:txBody>
       </p:sp>
     </p:spTree>
     <p:extLst>
       <p:ext uri="{BB962C8B-B14F-4D97-AF65-F5344CB8AC3E}">
-        <p14:creationId xmlns:p14="http://schemas.microsoft.com/office/powerpoint/2010/main" val="4282711948"/>
+        <p14:creationId xmlns:p14="http://schemas.microsoft.com/office/powerpoint/2010/main" val="1796784916"/>
       </p:ext>
     </p:extLst>
   </p:cSld>
@@ -3874,7 +4147,7 @@
           <a:p>
             <a:r>
               <a:rPr lang="de-CH" dirty="0" smtClean="0"/>
-              <a:t>Fazit Team</a:t>
+              <a:t>Fazit Alex</a:t>
             </a:r>
             <a:endParaRPr lang="de-CH" dirty="0"/>
           </a:p>
@@ -3895,6 +4168,74 @@
           <a:bodyPr/>
           <a:lstStyle/>
           <a:p>
+            <a:r>
+              <a:rPr lang="de-CH" dirty="0" smtClean="0"/>
+              <a:t>Schnell eingearbeitet</a:t>
+            </a:r>
+          </a:p>
+          <a:p>
+            <a:r>
+              <a:rPr lang="de-CH" dirty="0" err="1" smtClean="0"/>
+              <a:t>Concurrency</a:t>
+            </a:r>
+            <a:r>
+              <a:rPr lang="de-CH" dirty="0" smtClean="0"/>
+              <a:t> macht Spass </a:t>
+            </a:r>
+            <a:r>
+              <a:rPr lang="de-CH" dirty="0" smtClean="0">
+                <a:sym typeface="Wingdings" panose="05000000000000000000" pitchFamily="2" charset="2"/>
+              </a:rPr>
+              <a:t></a:t>
+            </a:r>
+          </a:p>
+          <a:p>
+            <a:r>
+              <a:rPr lang="de-CH" dirty="0" smtClean="0">
+                <a:sym typeface="Wingdings" panose="05000000000000000000" pitchFamily="2" charset="2"/>
+              </a:rPr>
+              <a:t>Alles läuft schnell (Kompilieren</a:t>
+            </a:r>
+            <a:r>
+              <a:rPr lang="de-CH" dirty="0">
+                <a:sym typeface="Wingdings" panose="05000000000000000000" pitchFamily="2" charset="2"/>
+              </a:rPr>
+              <a:t> </a:t>
+            </a:r>
+            <a:r>
+              <a:rPr lang="de-CH" dirty="0" smtClean="0">
+                <a:sym typeface="Wingdings" panose="05000000000000000000" pitchFamily="2" charset="2"/>
+              </a:rPr>
+              <a:t>und </a:t>
+            </a:r>
+            <a:r>
+              <a:rPr lang="de-CH" dirty="0">
+                <a:sym typeface="Wingdings" panose="05000000000000000000" pitchFamily="2" charset="2"/>
+              </a:rPr>
+              <a:t>s</a:t>
+            </a:r>
+            <a:r>
+              <a:rPr lang="de-CH" dirty="0" smtClean="0">
+                <a:sym typeface="Wingdings" panose="05000000000000000000" pitchFamily="2" charset="2"/>
+              </a:rPr>
+              <a:t>tarten eines Go-Programmes)</a:t>
+            </a:r>
+            <a:endParaRPr lang="de-CH" dirty="0"/>
+          </a:p>
+          <a:p>
+            <a:endParaRPr lang="de-CH" dirty="0" smtClean="0"/>
+          </a:p>
+          <a:p>
+            <a:r>
+              <a:rPr lang="de-CH" dirty="0" smtClean="0"/>
+              <a:t>Wahl der Entwicklungsumgebung war nicht einfach.</a:t>
+            </a:r>
+          </a:p>
+          <a:p>
+            <a:r>
+              <a:rPr lang="de-CH" dirty="0" smtClean="0"/>
+              <a:t>Debugging ist nicht wirklich ausgereift.</a:t>
+            </a:r>
             <a:endParaRPr lang="de-CH" dirty="0"/>
           </a:p>
         </p:txBody>
@@ -3902,7 +4243,7 @@
     </p:spTree>
     <p:extLst>
       <p:ext uri="{BB962C8B-B14F-4D97-AF65-F5344CB8AC3E}">
-        <p14:creationId xmlns:p14="http://schemas.microsoft.com/office/powerpoint/2010/main" val="1796784916"/>
+        <p14:creationId xmlns:p14="http://schemas.microsoft.com/office/powerpoint/2010/main" val="1362767083"/>
       </p:ext>
     </p:extLst>
   </p:cSld>

--- a/presi/presi.pptx
+++ b/presi/presi.pptx
@@ -3080,10 +3080,64 @@
         </p:nvSpPr>
         <p:spPr/>
         <p:txBody>
-          <a:bodyPr/>
-          <a:lstStyle/>
-          <a:p>
-            <a:endParaRPr lang="de-CH"/>
+          <a:bodyPr>
+            <a:normAutofit/>
+          </a:bodyPr>
+          <a:lstStyle/>
+          <a:p>
+            <a:pPr marL="0" indent="0" algn="ctr">
+              <a:buNone/>
+            </a:pPr>
+            <a:endParaRPr lang="de-CH" sz="3600" dirty="0" smtClean="0"/>
+          </a:p>
+          <a:p>
+            <a:pPr marL="0" indent="0" algn="ctr">
+              <a:buNone/>
+            </a:pPr>
+            <a:r>
+              <a:rPr lang="de-CH" sz="3600" dirty="0" smtClean="0"/>
+              <a:t>Go </a:t>
+            </a:r>
+            <a:r>
+              <a:rPr lang="de-CH" sz="3600" dirty="0"/>
+              <a:t>in 3 Wörter:</a:t>
+            </a:r>
+          </a:p>
+          <a:p>
+            <a:pPr marL="0" indent="0">
+              <a:buNone/>
+            </a:pPr>
+            <a:endParaRPr lang="de-CH" sz="3600" dirty="0"/>
+          </a:p>
+          <a:p>
+            <a:pPr marL="0" indent="0" algn="ctr">
+              <a:buNone/>
+            </a:pPr>
+            <a:r>
+              <a:rPr lang="de-CH" sz="3600" i="1" dirty="0" smtClean="0"/>
+              <a:t>?</a:t>
+            </a:r>
+          </a:p>
+          <a:p>
+            <a:pPr marL="0" indent="0" algn="ctr">
+              <a:buNone/>
+            </a:pPr>
+            <a:r>
+              <a:rPr lang="de-CH" sz="3600" i="1" dirty="0" smtClean="0"/>
+              <a:t>?</a:t>
+            </a:r>
+          </a:p>
+          <a:p>
+            <a:pPr marL="0" indent="0" algn="ctr">
+              <a:buNone/>
+            </a:pPr>
+            <a:r>
+              <a:rPr lang="de-CH" sz="3600" i="1" dirty="0"/>
+              <a:t>?</a:t>
+            </a:r>
+          </a:p>
+          <a:p>
+            <a:endParaRPr lang="de-CH" sz="3600" dirty="0"/>
           </a:p>
         </p:txBody>
       </p:sp>
@@ -3174,17 +3228,12 @@
               <a:rPr lang="de-CH" dirty="0" smtClean="0"/>
               <a:t>Slice</a:t>
             </a:r>
-            <a:endParaRPr lang="de-CH" dirty="0" smtClean="0"/>
           </a:p>
           <a:p>
             <a:pPr lvl="1"/>
             <a:r>
               <a:rPr lang="de-CH" dirty="0" smtClean="0"/>
-              <a:t>Vererbung durch </a:t>
-            </a:r>
-            <a:r>
-              <a:rPr lang="de-CH" dirty="0" smtClean="0"/>
-              <a:t>Komposition</a:t>
+              <a:t>Vererbung durch Komposition</a:t>
             </a:r>
           </a:p>
           <a:p>
@@ -3213,17 +3262,12 @@
               <a:rPr lang="de-CH" dirty="0" smtClean="0"/>
               <a:t>? (zu definieren)</a:t>
             </a:r>
-            <a:endParaRPr lang="de-CH" dirty="0" smtClean="0"/>
           </a:p>
           <a:p>
             <a:pPr lvl="1"/>
             <a:r>
               <a:rPr lang="de-CH" dirty="0" smtClean="0"/>
-              <a:t>Multiple </a:t>
-            </a:r>
-            <a:r>
-              <a:rPr lang="de-CH" dirty="0" smtClean="0"/>
-              <a:t>Return Values (anderes Team?)</a:t>
+              <a:t>Multiple Return Values (anderes Team?)</a:t>
             </a:r>
           </a:p>
           <a:p>
@@ -3234,11 +3278,7 @@
             </a:r>
             <a:r>
               <a:rPr lang="de-CH" dirty="0" smtClean="0"/>
-              <a:t> (anderes Team</a:t>
-            </a:r>
-            <a:r>
-              <a:rPr lang="de-CH" dirty="0" smtClean="0"/>
-              <a:t>?)</a:t>
+              <a:t> (anderes Team?)</a:t>
             </a:r>
             <a:endParaRPr lang="de-CH" dirty="0"/>
           </a:p>
@@ -3311,13 +3351,8 @@
             </a:r>
             <a:r>
               <a:rPr lang="en-US" dirty="0" smtClean="0"/>
-              <a:t> </a:t>
-            </a:r>
-            <a:r>
-              <a:rPr lang="en-US" dirty="0" smtClean="0"/>
-              <a:t>2009, First official Release 2012</a:t>
-            </a:r>
-            <a:endParaRPr lang="en-US" dirty="0" smtClean="0"/>
+              <a:t> 2009, First official Release 2012</a:t>
+            </a:r>
           </a:p>
           <a:p>
             <a:pPr marL="0" indent="0">
@@ -3331,11 +3366,7 @@
             </a:pPr>
             <a:r>
               <a:rPr lang="en-US" i="1" dirty="0"/>
-              <a:t>Go is a programming language designed by Google to help solve Google's problems, and Google has big problems</a:t>
-            </a:r>
-            <a:r>
-              <a:rPr lang="en-US" i="1" dirty="0"/>
-              <a:t>. </a:t>
+              <a:t>Go is a programming language designed by Google to help solve Google's problems, and Google has big problems. </a:t>
             </a:r>
             <a:endParaRPr lang="en-US" i="1" dirty="0" smtClean="0"/>
           </a:p>
@@ -3625,7 +3656,6 @@
               <a:rPr lang="de-CH" dirty="0"/>
               <a:t>Vererbung durch Komposition</a:t>
             </a:r>
-            <a:endParaRPr lang="de-CH" dirty="0"/>
           </a:p>
         </p:txBody>
       </p:sp>
@@ -3695,11 +3725,7 @@
           <a:p>
             <a:r>
               <a:rPr lang="de-CH" dirty="0" smtClean="0"/>
-              <a:t>Multiple Return </a:t>
-            </a:r>
-            <a:r>
-              <a:rPr lang="de-CH" dirty="0" smtClean="0"/>
-              <a:t>Values (anderes Team)</a:t>
+              <a:t>Multiple Return Values (anderes Team)</a:t>
             </a:r>
             <a:endParaRPr lang="de-CH" dirty="0"/>
           </a:p>
@@ -4168,75 +4194,55 @@
           <a:bodyPr/>
           <a:lstStyle/>
           <a:p>
-            <a:r>
-              <a:rPr lang="de-CH" dirty="0" smtClean="0"/>
-              <a:t>Schnell eingearbeitet</a:t>
-            </a:r>
-          </a:p>
-          <a:p>
-            <a:r>
-              <a:rPr lang="de-CH" dirty="0" err="1" smtClean="0"/>
-              <a:t>Concurrency</a:t>
-            </a:r>
-            <a:r>
-              <a:rPr lang="de-CH" dirty="0" smtClean="0"/>
-              <a:t> macht Spass </a:t>
-            </a:r>
-            <a:r>
-              <a:rPr lang="de-CH" dirty="0" smtClean="0">
-                <a:sym typeface="Wingdings" panose="05000000000000000000" pitchFamily="2" charset="2"/>
-              </a:rPr>
-              <a:t></a:t>
-            </a:r>
-          </a:p>
-          <a:p>
-            <a:r>
-              <a:rPr lang="de-CH" dirty="0" smtClean="0">
-                <a:sym typeface="Wingdings" panose="05000000000000000000" pitchFamily="2" charset="2"/>
-              </a:rPr>
-              <a:t>Alles läuft schnell (Kompilieren</a:t>
-            </a:r>
-            <a:r>
-              <a:rPr lang="de-CH" dirty="0">
-                <a:sym typeface="Wingdings" panose="05000000000000000000" pitchFamily="2" charset="2"/>
-              </a:rPr>
-              <a:t> </a:t>
-            </a:r>
-            <a:r>
-              <a:rPr lang="de-CH" dirty="0" smtClean="0">
-                <a:sym typeface="Wingdings" panose="05000000000000000000" pitchFamily="2" charset="2"/>
-              </a:rPr>
-              <a:t>und </a:t>
-            </a:r>
-            <a:r>
-              <a:rPr lang="de-CH" dirty="0">
-                <a:sym typeface="Wingdings" panose="05000000000000000000" pitchFamily="2" charset="2"/>
-              </a:rPr>
-              <a:t>s</a:t>
-            </a:r>
-            <a:r>
-              <a:rPr lang="de-CH" dirty="0" smtClean="0">
-                <a:sym typeface="Wingdings" panose="05000000000000000000" pitchFamily="2" charset="2"/>
-              </a:rPr>
-              <a:t>tarten eines Go-Programmes)</a:t>
-            </a:r>
-            <a:endParaRPr lang="de-CH" dirty="0"/>
-          </a:p>
-          <a:p>
             <a:endParaRPr lang="de-CH" dirty="0" smtClean="0"/>
           </a:p>
           <a:p>
-            <a:r>
-              <a:rPr lang="de-CH" dirty="0" smtClean="0"/>
-              <a:t>Wahl der Entwicklungsumgebung war nicht einfach.</a:t>
-            </a:r>
-          </a:p>
-          <a:p>
-            <a:r>
-              <a:rPr lang="de-CH" dirty="0" smtClean="0"/>
-              <a:t>Debugging ist nicht wirklich ausgereift.</a:t>
-            </a:r>
-            <a:endParaRPr lang="de-CH" dirty="0"/>
+            <a:pPr marL="0" indent="0" algn="ctr">
+              <a:buNone/>
+            </a:pPr>
+            <a:r>
+              <a:rPr lang="de-CH" sz="3600" dirty="0" smtClean="0"/>
+              <a:t>Go in 3 Wörter:</a:t>
+            </a:r>
+            <a:endParaRPr lang="de-CH" sz="3600" dirty="0"/>
+          </a:p>
+          <a:p>
+            <a:pPr marL="0" indent="0">
+              <a:buNone/>
+            </a:pPr>
+            <a:endParaRPr lang="de-CH" sz="3600" dirty="0" smtClean="0"/>
+          </a:p>
+          <a:p>
+            <a:pPr marL="0" indent="0" algn="ctr">
+              <a:buNone/>
+            </a:pPr>
+            <a:r>
+              <a:rPr lang="de-CH" sz="3600" i="1" dirty="0" smtClean="0"/>
+              <a:t>Minimalistisch</a:t>
+            </a:r>
+          </a:p>
+          <a:p>
+            <a:pPr marL="0" indent="0" algn="ctr">
+              <a:buNone/>
+            </a:pPr>
+            <a:r>
+              <a:rPr lang="de-CH" sz="3600" i="1" dirty="0" smtClean="0"/>
+              <a:t>Schnell</a:t>
+            </a:r>
+          </a:p>
+          <a:p>
+            <a:pPr marL="0" indent="0" algn="ctr">
+              <a:buNone/>
+            </a:pPr>
+            <a:r>
+              <a:rPr lang="de-CH" sz="3600" i="1" dirty="0" err="1"/>
+              <a:t>C</a:t>
+            </a:r>
+            <a:r>
+              <a:rPr lang="de-CH" sz="3600" i="1" dirty="0" err="1" smtClean="0"/>
+              <a:t>oncurrency</a:t>
+            </a:r>
+            <a:endParaRPr lang="de-CH" sz="3600" i="1" dirty="0"/>
           </a:p>
         </p:txBody>
       </p:sp>

--- a/presi/presi.pptx
+++ b/presi/presi.pptx
@@ -8,13 +8,15 @@
     <p:sldId id="256" r:id="rId2"/>
     <p:sldId id="257" r:id="rId3"/>
     <p:sldId id="262" r:id="rId4"/>
-    <p:sldId id="258" r:id="rId5"/>
-    <p:sldId id="260" r:id="rId6"/>
-    <p:sldId id="259" r:id="rId7"/>
-    <p:sldId id="267" r:id="rId8"/>
-    <p:sldId id="263" r:id="rId9"/>
-    <p:sldId id="264" r:id="rId10"/>
-    <p:sldId id="265" r:id="rId11"/>
+    <p:sldId id="269" r:id="rId5"/>
+    <p:sldId id="258" r:id="rId6"/>
+    <p:sldId id="260" r:id="rId7"/>
+    <p:sldId id="268" r:id="rId8"/>
+    <p:sldId id="259" r:id="rId9"/>
+    <p:sldId id="267" r:id="rId10"/>
+    <p:sldId id="263" r:id="rId11"/>
+    <p:sldId id="264" r:id="rId12"/>
+    <p:sldId id="265" r:id="rId13"/>
   </p:sldIdLst>
   <p:sldSz cx="12192000" cy="6858000"/>
   <p:notesSz cx="6858000" cy="9144000"/>
@@ -252,7 +254,7 @@
           <a:p>
             <a:fld id="{C31526B6-66CE-4ADC-93C7-07C2ECA5558A}" type="datetimeFigureOut">
               <a:rPr lang="de-CH" smtClean="0"/>
-              <a:t>09.12.2015</a:t>
+              <a:t>10.12.2015</a:t>
             </a:fld>
             <a:endParaRPr lang="de-CH"/>
           </a:p>
@@ -422,7 +424,7 @@
           <a:p>
             <a:fld id="{C31526B6-66CE-4ADC-93C7-07C2ECA5558A}" type="datetimeFigureOut">
               <a:rPr lang="de-CH" smtClean="0"/>
-              <a:t>09.12.2015</a:t>
+              <a:t>10.12.2015</a:t>
             </a:fld>
             <a:endParaRPr lang="de-CH"/>
           </a:p>
@@ -602,7 +604,7 @@
           <a:p>
             <a:fld id="{C31526B6-66CE-4ADC-93C7-07C2ECA5558A}" type="datetimeFigureOut">
               <a:rPr lang="de-CH" smtClean="0"/>
-              <a:t>09.12.2015</a:t>
+              <a:t>10.12.2015</a:t>
             </a:fld>
             <a:endParaRPr lang="de-CH"/>
           </a:p>
@@ -772,7 +774,7 @@
           <a:p>
             <a:fld id="{C31526B6-66CE-4ADC-93C7-07C2ECA5558A}" type="datetimeFigureOut">
               <a:rPr lang="de-CH" smtClean="0"/>
-              <a:t>09.12.2015</a:t>
+              <a:t>10.12.2015</a:t>
             </a:fld>
             <a:endParaRPr lang="de-CH"/>
           </a:p>
@@ -1018,7 +1020,7 @@
           <a:p>
             <a:fld id="{C31526B6-66CE-4ADC-93C7-07C2ECA5558A}" type="datetimeFigureOut">
               <a:rPr lang="de-CH" smtClean="0"/>
-              <a:t>09.12.2015</a:t>
+              <a:t>10.12.2015</a:t>
             </a:fld>
             <a:endParaRPr lang="de-CH"/>
           </a:p>
@@ -1250,7 +1252,7 @@
           <a:p>
             <a:fld id="{C31526B6-66CE-4ADC-93C7-07C2ECA5558A}" type="datetimeFigureOut">
               <a:rPr lang="de-CH" smtClean="0"/>
-              <a:t>09.12.2015</a:t>
+              <a:t>10.12.2015</a:t>
             </a:fld>
             <a:endParaRPr lang="de-CH"/>
           </a:p>
@@ -1617,7 +1619,7 @@
           <a:p>
             <a:fld id="{C31526B6-66CE-4ADC-93C7-07C2ECA5558A}" type="datetimeFigureOut">
               <a:rPr lang="de-CH" smtClean="0"/>
-              <a:t>09.12.2015</a:t>
+              <a:t>10.12.2015</a:t>
             </a:fld>
             <a:endParaRPr lang="de-CH"/>
           </a:p>
@@ -1735,7 +1737,7 @@
           <a:p>
             <a:fld id="{C31526B6-66CE-4ADC-93C7-07C2ECA5558A}" type="datetimeFigureOut">
               <a:rPr lang="de-CH" smtClean="0"/>
-              <a:t>09.12.2015</a:t>
+              <a:t>10.12.2015</a:t>
             </a:fld>
             <a:endParaRPr lang="de-CH"/>
           </a:p>
@@ -1830,7 +1832,7 @@
           <a:p>
             <a:fld id="{C31526B6-66CE-4ADC-93C7-07C2ECA5558A}" type="datetimeFigureOut">
               <a:rPr lang="de-CH" smtClean="0"/>
-              <a:t>09.12.2015</a:t>
+              <a:t>10.12.2015</a:t>
             </a:fld>
             <a:endParaRPr lang="de-CH"/>
           </a:p>
@@ -2107,7 +2109,7 @@
           <a:p>
             <a:fld id="{C31526B6-66CE-4ADC-93C7-07C2ECA5558A}" type="datetimeFigureOut">
               <a:rPr lang="de-CH" smtClean="0"/>
-              <a:t>09.12.2015</a:t>
+              <a:t>10.12.2015</a:t>
             </a:fld>
             <a:endParaRPr lang="de-CH"/>
           </a:p>
@@ -2360,7 +2362,7 @@
           <a:p>
             <a:fld id="{C31526B6-66CE-4ADC-93C7-07C2ECA5558A}" type="datetimeFigureOut">
               <a:rPr lang="de-CH" smtClean="0"/>
-              <a:t>09.12.2015</a:t>
+              <a:t>10.12.2015</a:t>
             </a:fld>
             <a:endParaRPr lang="de-CH"/>
           </a:p>
@@ -2573,7 +2575,7 @@
           <a:p>
             <a:fld id="{C31526B6-66CE-4ADC-93C7-07C2ECA5558A}" type="datetimeFigureOut">
               <a:rPr lang="de-CH" smtClean="0"/>
-              <a:t>09.12.2015</a:t>
+              <a:t>10.12.2015</a:t>
             </a:fld>
             <a:endParaRPr lang="de-CH"/>
           </a:p>
@@ -3062,6 +3064,218 @@
           <a:p>
             <a:r>
               <a:rPr lang="de-CH" dirty="0" smtClean="0"/>
+              <a:t>Fazit Team</a:t>
+            </a:r>
+            <a:endParaRPr lang="de-CH" dirty="0"/>
+          </a:p>
+        </p:txBody>
+      </p:sp>
+      <p:sp>
+        <p:nvSpPr>
+          <p:cNvPr id="3" name="Inhaltsplatzhalter 2"/>
+          <p:cNvSpPr>
+            <a:spLocks noGrp="1"/>
+          </p:cNvSpPr>
+          <p:nvPr>
+            <p:ph idx="1"/>
+          </p:nvPr>
+        </p:nvSpPr>
+        <p:spPr/>
+        <p:txBody>
+          <a:bodyPr/>
+          <a:lstStyle/>
+          <a:p>
+            <a:r>
+              <a:rPr lang="de-CH" dirty="0" smtClean="0"/>
+              <a:t>Spass</a:t>
+            </a:r>
+          </a:p>
+          <a:p>
+            <a:pPr lvl="1"/>
+            <a:r>
+              <a:rPr lang="de-CH" dirty="0" smtClean="0"/>
+              <a:t>Die WTF-Rate geht gegen 0</a:t>
+            </a:r>
+          </a:p>
+          <a:p>
+            <a:pPr lvl="1"/>
+            <a:endParaRPr lang="de-CH" dirty="0"/>
+          </a:p>
+          <a:p>
+            <a:r>
+              <a:rPr lang="de-CH" dirty="0" smtClean="0"/>
+              <a:t>Klassen fehlen uns trotzdem.</a:t>
+            </a:r>
+          </a:p>
+          <a:p>
+            <a:endParaRPr lang="de-CH" dirty="0"/>
+          </a:p>
+          <a:p>
+            <a:endParaRPr lang="de-CH" dirty="0" smtClean="0"/>
+          </a:p>
+          <a:p>
+            <a:endParaRPr lang="de-CH" dirty="0"/>
+          </a:p>
+          <a:p>
+            <a:endParaRPr lang="de-CH" dirty="0"/>
+          </a:p>
+        </p:txBody>
+      </p:sp>
+    </p:spTree>
+    <p:extLst>
+      <p:ext uri="{BB962C8B-B14F-4D97-AF65-F5344CB8AC3E}">
+        <p14:creationId xmlns:p14="http://schemas.microsoft.com/office/powerpoint/2010/main" val="1796784916"/>
+      </p:ext>
+    </p:extLst>
+  </p:cSld>
+  <p:clrMapOvr>
+    <a:masterClrMapping/>
+  </p:clrMapOvr>
+</p:sld>
+</file>
+
+<file path=ppt/slides/slide11.xml><?xml version="1.0" encoding="utf-8"?>
+<p:sld xmlns:a="http://schemas.openxmlformats.org/drawingml/2006/main" xmlns:r="http://schemas.openxmlformats.org/officeDocument/2006/relationships" xmlns:p="http://schemas.openxmlformats.org/presentationml/2006/main">
+  <p:cSld>
+    <p:spTree>
+      <p:nvGrpSpPr>
+        <p:cNvPr id="1" name=""/>
+        <p:cNvGrpSpPr/>
+        <p:nvPr/>
+      </p:nvGrpSpPr>
+      <p:grpSpPr>
+        <a:xfrm>
+          <a:off x="0" y="0"/>
+          <a:ext cx="0" cy="0"/>
+          <a:chOff x="0" y="0"/>
+          <a:chExt cx="0" cy="0"/>
+        </a:xfrm>
+      </p:grpSpPr>
+      <p:sp>
+        <p:nvSpPr>
+          <p:cNvPr id="2" name="Titel 1"/>
+          <p:cNvSpPr>
+            <a:spLocks noGrp="1"/>
+          </p:cNvSpPr>
+          <p:nvPr>
+            <p:ph type="title"/>
+          </p:nvPr>
+        </p:nvSpPr>
+        <p:spPr/>
+        <p:txBody>
+          <a:bodyPr/>
+          <a:lstStyle/>
+          <a:p>
+            <a:r>
+              <a:rPr lang="de-CH" dirty="0" smtClean="0"/>
+              <a:t>Fazit Alex</a:t>
+            </a:r>
+            <a:endParaRPr lang="de-CH" dirty="0"/>
+          </a:p>
+        </p:txBody>
+      </p:sp>
+      <p:sp>
+        <p:nvSpPr>
+          <p:cNvPr id="3" name="Inhaltsplatzhalter 2"/>
+          <p:cNvSpPr>
+            <a:spLocks noGrp="1"/>
+          </p:cNvSpPr>
+          <p:nvPr>
+            <p:ph idx="1"/>
+          </p:nvPr>
+        </p:nvSpPr>
+        <p:spPr/>
+        <p:txBody>
+          <a:bodyPr/>
+          <a:lstStyle/>
+          <a:p>
+            <a:pPr marL="0" indent="0" algn="ctr">
+              <a:buNone/>
+            </a:pPr>
+            <a:endParaRPr lang="de-CH" sz="3600" dirty="0"/>
+          </a:p>
+          <a:p>
+            <a:pPr marL="0" indent="0" algn="ctr">
+              <a:buNone/>
+            </a:pPr>
+            <a:r>
+              <a:rPr lang="de-CH" sz="4800" i="1" dirty="0" smtClean="0"/>
+              <a:t>Minimalistisch</a:t>
+            </a:r>
+            <a:endParaRPr lang="de-CH" sz="4800" i="1" dirty="0" smtClean="0"/>
+          </a:p>
+          <a:p>
+            <a:pPr marL="0" indent="0" algn="ctr">
+              <a:buNone/>
+            </a:pPr>
+            <a:r>
+              <a:rPr lang="de-CH" sz="4800" i="1" dirty="0" smtClean="0"/>
+              <a:t>Schnell</a:t>
+            </a:r>
+          </a:p>
+          <a:p>
+            <a:pPr marL="0" indent="0" algn="ctr">
+              <a:buNone/>
+            </a:pPr>
+            <a:r>
+              <a:rPr lang="de-CH" sz="4800" i="1" dirty="0" err="1"/>
+              <a:t>C</a:t>
+            </a:r>
+            <a:r>
+              <a:rPr lang="de-CH" sz="4800" i="1" dirty="0" err="1" smtClean="0"/>
+              <a:t>oncurrency</a:t>
+            </a:r>
+            <a:endParaRPr lang="de-CH" sz="4800" i="1" dirty="0"/>
+          </a:p>
+        </p:txBody>
+      </p:sp>
+    </p:spTree>
+    <p:extLst>
+      <p:ext uri="{BB962C8B-B14F-4D97-AF65-F5344CB8AC3E}">
+        <p14:creationId xmlns:p14="http://schemas.microsoft.com/office/powerpoint/2010/main" val="1362767083"/>
+      </p:ext>
+    </p:extLst>
+  </p:cSld>
+  <p:clrMapOvr>
+    <a:masterClrMapping/>
+  </p:clrMapOvr>
+</p:sld>
+</file>
+
+<file path=ppt/slides/slide12.xml><?xml version="1.0" encoding="utf-8"?>
+<p:sld xmlns:a="http://schemas.openxmlformats.org/drawingml/2006/main" xmlns:r="http://schemas.openxmlformats.org/officeDocument/2006/relationships" xmlns:p="http://schemas.openxmlformats.org/presentationml/2006/main">
+  <p:cSld>
+    <p:spTree>
+      <p:nvGrpSpPr>
+        <p:cNvPr id="1" name=""/>
+        <p:cNvGrpSpPr/>
+        <p:nvPr/>
+      </p:nvGrpSpPr>
+      <p:grpSpPr>
+        <a:xfrm>
+          <a:off x="0" y="0"/>
+          <a:ext cx="0" cy="0"/>
+          <a:chOff x="0" y="0"/>
+          <a:chExt cx="0" cy="0"/>
+        </a:xfrm>
+      </p:grpSpPr>
+      <p:sp>
+        <p:nvSpPr>
+          <p:cNvPr id="2" name="Titel 1"/>
+          <p:cNvSpPr>
+            <a:spLocks noGrp="1"/>
+          </p:cNvSpPr>
+          <p:nvPr>
+            <p:ph type="title"/>
+          </p:nvPr>
+        </p:nvSpPr>
+        <p:spPr/>
+        <p:txBody>
+          <a:bodyPr/>
+          <a:lstStyle/>
+          <a:p>
+            <a:r>
+              <a:rPr lang="de-CH" dirty="0" smtClean="0"/>
               <a:t>Fazit Fabian</a:t>
             </a:r>
             <a:endParaRPr lang="de-CH" dirty="0"/>
@@ -3088,51 +3302,33 @@
             <a:pPr marL="0" indent="0" algn="ctr">
               <a:buNone/>
             </a:pPr>
-            <a:endParaRPr lang="de-CH" sz="3600" dirty="0" smtClean="0"/>
+            <a:endParaRPr lang="de-CH" sz="3600" dirty="0"/>
           </a:p>
           <a:p>
             <a:pPr marL="0" indent="0" algn="ctr">
               <a:buNone/>
             </a:pPr>
             <a:r>
-              <a:rPr lang="de-CH" sz="3600" dirty="0" smtClean="0"/>
-              <a:t>Go </a:t>
-            </a:r>
-            <a:r>
-              <a:rPr lang="de-CH" sz="3600" dirty="0"/>
-              <a:t>in 3 Wörter:</a:t>
-            </a:r>
-          </a:p>
-          <a:p>
-            <a:pPr marL="0" indent="0">
+              <a:rPr lang="de-CH" sz="4800" i="1" dirty="0" smtClean="0"/>
+              <a:t>?</a:t>
+            </a:r>
+            <a:endParaRPr lang="de-CH" sz="4800" i="1" dirty="0" smtClean="0"/>
+          </a:p>
+          <a:p>
+            <a:pPr marL="0" indent="0" algn="ctr">
               <a:buNone/>
             </a:pPr>
-            <a:endParaRPr lang="de-CH" sz="3600" dirty="0"/>
+            <a:r>
+              <a:rPr lang="de-CH" sz="4800" i="1" dirty="0" smtClean="0"/>
+              <a:t>?</a:t>
+            </a:r>
           </a:p>
           <a:p>
             <a:pPr marL="0" indent="0" algn="ctr">
               <a:buNone/>
             </a:pPr>
             <a:r>
-              <a:rPr lang="de-CH" sz="3600" i="1" dirty="0" smtClean="0"/>
-              <a:t>?</a:t>
-            </a:r>
-          </a:p>
-          <a:p>
-            <a:pPr marL="0" indent="0" algn="ctr">
-              <a:buNone/>
-            </a:pPr>
-            <a:r>
-              <a:rPr lang="de-CH" sz="3600" i="1" dirty="0" smtClean="0"/>
-              <a:t>?</a:t>
-            </a:r>
-          </a:p>
-          <a:p>
-            <a:pPr marL="0" indent="0" algn="ctr">
-              <a:buNone/>
-            </a:pPr>
-            <a:r>
-              <a:rPr lang="de-CH" sz="3600" i="1" dirty="0"/>
+              <a:rPr lang="de-CH" sz="4800" i="1" dirty="0"/>
               <a:t>?</a:t>
             </a:r>
           </a:p>
@@ -3239,35 +3435,16 @@
           <a:p>
             <a:pPr lvl="1"/>
             <a:r>
-              <a:rPr lang="de-CH" dirty="0" err="1" smtClean="0"/>
-              <a:t>Reflection</a:t>
-            </a:r>
-            <a:r>
-              <a:rPr lang="de-CH" dirty="0" smtClean="0"/>
-              <a:t>? </a:t>
-            </a:r>
-            <a:r>
-              <a:rPr lang="de-CH" dirty="0" err="1" smtClean="0"/>
-              <a:t>Garbage</a:t>
-            </a:r>
-            <a:r>
-              <a:rPr lang="de-CH" dirty="0" smtClean="0"/>
-              <a:t> </a:t>
-            </a:r>
-            <a:r>
-              <a:rPr lang="de-CH" dirty="0" err="1" smtClean="0"/>
-              <a:t>Collector</a:t>
-            </a:r>
-            <a:r>
-              <a:rPr lang="de-CH" dirty="0" smtClean="0"/>
-              <a:t>? (zu definieren)</a:t>
-            </a:r>
-          </a:p>
-          <a:p>
-            <a:pPr lvl="1"/>
-            <a:r>
-              <a:rPr lang="de-CH" dirty="0" smtClean="0"/>
-              <a:t>Multiple Return Values (anderes Team?)</a:t>
+              <a:rPr lang="de-CH" dirty="0" smtClean="0"/>
+              <a:t>Multiple </a:t>
+            </a:r>
+            <a:r>
+              <a:rPr lang="de-CH" dirty="0" smtClean="0"/>
+              <a:t>Return </a:t>
+            </a:r>
+            <a:r>
+              <a:rPr lang="de-CH" dirty="0" smtClean="0"/>
+              <a:t>Values</a:t>
             </a:r>
           </a:p>
           <a:p>
@@ -3276,11 +3453,7 @@
               <a:rPr lang="de-CH" dirty="0" err="1" smtClean="0"/>
               <a:t>Concurrency</a:t>
             </a:r>
-            <a:r>
-              <a:rPr lang="de-CH" dirty="0" smtClean="0"/>
-              <a:t> (anderes Team?)</a:t>
-            </a:r>
-            <a:endParaRPr lang="de-CH" dirty="0"/>
+            <a:endParaRPr lang="de-CH" dirty="0" smtClean="0"/>
           </a:p>
           <a:p>
             <a:r>
@@ -3368,7 +3541,23 @@
               <a:rPr lang="en-US" i="1" dirty="0"/>
               <a:t>Go is a programming language designed by Google to help solve Google's problems, and Google has big problems. </a:t>
             </a:r>
-            <a:endParaRPr lang="en-US" i="1" dirty="0" smtClean="0"/>
+            <a:r>
+              <a:rPr lang="en-US" sz="1800" i="1" dirty="0" smtClean="0"/>
+              <a:t>(</a:t>
+            </a:r>
+            <a:r>
+              <a:rPr lang="en-US" sz="1800" i="1" dirty="0"/>
+              <a:t>https://</a:t>
+            </a:r>
+            <a:r>
+              <a:rPr lang="en-US" sz="1800" i="1" dirty="0" smtClean="0"/>
+              <a:t>talks.golang.org/2012/splash.article</a:t>
+            </a:r>
+            <a:r>
+              <a:rPr lang="en-US" sz="1800" i="1" dirty="0" smtClean="0"/>
+              <a:t>)</a:t>
+            </a:r>
+            <a:endParaRPr lang="en-US" sz="1800" i="1" dirty="0" smtClean="0"/>
           </a:p>
           <a:p>
             <a:pPr marL="0" indent="0">
@@ -3381,132 +3570,46 @@
               <a:buNone/>
             </a:pPr>
             <a:r>
-              <a:rPr lang="en-US" i="1" dirty="0" smtClean="0"/>
-              <a:t>Go </a:t>
-            </a:r>
-            <a:r>
-              <a:rPr lang="en-US" i="1" dirty="0" err="1" smtClean="0"/>
-              <a:t>findet</a:t>
-            </a:r>
-            <a:r>
-              <a:rPr lang="en-US" i="1" dirty="0" smtClean="0"/>
-              <a:t> </a:t>
-            </a:r>
-            <a:r>
-              <a:rPr lang="en-US" i="1" dirty="0" err="1" smtClean="0"/>
-              <a:t>Einsatz</a:t>
-            </a:r>
-            <a:r>
-              <a:rPr lang="en-US" i="1" dirty="0" smtClean="0"/>
-              <a:t> um CLI-Tools und Backend-Services </a:t>
-            </a:r>
-            <a:r>
-              <a:rPr lang="en-US" i="1" dirty="0" err="1" smtClean="0"/>
-              <a:t>zu</a:t>
-            </a:r>
-            <a:r>
-              <a:rPr lang="en-US" i="1" dirty="0" smtClean="0"/>
-              <a:t> </a:t>
-            </a:r>
-            <a:r>
-              <a:rPr lang="en-US" i="1" dirty="0" err="1" smtClean="0"/>
-              <a:t>realisieren</a:t>
-            </a:r>
-            <a:r>
-              <a:rPr lang="en-US" i="1" dirty="0" smtClean="0"/>
-              <a:t>. </a:t>
-            </a:r>
-            <a:r>
-              <a:rPr lang="en-US" i="1" dirty="0" err="1" smtClean="0"/>
-              <a:t>Auch</a:t>
-            </a:r>
-            <a:r>
-              <a:rPr lang="en-US" i="1" dirty="0" smtClean="0"/>
-              <a:t> </a:t>
-            </a:r>
-            <a:r>
-              <a:rPr lang="en-US" i="1" dirty="0" err="1" smtClean="0"/>
-              <a:t>ganze</a:t>
-            </a:r>
-            <a:r>
-              <a:rPr lang="en-US" i="1" dirty="0" smtClean="0"/>
-              <a:t> </a:t>
-            </a:r>
-            <a:r>
-              <a:rPr lang="en-US" i="1" dirty="0" err="1" smtClean="0"/>
-              <a:t>Webseiten</a:t>
-            </a:r>
-            <a:r>
-              <a:rPr lang="en-US" i="1" dirty="0" smtClean="0"/>
-              <a:t> </a:t>
-            </a:r>
-            <a:r>
-              <a:rPr lang="en-US" i="1" dirty="0" err="1" smtClean="0"/>
-              <a:t>werden</a:t>
-            </a:r>
-            <a:r>
-              <a:rPr lang="en-US" i="1" dirty="0" smtClean="0"/>
-              <a:t> </a:t>
-            </a:r>
-            <a:r>
-              <a:rPr lang="en-US" i="1" dirty="0" err="1" smtClean="0"/>
-              <a:t>bereits</a:t>
-            </a:r>
-            <a:r>
-              <a:rPr lang="en-US" i="1" dirty="0" smtClean="0"/>
-              <a:t> </a:t>
-            </a:r>
-            <a:r>
-              <a:rPr lang="en-US" i="1" dirty="0" err="1" smtClean="0"/>
-              <a:t>mit</a:t>
-            </a:r>
-            <a:r>
-              <a:rPr lang="en-US" i="1" dirty="0" smtClean="0"/>
+              <a:rPr lang="en-US" dirty="0" smtClean="0"/>
+              <a:t>Wo </a:t>
+            </a:r>
+            <a:r>
+              <a:rPr lang="en-US" dirty="0" err="1" smtClean="0"/>
+              <a:t>wird</a:t>
+            </a:r>
+            <a:r>
+              <a:rPr lang="en-US" dirty="0" smtClean="0"/>
               <a:t> Go </a:t>
             </a:r>
             <a:r>
-              <a:rPr lang="en-US" i="1" dirty="0" err="1" smtClean="0"/>
-              <a:t>realisiert</a:t>
-            </a:r>
-            <a:r>
-              <a:rPr lang="en-US" i="1" dirty="0" smtClean="0"/>
-              <a:t>.</a:t>
-            </a:r>
-          </a:p>
-          <a:p>
-            <a:pPr marL="0" indent="0">
-              <a:buNone/>
+              <a:rPr lang="en-US" dirty="0" err="1" smtClean="0"/>
+              <a:t>verwendet</a:t>
+            </a:r>
+            <a:r>
+              <a:rPr lang="en-US" dirty="0" smtClean="0"/>
+              <a:t>?</a:t>
+            </a:r>
+          </a:p>
+          <a:p>
+            <a:pPr>
+              <a:buFontTx/>
+              <a:buChar char="-"/>
             </a:pPr>
-            <a:endParaRPr lang="en-US" dirty="0"/>
-          </a:p>
-          <a:p>
-            <a:pPr marL="0" indent="0">
-              <a:buNone/>
+            <a:r>
+              <a:rPr lang="en-US" dirty="0" err="1" smtClean="0"/>
+              <a:t>Serverside</a:t>
+            </a:r>
+            <a:endParaRPr lang="en-US" dirty="0" smtClean="0"/>
+          </a:p>
+          <a:p>
+            <a:pPr>
+              <a:buFontTx/>
+              <a:buChar char="-"/>
             </a:pPr>
             <a:r>
-              <a:rPr lang="en-US" dirty="0" smtClean="0">
-                <a:hlinkClick r:id="rId2"/>
-              </a:rPr>
-              <a:t>https</a:t>
-            </a:r>
-            <a:r>
-              <a:rPr lang="en-US" dirty="0">
-                <a:hlinkClick r:id="rId2"/>
-              </a:rPr>
-              <a:t>://</a:t>
-            </a:r>
-            <a:r>
-              <a:rPr lang="en-US" dirty="0" smtClean="0">
-                <a:hlinkClick r:id="rId2"/>
-              </a:rPr>
-              <a:t>talks.golang.org/2012/splash.article</a:t>
-            </a:r>
-            <a:endParaRPr lang="en-US" dirty="0"/>
-          </a:p>
-          <a:p>
-            <a:pPr marL="457200" lvl="1" indent="0">
-              <a:buNone/>
-            </a:pPr>
+              <a:rPr lang="en-US" dirty="0" smtClean="0"/>
+              <a:t>CLI-Tools (Docker)</a:t>
+            </a:r>
             <a:endParaRPr lang="en-US" dirty="0"/>
           </a:p>
         </p:txBody>
@@ -3533,15 +3636,7 @@
           <a:p>
             <a:r>
               <a:rPr lang="de-CH" dirty="0" smtClean="0"/>
-              <a:t>Go (</a:t>
-            </a:r>
-            <a:r>
-              <a:rPr lang="de-CH" dirty="0" err="1" smtClean="0"/>
-              <a:t>golang</a:t>
-            </a:r>
-            <a:r>
-              <a:rPr lang="de-CH" dirty="0" smtClean="0"/>
-              <a:t>)</a:t>
+              <a:t>Go</a:t>
             </a:r>
             <a:endParaRPr lang="de-CH" dirty="0"/>
           </a:p>
@@ -3600,17 +3695,192 @@
           <a:lstStyle/>
           <a:p>
             <a:r>
-              <a:rPr lang="de-CH" dirty="0" smtClean="0"/>
-              <a:t>Slice</a:t>
+              <a:rPr lang="de-CH" dirty="0" err="1" smtClean="0"/>
+              <a:t>Golang</a:t>
             </a:r>
             <a:endParaRPr lang="de-CH" dirty="0"/>
+          </a:p>
+        </p:txBody>
+      </p:sp>
+      <p:sp>
+        <p:nvSpPr>
+          <p:cNvPr id="3" name="Inhaltsplatzhalter 2"/>
+          <p:cNvSpPr>
+            <a:spLocks noGrp="1"/>
+          </p:cNvSpPr>
+          <p:nvPr>
+            <p:ph idx="1"/>
+          </p:nvPr>
+        </p:nvSpPr>
+        <p:spPr/>
+        <p:txBody>
+          <a:bodyPr>
+            <a:normAutofit fontScale="62500" lnSpcReduction="20000"/>
+          </a:bodyPr>
+          <a:lstStyle/>
+          <a:p>
+            <a:r>
+              <a:rPr lang="de-CH" dirty="0" smtClean="0"/>
+              <a:t>Typenmodell</a:t>
+            </a:r>
+          </a:p>
+          <a:p>
+            <a:pPr lvl="1"/>
+            <a:r>
+              <a:rPr lang="de-CH" dirty="0" smtClean="0"/>
+              <a:t>Starke Typisierung zur Kompilierzeit</a:t>
+            </a:r>
+          </a:p>
+          <a:p>
+            <a:pPr lvl="1"/>
+            <a:endParaRPr lang="de-CH" dirty="0"/>
+          </a:p>
+          <a:p>
+            <a:r>
+              <a:rPr lang="de-CH" dirty="0" smtClean="0"/>
+              <a:t>Haupt-Programmiermodell</a:t>
+            </a:r>
+          </a:p>
+          <a:p>
+            <a:pPr lvl="1"/>
+            <a:r>
+              <a:rPr lang="de-CH" dirty="0" smtClean="0"/>
+              <a:t>Imperativ</a:t>
+            </a:r>
+          </a:p>
+          <a:p>
+            <a:pPr lvl="1"/>
+            <a:r>
+              <a:rPr lang="de-CH" dirty="0" smtClean="0"/>
+              <a:t>Objektorientierte Programmierung möglich, aber ohne Klassen!</a:t>
+            </a:r>
+          </a:p>
+          <a:p>
+            <a:pPr lvl="1"/>
+            <a:endParaRPr lang="de-CH" dirty="0"/>
+          </a:p>
+          <a:p>
+            <a:r>
+              <a:rPr lang="de-CH" dirty="0" smtClean="0"/>
+              <a:t>Wie laufen Go-Programme ab?</a:t>
+            </a:r>
+          </a:p>
+          <a:p>
+            <a:pPr lvl="1"/>
+            <a:r>
+              <a:rPr lang="de-CH" dirty="0" smtClean="0"/>
+              <a:t>Go-Programme werden für das jeweilige Zielsystem zu einer ausführbaren Datei kompiliert (native).</a:t>
+            </a:r>
+          </a:p>
+          <a:p>
+            <a:pPr lvl="1"/>
+            <a:r>
+              <a:rPr lang="de-CH" dirty="0" smtClean="0"/>
+              <a:t>Mehrere Threads (Go-</a:t>
+            </a:r>
+            <a:r>
+              <a:rPr lang="de-CH" dirty="0" err="1" smtClean="0"/>
+              <a:t>Runtime</a:t>
+            </a:r>
+            <a:r>
+              <a:rPr lang="de-CH" dirty="0" smtClean="0"/>
+              <a:t>)</a:t>
+            </a:r>
+          </a:p>
+          <a:p>
+            <a:pPr lvl="1"/>
+            <a:endParaRPr lang="de-CH" dirty="0" smtClean="0"/>
+          </a:p>
+          <a:p>
+            <a:r>
+              <a:rPr lang="de-CH" dirty="0" smtClean="0"/>
+              <a:t>Was sind wichtige </a:t>
+            </a:r>
+            <a:r>
+              <a:rPr lang="de-CH" dirty="0" err="1" smtClean="0"/>
+              <a:t>Entscheidungskonstrukte</a:t>
+            </a:r>
+            <a:r>
+              <a:rPr lang="de-CH" dirty="0" smtClean="0"/>
+              <a:t>?</a:t>
+            </a:r>
+          </a:p>
+          <a:p>
+            <a:pPr lvl="1"/>
+            <a:r>
+              <a:rPr lang="de-CH" dirty="0" smtClean="0"/>
+              <a:t>Ähnlich wie in C, aber bei den Schleifen nur </a:t>
+            </a:r>
+            <a:r>
+              <a:rPr lang="de-CH" i="1" dirty="0" err="1" smtClean="0"/>
+              <a:t>for</a:t>
+            </a:r>
+            <a:endParaRPr lang="de-CH" dirty="0" smtClean="0"/>
+          </a:p>
+          <a:p>
+            <a:pPr lvl="1"/>
+            <a:r>
+              <a:rPr lang="de-CH" i="1" dirty="0" smtClean="0"/>
+              <a:t>Switch</a:t>
+            </a:r>
+            <a:r>
+              <a:rPr lang="de-CH" dirty="0"/>
+              <a:t>-</a:t>
+            </a:r>
+            <a:r>
+              <a:rPr lang="de-CH" dirty="0" smtClean="0"/>
+              <a:t>Anweisung ist flexibler und mit </a:t>
+            </a:r>
+            <a:r>
+              <a:rPr lang="de-CH" i="1" dirty="0" smtClean="0"/>
+              <a:t>Select</a:t>
+            </a:r>
+            <a:r>
+              <a:rPr lang="de-CH" dirty="0" smtClean="0"/>
+              <a:t> ein Spezial-Switch für </a:t>
+            </a:r>
+            <a:r>
+              <a:rPr lang="de-CH" dirty="0" err="1" smtClean="0"/>
+              <a:t>Concurrency</a:t>
+            </a:r>
+            <a:endParaRPr lang="de-CH" dirty="0" smtClean="0"/>
+          </a:p>
+          <a:p>
+            <a:pPr lvl="1"/>
+            <a:endParaRPr lang="de-CH" dirty="0"/>
+          </a:p>
+          <a:p>
+            <a:r>
+              <a:rPr lang="de-CH" dirty="0" smtClean="0"/>
+              <a:t>Was sind die wichtigsten Datenstrukturen</a:t>
+            </a:r>
+          </a:p>
+          <a:p>
+            <a:pPr lvl="1"/>
+            <a:r>
+              <a:rPr lang="de-CH" dirty="0" smtClean="0"/>
+              <a:t>Arrays, Slice, </a:t>
+            </a:r>
+            <a:r>
+              <a:rPr lang="de-CH" dirty="0" err="1" smtClean="0"/>
+              <a:t>Maps</a:t>
+            </a:r>
+            <a:r>
+              <a:rPr lang="de-CH" dirty="0" smtClean="0"/>
+              <a:t>, </a:t>
+            </a:r>
+            <a:r>
+              <a:rPr lang="de-CH" dirty="0" err="1" smtClean="0"/>
+              <a:t>Structs</a:t>
+            </a:r>
+            <a:endParaRPr lang="de-CH" dirty="0" smtClean="0"/>
           </a:p>
         </p:txBody>
       </p:sp>
     </p:spTree>
     <p:extLst>
       <p:ext uri="{BB962C8B-B14F-4D97-AF65-F5344CB8AC3E}">
-        <p14:creationId xmlns:p14="http://schemas.microsoft.com/office/powerpoint/2010/main" val="3859172446"/>
+        <p14:creationId xmlns:p14="http://schemas.microsoft.com/office/powerpoint/2010/main" val="2220501782"/>
       </p:ext>
     </p:extLst>
   </p:cSld>
@@ -3653,9 +3923,10 @@
           <a:lstStyle/>
           <a:p>
             <a:r>
-              <a:rPr lang="de-CH" dirty="0"/>
-              <a:t>Vererbung durch Komposition</a:t>
-            </a:r>
+              <a:rPr lang="de-CH" dirty="0" smtClean="0"/>
+              <a:t>Slice</a:t>
+            </a:r>
+            <a:endParaRPr lang="de-CH" dirty="0"/>
           </a:p>
         </p:txBody>
       </p:sp>
@@ -3669,19 +3940,24 @@
             <p:ph idx="1"/>
           </p:nvPr>
         </p:nvSpPr>
-        <p:spPr/>
-        <p:txBody>
-          <a:bodyPr/>
-          <a:lstStyle/>
-          <a:p>
-            <a:endParaRPr lang="de-CH"/>
+        <p:spPr>
+          <a:xfrm>
+            <a:off x="838200" y="1825625"/>
+            <a:ext cx="10515600" cy="4351338"/>
+          </a:xfrm>
+        </p:spPr>
+        <p:txBody>
+          <a:bodyPr/>
+          <a:lstStyle/>
+          <a:p>
+            <a:endParaRPr lang="de-CH" dirty="0"/>
           </a:p>
         </p:txBody>
       </p:sp>
     </p:spTree>
     <p:extLst>
       <p:ext uri="{BB962C8B-B14F-4D97-AF65-F5344CB8AC3E}">
-        <p14:creationId xmlns:p14="http://schemas.microsoft.com/office/powerpoint/2010/main" val="847568716"/>
+        <p14:creationId xmlns:p14="http://schemas.microsoft.com/office/powerpoint/2010/main" val="3859172446"/>
       </p:ext>
     </p:extLst>
   </p:cSld>
@@ -3724,125 +4000,27 @@
           <a:lstStyle/>
           <a:p>
             <a:r>
-              <a:rPr lang="de-CH" dirty="0" smtClean="0"/>
-              <a:t>Multiple Return Values (anderes Team)</a:t>
-            </a:r>
-            <a:endParaRPr lang="de-CH" dirty="0"/>
-          </a:p>
-        </p:txBody>
-      </p:sp>
-      <p:pic>
-        <p:nvPicPr>
-          <p:cNvPr id="4" name="Grafik 3"/>
-          <p:cNvPicPr>
-            <a:picLocks noChangeAspect="1"/>
-          </p:cNvPicPr>
-          <p:nvPr/>
-        </p:nvPicPr>
-        <p:blipFill rotWithShape="1">
-          <a:blip r:embed="rId2"/>
-          <a:srcRect t="41070"/>
-          <a:stretch/>
-        </p:blipFill>
-        <p:spPr>
-          <a:xfrm>
-            <a:off x="1095375" y="2422526"/>
-            <a:ext cx="4438650" cy="3885926"/>
-          </a:xfrm>
-          <a:prstGeom prst="rect">
-            <a:avLst/>
-          </a:prstGeom>
-        </p:spPr>
-      </p:pic>
-      <p:pic>
-        <p:nvPicPr>
-          <p:cNvPr id="5" name="Grafik 4"/>
-          <p:cNvPicPr>
-            <a:picLocks noChangeAspect="1"/>
-          </p:cNvPicPr>
-          <p:nvPr/>
-        </p:nvPicPr>
-        <p:blipFill>
-          <a:blip r:embed="rId3"/>
-          <a:stretch>
-            <a:fillRect/>
-          </a:stretch>
-        </p:blipFill>
-        <p:spPr>
-          <a:xfrm>
-            <a:off x="6210300" y="1562894"/>
-            <a:ext cx="5265144" cy="4745558"/>
-          </a:xfrm>
-          <a:prstGeom prst="rect">
-            <a:avLst/>
-          </a:prstGeom>
-        </p:spPr>
-      </p:pic>
-      <p:pic>
-        <p:nvPicPr>
-          <p:cNvPr id="6" name="Grafik 5"/>
-          <p:cNvPicPr>
-            <a:picLocks noChangeAspect="1"/>
-          </p:cNvPicPr>
-          <p:nvPr/>
-        </p:nvPicPr>
-        <p:blipFill rotWithShape="1">
-          <a:blip r:embed="rId2"/>
-          <a:srcRect b="94367"/>
-          <a:stretch/>
-        </p:blipFill>
-        <p:spPr>
-          <a:xfrm>
-            <a:off x="1095375" y="1562894"/>
-            <a:ext cx="4438650" cy="371476"/>
-          </a:xfrm>
-          <a:prstGeom prst="rect">
-            <a:avLst/>
-          </a:prstGeom>
-        </p:spPr>
-      </p:pic>
-      <p:sp>
-        <p:nvSpPr>
-          <p:cNvPr id="7" name="Textfeld 6"/>
-          <p:cNvSpPr txBox="1"/>
-          <p:nvPr/>
-        </p:nvSpPr>
-        <p:spPr>
-          <a:xfrm>
-            <a:off x="1511300" y="2053194"/>
-            <a:ext cx="1874552" cy="369332"/>
-          </a:xfrm>
-          <a:prstGeom prst="rect">
-            <a:avLst/>
-          </a:prstGeom>
-          <a:noFill/>
-        </p:spPr>
-        <p:txBody>
-          <a:bodyPr wrap="none" rtlCol="0">
-            <a:spAutoFit/>
-          </a:bodyPr>
-          <a:lstStyle/>
-          <a:p>
-            <a:r>
-              <a:rPr lang="de-CH" dirty="0" smtClean="0"/>
-              <a:t>... </a:t>
-            </a:r>
-            <a:r>
-              <a:rPr lang="de-CH" dirty="0" err="1" smtClean="0"/>
-              <a:t>code</a:t>
-            </a:r>
-            <a:r>
-              <a:rPr lang="de-CH" dirty="0" smtClean="0"/>
-              <a:t> </a:t>
-            </a:r>
-            <a:r>
-              <a:rPr lang="de-CH" dirty="0" err="1" smtClean="0"/>
-              <a:t>omitted</a:t>
-            </a:r>
-            <a:r>
-              <a:rPr lang="de-CH" dirty="0" smtClean="0"/>
-              <a:t> …</a:t>
-            </a:r>
+              <a:rPr lang="de-CH" dirty="0"/>
+              <a:t>Vererbung durch Komposition</a:t>
+            </a:r>
+          </a:p>
+        </p:txBody>
+      </p:sp>
+      <p:sp>
+        <p:nvSpPr>
+          <p:cNvPr id="3" name="Inhaltsplatzhalter 2"/>
+          <p:cNvSpPr>
+            <a:spLocks noGrp="1"/>
+          </p:cNvSpPr>
+          <p:nvPr>
+            <p:ph idx="1"/>
+          </p:nvPr>
+        </p:nvSpPr>
+        <p:spPr/>
+        <p:txBody>
+          <a:bodyPr/>
+          <a:lstStyle/>
+          <a:p>
             <a:endParaRPr lang="de-CH" dirty="0"/>
           </a:p>
         </p:txBody>
@@ -3850,7 +4028,7 @@
     </p:spTree>
     <p:extLst>
       <p:ext uri="{BB962C8B-B14F-4D97-AF65-F5344CB8AC3E}">
-        <p14:creationId xmlns:p14="http://schemas.microsoft.com/office/powerpoint/2010/main" val="292546015"/>
+        <p14:creationId xmlns:p14="http://schemas.microsoft.com/office/powerpoint/2010/main" val="847568716"/>
       </p:ext>
     </p:extLst>
   </p:cSld>
@@ -3893,167 +4071,231 @@
           <a:lstStyle/>
           <a:p>
             <a:r>
+              <a:rPr lang="de-CH" dirty="0" smtClean="0"/>
+              <a:t>Multiple Return Values </a:t>
+            </a:r>
+            <a:r>
+              <a:rPr lang="de-CH" dirty="0" smtClean="0"/>
+              <a:t>(</a:t>
+            </a:r>
+            <a:r>
+              <a:rPr lang="de-CH" dirty="0" smtClean="0"/>
+              <a:t>1)</a:t>
+            </a:r>
+            <a:endParaRPr lang="de-CH" dirty="0"/>
+          </a:p>
+        </p:txBody>
+      </p:sp>
+      <p:sp>
+        <p:nvSpPr>
+          <p:cNvPr id="8" name="Inhaltsplatzhalter 2"/>
+          <p:cNvSpPr>
+            <a:spLocks noGrp="1"/>
+          </p:cNvSpPr>
+          <p:nvPr>
+            <p:ph idx="1"/>
+          </p:nvPr>
+        </p:nvSpPr>
+        <p:spPr>
+          <a:xfrm>
+            <a:off x="838200" y="1825625"/>
+            <a:ext cx="10515600" cy="4351338"/>
+          </a:xfrm>
+        </p:spPr>
+        <p:txBody>
+          <a:bodyPr>
+            <a:normAutofit lnSpcReduction="10000"/>
+          </a:bodyPr>
+          <a:lstStyle/>
+          <a:p>
+            <a:pPr marL="0" indent="0">
+              <a:buNone/>
+            </a:pPr>
+            <a:r>
+              <a:rPr lang="de-CH" dirty="0" smtClean="0"/>
+              <a:t>Eine Funktion kann mehrere Werte zurückgegeben:</a:t>
+            </a:r>
+          </a:p>
+          <a:p>
+            <a:pPr marL="0" indent="0">
+              <a:buNone/>
+            </a:pPr>
+            <a:endParaRPr lang="de-CH" dirty="0"/>
+          </a:p>
+          <a:p>
+            <a:pPr marL="0" indent="0">
+              <a:buNone/>
+            </a:pPr>
+            <a:endParaRPr lang="de-CH" dirty="0"/>
+          </a:p>
+          <a:p>
+            <a:pPr marL="0" indent="0">
+              <a:buNone/>
+            </a:pPr>
+            <a:endParaRPr lang="de-CH" dirty="0" smtClean="0"/>
+          </a:p>
+          <a:p>
+            <a:pPr marL="0" indent="0">
+              <a:buNone/>
+            </a:pPr>
+            <a:endParaRPr lang="de-CH" dirty="0" smtClean="0"/>
+          </a:p>
+          <a:p>
+            <a:pPr marL="0" indent="0">
+              <a:buNone/>
+            </a:pPr>
+            <a:r>
               <a:rPr lang="de-CH" dirty="0" err="1" smtClean="0"/>
-              <a:t>Concurrency</a:t>
-            </a:r>
-            <a:r>
-              <a:rPr lang="de-CH" dirty="0" smtClean="0"/>
-              <a:t> (Mit anderem Go-Team abstimmen)</a:t>
-            </a:r>
+              <a:t>getMinMax</a:t>
+            </a:r>
+            <a:r>
+              <a:rPr lang="de-CH" dirty="0" smtClean="0"/>
+              <a:t>		Gibt das Minimum und das Maximum zurück</a:t>
+            </a:r>
+          </a:p>
+          <a:p>
+            <a:pPr marL="0" indent="0">
+              <a:buNone/>
+            </a:pPr>
+            <a:r>
+              <a:rPr lang="de-CH" dirty="0" err="1"/>
+              <a:t>n</a:t>
+            </a:r>
+            <a:r>
+              <a:rPr lang="de-CH" dirty="0" err="1" smtClean="0"/>
+              <a:t>umbers</a:t>
+            </a:r>
+            <a:r>
+              <a:rPr lang="de-CH" dirty="0" smtClean="0"/>
+              <a:t> …</a:t>
+            </a:r>
+            <a:r>
+              <a:rPr lang="de-CH" dirty="0" err="1" smtClean="0"/>
+              <a:t>int</a:t>
+            </a:r>
+            <a:r>
+              <a:rPr lang="de-CH" dirty="0" smtClean="0"/>
+              <a:t>	</a:t>
+            </a:r>
+            <a:r>
+              <a:rPr lang="de-CH" dirty="0" err="1" smtClean="0"/>
+              <a:t>Variadic</a:t>
+            </a:r>
+            <a:r>
+              <a:rPr lang="de-CH" dirty="0" smtClean="0"/>
+              <a:t> </a:t>
+            </a:r>
+            <a:r>
+              <a:rPr lang="de-CH" dirty="0" err="1" smtClean="0"/>
+              <a:t>function</a:t>
+            </a:r>
+            <a:r>
+              <a:rPr lang="de-CH" dirty="0" smtClean="0"/>
+              <a:t> (Variable Anzahl an Parameter)</a:t>
+            </a:r>
+          </a:p>
+          <a:p>
+            <a:pPr marL="0" indent="0">
+              <a:buNone/>
+            </a:pPr>
+            <a:r>
+              <a:rPr lang="de-CH" dirty="0" smtClean="0"/>
+              <a:t>(</a:t>
+            </a:r>
+            <a:r>
+              <a:rPr lang="de-CH" dirty="0" err="1" smtClean="0"/>
+              <a:t>int</a:t>
+            </a:r>
+            <a:r>
+              <a:rPr lang="de-CH" dirty="0" smtClean="0"/>
+              <a:t>, </a:t>
+            </a:r>
+            <a:r>
+              <a:rPr lang="de-CH" dirty="0" err="1" smtClean="0"/>
+              <a:t>int</a:t>
+            </a:r>
+            <a:r>
+              <a:rPr lang="de-CH" dirty="0" smtClean="0"/>
+              <a:t>)		Rückgabetypen (hier zwei für min und </a:t>
+            </a:r>
+            <a:r>
+              <a:rPr lang="de-CH" dirty="0" err="1" smtClean="0"/>
+              <a:t>max</a:t>
+            </a:r>
+            <a:r>
+              <a:rPr lang="de-CH" dirty="0" smtClean="0"/>
+              <a:t>)</a:t>
+            </a:r>
+          </a:p>
+          <a:p>
+            <a:pPr marL="0" indent="0">
+              <a:buNone/>
+            </a:pPr>
+            <a:r>
+              <a:rPr lang="de-CH" dirty="0" err="1"/>
+              <a:t>r</a:t>
+            </a:r>
+            <a:r>
+              <a:rPr lang="de-CH" dirty="0" err="1" smtClean="0"/>
+              <a:t>eturn</a:t>
+            </a:r>
+            <a:r>
+              <a:rPr lang="de-CH" dirty="0" smtClean="0"/>
+              <a:t> min, </a:t>
+            </a:r>
+            <a:r>
+              <a:rPr lang="de-CH" dirty="0" err="1" smtClean="0"/>
+              <a:t>max</a:t>
+            </a:r>
+            <a:r>
+              <a:rPr lang="de-CH" dirty="0" smtClean="0"/>
+              <a:t>	Gibt min und </a:t>
+            </a:r>
+            <a:r>
+              <a:rPr lang="de-CH" dirty="0" err="1" smtClean="0"/>
+              <a:t>max</a:t>
+            </a:r>
+            <a:r>
+              <a:rPr lang="de-CH" dirty="0" smtClean="0"/>
+              <a:t> zurück.</a:t>
+            </a:r>
+          </a:p>
+          <a:p>
+            <a:pPr marL="0" indent="0">
+              <a:buNone/>
+            </a:pPr>
             <a:endParaRPr lang="de-CH" dirty="0"/>
           </a:p>
         </p:txBody>
       </p:sp>
-      <p:sp>
-        <p:nvSpPr>
-          <p:cNvPr id="3" name="Inhaltsplatzhalter 2"/>
-          <p:cNvSpPr>
-            <a:spLocks noGrp="1"/>
-          </p:cNvSpPr>
-          <p:nvPr>
-            <p:ph idx="1"/>
-          </p:nvPr>
-        </p:nvSpPr>
-        <p:spPr/>
-        <p:txBody>
-          <a:bodyPr>
-            <a:normAutofit/>
-          </a:bodyPr>
-          <a:lstStyle/>
-          <a:p>
-            <a:r>
-              <a:rPr lang="de-CH" dirty="0" err="1" smtClean="0"/>
-              <a:t>Goroutine</a:t>
-            </a:r>
-            <a:endParaRPr lang="de-CH" dirty="0" smtClean="0"/>
-          </a:p>
-          <a:p>
-            <a:r>
-              <a:rPr lang="de-CH" dirty="0" smtClean="0"/>
-              <a:t>Channel (+ </a:t>
-            </a:r>
-            <a:r>
-              <a:rPr lang="de-CH" dirty="0" err="1" smtClean="0"/>
-              <a:t>Buffering</a:t>
-            </a:r>
-            <a:r>
-              <a:rPr lang="de-CH" dirty="0" smtClean="0"/>
-              <a:t>)</a:t>
-            </a:r>
-          </a:p>
-          <a:p>
-            <a:r>
-              <a:rPr lang="de-CH" dirty="0" smtClean="0"/>
-              <a:t>Channel-Synchronisation</a:t>
-            </a:r>
-          </a:p>
-          <a:p>
-            <a:endParaRPr lang="de-CH" dirty="0" smtClean="0"/>
-          </a:p>
-          <a:p>
-            <a:r>
-              <a:rPr lang="de-CH" dirty="0" smtClean="0"/>
-              <a:t>Wichtige Punkte dazu:</a:t>
-            </a:r>
-            <a:endParaRPr lang="de-CH" dirty="0"/>
-          </a:p>
-          <a:p>
-            <a:pPr lvl="1"/>
-            <a:r>
-              <a:rPr lang="de-CH" dirty="0" err="1" smtClean="0"/>
-              <a:t>Concurrency</a:t>
-            </a:r>
-            <a:r>
-              <a:rPr lang="de-CH" dirty="0" smtClean="0"/>
-              <a:t> </a:t>
-            </a:r>
-            <a:r>
-              <a:rPr lang="de-CH" dirty="0" err="1" smtClean="0"/>
-              <a:t>is</a:t>
-            </a:r>
-            <a:r>
-              <a:rPr lang="de-CH" dirty="0" smtClean="0"/>
-              <a:t> not </a:t>
-            </a:r>
-            <a:r>
-              <a:rPr lang="de-CH" dirty="0" err="1" smtClean="0"/>
-              <a:t>parellism</a:t>
-            </a:r>
-            <a:endParaRPr lang="de-CH" dirty="0" smtClean="0"/>
-          </a:p>
-          <a:p>
-            <a:pPr lvl="1"/>
-            <a:r>
-              <a:rPr lang="de-CH" dirty="0" err="1" smtClean="0"/>
-              <a:t>Go’s</a:t>
-            </a:r>
-            <a:r>
-              <a:rPr lang="de-CH" dirty="0" smtClean="0"/>
-              <a:t> </a:t>
-            </a:r>
-            <a:r>
-              <a:rPr lang="de-CH" dirty="0" err="1" smtClean="0"/>
-              <a:t>concurrency</a:t>
-            </a:r>
-            <a:r>
-              <a:rPr lang="de-CH" dirty="0" smtClean="0"/>
-              <a:t> </a:t>
-            </a:r>
-            <a:r>
-              <a:rPr lang="de-CH" dirty="0" err="1" smtClean="0"/>
-              <a:t>slogan</a:t>
-            </a:r>
-            <a:r>
-              <a:rPr lang="de-CH" dirty="0" smtClean="0"/>
-              <a:t>: </a:t>
-            </a:r>
-            <a:r>
-              <a:rPr lang="en-US" dirty="0" smtClean="0"/>
-              <a:t>Do </a:t>
-            </a:r>
-            <a:r>
-              <a:rPr lang="en-US" dirty="0"/>
-              <a:t>not communicate by sharing memory; instead, share memory by communicating</a:t>
-            </a:r>
-            <a:r>
-              <a:rPr lang="en-US" dirty="0" smtClean="0"/>
-              <a:t>.</a:t>
-            </a:r>
-          </a:p>
-          <a:p>
-            <a:pPr lvl="1"/>
-            <a:r>
-              <a:rPr lang="en-US" dirty="0" err="1" smtClean="0"/>
-              <a:t>Goroutinen</a:t>
-            </a:r>
-            <a:r>
-              <a:rPr lang="en-US" dirty="0" smtClean="0"/>
-              <a:t> </a:t>
-            </a:r>
-            <a:r>
-              <a:rPr lang="en-US" dirty="0" err="1" smtClean="0"/>
-              <a:t>sind</a:t>
-            </a:r>
-            <a:r>
-              <a:rPr lang="en-US" dirty="0" smtClean="0"/>
-              <a:t> </a:t>
-            </a:r>
-            <a:r>
-              <a:rPr lang="en-US" dirty="0" err="1" smtClean="0"/>
-              <a:t>keine</a:t>
-            </a:r>
-            <a:r>
-              <a:rPr lang="en-US" dirty="0" smtClean="0"/>
-              <a:t> Threads!</a:t>
-            </a:r>
-            <a:endParaRPr lang="de-CH" dirty="0"/>
-          </a:p>
-        </p:txBody>
-      </p:sp>
+      <p:pic>
+        <p:nvPicPr>
+          <p:cNvPr id="12" name="Grafik 11"/>
+          <p:cNvPicPr>
+            <a:picLocks noChangeAspect="1"/>
+          </p:cNvPicPr>
+          <p:nvPr/>
+        </p:nvPicPr>
+        <p:blipFill>
+          <a:blip r:embed="rId2"/>
+          <a:stretch>
+            <a:fillRect/>
+          </a:stretch>
+        </p:blipFill>
+        <p:spPr>
+          <a:xfrm>
+            <a:off x="838200" y="2308107"/>
+            <a:ext cx="6901577" cy="1693187"/>
+          </a:xfrm>
+          <a:prstGeom prst="rect">
+            <a:avLst/>
+          </a:prstGeom>
+        </p:spPr>
+      </p:pic>
     </p:spTree>
     <p:extLst>
       <p:ext uri="{BB962C8B-B14F-4D97-AF65-F5344CB8AC3E}">
-        <p14:creationId xmlns:p14="http://schemas.microsoft.com/office/powerpoint/2010/main" val="2527285512"/>
+        <p14:creationId xmlns:p14="http://schemas.microsoft.com/office/powerpoint/2010/main" val="3426215845"/>
       </p:ext>
     </p:extLst>
   </p:cSld>
@@ -4097,15 +4339,42 @@
           <a:p>
             <a:r>
               <a:rPr lang="de-CH" dirty="0" smtClean="0"/>
-              <a:t>Fazit Team</a:t>
+              <a:t>Multiple Return Values </a:t>
+            </a:r>
+            <a:r>
+              <a:rPr lang="de-CH" dirty="0" smtClean="0"/>
+              <a:t>(2)</a:t>
             </a:r>
             <a:endParaRPr lang="de-CH" dirty="0"/>
           </a:p>
         </p:txBody>
       </p:sp>
-      <p:sp>
-        <p:nvSpPr>
-          <p:cNvPr id="3" name="Inhaltsplatzhalter 2"/>
+      <p:pic>
+        <p:nvPicPr>
+          <p:cNvPr id="5" name="Grafik 4"/>
+          <p:cNvPicPr>
+            <a:picLocks noChangeAspect="1"/>
+          </p:cNvPicPr>
+          <p:nvPr/>
+        </p:nvPicPr>
+        <p:blipFill rotWithShape="1">
+          <a:blip r:embed="rId2"/>
+          <a:srcRect l="10371" t="19788" r="2069" b="72719"/>
+          <a:stretch/>
+        </p:blipFill>
+        <p:spPr>
+          <a:xfrm>
+            <a:off x="838200" y="2514600"/>
+            <a:ext cx="7683500" cy="592667"/>
+          </a:xfrm>
+          <a:prstGeom prst="rect">
+            <a:avLst/>
+          </a:prstGeom>
+        </p:spPr>
+      </p:pic>
+      <p:sp>
+        <p:nvSpPr>
+          <p:cNvPr id="9" name="Inhaltsplatzhalter 2"/>
           <p:cNvSpPr>
             <a:spLocks noGrp="1"/>
           </p:cNvSpPr>
@@ -4113,23 +4382,94 @@
             <p:ph idx="1"/>
           </p:nvPr>
         </p:nvSpPr>
-        <p:spPr/>
-        <p:txBody>
-          <a:bodyPr/>
-          <a:lstStyle/>
-          <a:p>
-            <a:r>
-              <a:rPr lang="de-CH" dirty="0" smtClean="0"/>
-              <a:t>Schnelle E</a:t>
-            </a:r>
+        <p:spPr>
+          <a:xfrm>
+            <a:off x="838200" y="1825625"/>
+            <a:ext cx="10515600" cy="511175"/>
+          </a:xfrm>
+        </p:spPr>
+        <p:txBody>
+          <a:bodyPr>
+            <a:noAutofit/>
+          </a:bodyPr>
+          <a:lstStyle/>
+          <a:p>
+            <a:pPr marL="0" indent="0">
+              <a:buNone/>
+            </a:pPr>
+            <a:r>
+              <a:rPr lang="de-CH" dirty="0" smtClean="0"/>
+              <a:t>Der Aufruf einer Funktion, welche mehrere Werte zurückgibt:</a:t>
+            </a:r>
+          </a:p>
+          <a:p>
+            <a:pPr marL="0" indent="0">
+              <a:buNone/>
+            </a:pPr>
             <a:endParaRPr lang="de-CH" dirty="0"/>
           </a:p>
-        </p:txBody>
-      </p:sp>
+          <a:p>
+            <a:pPr marL="0" indent="0">
+              <a:buNone/>
+            </a:pPr>
+            <a:endParaRPr lang="de-CH" dirty="0" smtClean="0"/>
+          </a:p>
+          <a:p>
+            <a:pPr marL="0" indent="0">
+              <a:buNone/>
+            </a:pPr>
+            <a:endParaRPr lang="de-CH" dirty="0" smtClean="0"/>
+          </a:p>
+          <a:p>
+            <a:pPr marL="0" indent="0">
+              <a:buNone/>
+            </a:pPr>
+            <a:r>
+              <a:rPr lang="de-CH" dirty="0" smtClean="0"/>
+              <a:t>Falls Werte irrelevant sind, _ verwenden.</a:t>
+            </a:r>
+          </a:p>
+          <a:p>
+            <a:pPr marL="0" indent="0">
+              <a:buNone/>
+            </a:pPr>
+            <a:endParaRPr lang="de-CH" dirty="0" smtClean="0"/>
+          </a:p>
+          <a:p>
+            <a:pPr marL="0" indent="0">
+              <a:buNone/>
+            </a:pPr>
+            <a:endParaRPr lang="de-CH" dirty="0"/>
+          </a:p>
+        </p:txBody>
+      </p:sp>
+      <p:pic>
+        <p:nvPicPr>
+          <p:cNvPr id="10" name="Grafik 9"/>
+          <p:cNvPicPr>
+            <a:picLocks noChangeAspect="1"/>
+          </p:cNvPicPr>
+          <p:nvPr/>
+        </p:nvPicPr>
+        <p:blipFill rotWithShape="1">
+          <a:blip r:embed="rId2"/>
+          <a:srcRect l="9889" t="69096" r="8823" b="22608"/>
+          <a:stretch/>
+        </p:blipFill>
+        <p:spPr>
+          <a:xfrm>
+            <a:off x="838199" y="4338638"/>
+            <a:ext cx="7645139" cy="703262"/>
+          </a:xfrm>
+          <a:prstGeom prst="rect">
+            <a:avLst/>
+          </a:prstGeom>
+        </p:spPr>
+      </p:pic>
     </p:spTree>
     <p:extLst>
       <p:ext uri="{BB962C8B-B14F-4D97-AF65-F5344CB8AC3E}">
-        <p14:creationId xmlns:p14="http://schemas.microsoft.com/office/powerpoint/2010/main" val="1796784916"/>
+        <p14:creationId xmlns:p14="http://schemas.microsoft.com/office/powerpoint/2010/main" val="292546015"/>
       </p:ext>
     </p:extLst>
   </p:cSld>
@@ -4172,8 +4512,12 @@
           <a:lstStyle/>
           <a:p>
             <a:r>
-              <a:rPr lang="de-CH" dirty="0" smtClean="0"/>
-              <a:t>Fazit Alex</a:t>
+              <a:rPr lang="de-CH" dirty="0" err="1" smtClean="0"/>
+              <a:t>Concurrency</a:t>
+            </a:r>
+            <a:r>
+              <a:rPr lang="de-CH" dirty="0" smtClean="0"/>
+              <a:t> (Mit anderem Go-Team abstimmen)</a:t>
             </a:r>
             <a:endParaRPr lang="de-CH" dirty="0"/>
           </a:p>
@@ -4191,65 +4535,141 @@
         </p:nvSpPr>
         <p:spPr/>
         <p:txBody>
-          <a:bodyPr/>
-          <a:lstStyle/>
-          <a:p>
+          <a:bodyPr>
+            <a:normAutofit/>
+          </a:bodyPr>
+          <a:lstStyle/>
+          <a:p>
+            <a:r>
+              <a:rPr lang="de-CH" dirty="0" err="1" smtClean="0"/>
+              <a:t>Goroutine</a:t>
+            </a:r>
             <a:endParaRPr lang="de-CH" dirty="0" smtClean="0"/>
           </a:p>
           <a:p>
-            <a:pPr marL="0" indent="0" algn="ctr">
+            <a:r>
+              <a:rPr lang="de-CH" dirty="0" smtClean="0"/>
+              <a:t>Channel (+ </a:t>
+            </a:r>
+            <a:r>
+              <a:rPr lang="de-CH" dirty="0" err="1" smtClean="0"/>
+              <a:t>Buffering</a:t>
+            </a:r>
+            <a:r>
+              <a:rPr lang="de-CH" dirty="0" smtClean="0"/>
+              <a:t>)</a:t>
+            </a:r>
+          </a:p>
+          <a:p>
+            <a:pPr marL="0" indent="0">
               <a:buNone/>
             </a:pPr>
-            <a:r>
-              <a:rPr lang="de-CH" sz="3600" dirty="0" smtClean="0"/>
-              <a:t>Go in 3 Wörter:</a:t>
-            </a:r>
-            <a:endParaRPr lang="de-CH" sz="3600" dirty="0"/>
-          </a:p>
-          <a:p>
-            <a:pPr marL="0" indent="0">
-              <a:buNone/>
-            </a:pPr>
-            <a:endParaRPr lang="de-CH" sz="3600" dirty="0" smtClean="0"/>
-          </a:p>
-          <a:p>
-            <a:pPr marL="0" indent="0" algn="ctr">
-              <a:buNone/>
-            </a:pPr>
-            <a:r>
-              <a:rPr lang="de-CH" sz="3600" i="1" dirty="0" smtClean="0"/>
-              <a:t>Minimalistisch</a:t>
-            </a:r>
-          </a:p>
-          <a:p>
-            <a:pPr marL="0" indent="0" algn="ctr">
-              <a:buNone/>
-            </a:pPr>
-            <a:r>
-              <a:rPr lang="de-CH" sz="3600" i="1" dirty="0" smtClean="0"/>
-              <a:t>Schnell</a:t>
-            </a:r>
-          </a:p>
-          <a:p>
-            <a:pPr marL="0" indent="0" algn="ctr">
-              <a:buNone/>
-            </a:pPr>
-            <a:r>
-              <a:rPr lang="de-CH" sz="3600" i="1" dirty="0" err="1"/>
-              <a:t>C</a:t>
-            </a:r>
-            <a:r>
-              <a:rPr lang="de-CH" sz="3600" i="1" dirty="0" err="1" smtClean="0"/>
-              <a:t>oncurrency</a:t>
-            </a:r>
-            <a:endParaRPr lang="de-CH" sz="3600" i="1" dirty="0"/>
+            <a:endParaRPr lang="de-CH" dirty="0" smtClean="0"/>
+          </a:p>
+          <a:p>
+            <a:r>
+              <a:rPr lang="de-CH" dirty="0" smtClean="0"/>
+              <a:t>Wichtige Punkte dazu:</a:t>
+            </a:r>
+            <a:endParaRPr lang="de-CH" dirty="0"/>
+          </a:p>
+          <a:p>
+            <a:pPr lvl="1"/>
+            <a:r>
+              <a:rPr lang="de-CH" dirty="0" err="1" smtClean="0"/>
+              <a:t>Concurrency</a:t>
+            </a:r>
+            <a:r>
+              <a:rPr lang="de-CH" dirty="0" smtClean="0"/>
+              <a:t> </a:t>
+            </a:r>
+            <a:r>
+              <a:rPr lang="de-CH" dirty="0" err="1" smtClean="0"/>
+              <a:t>is</a:t>
+            </a:r>
+            <a:r>
+              <a:rPr lang="de-CH" dirty="0" smtClean="0"/>
+              <a:t> not </a:t>
+            </a:r>
+            <a:r>
+              <a:rPr lang="de-CH" dirty="0" err="1" smtClean="0"/>
+              <a:t>parellism</a:t>
+            </a:r>
+            <a:endParaRPr lang="de-CH" dirty="0" smtClean="0"/>
+          </a:p>
+          <a:p>
+            <a:pPr lvl="1"/>
+            <a:r>
+              <a:rPr lang="de-CH" dirty="0" err="1" smtClean="0"/>
+              <a:t>Go’s</a:t>
+            </a:r>
+            <a:r>
+              <a:rPr lang="de-CH" dirty="0" smtClean="0"/>
+              <a:t> </a:t>
+            </a:r>
+            <a:r>
+              <a:rPr lang="de-CH" dirty="0" err="1" smtClean="0"/>
+              <a:t>concurrency</a:t>
+            </a:r>
+            <a:r>
+              <a:rPr lang="de-CH" dirty="0" smtClean="0"/>
+              <a:t> </a:t>
+            </a:r>
+            <a:r>
+              <a:rPr lang="de-CH" dirty="0" err="1" smtClean="0"/>
+              <a:t>slogan</a:t>
+            </a:r>
+            <a:r>
+              <a:rPr lang="de-CH" dirty="0" smtClean="0"/>
+              <a:t>: </a:t>
+            </a:r>
+            <a:r>
+              <a:rPr lang="en-US" dirty="0" smtClean="0"/>
+              <a:t>Do </a:t>
+            </a:r>
+            <a:r>
+              <a:rPr lang="en-US" dirty="0"/>
+              <a:t>not communicate by sharing memory; instead, share memory by communicating</a:t>
+            </a:r>
+            <a:r>
+              <a:rPr lang="en-US" dirty="0" smtClean="0"/>
+              <a:t>.</a:t>
+            </a:r>
+          </a:p>
+          <a:p>
+            <a:pPr lvl="1"/>
+            <a:r>
+              <a:rPr lang="en-US" dirty="0" err="1" smtClean="0"/>
+              <a:t>Goroutinen</a:t>
+            </a:r>
+            <a:r>
+              <a:rPr lang="en-US" dirty="0" smtClean="0"/>
+              <a:t> </a:t>
+            </a:r>
+            <a:r>
+              <a:rPr lang="en-US" dirty="0" err="1" smtClean="0"/>
+              <a:t>sind</a:t>
+            </a:r>
+            <a:r>
+              <a:rPr lang="en-US" dirty="0" smtClean="0"/>
+              <a:t> </a:t>
+            </a:r>
+            <a:r>
+              <a:rPr lang="en-US" dirty="0" err="1" smtClean="0"/>
+              <a:t>keine</a:t>
+            </a:r>
+            <a:r>
+              <a:rPr lang="en-US" dirty="0" smtClean="0"/>
+              <a:t> Threads!</a:t>
+            </a:r>
+            <a:endParaRPr lang="de-CH" dirty="0"/>
           </a:p>
         </p:txBody>
       </p:sp>
     </p:spTree>
     <p:extLst>
       <p:ext uri="{BB962C8B-B14F-4D97-AF65-F5344CB8AC3E}">
-        <p14:creationId xmlns:p14="http://schemas.microsoft.com/office/powerpoint/2010/main" val="1362767083"/>
+        <p14:creationId xmlns:p14="http://schemas.microsoft.com/office/powerpoint/2010/main" val="2527285512"/>
       </p:ext>
     </p:extLst>
   </p:cSld>

--- a/presi/presi.pptx
+++ b/presi/presi.pptx
@@ -9,14 +9,12 @@
     <p:sldId id="257" r:id="rId3"/>
     <p:sldId id="262" r:id="rId4"/>
     <p:sldId id="269" r:id="rId5"/>
-    <p:sldId id="258" r:id="rId6"/>
-    <p:sldId id="260" r:id="rId7"/>
-    <p:sldId id="268" r:id="rId8"/>
-    <p:sldId id="259" r:id="rId9"/>
-    <p:sldId id="267" r:id="rId10"/>
-    <p:sldId id="263" r:id="rId11"/>
-    <p:sldId id="264" r:id="rId12"/>
-    <p:sldId id="265" r:id="rId13"/>
+    <p:sldId id="260" r:id="rId6"/>
+    <p:sldId id="258" r:id="rId7"/>
+    <p:sldId id="270" r:id="rId8"/>
+    <p:sldId id="263" r:id="rId9"/>
+    <p:sldId id="264" r:id="rId10"/>
+    <p:sldId id="265" r:id="rId11"/>
   </p:sldIdLst>
   <p:sldSz cx="12192000" cy="6858000"/>
   <p:notesSz cx="6858000" cy="9144000"/>
@@ -3064,218 +3062,6 @@
           <a:p>
             <a:r>
               <a:rPr lang="de-CH" dirty="0" smtClean="0"/>
-              <a:t>Fazit Team</a:t>
-            </a:r>
-            <a:endParaRPr lang="de-CH" dirty="0"/>
-          </a:p>
-        </p:txBody>
-      </p:sp>
-      <p:sp>
-        <p:nvSpPr>
-          <p:cNvPr id="3" name="Inhaltsplatzhalter 2"/>
-          <p:cNvSpPr>
-            <a:spLocks noGrp="1"/>
-          </p:cNvSpPr>
-          <p:nvPr>
-            <p:ph idx="1"/>
-          </p:nvPr>
-        </p:nvSpPr>
-        <p:spPr/>
-        <p:txBody>
-          <a:bodyPr/>
-          <a:lstStyle/>
-          <a:p>
-            <a:r>
-              <a:rPr lang="de-CH" dirty="0" smtClean="0"/>
-              <a:t>Spass</a:t>
-            </a:r>
-          </a:p>
-          <a:p>
-            <a:pPr lvl="1"/>
-            <a:r>
-              <a:rPr lang="de-CH" dirty="0" smtClean="0"/>
-              <a:t>Die WTF-Rate geht gegen 0</a:t>
-            </a:r>
-          </a:p>
-          <a:p>
-            <a:pPr lvl="1"/>
-            <a:endParaRPr lang="de-CH" dirty="0"/>
-          </a:p>
-          <a:p>
-            <a:r>
-              <a:rPr lang="de-CH" dirty="0" smtClean="0"/>
-              <a:t>Klassen fehlen uns trotzdem.</a:t>
-            </a:r>
-          </a:p>
-          <a:p>
-            <a:endParaRPr lang="de-CH" dirty="0"/>
-          </a:p>
-          <a:p>
-            <a:endParaRPr lang="de-CH" dirty="0" smtClean="0"/>
-          </a:p>
-          <a:p>
-            <a:endParaRPr lang="de-CH" dirty="0"/>
-          </a:p>
-          <a:p>
-            <a:endParaRPr lang="de-CH" dirty="0"/>
-          </a:p>
-        </p:txBody>
-      </p:sp>
-    </p:spTree>
-    <p:extLst>
-      <p:ext uri="{BB962C8B-B14F-4D97-AF65-F5344CB8AC3E}">
-        <p14:creationId xmlns:p14="http://schemas.microsoft.com/office/powerpoint/2010/main" val="1796784916"/>
-      </p:ext>
-    </p:extLst>
-  </p:cSld>
-  <p:clrMapOvr>
-    <a:masterClrMapping/>
-  </p:clrMapOvr>
-</p:sld>
-</file>
-
-<file path=ppt/slides/slide11.xml><?xml version="1.0" encoding="utf-8"?>
-<p:sld xmlns:a="http://schemas.openxmlformats.org/drawingml/2006/main" xmlns:r="http://schemas.openxmlformats.org/officeDocument/2006/relationships" xmlns:p="http://schemas.openxmlformats.org/presentationml/2006/main">
-  <p:cSld>
-    <p:spTree>
-      <p:nvGrpSpPr>
-        <p:cNvPr id="1" name=""/>
-        <p:cNvGrpSpPr/>
-        <p:nvPr/>
-      </p:nvGrpSpPr>
-      <p:grpSpPr>
-        <a:xfrm>
-          <a:off x="0" y="0"/>
-          <a:ext cx="0" cy="0"/>
-          <a:chOff x="0" y="0"/>
-          <a:chExt cx="0" cy="0"/>
-        </a:xfrm>
-      </p:grpSpPr>
-      <p:sp>
-        <p:nvSpPr>
-          <p:cNvPr id="2" name="Titel 1"/>
-          <p:cNvSpPr>
-            <a:spLocks noGrp="1"/>
-          </p:cNvSpPr>
-          <p:nvPr>
-            <p:ph type="title"/>
-          </p:nvPr>
-        </p:nvSpPr>
-        <p:spPr/>
-        <p:txBody>
-          <a:bodyPr/>
-          <a:lstStyle/>
-          <a:p>
-            <a:r>
-              <a:rPr lang="de-CH" dirty="0" smtClean="0"/>
-              <a:t>Fazit Alex</a:t>
-            </a:r>
-            <a:endParaRPr lang="de-CH" dirty="0"/>
-          </a:p>
-        </p:txBody>
-      </p:sp>
-      <p:sp>
-        <p:nvSpPr>
-          <p:cNvPr id="3" name="Inhaltsplatzhalter 2"/>
-          <p:cNvSpPr>
-            <a:spLocks noGrp="1"/>
-          </p:cNvSpPr>
-          <p:nvPr>
-            <p:ph idx="1"/>
-          </p:nvPr>
-        </p:nvSpPr>
-        <p:spPr/>
-        <p:txBody>
-          <a:bodyPr/>
-          <a:lstStyle/>
-          <a:p>
-            <a:pPr marL="0" indent="0" algn="ctr">
-              <a:buNone/>
-            </a:pPr>
-            <a:endParaRPr lang="de-CH" sz="3600" dirty="0"/>
-          </a:p>
-          <a:p>
-            <a:pPr marL="0" indent="0" algn="ctr">
-              <a:buNone/>
-            </a:pPr>
-            <a:r>
-              <a:rPr lang="de-CH" sz="4800" i="1" dirty="0" smtClean="0"/>
-              <a:t>Minimalistisch</a:t>
-            </a:r>
-            <a:endParaRPr lang="de-CH" sz="4800" i="1" dirty="0" smtClean="0"/>
-          </a:p>
-          <a:p>
-            <a:pPr marL="0" indent="0" algn="ctr">
-              <a:buNone/>
-            </a:pPr>
-            <a:r>
-              <a:rPr lang="de-CH" sz="4800" i="1" dirty="0" smtClean="0"/>
-              <a:t>Schnell</a:t>
-            </a:r>
-          </a:p>
-          <a:p>
-            <a:pPr marL="0" indent="0" algn="ctr">
-              <a:buNone/>
-            </a:pPr>
-            <a:r>
-              <a:rPr lang="de-CH" sz="4800" i="1" dirty="0" err="1"/>
-              <a:t>C</a:t>
-            </a:r>
-            <a:r>
-              <a:rPr lang="de-CH" sz="4800" i="1" dirty="0" err="1" smtClean="0"/>
-              <a:t>oncurrency</a:t>
-            </a:r>
-            <a:endParaRPr lang="de-CH" sz="4800" i="1" dirty="0"/>
-          </a:p>
-        </p:txBody>
-      </p:sp>
-    </p:spTree>
-    <p:extLst>
-      <p:ext uri="{BB962C8B-B14F-4D97-AF65-F5344CB8AC3E}">
-        <p14:creationId xmlns:p14="http://schemas.microsoft.com/office/powerpoint/2010/main" val="1362767083"/>
-      </p:ext>
-    </p:extLst>
-  </p:cSld>
-  <p:clrMapOvr>
-    <a:masterClrMapping/>
-  </p:clrMapOvr>
-</p:sld>
-</file>
-
-<file path=ppt/slides/slide12.xml><?xml version="1.0" encoding="utf-8"?>
-<p:sld xmlns:a="http://schemas.openxmlformats.org/drawingml/2006/main" xmlns:r="http://schemas.openxmlformats.org/officeDocument/2006/relationships" xmlns:p="http://schemas.openxmlformats.org/presentationml/2006/main">
-  <p:cSld>
-    <p:spTree>
-      <p:nvGrpSpPr>
-        <p:cNvPr id="1" name=""/>
-        <p:cNvGrpSpPr/>
-        <p:nvPr/>
-      </p:nvGrpSpPr>
-      <p:grpSpPr>
-        <a:xfrm>
-          <a:off x="0" y="0"/>
-          <a:ext cx="0" cy="0"/>
-          <a:chOff x="0" y="0"/>
-          <a:chExt cx="0" cy="0"/>
-        </a:xfrm>
-      </p:grpSpPr>
-      <p:sp>
-        <p:nvSpPr>
-          <p:cNvPr id="2" name="Titel 1"/>
-          <p:cNvSpPr>
-            <a:spLocks noGrp="1"/>
-          </p:cNvSpPr>
-          <p:nvPr>
-            <p:ph type="title"/>
-          </p:nvPr>
-        </p:nvSpPr>
-        <p:spPr/>
-        <p:txBody>
-          <a:bodyPr/>
-          <a:lstStyle/>
-          <a:p>
-            <a:r>
-              <a:rPr lang="de-CH" dirty="0" smtClean="0"/>
               <a:t>Fazit Fabian</a:t>
             </a:r>
             <a:endParaRPr lang="de-CH" dirty="0"/>
@@ -3309,8 +3095,18 @@
               <a:buNone/>
             </a:pPr>
             <a:r>
+              <a:rPr lang="de-CH" sz="4800" i="1" dirty="0" err="1" smtClean="0"/>
+              <a:t>Concurrency</a:t>
+            </a:r>
+            <a:endParaRPr lang="de-CH" sz="4800" i="1" dirty="0" smtClean="0"/>
+          </a:p>
+          <a:p>
+            <a:pPr marL="0" indent="0" algn="ctr">
+              <a:buNone/>
+            </a:pPr>
+            <a:r>
               <a:rPr lang="de-CH" sz="4800" i="1" dirty="0" smtClean="0"/>
-              <a:t>?</a:t>
+              <a:t>C ähnlich</a:t>
             </a:r>
             <a:endParaRPr lang="de-CH" sz="4800" i="1" dirty="0" smtClean="0"/>
           </a:p>
@@ -3320,17 +3116,9 @@
             </a:pPr>
             <a:r>
               <a:rPr lang="de-CH" sz="4800" i="1" dirty="0" smtClean="0"/>
-              <a:t>?</a:t>
-            </a:r>
-          </a:p>
-          <a:p>
-            <a:pPr marL="0" indent="0" algn="ctr">
-              <a:buNone/>
-            </a:pPr>
-            <a:r>
-              <a:rPr lang="de-CH" sz="4800" i="1" dirty="0"/>
-              <a:t>?</a:t>
-            </a:r>
+              <a:t>Skript Sprache</a:t>
+            </a:r>
+            <a:endParaRPr lang="de-CH" sz="4800" i="1" dirty="0"/>
           </a:p>
           <a:p>
             <a:endParaRPr lang="de-CH" sz="3600" dirty="0"/>
@@ -3409,8 +3197,9 @@
           <a:p>
             <a:r>
               <a:rPr lang="de-CH" dirty="0" smtClean="0"/>
-              <a:t>Go</a:t>
-            </a:r>
+              <a:t>Go (Alex)</a:t>
+            </a:r>
+            <a:endParaRPr lang="de-CH" dirty="0" smtClean="0"/>
           </a:p>
           <a:p>
             <a:r>
@@ -3422,43 +3211,41 @@
             <a:pPr lvl="1"/>
             <a:r>
               <a:rPr lang="de-CH" dirty="0" smtClean="0"/>
-              <a:t>Slice</a:t>
+              <a:t>Nicht klassenbasiertes OOP (Fabian)</a:t>
             </a:r>
           </a:p>
           <a:p>
             <a:pPr lvl="1"/>
             <a:r>
               <a:rPr lang="de-CH" dirty="0" smtClean="0"/>
-              <a:t>Vererbung durch Komposition</a:t>
-            </a:r>
+              <a:t>Slice (Fabian)</a:t>
+            </a:r>
+            <a:endParaRPr lang="de-CH" dirty="0" smtClean="0"/>
           </a:p>
           <a:p>
             <a:pPr lvl="1"/>
             <a:r>
-              <a:rPr lang="de-CH" dirty="0" smtClean="0"/>
-              <a:t>Multiple </a:t>
-            </a:r>
-            <a:r>
-              <a:rPr lang="de-CH" dirty="0" smtClean="0"/>
-              <a:t>Return </a:t>
-            </a:r>
-            <a:r>
-              <a:rPr lang="de-CH" dirty="0" smtClean="0"/>
-              <a:t>Values</a:t>
-            </a:r>
-          </a:p>
-          <a:p>
-            <a:pPr lvl="1"/>
-            <a:r>
               <a:rPr lang="de-CH" dirty="0" err="1" smtClean="0"/>
-              <a:t>Concurrency</a:t>
-            </a:r>
-            <a:endParaRPr lang="de-CH" dirty="0" smtClean="0"/>
-          </a:p>
-          <a:p>
-            <a:r>
-              <a:rPr lang="de-CH" dirty="0" smtClean="0"/>
-              <a:t>Fazit</a:t>
+              <a:t>Garbage</a:t>
+            </a:r>
+            <a:r>
+              <a:rPr lang="de-CH" dirty="0" smtClean="0"/>
+              <a:t> </a:t>
+            </a:r>
+            <a:r>
+              <a:rPr lang="de-CH" dirty="0" err="1" smtClean="0"/>
+              <a:t>Collector</a:t>
+            </a:r>
+            <a:r>
+              <a:rPr lang="de-CH" dirty="0" smtClean="0"/>
+              <a:t> (Alex)</a:t>
+            </a:r>
+            <a:endParaRPr lang="de-CH" dirty="0"/>
+          </a:p>
+          <a:p>
+            <a:r>
+              <a:rPr lang="de-CH" dirty="0" smtClean="0"/>
+              <a:t>Fazit (Alex)</a:t>
             </a:r>
             <a:endParaRPr lang="de-CH" dirty="0"/>
           </a:p>
@@ -3551,13 +3338,8 @@
             </a:r>
             <a:r>
               <a:rPr lang="en-US" sz="1800" i="1" dirty="0" smtClean="0"/>
-              <a:t>talks.golang.org/2012/splash.article</a:t>
-            </a:r>
-            <a:r>
-              <a:rPr lang="en-US" sz="1800" i="1" dirty="0" smtClean="0"/>
-              <a:t>)</a:t>
-            </a:r>
-            <a:endParaRPr lang="en-US" sz="1800" i="1" dirty="0" smtClean="0"/>
+              <a:t>talks.golang.org/2012/splash.article)</a:t>
+            </a:r>
           </a:p>
           <a:p>
             <a:pPr marL="0" indent="0">
@@ -3924,7 +3706,7 @@
           <a:p>
             <a:r>
               <a:rPr lang="de-CH" dirty="0" smtClean="0"/>
-              <a:t>Slice</a:t>
+              <a:t>Nicht klassenbasiertes OOP</a:t>
             </a:r>
             <a:endParaRPr lang="de-CH" dirty="0"/>
           </a:p>
@@ -3940,24 +3722,39 @@
             <p:ph idx="1"/>
           </p:nvPr>
         </p:nvSpPr>
-        <p:spPr>
-          <a:xfrm>
-            <a:off x="838200" y="1825625"/>
-            <a:ext cx="10515600" cy="4351338"/>
-          </a:xfrm>
-        </p:spPr>
-        <p:txBody>
-          <a:bodyPr/>
-          <a:lstStyle/>
-          <a:p>
-            <a:endParaRPr lang="de-CH" dirty="0"/>
+        <p:spPr/>
+        <p:txBody>
+          <a:bodyPr/>
+          <a:lstStyle/>
+          <a:p>
+            <a:r>
+              <a:rPr lang="de-CH" dirty="0" err="1" smtClean="0"/>
+              <a:t>Structs</a:t>
+            </a:r>
+            <a:r>
+              <a:rPr lang="de-CH" dirty="0" smtClean="0"/>
+              <a:t> mit Funktionen</a:t>
+            </a:r>
+            <a:endParaRPr lang="de-CH" dirty="0" smtClean="0"/>
+          </a:p>
+          <a:p>
+            <a:r>
+              <a:rPr lang="de-CH" dirty="0" smtClean="0"/>
+              <a:t>Interfaces</a:t>
+            </a:r>
+          </a:p>
+          <a:p>
+            <a:r>
+              <a:rPr lang="de-CH" dirty="0" smtClean="0"/>
+              <a:t>Vererbung durch Komposition</a:t>
+            </a:r>
           </a:p>
         </p:txBody>
       </p:sp>
     </p:spTree>
     <p:extLst>
       <p:ext uri="{BB962C8B-B14F-4D97-AF65-F5344CB8AC3E}">
-        <p14:creationId xmlns:p14="http://schemas.microsoft.com/office/powerpoint/2010/main" val="3859172446"/>
+        <p14:creationId xmlns:p14="http://schemas.microsoft.com/office/powerpoint/2010/main" val="847568716"/>
       </p:ext>
     </p:extLst>
   </p:cSld>
@@ -4000,9 +3797,10 @@
           <a:lstStyle/>
           <a:p>
             <a:r>
-              <a:rPr lang="de-CH" dirty="0"/>
-              <a:t>Vererbung durch Komposition</a:t>
-            </a:r>
+              <a:rPr lang="de-CH" dirty="0" smtClean="0"/>
+              <a:t>Slice</a:t>
+            </a:r>
+            <a:endParaRPr lang="de-CH" dirty="0"/>
           </a:p>
         </p:txBody>
       </p:sp>
@@ -4016,7 +3814,12 @@
             <p:ph idx="1"/>
           </p:nvPr>
         </p:nvSpPr>
-        <p:spPr/>
+        <p:spPr>
+          <a:xfrm>
+            <a:off x="838200" y="1825625"/>
+            <a:ext cx="10515600" cy="4351338"/>
+          </a:xfrm>
+        </p:spPr>
         <p:txBody>
           <a:bodyPr/>
           <a:lstStyle/>
@@ -4028,7 +3831,7 @@
     </p:spTree>
     <p:extLst>
       <p:ext uri="{BB962C8B-B14F-4D97-AF65-F5344CB8AC3E}">
-        <p14:creationId xmlns:p14="http://schemas.microsoft.com/office/powerpoint/2010/main" val="847568716"/>
+        <p14:creationId xmlns:p14="http://schemas.microsoft.com/office/powerpoint/2010/main" val="3859172446"/>
       </p:ext>
     </p:extLst>
   </p:cSld>
@@ -4071,16 +3874,16 @@
           <a:lstStyle/>
           <a:p>
             <a:r>
-              <a:rPr lang="de-CH" dirty="0" smtClean="0"/>
-              <a:t>Multiple Return Values </a:t>
-            </a:r>
-            <a:r>
-              <a:rPr lang="de-CH" dirty="0" smtClean="0"/>
-              <a:t>(</a:t>
-            </a:r>
-            <a:r>
-              <a:rPr lang="de-CH" dirty="0" smtClean="0"/>
-              <a:t>1)</a:t>
+              <a:rPr lang="de-CH" dirty="0" err="1" smtClean="0"/>
+              <a:t>Garbage</a:t>
+            </a:r>
+            <a:r>
+              <a:rPr lang="de-CH" dirty="0" smtClean="0"/>
+              <a:t> </a:t>
+            </a:r>
+            <a:r>
+              <a:rPr lang="de-CH" dirty="0" err="1" smtClean="0"/>
+              <a:t>Collector</a:t>
             </a:r>
             <a:endParaRPr lang="de-CH" dirty="0"/>
           </a:p>
@@ -4088,7 +3891,7 @@
       </p:sp>
       <p:sp>
         <p:nvSpPr>
-          <p:cNvPr id="8" name="Inhaltsplatzhalter 2"/>
+          <p:cNvPr id="3" name="Inhaltsplatzhalter 2"/>
           <p:cNvSpPr>
             <a:spLocks noGrp="1"/>
           </p:cNvSpPr>
@@ -4096,206 +3899,23 @@
             <p:ph idx="1"/>
           </p:nvPr>
         </p:nvSpPr>
-        <p:spPr>
-          <a:xfrm>
-            <a:off x="838200" y="1825625"/>
-            <a:ext cx="10515600" cy="4351338"/>
-          </a:xfrm>
-        </p:spPr>
-        <p:txBody>
-          <a:bodyPr>
-            <a:normAutofit lnSpcReduction="10000"/>
-          </a:bodyPr>
-          <a:lstStyle/>
-          <a:p>
-            <a:pPr marL="0" indent="0">
-              <a:buNone/>
-            </a:pPr>
-            <a:r>
-              <a:rPr lang="de-CH" dirty="0" smtClean="0"/>
-              <a:t>Eine Funktion kann mehrere Werte zurückgegeben:</a:t>
-            </a:r>
-          </a:p>
-          <a:p>
-            <a:pPr marL="0" indent="0">
-              <a:buNone/>
-            </a:pPr>
+        <p:spPr/>
+        <p:txBody>
+          <a:bodyPr/>
+          <a:lstStyle/>
+          <a:p>
+            <a:r>
+              <a:rPr lang="de-CH" dirty="0" smtClean="0"/>
+              <a:t>Text</a:t>
+            </a:r>
             <a:endParaRPr lang="de-CH" dirty="0"/>
           </a:p>
-          <a:p>
-            <a:pPr marL="0" indent="0">
-              <a:buNone/>
-            </a:pPr>
-            <a:endParaRPr lang="de-CH" dirty="0"/>
-          </a:p>
-          <a:p>
-            <a:pPr marL="0" indent="0">
-              <a:buNone/>
-            </a:pPr>
-            <a:endParaRPr lang="de-CH" dirty="0" smtClean="0"/>
-          </a:p>
-          <a:p>
-            <a:pPr marL="0" indent="0">
-              <a:buNone/>
-            </a:pPr>
-            <a:endParaRPr lang="de-CH" dirty="0" smtClean="0"/>
-          </a:p>
-          <a:p>
-            <a:pPr marL="0" indent="0">
-              <a:buNone/>
-            </a:pPr>
-            <a:r>
-              <a:rPr lang="de-CH" dirty="0" err="1" smtClean="0"/>
-              <a:t>getMinMax</a:t>
-            </a:r>
-            <a:r>
-              <a:rPr lang="de-CH" dirty="0" smtClean="0"/>
-              <a:t>		Gibt das Minimum und das Maximum zurück</a:t>
-            </a:r>
-          </a:p>
-          <a:p>
-            <a:pPr marL="0" indent="0">
-              <a:buNone/>
-            </a:pPr>
-            <a:r>
-              <a:rPr lang="de-CH" dirty="0" err="1"/>
-              <a:t>n</a:t>
-            </a:r>
-            <a:r>
-              <a:rPr lang="de-CH" dirty="0" err="1" smtClean="0"/>
-              <a:t>umbers</a:t>
-            </a:r>
-            <a:r>
-              <a:rPr lang="de-CH" dirty="0" smtClean="0"/>
-              <a:t> …</a:t>
-            </a:r>
-            <a:r>
-              <a:rPr lang="de-CH" dirty="0" err="1" smtClean="0"/>
-              <a:t>int</a:t>
-            </a:r>
-            <a:r>
-              <a:rPr lang="de-CH" dirty="0" smtClean="0"/>
-              <a:t>	</a:t>
-            </a:r>
-            <a:r>
-              <a:rPr lang="de-CH" dirty="0" err="1" smtClean="0"/>
-              <a:t>Variadic</a:t>
-            </a:r>
-            <a:r>
-              <a:rPr lang="de-CH" dirty="0" smtClean="0"/>
-              <a:t> </a:t>
-            </a:r>
-            <a:r>
-              <a:rPr lang="de-CH" dirty="0" err="1" smtClean="0"/>
-              <a:t>function</a:t>
-            </a:r>
-            <a:r>
-              <a:rPr lang="de-CH" dirty="0" smtClean="0"/>
-              <a:t> (Variable Anzahl an Parameter)</a:t>
-            </a:r>
-          </a:p>
-          <a:p>
-            <a:pPr marL="0" indent="0">
-              <a:buNone/>
-            </a:pPr>
-            <a:r>
-              <a:rPr lang="de-CH" dirty="0" smtClean="0"/>
-              <a:t>(</a:t>
-            </a:r>
-            <a:r>
-              <a:rPr lang="de-CH" dirty="0" err="1" smtClean="0"/>
-              <a:t>int</a:t>
-            </a:r>
-            <a:r>
-              <a:rPr lang="de-CH" dirty="0" smtClean="0"/>
-              <a:t>, </a:t>
-            </a:r>
-            <a:r>
-              <a:rPr lang="de-CH" dirty="0" err="1" smtClean="0"/>
-              <a:t>int</a:t>
-            </a:r>
-            <a:r>
-              <a:rPr lang="de-CH" dirty="0" smtClean="0"/>
-              <a:t>)		Rückgabetypen (hier zwei für min und </a:t>
-            </a:r>
-            <a:r>
-              <a:rPr lang="de-CH" dirty="0" err="1" smtClean="0"/>
-              <a:t>max</a:t>
-            </a:r>
-            <a:r>
-              <a:rPr lang="de-CH" dirty="0" smtClean="0"/>
-              <a:t>)</a:t>
-            </a:r>
-          </a:p>
-          <a:p>
-            <a:pPr marL="0" indent="0">
-              <a:buNone/>
-            </a:pPr>
-            <a:r>
-              <a:rPr lang="de-CH" dirty="0" err="1"/>
-              <a:t>r</a:t>
-            </a:r>
-            <a:r>
-              <a:rPr lang="de-CH" dirty="0" err="1" smtClean="0"/>
-              <a:t>eturn</a:t>
-            </a:r>
-            <a:r>
-              <a:rPr lang="de-CH" dirty="0" smtClean="0"/>
-              <a:t> min, </a:t>
-            </a:r>
-            <a:r>
-              <a:rPr lang="de-CH" dirty="0" err="1" smtClean="0"/>
-              <a:t>max</a:t>
-            </a:r>
-            <a:r>
-              <a:rPr lang="de-CH" dirty="0" smtClean="0"/>
-              <a:t>	Gibt min und </a:t>
-            </a:r>
-            <a:r>
-              <a:rPr lang="de-CH" dirty="0" err="1" smtClean="0"/>
-              <a:t>max</a:t>
-            </a:r>
-            <a:r>
-              <a:rPr lang="de-CH" dirty="0" smtClean="0"/>
-              <a:t> zurück.</a:t>
-            </a:r>
-          </a:p>
-          <a:p>
-            <a:pPr marL="0" indent="0">
-              <a:buNone/>
-            </a:pPr>
-            <a:endParaRPr lang="de-CH" dirty="0"/>
-          </a:p>
-        </p:txBody>
-      </p:sp>
-      <p:pic>
-        <p:nvPicPr>
-          <p:cNvPr id="12" name="Grafik 11"/>
-          <p:cNvPicPr>
-            <a:picLocks noChangeAspect="1"/>
-          </p:cNvPicPr>
-          <p:nvPr/>
-        </p:nvPicPr>
-        <p:blipFill>
-          <a:blip r:embed="rId2"/>
-          <a:stretch>
-            <a:fillRect/>
-          </a:stretch>
-        </p:blipFill>
-        <p:spPr>
-          <a:xfrm>
-            <a:off x="838200" y="2308107"/>
-            <a:ext cx="6901577" cy="1693187"/>
-          </a:xfrm>
-          <a:prstGeom prst="rect">
-            <a:avLst/>
-          </a:prstGeom>
-        </p:spPr>
-      </p:pic>
+        </p:txBody>
+      </p:sp>
     </p:spTree>
     <p:extLst>
       <p:ext uri="{BB962C8B-B14F-4D97-AF65-F5344CB8AC3E}">
-        <p14:creationId xmlns:p14="http://schemas.microsoft.com/office/powerpoint/2010/main" val="3426215845"/>
+        <p14:creationId xmlns:p14="http://schemas.microsoft.com/office/powerpoint/2010/main" val="3450917879"/>
       </p:ext>
     </p:extLst>
   </p:cSld>
@@ -4339,42 +3959,15 @@
           <a:p>
             <a:r>
               <a:rPr lang="de-CH" dirty="0" smtClean="0"/>
-              <a:t>Multiple Return Values </a:t>
-            </a:r>
-            <a:r>
-              <a:rPr lang="de-CH" dirty="0" smtClean="0"/>
-              <a:t>(2)</a:t>
+              <a:t>Fazit Team</a:t>
             </a:r>
             <a:endParaRPr lang="de-CH" dirty="0"/>
           </a:p>
         </p:txBody>
       </p:sp>
-      <p:pic>
-        <p:nvPicPr>
-          <p:cNvPr id="5" name="Grafik 4"/>
-          <p:cNvPicPr>
-            <a:picLocks noChangeAspect="1"/>
-          </p:cNvPicPr>
-          <p:nvPr/>
-        </p:nvPicPr>
-        <p:blipFill rotWithShape="1">
-          <a:blip r:embed="rId2"/>
-          <a:srcRect l="10371" t="19788" r="2069" b="72719"/>
-          <a:stretch/>
-        </p:blipFill>
-        <p:spPr>
-          <a:xfrm>
-            <a:off x="838200" y="2514600"/>
-            <a:ext cx="7683500" cy="592667"/>
-          </a:xfrm>
-          <a:prstGeom prst="rect">
-            <a:avLst/>
-          </a:prstGeom>
-        </p:spPr>
-      </p:pic>
-      <p:sp>
-        <p:nvSpPr>
-          <p:cNvPr id="9" name="Inhaltsplatzhalter 2"/>
+      <p:sp>
+        <p:nvSpPr>
+          <p:cNvPr id="3" name="Inhaltsplatzhalter 2"/>
           <p:cNvSpPr>
             <a:spLocks noGrp="1"/>
           </p:cNvSpPr>
@@ -4382,94 +3975,104 @@
             <p:ph idx="1"/>
           </p:nvPr>
         </p:nvSpPr>
-        <p:spPr>
-          <a:xfrm>
-            <a:off x="838200" y="1825625"/>
-            <a:ext cx="10515600" cy="511175"/>
-          </a:xfrm>
-        </p:spPr>
-        <p:txBody>
-          <a:bodyPr>
-            <a:noAutofit/>
-          </a:bodyPr>
-          <a:lstStyle/>
-          <a:p>
-            <a:pPr marL="0" indent="0">
-              <a:buNone/>
-            </a:pPr>
-            <a:r>
-              <a:rPr lang="de-CH" dirty="0" smtClean="0"/>
-              <a:t>Der Aufruf einer Funktion, welche mehrere Werte zurückgibt:</a:t>
-            </a:r>
-          </a:p>
-          <a:p>
-            <a:pPr marL="0" indent="0">
-              <a:buNone/>
-            </a:pPr>
+        <p:spPr/>
+        <p:txBody>
+          <a:bodyPr/>
+          <a:lstStyle/>
+          <a:p>
+            <a:r>
+              <a:rPr lang="de-CH" dirty="0" smtClean="0"/>
+              <a:t>Spass (wir haben uns selten </a:t>
+            </a:r>
+            <a:r>
+              <a:rPr lang="de-CH" dirty="0" err="1" smtClean="0"/>
+              <a:t>geärgeter</a:t>
+            </a:r>
+            <a:r>
+              <a:rPr lang="de-CH" dirty="0" smtClean="0"/>
+              <a:t>)</a:t>
+            </a:r>
+            <a:endParaRPr lang="de-CH" dirty="0" smtClean="0"/>
+          </a:p>
+          <a:p>
+            <a:pPr lvl="1"/>
+            <a:r>
+              <a:rPr lang="de-CH" dirty="0" smtClean="0"/>
+              <a:t>Die WTF-Rate geht gegen 0</a:t>
+            </a:r>
+          </a:p>
+          <a:p>
+            <a:pPr lvl="1"/>
+            <a:endParaRPr lang="de-CH" dirty="0" smtClean="0"/>
+          </a:p>
+          <a:p>
+            <a:r>
+              <a:rPr lang="de-CH" dirty="0" smtClean="0"/>
+              <a:t>Wird auf Ziel Plattform kompiliert.</a:t>
+            </a:r>
+          </a:p>
+          <a:p>
+            <a:r>
+              <a:rPr lang="de-CH" dirty="0" smtClean="0"/>
+              <a:t>Manuelle Memory </a:t>
+            </a:r>
+            <a:r>
+              <a:rPr lang="de-CH" dirty="0" err="1" smtClean="0"/>
+              <a:t>Mgmt</a:t>
+            </a:r>
+            <a:r>
+              <a:rPr lang="de-CH" dirty="0" smtClean="0"/>
+              <a:t>. </a:t>
+            </a:r>
+            <a:r>
+              <a:rPr lang="de-CH" dirty="0" smtClean="0"/>
+              <a:t>obwohl Low Level.</a:t>
+            </a:r>
+          </a:p>
+          <a:p>
             <a:endParaRPr lang="de-CH" dirty="0"/>
           </a:p>
           <a:p>
-            <a:pPr marL="0" indent="0">
-              <a:buNone/>
-            </a:pPr>
+            <a:r>
+              <a:rPr lang="de-CH" dirty="0" smtClean="0"/>
+              <a:t>Es ist nicht überfüllt mit </a:t>
+            </a:r>
+            <a:r>
+              <a:rPr lang="de-CH" dirty="0" err="1" smtClean="0"/>
+              <a:t>modifier</a:t>
+            </a:r>
+            <a:r>
+              <a:rPr lang="de-CH" dirty="0" smtClean="0"/>
+              <a:t>. Gross und Kleinschreibung </a:t>
+            </a:r>
+            <a:r>
+              <a:rPr lang="de-CH" dirty="0" err="1" smtClean="0"/>
+              <a:t>sichtbarkeit</a:t>
+            </a:r>
+            <a:r>
+              <a:rPr lang="de-CH" dirty="0" smtClean="0"/>
+              <a:t>.</a:t>
+            </a:r>
             <a:endParaRPr lang="de-CH" dirty="0" smtClean="0"/>
           </a:p>
           <a:p>
-            <a:pPr marL="0" indent="0">
-              <a:buNone/>
-            </a:pPr>
+            <a:endParaRPr lang="de-CH" dirty="0"/>
+          </a:p>
+          <a:p>
             <a:endParaRPr lang="de-CH" dirty="0" smtClean="0"/>
           </a:p>
           <a:p>
-            <a:pPr marL="0" indent="0">
-              <a:buNone/>
-            </a:pPr>
-            <a:r>
-              <a:rPr lang="de-CH" dirty="0" smtClean="0"/>
-              <a:t>Falls Werte irrelevant sind, _ verwenden.</a:t>
-            </a:r>
-          </a:p>
-          <a:p>
-            <a:pPr marL="0" indent="0">
-              <a:buNone/>
-            </a:pPr>
-            <a:endParaRPr lang="de-CH" dirty="0" smtClean="0"/>
-          </a:p>
-          <a:p>
-            <a:pPr marL="0" indent="0">
-              <a:buNone/>
-            </a:pPr>
             <a:endParaRPr lang="de-CH" dirty="0"/>
           </a:p>
-        </p:txBody>
-      </p:sp>
-      <p:pic>
-        <p:nvPicPr>
-          <p:cNvPr id="10" name="Grafik 9"/>
-          <p:cNvPicPr>
-            <a:picLocks noChangeAspect="1"/>
-          </p:cNvPicPr>
-          <p:nvPr/>
-        </p:nvPicPr>
-        <p:blipFill rotWithShape="1">
-          <a:blip r:embed="rId2"/>
-          <a:srcRect l="9889" t="69096" r="8823" b="22608"/>
-          <a:stretch/>
-        </p:blipFill>
-        <p:spPr>
-          <a:xfrm>
-            <a:off x="838199" y="4338638"/>
-            <a:ext cx="7645139" cy="703262"/>
-          </a:xfrm>
-          <a:prstGeom prst="rect">
-            <a:avLst/>
-          </a:prstGeom>
-        </p:spPr>
-      </p:pic>
+          <a:p>
+            <a:endParaRPr lang="de-CH" dirty="0"/>
+          </a:p>
+        </p:txBody>
+      </p:sp>
     </p:spTree>
     <p:extLst>
       <p:ext uri="{BB962C8B-B14F-4D97-AF65-F5344CB8AC3E}">
-        <p14:creationId xmlns:p14="http://schemas.microsoft.com/office/powerpoint/2010/main" val="292546015"/>
+        <p14:creationId xmlns:p14="http://schemas.microsoft.com/office/powerpoint/2010/main" val="1796784916"/>
       </p:ext>
     </p:extLst>
   </p:cSld>
@@ -4512,12 +4115,8 @@
           <a:lstStyle/>
           <a:p>
             <a:r>
-              <a:rPr lang="de-CH" dirty="0" err="1" smtClean="0"/>
-              <a:t>Concurrency</a:t>
-            </a:r>
-            <a:r>
-              <a:rPr lang="de-CH" dirty="0" smtClean="0"/>
-              <a:t> (Mit anderem Go-Team abstimmen)</a:t>
+              <a:rPr lang="de-CH" dirty="0" smtClean="0"/>
+              <a:t>Fazit Alex</a:t>
             </a:r>
             <a:endParaRPr lang="de-CH" dirty="0"/>
           </a:p>
@@ -4535,141 +4134,52 @@
         </p:nvSpPr>
         <p:spPr/>
         <p:txBody>
-          <a:bodyPr>
-            <a:normAutofit/>
-          </a:bodyPr>
-          <a:lstStyle/>
-          <a:p>
-            <a:r>
-              <a:rPr lang="de-CH" dirty="0" err="1" smtClean="0"/>
-              <a:t>Goroutine</a:t>
-            </a:r>
-            <a:endParaRPr lang="de-CH" dirty="0" smtClean="0"/>
-          </a:p>
-          <a:p>
-            <a:r>
-              <a:rPr lang="de-CH" dirty="0" smtClean="0"/>
-              <a:t>Channel (+ </a:t>
-            </a:r>
-            <a:r>
-              <a:rPr lang="de-CH" dirty="0" err="1" smtClean="0"/>
-              <a:t>Buffering</a:t>
-            </a:r>
-            <a:r>
-              <a:rPr lang="de-CH" dirty="0" smtClean="0"/>
-              <a:t>)</a:t>
-            </a:r>
-          </a:p>
-          <a:p>
-            <a:pPr marL="0" indent="0">
+          <a:bodyPr/>
+          <a:lstStyle/>
+          <a:p>
+            <a:pPr marL="0" indent="0" algn="ctr">
               <a:buNone/>
             </a:pPr>
-            <a:endParaRPr lang="de-CH" dirty="0" smtClean="0"/>
-          </a:p>
-          <a:p>
-            <a:r>
-              <a:rPr lang="de-CH" dirty="0" smtClean="0"/>
-              <a:t>Wichtige Punkte dazu:</a:t>
-            </a:r>
-            <a:endParaRPr lang="de-CH" dirty="0"/>
-          </a:p>
-          <a:p>
-            <a:pPr lvl="1"/>
-            <a:r>
-              <a:rPr lang="de-CH" dirty="0" err="1" smtClean="0"/>
-              <a:t>Concurrency</a:t>
-            </a:r>
-            <a:r>
-              <a:rPr lang="de-CH" dirty="0" smtClean="0"/>
-              <a:t> </a:t>
-            </a:r>
-            <a:r>
-              <a:rPr lang="de-CH" dirty="0" err="1" smtClean="0"/>
-              <a:t>is</a:t>
-            </a:r>
-            <a:r>
-              <a:rPr lang="de-CH" dirty="0" smtClean="0"/>
-              <a:t> not </a:t>
-            </a:r>
-            <a:r>
-              <a:rPr lang="de-CH" dirty="0" err="1" smtClean="0"/>
-              <a:t>parellism</a:t>
-            </a:r>
-            <a:endParaRPr lang="de-CH" dirty="0" smtClean="0"/>
-          </a:p>
-          <a:p>
-            <a:pPr lvl="1"/>
-            <a:r>
-              <a:rPr lang="de-CH" dirty="0" err="1" smtClean="0"/>
-              <a:t>Go’s</a:t>
-            </a:r>
-            <a:r>
-              <a:rPr lang="de-CH" dirty="0" smtClean="0"/>
-              <a:t> </a:t>
-            </a:r>
-            <a:r>
-              <a:rPr lang="de-CH" dirty="0" err="1" smtClean="0"/>
-              <a:t>concurrency</a:t>
-            </a:r>
-            <a:r>
-              <a:rPr lang="de-CH" dirty="0" smtClean="0"/>
-              <a:t> </a:t>
-            </a:r>
-            <a:r>
-              <a:rPr lang="de-CH" dirty="0" err="1" smtClean="0"/>
-              <a:t>slogan</a:t>
-            </a:r>
-            <a:r>
-              <a:rPr lang="de-CH" dirty="0" smtClean="0"/>
-              <a:t>: </a:t>
-            </a:r>
-            <a:r>
-              <a:rPr lang="en-US" dirty="0" smtClean="0"/>
-              <a:t>Do </a:t>
-            </a:r>
-            <a:r>
-              <a:rPr lang="en-US" dirty="0"/>
-              <a:t>not communicate by sharing memory; instead, share memory by communicating</a:t>
-            </a:r>
-            <a:r>
-              <a:rPr lang="en-US" dirty="0" smtClean="0"/>
-              <a:t>.</a:t>
-            </a:r>
-          </a:p>
-          <a:p>
-            <a:pPr lvl="1"/>
-            <a:r>
-              <a:rPr lang="en-US" dirty="0" err="1" smtClean="0"/>
-              <a:t>Goroutinen</a:t>
-            </a:r>
-            <a:r>
-              <a:rPr lang="en-US" dirty="0" smtClean="0"/>
-              <a:t> </a:t>
-            </a:r>
-            <a:r>
-              <a:rPr lang="en-US" dirty="0" err="1" smtClean="0"/>
-              <a:t>sind</a:t>
-            </a:r>
-            <a:r>
-              <a:rPr lang="en-US" dirty="0" smtClean="0"/>
-              <a:t> </a:t>
-            </a:r>
-            <a:r>
-              <a:rPr lang="en-US" dirty="0" err="1" smtClean="0"/>
-              <a:t>keine</a:t>
-            </a:r>
-            <a:r>
-              <a:rPr lang="en-US" dirty="0" smtClean="0"/>
-              <a:t> Threads!</a:t>
-            </a:r>
-            <a:endParaRPr lang="de-CH" dirty="0"/>
+            <a:endParaRPr lang="de-CH" sz="3600" dirty="0"/>
+          </a:p>
+          <a:p>
+            <a:pPr marL="0" indent="0" algn="ctr">
+              <a:buNone/>
+            </a:pPr>
+            <a:r>
+              <a:rPr lang="de-CH" sz="4800" i="1" dirty="0" smtClean="0"/>
+              <a:t>Minimalistisch</a:t>
+            </a:r>
+          </a:p>
+          <a:p>
+            <a:pPr marL="0" indent="0" algn="ctr">
+              <a:buNone/>
+            </a:pPr>
+            <a:r>
+              <a:rPr lang="de-CH" sz="4800" i="1" dirty="0" smtClean="0"/>
+              <a:t>Schnell</a:t>
+            </a:r>
+          </a:p>
+          <a:p>
+            <a:pPr marL="0" indent="0" algn="ctr">
+              <a:buNone/>
+            </a:pPr>
+            <a:r>
+              <a:rPr lang="de-CH" sz="4800" i="1" dirty="0" err="1"/>
+              <a:t>C</a:t>
+            </a:r>
+            <a:r>
+              <a:rPr lang="de-CH" sz="4800" i="1" dirty="0" err="1" smtClean="0"/>
+              <a:t>oncurrency</a:t>
+            </a:r>
+            <a:endParaRPr lang="de-CH" sz="4800" i="1" dirty="0"/>
           </a:p>
         </p:txBody>
       </p:sp>
     </p:spTree>
     <p:extLst>
       <p:ext uri="{BB962C8B-B14F-4D97-AF65-F5344CB8AC3E}">
-        <p14:creationId xmlns:p14="http://schemas.microsoft.com/office/powerpoint/2010/main" val="2527285512"/>
+        <p14:creationId xmlns:p14="http://schemas.microsoft.com/office/powerpoint/2010/main" val="1362767083"/>
       </p:ext>
     </p:extLst>
   </p:cSld>

--- a/presi/presi.pptx
+++ b/presi/presi.pptx
@@ -10,11 +10,13 @@
     <p:sldId id="262" r:id="rId4"/>
     <p:sldId id="269" r:id="rId5"/>
     <p:sldId id="260" r:id="rId6"/>
-    <p:sldId id="258" r:id="rId7"/>
-    <p:sldId id="270" r:id="rId8"/>
-    <p:sldId id="263" r:id="rId9"/>
-    <p:sldId id="264" r:id="rId10"/>
-    <p:sldId id="265" r:id="rId11"/>
+    <p:sldId id="271" r:id="rId7"/>
+    <p:sldId id="258" r:id="rId8"/>
+    <p:sldId id="272" r:id="rId9"/>
+    <p:sldId id="270" r:id="rId10"/>
+    <p:sldId id="263" r:id="rId11"/>
+    <p:sldId id="264" r:id="rId12"/>
+    <p:sldId id="265" r:id="rId13"/>
   </p:sldIdLst>
   <p:sldSz cx="12192000" cy="6858000"/>
   <p:notesSz cx="6858000" cy="9144000"/>
@@ -252,7 +254,7 @@
           <a:p>
             <a:fld id="{C31526B6-66CE-4ADC-93C7-07C2ECA5558A}" type="datetimeFigureOut">
               <a:rPr lang="de-CH" smtClean="0"/>
-              <a:t>10.12.2015</a:t>
+              <a:t>11.12.2015</a:t>
             </a:fld>
             <a:endParaRPr lang="de-CH"/>
           </a:p>
@@ -422,7 +424,7 @@
           <a:p>
             <a:fld id="{C31526B6-66CE-4ADC-93C7-07C2ECA5558A}" type="datetimeFigureOut">
               <a:rPr lang="de-CH" smtClean="0"/>
-              <a:t>10.12.2015</a:t>
+              <a:t>11.12.2015</a:t>
             </a:fld>
             <a:endParaRPr lang="de-CH"/>
           </a:p>
@@ -602,7 +604,7 @@
           <a:p>
             <a:fld id="{C31526B6-66CE-4ADC-93C7-07C2ECA5558A}" type="datetimeFigureOut">
               <a:rPr lang="de-CH" smtClean="0"/>
-              <a:t>10.12.2015</a:t>
+              <a:t>11.12.2015</a:t>
             </a:fld>
             <a:endParaRPr lang="de-CH"/>
           </a:p>
@@ -772,7 +774,7 @@
           <a:p>
             <a:fld id="{C31526B6-66CE-4ADC-93C7-07C2ECA5558A}" type="datetimeFigureOut">
               <a:rPr lang="de-CH" smtClean="0"/>
-              <a:t>10.12.2015</a:t>
+              <a:t>11.12.2015</a:t>
             </a:fld>
             <a:endParaRPr lang="de-CH"/>
           </a:p>
@@ -1018,7 +1020,7 @@
           <a:p>
             <a:fld id="{C31526B6-66CE-4ADC-93C7-07C2ECA5558A}" type="datetimeFigureOut">
               <a:rPr lang="de-CH" smtClean="0"/>
-              <a:t>10.12.2015</a:t>
+              <a:t>11.12.2015</a:t>
             </a:fld>
             <a:endParaRPr lang="de-CH"/>
           </a:p>
@@ -1250,7 +1252,7 @@
           <a:p>
             <a:fld id="{C31526B6-66CE-4ADC-93C7-07C2ECA5558A}" type="datetimeFigureOut">
               <a:rPr lang="de-CH" smtClean="0"/>
-              <a:t>10.12.2015</a:t>
+              <a:t>11.12.2015</a:t>
             </a:fld>
             <a:endParaRPr lang="de-CH"/>
           </a:p>
@@ -1617,7 +1619,7 @@
           <a:p>
             <a:fld id="{C31526B6-66CE-4ADC-93C7-07C2ECA5558A}" type="datetimeFigureOut">
               <a:rPr lang="de-CH" smtClean="0"/>
-              <a:t>10.12.2015</a:t>
+              <a:t>11.12.2015</a:t>
             </a:fld>
             <a:endParaRPr lang="de-CH"/>
           </a:p>
@@ -1735,7 +1737,7 @@
           <a:p>
             <a:fld id="{C31526B6-66CE-4ADC-93C7-07C2ECA5558A}" type="datetimeFigureOut">
               <a:rPr lang="de-CH" smtClean="0"/>
-              <a:t>10.12.2015</a:t>
+              <a:t>11.12.2015</a:t>
             </a:fld>
             <a:endParaRPr lang="de-CH"/>
           </a:p>
@@ -1830,7 +1832,7 @@
           <a:p>
             <a:fld id="{C31526B6-66CE-4ADC-93C7-07C2ECA5558A}" type="datetimeFigureOut">
               <a:rPr lang="de-CH" smtClean="0"/>
-              <a:t>10.12.2015</a:t>
+              <a:t>11.12.2015</a:t>
             </a:fld>
             <a:endParaRPr lang="de-CH"/>
           </a:p>
@@ -2107,7 +2109,7 @@
           <a:p>
             <a:fld id="{C31526B6-66CE-4ADC-93C7-07C2ECA5558A}" type="datetimeFigureOut">
               <a:rPr lang="de-CH" smtClean="0"/>
-              <a:t>10.12.2015</a:t>
+              <a:t>11.12.2015</a:t>
             </a:fld>
             <a:endParaRPr lang="de-CH"/>
           </a:p>
@@ -2360,7 +2362,7 @@
           <a:p>
             <a:fld id="{C31526B6-66CE-4ADC-93C7-07C2ECA5558A}" type="datetimeFigureOut">
               <a:rPr lang="de-CH" smtClean="0"/>
-              <a:t>10.12.2015</a:t>
+              <a:t>11.12.2015</a:t>
             </a:fld>
             <a:endParaRPr lang="de-CH"/>
           </a:p>
@@ -2573,7 +2575,7 @@
           <a:p>
             <a:fld id="{C31526B6-66CE-4ADC-93C7-07C2ECA5558A}" type="datetimeFigureOut">
               <a:rPr lang="de-CH" smtClean="0"/>
-              <a:t>10.12.2015</a:t>
+              <a:t>11.12.2015</a:t>
             </a:fld>
             <a:endParaRPr lang="de-CH"/>
           </a:p>
@@ -3062,6 +3064,264 @@
           <a:p>
             <a:r>
               <a:rPr lang="de-CH" dirty="0" smtClean="0"/>
+              <a:t>Fazit Team</a:t>
+            </a:r>
+            <a:endParaRPr lang="de-CH" dirty="0"/>
+          </a:p>
+        </p:txBody>
+      </p:sp>
+      <p:sp>
+        <p:nvSpPr>
+          <p:cNvPr id="3" name="Inhaltsplatzhalter 2"/>
+          <p:cNvSpPr>
+            <a:spLocks noGrp="1"/>
+          </p:cNvSpPr>
+          <p:nvPr>
+            <p:ph idx="1"/>
+          </p:nvPr>
+        </p:nvSpPr>
+        <p:spPr/>
+        <p:txBody>
+          <a:bodyPr/>
+          <a:lstStyle/>
+          <a:p>
+            <a:r>
+              <a:rPr lang="de-CH" dirty="0" smtClean="0"/>
+              <a:t>Spass (wir haben uns selten </a:t>
+            </a:r>
+            <a:r>
+              <a:rPr lang="de-CH" dirty="0" err="1" smtClean="0"/>
+              <a:t>geärgeter</a:t>
+            </a:r>
+            <a:r>
+              <a:rPr lang="de-CH" dirty="0" smtClean="0"/>
+              <a:t>)</a:t>
+            </a:r>
+          </a:p>
+          <a:p>
+            <a:pPr lvl="1"/>
+            <a:r>
+              <a:rPr lang="de-CH" dirty="0" smtClean="0"/>
+              <a:t>Die WTF-Rate geht gegen 0</a:t>
+            </a:r>
+          </a:p>
+          <a:p>
+            <a:pPr lvl="1"/>
+            <a:endParaRPr lang="de-CH" dirty="0" smtClean="0"/>
+          </a:p>
+          <a:p>
+            <a:r>
+              <a:rPr lang="de-CH" dirty="0" smtClean="0"/>
+              <a:t>Wird auf Ziel Plattform kompiliert.</a:t>
+            </a:r>
+          </a:p>
+          <a:p>
+            <a:r>
+              <a:rPr lang="de-CH" dirty="0" smtClean="0"/>
+              <a:t>Manuelle Memory </a:t>
+            </a:r>
+            <a:r>
+              <a:rPr lang="de-CH" dirty="0" err="1" smtClean="0"/>
+              <a:t>Mgmt</a:t>
+            </a:r>
+            <a:r>
+              <a:rPr lang="de-CH" dirty="0" smtClean="0"/>
+              <a:t>. obwohl Low Level.</a:t>
+            </a:r>
+          </a:p>
+          <a:p>
+            <a:endParaRPr lang="de-CH" dirty="0"/>
+          </a:p>
+          <a:p>
+            <a:r>
+              <a:rPr lang="de-CH" dirty="0" smtClean="0"/>
+              <a:t>Es ist nicht überfüllt mit </a:t>
+            </a:r>
+            <a:r>
+              <a:rPr lang="de-CH" dirty="0" err="1" smtClean="0"/>
+              <a:t>modifier</a:t>
+            </a:r>
+            <a:r>
+              <a:rPr lang="de-CH" dirty="0" smtClean="0"/>
+              <a:t>. Gross und Kleinschreibung </a:t>
+            </a:r>
+            <a:r>
+              <a:rPr lang="de-CH" dirty="0" err="1" smtClean="0"/>
+              <a:t>sichtbarkeit</a:t>
+            </a:r>
+            <a:r>
+              <a:rPr lang="de-CH" dirty="0" smtClean="0"/>
+              <a:t>.</a:t>
+            </a:r>
+          </a:p>
+          <a:p>
+            <a:endParaRPr lang="de-CH" dirty="0"/>
+          </a:p>
+          <a:p>
+            <a:endParaRPr lang="de-CH" dirty="0" smtClean="0"/>
+          </a:p>
+          <a:p>
+            <a:endParaRPr lang="de-CH" dirty="0"/>
+          </a:p>
+          <a:p>
+            <a:endParaRPr lang="de-CH" dirty="0"/>
+          </a:p>
+        </p:txBody>
+      </p:sp>
+    </p:spTree>
+    <p:extLst>
+      <p:ext uri="{BB962C8B-B14F-4D97-AF65-F5344CB8AC3E}">
+        <p14:creationId xmlns:p14="http://schemas.microsoft.com/office/powerpoint/2010/main" val="1796784916"/>
+      </p:ext>
+    </p:extLst>
+  </p:cSld>
+  <p:clrMapOvr>
+    <a:masterClrMapping/>
+  </p:clrMapOvr>
+</p:sld>
+</file>
+
+<file path=ppt/slides/slide11.xml><?xml version="1.0" encoding="utf-8"?>
+<p:sld xmlns:a="http://schemas.openxmlformats.org/drawingml/2006/main" xmlns:r="http://schemas.openxmlformats.org/officeDocument/2006/relationships" xmlns:p="http://schemas.openxmlformats.org/presentationml/2006/main">
+  <p:cSld>
+    <p:spTree>
+      <p:nvGrpSpPr>
+        <p:cNvPr id="1" name=""/>
+        <p:cNvGrpSpPr/>
+        <p:nvPr/>
+      </p:nvGrpSpPr>
+      <p:grpSpPr>
+        <a:xfrm>
+          <a:off x="0" y="0"/>
+          <a:ext cx="0" cy="0"/>
+          <a:chOff x="0" y="0"/>
+          <a:chExt cx="0" cy="0"/>
+        </a:xfrm>
+      </p:grpSpPr>
+      <p:sp>
+        <p:nvSpPr>
+          <p:cNvPr id="2" name="Titel 1"/>
+          <p:cNvSpPr>
+            <a:spLocks noGrp="1"/>
+          </p:cNvSpPr>
+          <p:nvPr>
+            <p:ph type="title"/>
+          </p:nvPr>
+        </p:nvSpPr>
+        <p:spPr/>
+        <p:txBody>
+          <a:bodyPr/>
+          <a:lstStyle/>
+          <a:p>
+            <a:r>
+              <a:rPr lang="de-CH" dirty="0" smtClean="0"/>
+              <a:t>Fazit Alex</a:t>
+            </a:r>
+            <a:endParaRPr lang="de-CH" dirty="0"/>
+          </a:p>
+        </p:txBody>
+      </p:sp>
+      <p:sp>
+        <p:nvSpPr>
+          <p:cNvPr id="3" name="Inhaltsplatzhalter 2"/>
+          <p:cNvSpPr>
+            <a:spLocks noGrp="1"/>
+          </p:cNvSpPr>
+          <p:nvPr>
+            <p:ph idx="1"/>
+          </p:nvPr>
+        </p:nvSpPr>
+        <p:spPr/>
+        <p:txBody>
+          <a:bodyPr/>
+          <a:lstStyle/>
+          <a:p>
+            <a:pPr marL="0" indent="0" algn="ctr">
+              <a:buNone/>
+            </a:pPr>
+            <a:endParaRPr lang="de-CH" sz="3600" dirty="0"/>
+          </a:p>
+          <a:p>
+            <a:pPr marL="0" indent="0" algn="ctr">
+              <a:buNone/>
+            </a:pPr>
+            <a:r>
+              <a:rPr lang="de-CH" sz="4800" i="1" dirty="0" smtClean="0"/>
+              <a:t>Minimalistisch</a:t>
+            </a:r>
+          </a:p>
+          <a:p>
+            <a:pPr marL="0" indent="0" algn="ctr">
+              <a:buNone/>
+            </a:pPr>
+            <a:r>
+              <a:rPr lang="de-CH" sz="4800" i="1" dirty="0" smtClean="0"/>
+              <a:t>Schnell</a:t>
+            </a:r>
+          </a:p>
+          <a:p>
+            <a:pPr marL="0" indent="0" algn="ctr">
+              <a:buNone/>
+            </a:pPr>
+            <a:r>
+              <a:rPr lang="de-CH" sz="4800" i="1" dirty="0" err="1"/>
+              <a:t>C</a:t>
+            </a:r>
+            <a:r>
+              <a:rPr lang="de-CH" sz="4800" i="1" dirty="0" err="1" smtClean="0"/>
+              <a:t>oncurrency</a:t>
+            </a:r>
+            <a:endParaRPr lang="de-CH" sz="4800" i="1" dirty="0"/>
+          </a:p>
+        </p:txBody>
+      </p:sp>
+    </p:spTree>
+    <p:extLst>
+      <p:ext uri="{BB962C8B-B14F-4D97-AF65-F5344CB8AC3E}">
+        <p14:creationId xmlns:p14="http://schemas.microsoft.com/office/powerpoint/2010/main" val="1362767083"/>
+      </p:ext>
+    </p:extLst>
+  </p:cSld>
+  <p:clrMapOvr>
+    <a:masterClrMapping/>
+  </p:clrMapOvr>
+</p:sld>
+</file>
+
+<file path=ppt/slides/slide12.xml><?xml version="1.0" encoding="utf-8"?>
+<p:sld xmlns:a="http://schemas.openxmlformats.org/drawingml/2006/main" xmlns:r="http://schemas.openxmlformats.org/officeDocument/2006/relationships" xmlns:p="http://schemas.openxmlformats.org/presentationml/2006/main">
+  <p:cSld>
+    <p:spTree>
+      <p:nvGrpSpPr>
+        <p:cNvPr id="1" name=""/>
+        <p:cNvGrpSpPr/>
+        <p:nvPr/>
+      </p:nvGrpSpPr>
+      <p:grpSpPr>
+        <a:xfrm>
+          <a:off x="0" y="0"/>
+          <a:ext cx="0" cy="0"/>
+          <a:chOff x="0" y="0"/>
+          <a:chExt cx="0" cy="0"/>
+        </a:xfrm>
+      </p:grpSpPr>
+      <p:sp>
+        <p:nvSpPr>
+          <p:cNvPr id="2" name="Titel 1"/>
+          <p:cNvSpPr>
+            <a:spLocks noGrp="1"/>
+          </p:cNvSpPr>
+          <p:nvPr>
+            <p:ph type="title"/>
+          </p:nvPr>
+        </p:nvSpPr>
+        <p:spPr/>
+        <p:txBody>
+          <a:bodyPr/>
+          <a:lstStyle/>
+          <a:p>
+            <a:r>
+              <a:rPr lang="de-CH" dirty="0" smtClean="0"/>
               <a:t>Fazit Fabian</a:t>
             </a:r>
             <a:endParaRPr lang="de-CH" dirty="0"/>
@@ -3108,15 +3368,14 @@
               <a:rPr lang="de-CH" sz="4800" i="1" dirty="0" smtClean="0"/>
               <a:t>C ähnlich</a:t>
             </a:r>
-            <a:endParaRPr lang="de-CH" sz="4800" i="1" dirty="0" smtClean="0"/>
           </a:p>
           <a:p>
             <a:pPr marL="0" indent="0" algn="ctr">
               <a:buNone/>
             </a:pPr>
             <a:r>
-              <a:rPr lang="de-CH" sz="4800" i="1" dirty="0" smtClean="0"/>
-              <a:t>Skript Sprache</a:t>
+              <a:rPr lang="de-CH" sz="4800" i="1" smtClean="0"/>
+              <a:t>Skriptsprache</a:t>
             </a:r>
             <a:endParaRPr lang="de-CH" sz="4800" i="1" dirty="0"/>
           </a:p>
@@ -3199,7 +3458,6 @@
               <a:rPr lang="de-CH" dirty="0" smtClean="0"/>
               <a:t>Go (Alex)</a:t>
             </a:r>
-            <a:endParaRPr lang="de-CH" dirty="0" smtClean="0"/>
           </a:p>
           <a:p>
             <a:r>
@@ -3220,7 +3478,6 @@
               <a:rPr lang="de-CH" dirty="0" smtClean="0"/>
               <a:t>Slice (Fabian)</a:t>
             </a:r>
-            <a:endParaRPr lang="de-CH" dirty="0" smtClean="0"/>
           </a:p>
           <a:p>
             <a:pPr lvl="1"/>
@@ -3261,6 +3518,13 @@
   <p:clrMapOvr>
     <a:masterClrMapping/>
   </p:clrMapOvr>
+  <p:timing>
+    <p:tnLst>
+      <p:par>
+        <p:cTn id="1" dur="indefinite" restart="never" nodeType="tmRoot"/>
+      </p:par>
+    </p:tnLst>
+  </p:timing>
 </p:sld>
 </file>
 
@@ -3669,6 +3933,13 @@
   <p:clrMapOvr>
     <a:masterClrMapping/>
   </p:clrMapOvr>
+  <p:timing>
+    <p:tnLst>
+      <p:par>
+        <p:cTn id="1" dur="indefinite" restart="never" nodeType="tmRoot"/>
+      </p:par>
+    </p:tnLst>
+  </p:timing>
 </p:sld>
 </file>
 
@@ -3728,25 +3999,56 @@
           <a:lstStyle/>
           <a:p>
             <a:r>
+              <a:rPr lang="de-CH" dirty="0" smtClean="0"/>
+              <a:t>Go hat keine Klassen dafür </a:t>
+            </a:r>
+            <a:r>
               <a:rPr lang="de-CH" dirty="0" err="1" smtClean="0"/>
               <a:t>Structs</a:t>
             </a:r>
-            <a:r>
-              <a:rPr lang="de-CH" dirty="0" smtClean="0"/>
-              <a:t> mit Funktionen</a:t>
-            </a:r>
             <a:endParaRPr lang="de-CH" dirty="0" smtClean="0"/>
           </a:p>
           <a:p>
-            <a:r>
-              <a:rPr lang="de-CH" dirty="0" smtClean="0"/>
-              <a:t>Interfaces</a:t>
-            </a:r>
-          </a:p>
-          <a:p>
-            <a:r>
-              <a:rPr lang="de-CH" dirty="0" smtClean="0"/>
-              <a:t>Vererbung durch Komposition</a:t>
+            <a:endParaRPr lang="de-CH" dirty="0" smtClean="0"/>
+          </a:p>
+          <a:p>
+            <a:r>
+              <a:rPr lang="de-CH" dirty="0" smtClean="0"/>
+              <a:t>An </a:t>
+            </a:r>
+            <a:r>
+              <a:rPr lang="de-CH" dirty="0" err="1" smtClean="0"/>
+              <a:t>Structs</a:t>
+            </a:r>
+            <a:r>
+              <a:rPr lang="de-CH" dirty="0" smtClean="0"/>
+              <a:t> können Funktionen angehängt werden</a:t>
+            </a:r>
+          </a:p>
+          <a:p>
+            <a:endParaRPr lang="de-CH" dirty="0" smtClean="0"/>
+          </a:p>
+          <a:p>
+            <a:r>
+              <a:rPr lang="de-CH" dirty="0" smtClean="0"/>
+              <a:t>Interface wird erfüllt wenn </a:t>
+            </a:r>
+            <a:r>
+              <a:rPr lang="de-CH" dirty="0" err="1" smtClean="0"/>
+              <a:t>Struct</a:t>
+            </a:r>
+            <a:r>
+              <a:rPr lang="de-CH" dirty="0" smtClean="0"/>
+              <a:t> alle Methode implementiert</a:t>
+            </a:r>
+          </a:p>
+          <a:p>
+            <a:endParaRPr lang="de-CH" dirty="0" smtClean="0"/>
+          </a:p>
+          <a:p>
+            <a:r>
+              <a:rPr lang="de-CH" dirty="0" smtClean="0"/>
+              <a:t>Vererbung wird durch Komposition realisiert</a:t>
             </a:r>
           </a:p>
         </p:txBody>
@@ -3761,6 +4063,13 @@
   <p:clrMapOvr>
     <a:masterClrMapping/>
   </p:clrMapOvr>
+  <p:timing>
+    <p:tnLst>
+      <p:par>
+        <p:cTn id="1" dur="indefinite" restart="never" nodeType="tmRoot"/>
+      </p:par>
+    </p:tnLst>
+  </p:timing>
 </p:sld>
 </file>
 
@@ -3783,29 +4092,6 @@
       </p:grpSpPr>
       <p:sp>
         <p:nvSpPr>
-          <p:cNvPr id="2" name="Titel 1"/>
-          <p:cNvSpPr>
-            <a:spLocks noGrp="1"/>
-          </p:cNvSpPr>
-          <p:nvPr>
-            <p:ph type="title"/>
-          </p:nvPr>
-        </p:nvSpPr>
-        <p:spPr/>
-        <p:txBody>
-          <a:bodyPr/>
-          <a:lstStyle/>
-          <a:p>
-            <a:r>
-              <a:rPr lang="de-CH" dirty="0" smtClean="0"/>
-              <a:t>Slice</a:t>
-            </a:r>
-            <a:endParaRPr lang="de-CH" dirty="0"/>
-          </a:p>
-        </p:txBody>
-      </p:sp>
-      <p:sp>
-        <p:nvSpPr>
           <p:cNvPr id="3" name="Inhaltsplatzhalter 2"/>
           <p:cNvSpPr>
             <a:spLocks noGrp="1"/>
@@ -3816,28 +4102,63 @@
         </p:nvSpPr>
         <p:spPr>
           <a:xfrm>
-            <a:off x="838200" y="1825625"/>
+            <a:off x="838200" y="1253331"/>
             <a:ext cx="10515600" cy="4351338"/>
           </a:xfrm>
         </p:spPr>
         <p:txBody>
-          <a:bodyPr/>
-          <a:lstStyle/>
-          <a:p>
-            <a:endParaRPr lang="de-CH" dirty="0"/>
+          <a:bodyPr anchor="ctr">
+            <a:normAutofit/>
+          </a:bodyPr>
+          <a:lstStyle/>
+          <a:p>
+            <a:pPr marL="0" indent="0" algn="ctr">
+              <a:buNone/>
+            </a:pPr>
+            <a:r>
+              <a:rPr lang="de-CH" sz="9600" dirty="0" smtClean="0">
+                <a:latin typeface="Courier New" panose="02070309020205020404" pitchFamily="49" charset="0"/>
+                <a:cs typeface="Courier New" panose="02070309020205020404" pitchFamily="49" charset="0"/>
+              </a:rPr>
+              <a:t>Code Demo</a:t>
+            </a:r>
+          </a:p>
+          <a:p>
+            <a:pPr marL="0" indent="0" algn="ctr">
+              <a:buNone/>
+            </a:pPr>
+            <a:r>
+              <a:rPr lang="de-CH" sz="1800" dirty="0">
+                <a:latin typeface="Courier New" panose="02070309020205020404" pitchFamily="49" charset="0"/>
+                <a:cs typeface="Courier New" panose="02070309020205020404" pitchFamily="49" charset="0"/>
+                <a:hlinkClick r:id="rId2"/>
+              </a:rPr>
+              <a:t>http://play.golang.org/p/swnGFYNIqR</a:t>
+            </a:r>
+            <a:endParaRPr lang="de-CH" sz="1800" dirty="0" smtClean="0">
+              <a:latin typeface="Courier New" panose="02070309020205020404" pitchFamily="49" charset="0"/>
+              <a:cs typeface="Courier New" panose="02070309020205020404" pitchFamily="49" charset="0"/>
+            </a:endParaRPr>
           </a:p>
         </p:txBody>
       </p:sp>
     </p:spTree>
     <p:extLst>
       <p:ext uri="{BB962C8B-B14F-4D97-AF65-F5344CB8AC3E}">
-        <p14:creationId xmlns:p14="http://schemas.microsoft.com/office/powerpoint/2010/main" val="3859172446"/>
+        <p14:creationId xmlns:p14="http://schemas.microsoft.com/office/powerpoint/2010/main" val="2092636279"/>
       </p:ext>
     </p:extLst>
   </p:cSld>
   <p:clrMapOvr>
     <a:masterClrMapping/>
   </p:clrMapOvr>
+  <p:timing>
+    <p:tnLst>
+      <p:par>
+        <p:cTn id="1" dur="indefinite" restart="never" nodeType="tmRoot"/>
+      </p:par>
+    </p:tnLst>
+  </p:timing>
 </p:sld>
 </file>
 
@@ -3874,8 +4195,62 @@
           <a:lstStyle/>
           <a:p>
             <a:r>
+              <a:rPr lang="de-CH" dirty="0" smtClean="0"/>
+              <a:t>Slice</a:t>
+            </a:r>
+            <a:endParaRPr lang="de-CH" dirty="0"/>
+          </a:p>
+        </p:txBody>
+      </p:sp>
+      <p:sp>
+        <p:nvSpPr>
+          <p:cNvPr id="3" name="Inhaltsplatzhalter 2"/>
+          <p:cNvSpPr>
+            <a:spLocks noGrp="1"/>
+          </p:cNvSpPr>
+          <p:nvPr>
+            <p:ph idx="1"/>
+          </p:nvPr>
+        </p:nvSpPr>
+        <p:spPr>
+          <a:xfrm>
+            <a:off x="838200" y="1825625"/>
+            <a:ext cx="10515600" cy="4351338"/>
+          </a:xfrm>
+        </p:spPr>
+        <p:txBody>
+          <a:bodyPr/>
+          <a:lstStyle/>
+          <a:p>
+            <a:r>
+              <a:rPr lang="de-CH" dirty="0" smtClean="0"/>
+              <a:t>Slice ist ein </a:t>
+            </a:r>
+            <a:r>
+              <a:rPr lang="de-CH" dirty="0" smtClean="0"/>
+              <a:t>Datentyp der Ausschnitt von einem Array abbildet</a:t>
+            </a:r>
+          </a:p>
+          <a:p>
+            <a:endParaRPr lang="de-CH" dirty="0" smtClean="0"/>
+          </a:p>
+          <a:p>
+            <a:r>
+              <a:rPr lang="de-CH" dirty="0" smtClean="0"/>
+              <a:t>Besteht aus Pointer auf Array, Länge und Kapazität</a:t>
+            </a:r>
+          </a:p>
+          <a:p>
+            <a:endParaRPr lang="de-CH" dirty="0" smtClean="0"/>
+          </a:p>
+          <a:p>
+            <a:r>
+              <a:rPr lang="de-CH" dirty="0" smtClean="0"/>
+              <a:t>Array an Funktion übergeben --&gt; </a:t>
+            </a:r>
+            <a:r>
               <a:rPr lang="de-CH" dirty="0" err="1" smtClean="0"/>
-              <a:t>Garbage</a:t>
+              <a:t>Copy</a:t>
             </a:r>
             <a:r>
               <a:rPr lang="de-CH" dirty="0" smtClean="0"/>
@@ -3883,31 +4258,27 @@
             </a:r>
             <a:r>
               <a:rPr lang="de-CH" dirty="0" err="1" smtClean="0"/>
-              <a:t>Collector</a:t>
-            </a:r>
+              <a:t>by</a:t>
+            </a:r>
+            <a:r>
+              <a:rPr lang="de-CH" dirty="0" smtClean="0"/>
+              <a:t> Value</a:t>
+            </a:r>
+          </a:p>
+          <a:p>
+            <a:endParaRPr lang="de-CH" dirty="0" smtClean="0"/>
+          </a:p>
+          <a:p>
+            <a:r>
+              <a:rPr lang="de-CH" dirty="0" smtClean="0"/>
+              <a:t>Slice an Funktion übergeben --&gt; Array wird nicht kopiert</a:t>
+            </a:r>
+            <a:endParaRPr lang="de-CH" dirty="0" smtClean="0"/>
+          </a:p>
+          <a:p>
             <a:endParaRPr lang="de-CH" dirty="0"/>
           </a:p>
-        </p:txBody>
-      </p:sp>
-      <p:sp>
-        <p:nvSpPr>
-          <p:cNvPr id="3" name="Inhaltsplatzhalter 2"/>
-          <p:cNvSpPr>
-            <a:spLocks noGrp="1"/>
-          </p:cNvSpPr>
-          <p:nvPr>
-            <p:ph idx="1"/>
-          </p:nvPr>
-        </p:nvSpPr>
-        <p:spPr/>
-        <p:txBody>
-          <a:bodyPr/>
-          <a:lstStyle/>
-          <a:p>
-            <a:r>
-              <a:rPr lang="de-CH" dirty="0" smtClean="0"/>
-              <a:t>Text</a:t>
-            </a:r>
+          <a:p>
             <a:endParaRPr lang="de-CH" dirty="0"/>
           </a:p>
         </p:txBody>
@@ -3915,13 +4286,20 @@
     </p:spTree>
     <p:extLst>
       <p:ext uri="{BB962C8B-B14F-4D97-AF65-F5344CB8AC3E}">
-        <p14:creationId xmlns:p14="http://schemas.microsoft.com/office/powerpoint/2010/main" val="3450917879"/>
+        <p14:creationId xmlns:p14="http://schemas.microsoft.com/office/powerpoint/2010/main" val="3859172446"/>
       </p:ext>
     </p:extLst>
   </p:cSld>
   <p:clrMapOvr>
     <a:masterClrMapping/>
   </p:clrMapOvr>
+  <p:timing>
+    <p:tnLst>
+      <p:par>
+        <p:cTn id="1" dur="indefinite" restart="never" nodeType="tmRoot"/>
+      </p:par>
+    </p:tnLst>
+  </p:timing>
 </p:sld>
 </file>
 
@@ -3944,29 +4322,6 @@
       </p:grpSpPr>
       <p:sp>
         <p:nvSpPr>
-          <p:cNvPr id="2" name="Titel 1"/>
-          <p:cNvSpPr>
-            <a:spLocks noGrp="1"/>
-          </p:cNvSpPr>
-          <p:nvPr>
-            <p:ph type="title"/>
-          </p:nvPr>
-        </p:nvSpPr>
-        <p:spPr/>
-        <p:txBody>
-          <a:bodyPr/>
-          <a:lstStyle/>
-          <a:p>
-            <a:r>
-              <a:rPr lang="de-CH" dirty="0" smtClean="0"/>
-              <a:t>Fazit Team</a:t>
-            </a:r>
-            <a:endParaRPr lang="de-CH" dirty="0"/>
-          </a:p>
-        </p:txBody>
-      </p:sp>
-      <p:sp>
-        <p:nvSpPr>
           <p:cNvPr id="3" name="Inhaltsplatzhalter 2"/>
           <p:cNvSpPr>
             <a:spLocks noGrp="1"/>
@@ -3975,110 +4330,65 @@
             <p:ph idx="1"/>
           </p:nvPr>
         </p:nvSpPr>
-        <p:spPr/>
-        <p:txBody>
-          <a:bodyPr/>
-          <a:lstStyle/>
-          <a:p>
-            <a:r>
-              <a:rPr lang="de-CH" dirty="0" smtClean="0"/>
-              <a:t>Spass (wir haben uns selten </a:t>
-            </a:r>
-            <a:r>
-              <a:rPr lang="de-CH" dirty="0" err="1" smtClean="0"/>
-              <a:t>geärgeter</a:t>
-            </a:r>
-            <a:r>
-              <a:rPr lang="de-CH" dirty="0" smtClean="0"/>
-              <a:t>)</a:t>
-            </a:r>
-            <a:endParaRPr lang="de-CH" dirty="0" smtClean="0"/>
-          </a:p>
-          <a:p>
-            <a:pPr lvl="1"/>
-            <a:r>
-              <a:rPr lang="de-CH" dirty="0" smtClean="0"/>
-              <a:t>Die WTF-Rate geht gegen 0</a:t>
-            </a:r>
-          </a:p>
-          <a:p>
-            <a:pPr lvl="1"/>
-            <a:endParaRPr lang="de-CH" dirty="0" smtClean="0"/>
-          </a:p>
-          <a:p>
-            <a:r>
-              <a:rPr lang="de-CH" dirty="0" smtClean="0"/>
-              <a:t>Wird auf Ziel Plattform kompiliert.</a:t>
-            </a:r>
-          </a:p>
-          <a:p>
-            <a:r>
-              <a:rPr lang="de-CH" dirty="0" smtClean="0"/>
-              <a:t>Manuelle Memory </a:t>
-            </a:r>
-            <a:r>
-              <a:rPr lang="de-CH" dirty="0" err="1" smtClean="0"/>
-              <a:t>Mgmt</a:t>
-            </a:r>
-            <a:r>
-              <a:rPr lang="de-CH" dirty="0" smtClean="0"/>
-              <a:t>. </a:t>
-            </a:r>
-            <a:r>
-              <a:rPr lang="de-CH" dirty="0" smtClean="0"/>
-              <a:t>obwohl Low Level.</a:t>
-            </a:r>
-          </a:p>
-          <a:p>
-            <a:endParaRPr lang="de-CH" dirty="0"/>
-          </a:p>
-          <a:p>
-            <a:r>
-              <a:rPr lang="de-CH" dirty="0" smtClean="0"/>
-              <a:t>Es ist nicht überfüllt mit </a:t>
-            </a:r>
-            <a:r>
-              <a:rPr lang="de-CH" dirty="0" err="1" smtClean="0"/>
-              <a:t>modifier</a:t>
-            </a:r>
-            <a:r>
-              <a:rPr lang="de-CH" dirty="0" smtClean="0"/>
-              <a:t>. Gross und Kleinschreibung </a:t>
-            </a:r>
-            <a:r>
-              <a:rPr lang="de-CH" dirty="0" err="1" smtClean="0"/>
-              <a:t>sichtbarkeit</a:t>
-            </a:r>
-            <a:r>
-              <a:rPr lang="de-CH" dirty="0" smtClean="0"/>
-              <a:t>.</a:t>
-            </a:r>
-            <a:endParaRPr lang="de-CH" dirty="0" smtClean="0"/>
-          </a:p>
-          <a:p>
-            <a:endParaRPr lang="de-CH" dirty="0"/>
-          </a:p>
-          <a:p>
-            <a:endParaRPr lang="de-CH" dirty="0" smtClean="0"/>
-          </a:p>
-          <a:p>
-            <a:endParaRPr lang="de-CH" dirty="0"/>
-          </a:p>
-          <a:p>
-            <a:endParaRPr lang="de-CH" dirty="0"/>
+        <p:spPr>
+          <a:xfrm>
+            <a:off x="838200" y="1253331"/>
+            <a:ext cx="10515600" cy="4351338"/>
+          </a:xfrm>
+        </p:spPr>
+        <p:txBody>
+          <a:bodyPr anchor="ctr">
+            <a:normAutofit/>
+          </a:bodyPr>
+          <a:lstStyle/>
+          <a:p>
+            <a:pPr marL="0" indent="0" algn="ctr">
+              <a:buNone/>
+            </a:pPr>
+            <a:r>
+              <a:rPr lang="de-CH" sz="9600" dirty="0" smtClean="0">
+                <a:latin typeface="Courier New" panose="02070309020205020404" pitchFamily="49" charset="0"/>
+                <a:cs typeface="Courier New" panose="02070309020205020404" pitchFamily="49" charset="0"/>
+              </a:rPr>
+              <a:t>Code Demo</a:t>
+            </a:r>
+          </a:p>
+          <a:p>
+            <a:pPr marL="0" indent="0" algn="ctr">
+              <a:buNone/>
+            </a:pPr>
+            <a:r>
+              <a:rPr lang="de-CH" sz="1800" dirty="0">
+                <a:latin typeface="Courier New" panose="02070309020205020404" pitchFamily="49" charset="0"/>
+                <a:cs typeface="Courier New" panose="02070309020205020404" pitchFamily="49" charset="0"/>
+                <a:hlinkClick r:id="rId2"/>
+              </a:rPr>
+              <a:t>https://play.golang.org/p/8w9L8Kkkby</a:t>
+            </a:r>
+            <a:endParaRPr lang="de-CH" sz="1800" dirty="0" smtClean="0">
+              <a:latin typeface="Courier New" panose="02070309020205020404" pitchFamily="49" charset="0"/>
+              <a:cs typeface="Courier New" panose="02070309020205020404" pitchFamily="49" charset="0"/>
+            </a:endParaRPr>
           </a:p>
         </p:txBody>
       </p:sp>
     </p:spTree>
     <p:extLst>
       <p:ext uri="{BB962C8B-B14F-4D97-AF65-F5344CB8AC3E}">
-        <p14:creationId xmlns:p14="http://schemas.microsoft.com/office/powerpoint/2010/main" val="1796784916"/>
+        <p14:creationId xmlns:p14="http://schemas.microsoft.com/office/powerpoint/2010/main" val="285203942"/>
       </p:ext>
     </p:extLst>
   </p:cSld>
   <p:clrMapOvr>
     <a:masterClrMapping/>
   </p:clrMapOvr>
+  <p:timing>
+    <p:tnLst>
+      <p:par>
+        <p:cTn id="1" dur="indefinite" restart="never" nodeType="tmRoot"/>
+      </p:par>
+    </p:tnLst>
+  </p:timing>
 </p:sld>
 </file>
 
@@ -4115,8 +4425,16 @@
           <a:lstStyle/>
           <a:p>
             <a:r>
-              <a:rPr lang="de-CH" dirty="0" smtClean="0"/>
-              <a:t>Fazit Alex</a:t>
+              <a:rPr lang="de-CH" dirty="0" err="1" smtClean="0"/>
+              <a:t>Garbage</a:t>
+            </a:r>
+            <a:r>
+              <a:rPr lang="de-CH" dirty="0" smtClean="0"/>
+              <a:t> </a:t>
+            </a:r>
+            <a:r>
+              <a:rPr lang="de-CH" dirty="0" err="1" smtClean="0"/>
+              <a:t>Collector</a:t>
             </a:r>
             <a:endParaRPr lang="de-CH" dirty="0"/>
           </a:p>
@@ -4137,49 +4455,18 @@
           <a:bodyPr/>
           <a:lstStyle/>
           <a:p>
-            <a:pPr marL="0" indent="0" algn="ctr">
-              <a:buNone/>
-            </a:pPr>
-            <a:endParaRPr lang="de-CH" sz="3600" dirty="0"/>
-          </a:p>
-          <a:p>
-            <a:pPr marL="0" indent="0" algn="ctr">
-              <a:buNone/>
-            </a:pPr>
-            <a:r>
-              <a:rPr lang="de-CH" sz="4800" i="1" dirty="0" smtClean="0"/>
-              <a:t>Minimalistisch</a:t>
-            </a:r>
-          </a:p>
-          <a:p>
-            <a:pPr marL="0" indent="0" algn="ctr">
-              <a:buNone/>
-            </a:pPr>
-            <a:r>
-              <a:rPr lang="de-CH" sz="4800" i="1" dirty="0" smtClean="0"/>
-              <a:t>Schnell</a:t>
-            </a:r>
-          </a:p>
-          <a:p>
-            <a:pPr marL="0" indent="0" algn="ctr">
-              <a:buNone/>
-            </a:pPr>
-            <a:r>
-              <a:rPr lang="de-CH" sz="4800" i="1" dirty="0" err="1"/>
-              <a:t>C</a:t>
-            </a:r>
-            <a:r>
-              <a:rPr lang="de-CH" sz="4800" i="1" dirty="0" err="1" smtClean="0"/>
-              <a:t>oncurrency</a:t>
-            </a:r>
-            <a:endParaRPr lang="de-CH" sz="4800" i="1" dirty="0"/>
+            <a:r>
+              <a:rPr lang="de-CH" dirty="0" smtClean="0"/>
+              <a:t>Text</a:t>
+            </a:r>
+            <a:endParaRPr lang="de-CH" dirty="0"/>
           </a:p>
         </p:txBody>
       </p:sp>
     </p:spTree>
     <p:extLst>
       <p:ext uri="{BB962C8B-B14F-4D97-AF65-F5344CB8AC3E}">
-        <p14:creationId xmlns:p14="http://schemas.microsoft.com/office/powerpoint/2010/main" val="1362767083"/>
+        <p14:creationId xmlns:p14="http://schemas.microsoft.com/office/powerpoint/2010/main" val="3450917879"/>
       </p:ext>
     </p:extLst>
   </p:cSld>

--- a/presi/presi.pptx
+++ b/presi/presi.pptx
@@ -4,6 +4,9 @@
   <p:sldMasterIdLst>
     <p:sldMasterId id="2147483648" r:id="rId1"/>
   </p:sldMasterIdLst>
+  <p:notesMasterIdLst>
+    <p:notesMasterId r:id="rId21"/>
+  </p:notesMasterIdLst>
   <p:sldIdLst>
     <p:sldId id="256" r:id="rId2"/>
     <p:sldId id="257" r:id="rId3"/>
@@ -14,9 +17,16 @@
     <p:sldId id="258" r:id="rId8"/>
     <p:sldId id="272" r:id="rId9"/>
     <p:sldId id="270" r:id="rId10"/>
-    <p:sldId id="263" r:id="rId11"/>
-    <p:sldId id="264" r:id="rId12"/>
-    <p:sldId id="265" r:id="rId13"/>
+    <p:sldId id="273" r:id="rId11"/>
+    <p:sldId id="274" r:id="rId12"/>
+    <p:sldId id="275" r:id="rId13"/>
+    <p:sldId id="276" r:id="rId14"/>
+    <p:sldId id="277" r:id="rId15"/>
+    <p:sldId id="278" r:id="rId16"/>
+    <p:sldId id="279" r:id="rId17"/>
+    <p:sldId id="263" r:id="rId18"/>
+    <p:sldId id="264" r:id="rId19"/>
+    <p:sldId id="265" r:id="rId20"/>
   </p:sldIdLst>
   <p:sldSz cx="12192000" cy="6858000"/>
   <p:notesSz cx="6858000" cy="9144000"/>
@@ -123,6 +133,4980 @@
 </p:presentation>
 </file>
 
+<file path=ppt/notesMasters/notesMaster1.xml><?xml version="1.0" encoding="utf-8"?>
+<p:notesMaster xmlns:a="http://schemas.openxmlformats.org/drawingml/2006/main" xmlns:r="http://schemas.openxmlformats.org/officeDocument/2006/relationships" xmlns:p="http://schemas.openxmlformats.org/presentationml/2006/main">
+  <p:cSld>
+    <p:bg>
+      <p:bgRef idx="1001">
+        <a:schemeClr val="bg1"/>
+      </p:bgRef>
+    </p:bg>
+    <p:spTree>
+      <p:nvGrpSpPr>
+        <p:cNvPr id="1" name=""/>
+        <p:cNvGrpSpPr/>
+        <p:nvPr/>
+      </p:nvGrpSpPr>
+      <p:grpSpPr>
+        <a:xfrm>
+          <a:off x="0" y="0"/>
+          <a:ext cx="0" cy="0"/>
+          <a:chOff x="0" y="0"/>
+          <a:chExt cx="0" cy="0"/>
+        </a:xfrm>
+      </p:grpSpPr>
+      <p:sp>
+        <p:nvSpPr>
+          <p:cNvPr id="2" name="Kopfzeilenplatzhalter 1"/>
+          <p:cNvSpPr>
+            <a:spLocks noGrp="1"/>
+          </p:cNvSpPr>
+          <p:nvPr>
+            <p:ph type="hdr" sz="quarter"/>
+          </p:nvPr>
+        </p:nvSpPr>
+        <p:spPr>
+          <a:xfrm>
+            <a:off x="0" y="0"/>
+            <a:ext cx="2971800" cy="458788"/>
+          </a:xfrm>
+          <a:prstGeom prst="rect">
+            <a:avLst/>
+          </a:prstGeom>
+        </p:spPr>
+        <p:txBody>
+          <a:bodyPr vert="horz" lIns="91440" tIns="45720" rIns="91440" bIns="45720" rtlCol="0"/>
+          <a:lstStyle>
+            <a:lvl1pPr algn="l">
+              <a:defRPr sz="1200"/>
+            </a:lvl1pPr>
+          </a:lstStyle>
+          <a:p>
+            <a:endParaRPr lang="de-CH"/>
+          </a:p>
+        </p:txBody>
+      </p:sp>
+      <p:sp>
+        <p:nvSpPr>
+          <p:cNvPr id="3" name="Datumsplatzhalter 2"/>
+          <p:cNvSpPr>
+            <a:spLocks noGrp="1"/>
+          </p:cNvSpPr>
+          <p:nvPr>
+            <p:ph type="dt" idx="1"/>
+          </p:nvPr>
+        </p:nvSpPr>
+        <p:spPr>
+          <a:xfrm>
+            <a:off x="3884613" y="0"/>
+            <a:ext cx="2971800" cy="458788"/>
+          </a:xfrm>
+          <a:prstGeom prst="rect">
+            <a:avLst/>
+          </a:prstGeom>
+        </p:spPr>
+        <p:txBody>
+          <a:bodyPr vert="horz" lIns="91440" tIns="45720" rIns="91440" bIns="45720" rtlCol="0"/>
+          <a:lstStyle>
+            <a:lvl1pPr algn="r">
+              <a:defRPr sz="1200"/>
+            </a:lvl1pPr>
+          </a:lstStyle>
+          <a:p>
+            <a:fld id="{31FB1EC9-70FE-46B6-9D10-6C00CCA57161}" type="datetimeFigureOut">
+              <a:rPr lang="de-CH" smtClean="0"/>
+              <a:t>12.12.2015</a:t>
+            </a:fld>
+            <a:endParaRPr lang="de-CH"/>
+          </a:p>
+        </p:txBody>
+      </p:sp>
+      <p:sp>
+        <p:nvSpPr>
+          <p:cNvPr id="4" name="Folienbildplatzhalter 3"/>
+          <p:cNvSpPr>
+            <a:spLocks noGrp="1" noRot="1" noChangeAspect="1"/>
+          </p:cNvSpPr>
+          <p:nvPr>
+            <p:ph type="sldImg" idx="2"/>
+          </p:nvPr>
+        </p:nvSpPr>
+        <p:spPr>
+          <a:xfrm>
+            <a:off x="685800" y="1143000"/>
+            <a:ext cx="5486400" cy="3086100"/>
+          </a:xfrm>
+          <a:prstGeom prst="rect">
+            <a:avLst/>
+          </a:prstGeom>
+          <a:noFill/>
+          <a:ln w="12700">
+            <a:solidFill>
+              <a:prstClr val="black"/>
+            </a:solidFill>
+          </a:ln>
+        </p:spPr>
+        <p:txBody>
+          <a:bodyPr vert="horz" lIns="91440" tIns="45720" rIns="91440" bIns="45720" rtlCol="0" anchor="ctr"/>
+          <a:lstStyle/>
+          <a:p>
+            <a:endParaRPr lang="de-CH"/>
+          </a:p>
+        </p:txBody>
+      </p:sp>
+      <p:sp>
+        <p:nvSpPr>
+          <p:cNvPr id="5" name="Notizenplatzhalter 4"/>
+          <p:cNvSpPr>
+            <a:spLocks noGrp="1"/>
+          </p:cNvSpPr>
+          <p:nvPr>
+            <p:ph type="body" sz="quarter" idx="3"/>
+          </p:nvPr>
+        </p:nvSpPr>
+        <p:spPr>
+          <a:xfrm>
+            <a:off x="685800" y="4400550"/>
+            <a:ext cx="5486400" cy="3600450"/>
+          </a:xfrm>
+          <a:prstGeom prst="rect">
+            <a:avLst/>
+          </a:prstGeom>
+        </p:spPr>
+        <p:txBody>
+          <a:bodyPr vert="horz" lIns="91440" tIns="45720" rIns="91440" bIns="45720" rtlCol="0"/>
+          <a:lstStyle/>
+          <a:p>
+            <a:pPr lvl="0"/>
+            <a:r>
+              <a:rPr lang="de-DE" smtClean="0"/>
+              <a:t>Textmasterformat bearbeiten</a:t>
+            </a:r>
+          </a:p>
+          <a:p>
+            <a:pPr lvl="1"/>
+            <a:r>
+              <a:rPr lang="de-DE" smtClean="0"/>
+              <a:t>Zweite Ebene</a:t>
+            </a:r>
+          </a:p>
+          <a:p>
+            <a:pPr lvl="2"/>
+            <a:r>
+              <a:rPr lang="de-DE" smtClean="0"/>
+              <a:t>Dritte Ebene</a:t>
+            </a:r>
+          </a:p>
+          <a:p>
+            <a:pPr lvl="3"/>
+            <a:r>
+              <a:rPr lang="de-DE" smtClean="0"/>
+              <a:t>Vierte Ebene</a:t>
+            </a:r>
+          </a:p>
+          <a:p>
+            <a:pPr lvl="4"/>
+            <a:r>
+              <a:rPr lang="de-DE" smtClean="0"/>
+              <a:t>Fünfte Ebene</a:t>
+            </a:r>
+            <a:endParaRPr lang="de-CH"/>
+          </a:p>
+        </p:txBody>
+      </p:sp>
+      <p:sp>
+        <p:nvSpPr>
+          <p:cNvPr id="6" name="Fußzeilenplatzhalter 5"/>
+          <p:cNvSpPr>
+            <a:spLocks noGrp="1"/>
+          </p:cNvSpPr>
+          <p:nvPr>
+            <p:ph type="ftr" sz="quarter" idx="4"/>
+          </p:nvPr>
+        </p:nvSpPr>
+        <p:spPr>
+          <a:xfrm>
+            <a:off x="0" y="8685213"/>
+            <a:ext cx="2971800" cy="458787"/>
+          </a:xfrm>
+          <a:prstGeom prst="rect">
+            <a:avLst/>
+          </a:prstGeom>
+        </p:spPr>
+        <p:txBody>
+          <a:bodyPr vert="horz" lIns="91440" tIns="45720" rIns="91440" bIns="45720" rtlCol="0" anchor="b"/>
+          <a:lstStyle>
+            <a:lvl1pPr algn="l">
+              <a:defRPr sz="1200"/>
+            </a:lvl1pPr>
+          </a:lstStyle>
+          <a:p>
+            <a:endParaRPr lang="de-CH"/>
+          </a:p>
+        </p:txBody>
+      </p:sp>
+      <p:sp>
+        <p:nvSpPr>
+          <p:cNvPr id="7" name="Foliennummernplatzhalter 6"/>
+          <p:cNvSpPr>
+            <a:spLocks noGrp="1"/>
+          </p:cNvSpPr>
+          <p:nvPr>
+            <p:ph type="sldNum" sz="quarter" idx="5"/>
+          </p:nvPr>
+        </p:nvSpPr>
+        <p:spPr>
+          <a:xfrm>
+            <a:off x="3884613" y="8685213"/>
+            <a:ext cx="2971800" cy="458787"/>
+          </a:xfrm>
+          <a:prstGeom prst="rect">
+            <a:avLst/>
+          </a:prstGeom>
+        </p:spPr>
+        <p:txBody>
+          <a:bodyPr vert="horz" lIns="91440" tIns="45720" rIns="91440" bIns="45720" rtlCol="0" anchor="b"/>
+          <a:lstStyle>
+            <a:lvl1pPr algn="r">
+              <a:defRPr sz="1200"/>
+            </a:lvl1pPr>
+          </a:lstStyle>
+          <a:p>
+            <a:fld id="{38D935FE-0AED-45EC-81AF-74ACBED722AC}" type="slidenum">
+              <a:rPr lang="de-CH" smtClean="0"/>
+              <a:t>‹Nr.›</a:t>
+            </a:fld>
+            <a:endParaRPr lang="de-CH"/>
+          </a:p>
+        </p:txBody>
+      </p:sp>
+    </p:spTree>
+    <p:extLst>
+      <p:ext uri="{BB962C8B-B14F-4D97-AF65-F5344CB8AC3E}">
+        <p14:creationId xmlns:p14="http://schemas.microsoft.com/office/powerpoint/2010/main" val="1927329214"/>
+      </p:ext>
+    </p:extLst>
+  </p:cSld>
+  <p:clrMap bg1="lt1" tx1="dk1" bg2="lt2" tx2="dk2" accent1="accent1" accent2="accent2" accent3="accent3" accent4="accent4" accent5="accent5" accent6="accent6" hlink="hlink" folHlink="folHlink"/>
+  <p:notesStyle>
+    <a:lvl1pPr marL="0" algn="l" defTabSz="914400" rtl="0" eaLnBrk="1" latinLnBrk="0" hangingPunct="1">
+      <a:defRPr sz="1200" kern="1200">
+        <a:solidFill>
+          <a:schemeClr val="tx1"/>
+        </a:solidFill>
+        <a:latin typeface="+mn-lt"/>
+        <a:ea typeface="+mn-ea"/>
+        <a:cs typeface="+mn-cs"/>
+      </a:defRPr>
+    </a:lvl1pPr>
+    <a:lvl2pPr marL="457200" algn="l" defTabSz="914400" rtl="0" eaLnBrk="1" latinLnBrk="0" hangingPunct="1">
+      <a:defRPr sz="1200" kern="1200">
+        <a:solidFill>
+          <a:schemeClr val="tx1"/>
+        </a:solidFill>
+        <a:latin typeface="+mn-lt"/>
+        <a:ea typeface="+mn-ea"/>
+        <a:cs typeface="+mn-cs"/>
+      </a:defRPr>
+    </a:lvl2pPr>
+    <a:lvl3pPr marL="914400" algn="l" defTabSz="914400" rtl="0" eaLnBrk="1" latinLnBrk="0" hangingPunct="1">
+      <a:defRPr sz="1200" kern="1200">
+        <a:solidFill>
+          <a:schemeClr val="tx1"/>
+        </a:solidFill>
+        <a:latin typeface="+mn-lt"/>
+        <a:ea typeface="+mn-ea"/>
+        <a:cs typeface="+mn-cs"/>
+      </a:defRPr>
+    </a:lvl3pPr>
+    <a:lvl4pPr marL="1371600" algn="l" defTabSz="914400" rtl="0" eaLnBrk="1" latinLnBrk="0" hangingPunct="1">
+      <a:defRPr sz="1200" kern="1200">
+        <a:solidFill>
+          <a:schemeClr val="tx1"/>
+        </a:solidFill>
+        <a:latin typeface="+mn-lt"/>
+        <a:ea typeface="+mn-ea"/>
+        <a:cs typeface="+mn-cs"/>
+      </a:defRPr>
+    </a:lvl4pPr>
+    <a:lvl5pPr marL="1828800" algn="l" defTabSz="914400" rtl="0" eaLnBrk="1" latinLnBrk="0" hangingPunct="1">
+      <a:defRPr sz="1200" kern="1200">
+        <a:solidFill>
+          <a:schemeClr val="tx1"/>
+        </a:solidFill>
+        <a:latin typeface="+mn-lt"/>
+        <a:ea typeface="+mn-ea"/>
+        <a:cs typeface="+mn-cs"/>
+      </a:defRPr>
+    </a:lvl5pPr>
+    <a:lvl6pPr marL="2286000" algn="l" defTabSz="914400" rtl="0" eaLnBrk="1" latinLnBrk="0" hangingPunct="1">
+      <a:defRPr sz="1200" kern="1200">
+        <a:solidFill>
+          <a:schemeClr val="tx1"/>
+        </a:solidFill>
+        <a:latin typeface="+mn-lt"/>
+        <a:ea typeface="+mn-ea"/>
+        <a:cs typeface="+mn-cs"/>
+      </a:defRPr>
+    </a:lvl6pPr>
+    <a:lvl7pPr marL="2743200" algn="l" defTabSz="914400" rtl="0" eaLnBrk="1" latinLnBrk="0" hangingPunct="1">
+      <a:defRPr sz="1200" kern="1200">
+        <a:solidFill>
+          <a:schemeClr val="tx1"/>
+        </a:solidFill>
+        <a:latin typeface="+mn-lt"/>
+        <a:ea typeface="+mn-ea"/>
+        <a:cs typeface="+mn-cs"/>
+      </a:defRPr>
+    </a:lvl7pPr>
+    <a:lvl8pPr marL="3200400" algn="l" defTabSz="914400" rtl="0" eaLnBrk="1" latinLnBrk="0" hangingPunct="1">
+      <a:defRPr sz="1200" kern="1200">
+        <a:solidFill>
+          <a:schemeClr val="tx1"/>
+        </a:solidFill>
+        <a:latin typeface="+mn-lt"/>
+        <a:ea typeface="+mn-ea"/>
+        <a:cs typeface="+mn-cs"/>
+      </a:defRPr>
+    </a:lvl8pPr>
+    <a:lvl9pPr marL="3657600" algn="l" defTabSz="914400" rtl="0" eaLnBrk="1" latinLnBrk="0" hangingPunct="1">
+      <a:defRPr sz="1200" kern="1200">
+        <a:solidFill>
+          <a:schemeClr val="tx1"/>
+        </a:solidFill>
+        <a:latin typeface="+mn-lt"/>
+        <a:ea typeface="+mn-ea"/>
+        <a:cs typeface="+mn-cs"/>
+      </a:defRPr>
+    </a:lvl9pPr>
+  </p:notesStyle>
+</p:notesMaster>
+</file>
+
+<file path=ppt/notesSlides/notesSlide1.xml><?xml version="1.0" encoding="utf-8"?>
+<p:notes xmlns:a="http://schemas.openxmlformats.org/drawingml/2006/main" xmlns:r="http://schemas.openxmlformats.org/officeDocument/2006/relationships" xmlns:p="http://schemas.openxmlformats.org/presentationml/2006/main">
+  <p:cSld>
+    <p:spTree>
+      <p:nvGrpSpPr>
+        <p:cNvPr id="1" name=""/>
+        <p:cNvGrpSpPr/>
+        <p:nvPr/>
+      </p:nvGrpSpPr>
+      <p:grpSpPr>
+        <a:xfrm>
+          <a:off x="0" y="0"/>
+          <a:ext cx="0" cy="0"/>
+          <a:chOff x="0" y="0"/>
+          <a:chExt cx="0" cy="0"/>
+        </a:xfrm>
+      </p:grpSpPr>
+      <p:sp>
+        <p:nvSpPr>
+          <p:cNvPr id="2" name="Folienbildplatzhalter 1"/>
+          <p:cNvSpPr>
+            <a:spLocks noGrp="1" noRot="1" noChangeAspect="1"/>
+          </p:cNvSpPr>
+          <p:nvPr>
+            <p:ph type="sldImg"/>
+          </p:nvPr>
+        </p:nvSpPr>
+        <p:spPr/>
+      </p:sp>
+      <p:sp>
+        <p:nvSpPr>
+          <p:cNvPr id="3" name="Notizenplatzhalter 2"/>
+          <p:cNvSpPr>
+            <a:spLocks noGrp="1"/>
+          </p:cNvSpPr>
+          <p:nvPr>
+            <p:ph type="body" idx="1"/>
+          </p:nvPr>
+        </p:nvSpPr>
+        <p:spPr/>
+        <p:txBody>
+          <a:bodyPr/>
+          <a:lstStyle/>
+          <a:p>
+            <a:r>
+              <a:rPr lang="de-CH" dirty="0" smtClean="0"/>
+              <a:t>Taschenratte</a:t>
+            </a:r>
+            <a:endParaRPr lang="de-CH" dirty="0"/>
+          </a:p>
+        </p:txBody>
+      </p:sp>
+      <p:sp>
+        <p:nvSpPr>
+          <p:cNvPr id="4" name="Foliennummernplatzhalter 3"/>
+          <p:cNvSpPr>
+            <a:spLocks noGrp="1"/>
+          </p:cNvSpPr>
+          <p:nvPr>
+            <p:ph type="sldNum" sz="quarter" idx="10"/>
+          </p:nvPr>
+        </p:nvSpPr>
+        <p:spPr/>
+        <p:txBody>
+          <a:bodyPr/>
+          <a:lstStyle/>
+          <a:p>
+            <a:fld id="{38D935FE-0AED-45EC-81AF-74ACBED722AC}" type="slidenum">
+              <a:rPr lang="de-CH" smtClean="0"/>
+              <a:t>1</a:t>
+            </a:fld>
+            <a:endParaRPr lang="de-CH"/>
+          </a:p>
+        </p:txBody>
+      </p:sp>
+    </p:spTree>
+    <p:extLst>
+      <p:ext uri="{BB962C8B-B14F-4D97-AF65-F5344CB8AC3E}">
+        <p14:creationId xmlns:p14="http://schemas.microsoft.com/office/powerpoint/2010/main" val="159253693"/>
+      </p:ext>
+    </p:extLst>
+  </p:cSld>
+  <p:clrMapOvr>
+    <a:masterClrMapping/>
+  </p:clrMapOvr>
+</p:notes>
+</file>
+
+<file path=ppt/notesSlides/notesSlide10.xml><?xml version="1.0" encoding="utf-8"?>
+<p:notes xmlns:a="http://schemas.openxmlformats.org/drawingml/2006/main" xmlns:r="http://schemas.openxmlformats.org/officeDocument/2006/relationships" xmlns:p="http://schemas.openxmlformats.org/presentationml/2006/main">
+  <p:cSld>
+    <p:spTree>
+      <p:nvGrpSpPr>
+        <p:cNvPr id="1" name=""/>
+        <p:cNvGrpSpPr/>
+        <p:nvPr/>
+      </p:nvGrpSpPr>
+      <p:grpSpPr>
+        <a:xfrm>
+          <a:off x="0" y="0"/>
+          <a:ext cx="0" cy="0"/>
+          <a:chOff x="0" y="0"/>
+          <a:chExt cx="0" cy="0"/>
+        </a:xfrm>
+      </p:grpSpPr>
+      <p:sp>
+        <p:nvSpPr>
+          <p:cNvPr id="2" name="Folienbildplatzhalter 1"/>
+          <p:cNvSpPr>
+            <a:spLocks noGrp="1" noRot="1" noChangeAspect="1"/>
+          </p:cNvSpPr>
+          <p:nvPr>
+            <p:ph type="sldImg"/>
+          </p:nvPr>
+        </p:nvSpPr>
+        <p:spPr/>
+      </p:sp>
+      <p:sp>
+        <p:nvSpPr>
+          <p:cNvPr id="3" name="Notizenplatzhalter 2"/>
+          <p:cNvSpPr>
+            <a:spLocks noGrp="1"/>
+          </p:cNvSpPr>
+          <p:nvPr>
+            <p:ph type="body" idx="1"/>
+          </p:nvPr>
+        </p:nvSpPr>
+        <p:spPr/>
+        <p:txBody>
+          <a:bodyPr/>
+          <a:lstStyle/>
+          <a:p>
+            <a:pPr marL="0" indent="0">
+              <a:buFontTx/>
+              <a:buNone/>
+            </a:pPr>
+            <a:r>
+              <a:rPr lang="de-CH" sz="1200" b="0" i="0" kern="1200" dirty="0" smtClean="0">
+                <a:solidFill>
+                  <a:schemeClr val="tx1"/>
+                </a:solidFill>
+                <a:effectLst/>
+                <a:latin typeface="+mn-lt"/>
+                <a:ea typeface="+mn-ea"/>
+                <a:cs typeface="+mn-cs"/>
+              </a:rPr>
+              <a:t>-</a:t>
+            </a:r>
+            <a:r>
+              <a:rPr lang="de-CH" sz="1200" b="0" i="0" kern="1200" baseline="0" dirty="0" smtClean="0">
+                <a:solidFill>
+                  <a:schemeClr val="tx1"/>
+                </a:solidFill>
+                <a:effectLst/>
+                <a:latin typeface="+mn-lt"/>
+                <a:ea typeface="+mn-ea"/>
+                <a:cs typeface="+mn-cs"/>
+              </a:rPr>
+              <a:t> </a:t>
+            </a:r>
+            <a:r>
+              <a:rPr lang="de-CH" sz="1200" b="0" i="0" kern="1200" dirty="0" smtClean="0">
+                <a:solidFill>
+                  <a:schemeClr val="tx1"/>
+                </a:solidFill>
+                <a:effectLst/>
+                <a:latin typeface="+mn-lt"/>
+                <a:ea typeface="+mn-ea"/>
+                <a:cs typeface="+mn-cs"/>
+              </a:rPr>
+              <a:t>Beim diesem Algorithmus können Objekte die Farben Weiss, Grau und Schwarz (</a:t>
+            </a:r>
+            <a:r>
+              <a:rPr lang="de-CH" sz="1200" b="0" i="1" kern="1200" dirty="0" err="1" smtClean="0">
+                <a:solidFill>
+                  <a:schemeClr val="tx1"/>
+                </a:solidFill>
+                <a:effectLst/>
+                <a:latin typeface="+mn-lt"/>
+                <a:ea typeface="+mn-ea"/>
+                <a:cs typeface="+mn-cs"/>
+              </a:rPr>
+              <a:t>tri</a:t>
+            </a:r>
+            <a:r>
+              <a:rPr lang="de-CH" sz="1200" b="0" i="1" kern="1200" dirty="0" smtClean="0">
+                <a:solidFill>
+                  <a:schemeClr val="tx1"/>
+                </a:solidFill>
+                <a:effectLst/>
+                <a:latin typeface="+mn-lt"/>
+                <a:ea typeface="+mn-ea"/>
+                <a:cs typeface="+mn-cs"/>
+              </a:rPr>
+              <a:t>-color</a:t>
+            </a:r>
+            <a:r>
+              <a:rPr lang="de-CH" sz="1200" b="0" i="0" kern="1200" dirty="0" smtClean="0">
+                <a:solidFill>
+                  <a:schemeClr val="tx1"/>
+                </a:solidFill>
+                <a:effectLst/>
+                <a:latin typeface="+mn-lt"/>
+                <a:ea typeface="+mn-ea"/>
+                <a:cs typeface="+mn-cs"/>
+              </a:rPr>
+              <a:t>) haben. </a:t>
+            </a:r>
+          </a:p>
+          <a:p>
+            <a:pPr marL="0" indent="0">
+              <a:buFontTx/>
+              <a:buNone/>
+            </a:pPr>
+            <a:endParaRPr lang="de-CH" sz="1200" b="0" i="0" kern="1200" dirty="0" smtClean="0">
+              <a:solidFill>
+                <a:schemeClr val="tx1"/>
+              </a:solidFill>
+              <a:effectLst/>
+              <a:latin typeface="+mn-lt"/>
+              <a:ea typeface="+mn-ea"/>
+              <a:cs typeface="+mn-cs"/>
+            </a:endParaRPr>
+          </a:p>
+          <a:p>
+            <a:pPr marL="0" indent="0">
+              <a:buFontTx/>
+              <a:buNone/>
+            </a:pPr>
+            <a:endParaRPr lang="de-CH" sz="1200" b="0" i="0" kern="1200" dirty="0" smtClean="0">
+              <a:solidFill>
+                <a:schemeClr val="tx1"/>
+              </a:solidFill>
+              <a:effectLst/>
+              <a:latin typeface="+mn-lt"/>
+              <a:ea typeface="+mn-ea"/>
+              <a:cs typeface="+mn-cs"/>
+            </a:endParaRPr>
+          </a:p>
+          <a:p>
+            <a:pPr marL="0" indent="0">
+              <a:buFontTx/>
+              <a:buNone/>
+            </a:pPr>
+            <a:r>
+              <a:rPr lang="de-CH" sz="1200" b="0" i="0" kern="1200" dirty="0" smtClean="0">
+                <a:solidFill>
+                  <a:schemeClr val="tx1"/>
+                </a:solidFill>
+                <a:effectLst/>
+                <a:latin typeface="+mn-lt"/>
+                <a:ea typeface="+mn-ea"/>
+                <a:cs typeface="+mn-cs"/>
+              </a:rPr>
+              <a:t>1.</a:t>
+            </a:r>
+            <a:r>
+              <a:rPr lang="de-CH" sz="1200" b="0" i="0" kern="1200" baseline="0" dirty="0" smtClean="0">
+                <a:solidFill>
+                  <a:schemeClr val="tx1"/>
+                </a:solidFill>
+                <a:effectLst/>
+                <a:latin typeface="+mn-lt"/>
+                <a:ea typeface="+mn-ea"/>
+                <a:cs typeface="+mn-cs"/>
+              </a:rPr>
+              <a:t> </a:t>
+            </a:r>
+            <a:r>
+              <a:rPr lang="de-CH" sz="1200" b="0" i="0" kern="1200" dirty="0" smtClean="0">
+                <a:solidFill>
+                  <a:schemeClr val="tx1"/>
+                </a:solidFill>
+                <a:effectLst/>
+                <a:latin typeface="+mn-lt"/>
+                <a:ea typeface="+mn-ea"/>
+                <a:cs typeface="+mn-cs"/>
+              </a:rPr>
+              <a:t>Zu Beginn sind alle Objekte weiss</a:t>
+            </a:r>
+          </a:p>
+          <a:p>
+            <a:pPr marL="228600" indent="-228600">
+              <a:buFontTx/>
+              <a:buAutoNum type="arabicPeriod"/>
+            </a:pPr>
+            <a:endParaRPr lang="de-CH" sz="1200" b="0" i="0" kern="1200" dirty="0" smtClean="0">
+              <a:solidFill>
+                <a:schemeClr val="tx1"/>
+              </a:solidFill>
+              <a:effectLst/>
+              <a:latin typeface="+mn-lt"/>
+              <a:ea typeface="+mn-ea"/>
+              <a:cs typeface="+mn-cs"/>
+            </a:endParaRPr>
+          </a:p>
+          <a:p>
+            <a:pPr marL="0" indent="0">
+              <a:buFontTx/>
+              <a:buNone/>
+            </a:pPr>
+            <a:r>
+              <a:rPr lang="de-CH" sz="1200" b="0" i="0" kern="1200" dirty="0" smtClean="0">
+                <a:solidFill>
+                  <a:schemeClr val="tx1"/>
+                </a:solidFill>
+                <a:effectLst/>
+                <a:latin typeface="+mn-lt"/>
+                <a:ea typeface="+mn-ea"/>
+                <a:cs typeface="+mn-cs"/>
+              </a:rPr>
+              <a:t>2.</a:t>
+            </a:r>
+            <a:r>
+              <a:rPr lang="de-CH" sz="1200" b="0" i="0" kern="1200" baseline="0" dirty="0" smtClean="0">
+                <a:solidFill>
+                  <a:schemeClr val="tx1"/>
+                </a:solidFill>
+                <a:effectLst/>
+                <a:latin typeface="+mn-lt"/>
+                <a:ea typeface="+mn-ea"/>
+                <a:cs typeface="+mn-cs"/>
+              </a:rPr>
+              <a:t> </a:t>
+            </a:r>
+            <a:r>
+              <a:rPr lang="de-CH" sz="1200" b="0" i="0" kern="1200" dirty="0" smtClean="0">
+                <a:solidFill>
+                  <a:schemeClr val="tx1"/>
+                </a:solidFill>
+                <a:effectLst/>
+                <a:latin typeface="+mn-lt"/>
+                <a:ea typeface="+mn-ea"/>
+                <a:cs typeface="+mn-cs"/>
+              </a:rPr>
+              <a:t>Der </a:t>
+            </a:r>
+            <a:r>
+              <a:rPr lang="de-CH" sz="1200" b="0" i="0" kern="1200" dirty="0" err="1" smtClean="0">
+                <a:solidFill>
+                  <a:schemeClr val="tx1"/>
+                </a:solidFill>
+                <a:effectLst/>
+                <a:latin typeface="+mn-lt"/>
+                <a:ea typeface="+mn-ea"/>
+                <a:cs typeface="+mn-cs"/>
+              </a:rPr>
+              <a:t>Garbage</a:t>
+            </a:r>
+            <a:r>
+              <a:rPr lang="de-CH" sz="1200" b="0" i="0" kern="1200" dirty="0" smtClean="0">
+                <a:solidFill>
+                  <a:schemeClr val="tx1"/>
+                </a:solidFill>
+                <a:effectLst/>
+                <a:latin typeface="+mn-lt"/>
+                <a:ea typeface="+mn-ea"/>
+                <a:cs typeface="+mn-cs"/>
+              </a:rPr>
+              <a:t> </a:t>
+            </a:r>
+            <a:r>
+              <a:rPr lang="de-CH" sz="1200" b="0" i="0" kern="1200" dirty="0" err="1" smtClean="0">
+                <a:solidFill>
+                  <a:schemeClr val="tx1"/>
+                </a:solidFill>
+                <a:effectLst/>
+                <a:latin typeface="+mn-lt"/>
+                <a:ea typeface="+mn-ea"/>
+                <a:cs typeface="+mn-cs"/>
+              </a:rPr>
+              <a:t>Collector</a:t>
+            </a:r>
+            <a:r>
+              <a:rPr lang="de-CH" sz="1200" b="0" i="0" kern="1200" dirty="0" smtClean="0">
+                <a:solidFill>
+                  <a:schemeClr val="tx1"/>
+                </a:solidFill>
+                <a:effectLst/>
+                <a:latin typeface="+mn-lt"/>
+                <a:ea typeface="+mn-ea"/>
+                <a:cs typeface="+mn-cs"/>
+              </a:rPr>
+              <a:t> holt sich jetzt die Root-Objekte z.B. aus dem Stack. Diese Objekte markiert (</a:t>
+            </a:r>
+            <a:r>
+              <a:rPr lang="de-CH" sz="1200" b="0" i="1" kern="1200" dirty="0" err="1" smtClean="0">
+                <a:solidFill>
+                  <a:schemeClr val="tx1"/>
+                </a:solidFill>
+                <a:effectLst/>
+                <a:latin typeface="+mn-lt"/>
+                <a:ea typeface="+mn-ea"/>
+                <a:cs typeface="+mn-cs"/>
+              </a:rPr>
+              <a:t>mark</a:t>
+            </a:r>
+            <a:r>
+              <a:rPr lang="de-CH" sz="1200" b="0" i="0" kern="1200" dirty="0" smtClean="0">
+                <a:solidFill>
+                  <a:schemeClr val="tx1"/>
+                </a:solidFill>
+                <a:effectLst/>
+                <a:latin typeface="+mn-lt"/>
+                <a:ea typeface="+mn-ea"/>
+                <a:cs typeface="+mn-cs"/>
+              </a:rPr>
+              <a:t>) er mit Grau.</a:t>
+            </a:r>
+          </a:p>
+          <a:p>
+            <a:pPr marL="228600" indent="-228600">
+              <a:buFontTx/>
+              <a:buAutoNum type="arabicPeriod"/>
+            </a:pPr>
+            <a:endParaRPr lang="de-CH" sz="1200" b="0" i="0" kern="1200" dirty="0" smtClean="0">
+              <a:solidFill>
+                <a:schemeClr val="tx1"/>
+              </a:solidFill>
+              <a:effectLst/>
+              <a:latin typeface="+mn-lt"/>
+              <a:ea typeface="+mn-ea"/>
+              <a:cs typeface="+mn-cs"/>
+            </a:endParaRPr>
+          </a:p>
+          <a:p>
+            <a:pPr marL="0" indent="0">
+              <a:buFontTx/>
+              <a:buNone/>
+            </a:pPr>
+            <a:r>
+              <a:rPr lang="de-CH" sz="1200" b="0" i="0" kern="1200" dirty="0" smtClean="0">
+                <a:solidFill>
+                  <a:schemeClr val="tx1"/>
+                </a:solidFill>
+                <a:effectLst/>
+                <a:latin typeface="+mn-lt"/>
+                <a:ea typeface="+mn-ea"/>
+                <a:cs typeface="+mn-cs"/>
+              </a:rPr>
+              <a:t>3. Danach wählt er ein Objekt zur weiteren Verfolgung aus und markiert dieses Schwarz.</a:t>
+            </a:r>
+          </a:p>
+          <a:p>
+            <a:pPr marL="0" indent="0">
+              <a:buFontTx/>
+              <a:buNone/>
+            </a:pPr>
+            <a:endParaRPr lang="de-CH" sz="1200" b="0" i="0" kern="1200" dirty="0" smtClean="0">
+              <a:solidFill>
+                <a:schemeClr val="tx1"/>
+              </a:solidFill>
+              <a:effectLst/>
+              <a:latin typeface="+mn-lt"/>
+              <a:ea typeface="+mn-ea"/>
+              <a:cs typeface="+mn-cs"/>
+            </a:endParaRPr>
+          </a:p>
+          <a:p>
+            <a:pPr marL="0" indent="0">
+              <a:buFontTx/>
+              <a:buNone/>
+            </a:pPr>
+            <a:r>
+              <a:rPr lang="de-CH" sz="1200" b="0" i="0" kern="1200" dirty="0" smtClean="0">
+                <a:solidFill>
+                  <a:schemeClr val="tx1"/>
+                </a:solidFill>
+                <a:effectLst/>
+                <a:latin typeface="+mn-lt"/>
+                <a:ea typeface="+mn-ea"/>
+                <a:cs typeface="+mn-cs"/>
+              </a:rPr>
+              <a:t>4.</a:t>
+            </a:r>
+            <a:r>
+              <a:rPr lang="de-CH" sz="1200" b="0" i="0" kern="1200" baseline="0" dirty="0" smtClean="0">
+                <a:solidFill>
+                  <a:schemeClr val="tx1"/>
+                </a:solidFill>
+                <a:effectLst/>
+                <a:latin typeface="+mn-lt"/>
+                <a:ea typeface="+mn-ea"/>
+                <a:cs typeface="+mn-cs"/>
+              </a:rPr>
+              <a:t> </a:t>
+            </a:r>
+            <a:r>
+              <a:rPr lang="de-CH" sz="1200" b="0" i="0" kern="1200" dirty="0" smtClean="0">
+                <a:solidFill>
+                  <a:schemeClr val="tx1"/>
+                </a:solidFill>
+                <a:effectLst/>
+                <a:latin typeface="+mn-lt"/>
+                <a:ea typeface="+mn-ea"/>
+                <a:cs typeface="+mn-cs"/>
+              </a:rPr>
+              <a:t>Jetzt folgt er den Referenzen des schwarzen Objekts und sobald er ein weisses findet, färbt er dieses Grau.</a:t>
+            </a:r>
+          </a:p>
+          <a:p>
+            <a:pPr marL="0" indent="0">
+              <a:buFontTx/>
+              <a:buNone/>
+            </a:pPr>
+            <a:endParaRPr lang="de-CH" sz="1200" b="0" i="0" kern="1200" dirty="0" smtClean="0">
+              <a:solidFill>
+                <a:schemeClr val="tx1"/>
+              </a:solidFill>
+              <a:effectLst/>
+              <a:latin typeface="+mn-lt"/>
+              <a:ea typeface="+mn-ea"/>
+              <a:cs typeface="+mn-cs"/>
+            </a:endParaRPr>
+          </a:p>
+          <a:p>
+            <a:pPr marL="0" indent="0">
+              <a:buFontTx/>
+              <a:buNone/>
+            </a:pPr>
+            <a:endParaRPr lang="de-CH" sz="1200" b="0" i="0" kern="1200" dirty="0" smtClean="0">
+              <a:solidFill>
+                <a:schemeClr val="tx1"/>
+              </a:solidFill>
+              <a:effectLst/>
+              <a:latin typeface="+mn-lt"/>
+              <a:ea typeface="+mn-ea"/>
+              <a:cs typeface="+mn-cs"/>
+            </a:endParaRPr>
+          </a:p>
+          <a:p>
+            <a:pPr marL="0" indent="0">
+              <a:buFontTx/>
+              <a:buNone/>
+            </a:pPr>
+            <a:r>
+              <a:rPr lang="de-CH" sz="1200" b="0" i="0" kern="1200" dirty="0" smtClean="0">
+                <a:solidFill>
+                  <a:schemeClr val="tx1"/>
+                </a:solidFill>
+                <a:effectLst/>
+                <a:latin typeface="+mn-lt"/>
+                <a:ea typeface="+mn-ea"/>
+                <a:cs typeface="+mn-cs"/>
+              </a:rPr>
+              <a:t>Dieser Vorgang wird so lange wiederholt bis keine grauen Objekte mehr vorhanden sind. Danach können alle weissen Objekte entfernt (</a:t>
+            </a:r>
+            <a:r>
+              <a:rPr lang="de-CH" sz="1200" b="0" i="1" kern="1200" dirty="0" err="1" smtClean="0">
+                <a:solidFill>
+                  <a:schemeClr val="tx1"/>
+                </a:solidFill>
+                <a:effectLst/>
+                <a:latin typeface="+mn-lt"/>
+                <a:ea typeface="+mn-ea"/>
+                <a:cs typeface="+mn-cs"/>
+              </a:rPr>
+              <a:t>sweep</a:t>
+            </a:r>
+            <a:r>
+              <a:rPr lang="de-CH" sz="1200" b="0" i="0" kern="1200" dirty="0" smtClean="0">
+                <a:solidFill>
+                  <a:schemeClr val="tx1"/>
+                </a:solidFill>
+                <a:effectLst/>
+                <a:latin typeface="+mn-lt"/>
+                <a:ea typeface="+mn-ea"/>
+                <a:cs typeface="+mn-cs"/>
+              </a:rPr>
+              <a:t>) werden.</a:t>
+            </a:r>
+            <a:endParaRPr lang="de-CH" baseline="0" dirty="0" smtClean="0"/>
+          </a:p>
+        </p:txBody>
+      </p:sp>
+      <p:sp>
+        <p:nvSpPr>
+          <p:cNvPr id="4" name="Foliennummernplatzhalter 3"/>
+          <p:cNvSpPr>
+            <a:spLocks noGrp="1"/>
+          </p:cNvSpPr>
+          <p:nvPr>
+            <p:ph type="sldNum" sz="quarter" idx="10"/>
+          </p:nvPr>
+        </p:nvSpPr>
+        <p:spPr/>
+        <p:txBody>
+          <a:bodyPr/>
+          <a:lstStyle/>
+          <a:p>
+            <a:fld id="{38D935FE-0AED-45EC-81AF-74ACBED722AC}" type="slidenum">
+              <a:rPr lang="de-CH" smtClean="0"/>
+              <a:t>14</a:t>
+            </a:fld>
+            <a:endParaRPr lang="de-CH"/>
+          </a:p>
+        </p:txBody>
+      </p:sp>
+    </p:spTree>
+    <p:extLst>
+      <p:ext uri="{BB962C8B-B14F-4D97-AF65-F5344CB8AC3E}">
+        <p14:creationId xmlns:p14="http://schemas.microsoft.com/office/powerpoint/2010/main" val="3563142428"/>
+      </p:ext>
+    </p:extLst>
+  </p:cSld>
+  <p:clrMapOvr>
+    <a:masterClrMapping/>
+  </p:clrMapOvr>
+</p:notes>
+</file>
+
+<file path=ppt/notesSlides/notesSlide11.xml><?xml version="1.0" encoding="utf-8"?>
+<p:notes xmlns:a="http://schemas.openxmlformats.org/drawingml/2006/main" xmlns:r="http://schemas.openxmlformats.org/officeDocument/2006/relationships" xmlns:p="http://schemas.openxmlformats.org/presentationml/2006/main">
+  <p:cSld>
+    <p:spTree>
+      <p:nvGrpSpPr>
+        <p:cNvPr id="1" name=""/>
+        <p:cNvGrpSpPr/>
+        <p:nvPr/>
+      </p:nvGrpSpPr>
+      <p:grpSpPr>
+        <a:xfrm>
+          <a:off x="0" y="0"/>
+          <a:ext cx="0" cy="0"/>
+          <a:chOff x="0" y="0"/>
+          <a:chExt cx="0" cy="0"/>
+        </a:xfrm>
+      </p:grpSpPr>
+      <p:sp>
+        <p:nvSpPr>
+          <p:cNvPr id="2" name="Folienbildplatzhalter 1"/>
+          <p:cNvSpPr>
+            <a:spLocks noGrp="1" noRot="1" noChangeAspect="1"/>
+          </p:cNvSpPr>
+          <p:nvPr>
+            <p:ph type="sldImg"/>
+          </p:nvPr>
+        </p:nvSpPr>
+        <p:spPr/>
+      </p:sp>
+      <p:sp>
+        <p:nvSpPr>
+          <p:cNvPr id="3" name="Notizenplatzhalter 2"/>
+          <p:cNvSpPr>
+            <a:spLocks noGrp="1"/>
+          </p:cNvSpPr>
+          <p:nvPr>
+            <p:ph type="body" idx="1"/>
+          </p:nvPr>
+        </p:nvSpPr>
+        <p:spPr/>
+        <p:txBody>
+          <a:bodyPr/>
+          <a:lstStyle/>
+          <a:p>
+            <a:pPr marL="0" indent="0">
+              <a:buFontTx/>
+              <a:buNone/>
+            </a:pPr>
+            <a:r>
+              <a:rPr lang="de-CH" sz="1200" b="0" i="0" kern="1200" dirty="0" smtClean="0">
+                <a:solidFill>
+                  <a:schemeClr val="tx1"/>
+                </a:solidFill>
+                <a:effectLst/>
+                <a:latin typeface="+mn-lt"/>
+                <a:ea typeface="+mn-ea"/>
+                <a:cs typeface="+mn-cs"/>
+              </a:rPr>
+              <a:t>-</a:t>
+            </a:r>
+            <a:r>
+              <a:rPr lang="de-CH" sz="1200" b="0" i="0" kern="1200" baseline="0" dirty="0" smtClean="0">
+                <a:solidFill>
+                  <a:schemeClr val="tx1"/>
+                </a:solidFill>
+                <a:effectLst/>
+                <a:latin typeface="+mn-lt"/>
+                <a:ea typeface="+mn-ea"/>
+                <a:cs typeface="+mn-cs"/>
+              </a:rPr>
+              <a:t> </a:t>
+            </a:r>
+            <a:r>
+              <a:rPr lang="de-CH" sz="1200" b="0" i="0" kern="1200" dirty="0" smtClean="0">
+                <a:solidFill>
+                  <a:schemeClr val="tx1"/>
+                </a:solidFill>
+                <a:effectLst/>
+                <a:latin typeface="+mn-lt"/>
+                <a:ea typeface="+mn-ea"/>
+                <a:cs typeface="+mn-cs"/>
+              </a:rPr>
+              <a:t>Beim diesem Algorithmus können Objekte die Farben Weiss, Grau und Schwarz (</a:t>
+            </a:r>
+            <a:r>
+              <a:rPr lang="de-CH" sz="1200" b="0" i="1" kern="1200" dirty="0" err="1" smtClean="0">
+                <a:solidFill>
+                  <a:schemeClr val="tx1"/>
+                </a:solidFill>
+                <a:effectLst/>
+                <a:latin typeface="+mn-lt"/>
+                <a:ea typeface="+mn-ea"/>
+                <a:cs typeface="+mn-cs"/>
+              </a:rPr>
+              <a:t>tri</a:t>
+            </a:r>
+            <a:r>
+              <a:rPr lang="de-CH" sz="1200" b="0" i="1" kern="1200" dirty="0" smtClean="0">
+                <a:solidFill>
+                  <a:schemeClr val="tx1"/>
+                </a:solidFill>
+                <a:effectLst/>
+                <a:latin typeface="+mn-lt"/>
+                <a:ea typeface="+mn-ea"/>
+                <a:cs typeface="+mn-cs"/>
+              </a:rPr>
+              <a:t>-color</a:t>
+            </a:r>
+            <a:r>
+              <a:rPr lang="de-CH" sz="1200" b="0" i="0" kern="1200" dirty="0" smtClean="0">
+                <a:solidFill>
+                  <a:schemeClr val="tx1"/>
+                </a:solidFill>
+                <a:effectLst/>
+                <a:latin typeface="+mn-lt"/>
+                <a:ea typeface="+mn-ea"/>
+                <a:cs typeface="+mn-cs"/>
+              </a:rPr>
+              <a:t>) haben. </a:t>
+            </a:r>
+          </a:p>
+          <a:p>
+            <a:pPr marL="0" indent="0">
+              <a:buFontTx/>
+              <a:buNone/>
+            </a:pPr>
+            <a:endParaRPr lang="de-CH" sz="1200" b="0" i="0" kern="1200" dirty="0" smtClean="0">
+              <a:solidFill>
+                <a:schemeClr val="tx1"/>
+              </a:solidFill>
+              <a:effectLst/>
+              <a:latin typeface="+mn-lt"/>
+              <a:ea typeface="+mn-ea"/>
+              <a:cs typeface="+mn-cs"/>
+            </a:endParaRPr>
+          </a:p>
+          <a:p>
+            <a:pPr marL="0" indent="0">
+              <a:buFontTx/>
+              <a:buNone/>
+            </a:pPr>
+            <a:endParaRPr lang="de-CH" sz="1200" b="0" i="0" kern="1200" dirty="0" smtClean="0">
+              <a:solidFill>
+                <a:schemeClr val="tx1"/>
+              </a:solidFill>
+              <a:effectLst/>
+              <a:latin typeface="+mn-lt"/>
+              <a:ea typeface="+mn-ea"/>
+              <a:cs typeface="+mn-cs"/>
+            </a:endParaRPr>
+          </a:p>
+          <a:p>
+            <a:pPr marL="0" indent="0">
+              <a:buFontTx/>
+              <a:buNone/>
+            </a:pPr>
+            <a:r>
+              <a:rPr lang="de-CH" sz="1200" b="0" i="0" kern="1200" dirty="0" smtClean="0">
+                <a:solidFill>
+                  <a:schemeClr val="tx1"/>
+                </a:solidFill>
+                <a:effectLst/>
+                <a:latin typeface="+mn-lt"/>
+                <a:ea typeface="+mn-ea"/>
+                <a:cs typeface="+mn-cs"/>
+              </a:rPr>
+              <a:t>1.</a:t>
+            </a:r>
+            <a:r>
+              <a:rPr lang="de-CH" sz="1200" b="0" i="0" kern="1200" baseline="0" dirty="0" smtClean="0">
+                <a:solidFill>
+                  <a:schemeClr val="tx1"/>
+                </a:solidFill>
+                <a:effectLst/>
+                <a:latin typeface="+mn-lt"/>
+                <a:ea typeface="+mn-ea"/>
+                <a:cs typeface="+mn-cs"/>
+              </a:rPr>
+              <a:t> </a:t>
+            </a:r>
+            <a:r>
+              <a:rPr lang="de-CH" sz="1200" b="0" i="0" kern="1200" dirty="0" smtClean="0">
+                <a:solidFill>
+                  <a:schemeClr val="tx1"/>
+                </a:solidFill>
+                <a:effectLst/>
+                <a:latin typeface="+mn-lt"/>
+                <a:ea typeface="+mn-ea"/>
+                <a:cs typeface="+mn-cs"/>
+              </a:rPr>
+              <a:t>Zu Beginn sind alle Objekte weiss</a:t>
+            </a:r>
+          </a:p>
+          <a:p>
+            <a:pPr marL="228600" indent="-228600">
+              <a:buFontTx/>
+              <a:buAutoNum type="arabicPeriod"/>
+            </a:pPr>
+            <a:endParaRPr lang="de-CH" sz="1200" b="0" i="0" kern="1200" dirty="0" smtClean="0">
+              <a:solidFill>
+                <a:schemeClr val="tx1"/>
+              </a:solidFill>
+              <a:effectLst/>
+              <a:latin typeface="+mn-lt"/>
+              <a:ea typeface="+mn-ea"/>
+              <a:cs typeface="+mn-cs"/>
+            </a:endParaRPr>
+          </a:p>
+          <a:p>
+            <a:pPr marL="0" indent="0">
+              <a:buFontTx/>
+              <a:buNone/>
+            </a:pPr>
+            <a:r>
+              <a:rPr lang="de-CH" sz="1200" b="0" i="0" kern="1200" dirty="0" smtClean="0">
+                <a:solidFill>
+                  <a:schemeClr val="tx1"/>
+                </a:solidFill>
+                <a:effectLst/>
+                <a:latin typeface="+mn-lt"/>
+                <a:ea typeface="+mn-ea"/>
+                <a:cs typeface="+mn-cs"/>
+              </a:rPr>
+              <a:t>2.</a:t>
+            </a:r>
+            <a:r>
+              <a:rPr lang="de-CH" sz="1200" b="0" i="0" kern="1200" baseline="0" dirty="0" smtClean="0">
+                <a:solidFill>
+                  <a:schemeClr val="tx1"/>
+                </a:solidFill>
+                <a:effectLst/>
+                <a:latin typeface="+mn-lt"/>
+                <a:ea typeface="+mn-ea"/>
+                <a:cs typeface="+mn-cs"/>
+              </a:rPr>
+              <a:t> </a:t>
+            </a:r>
+            <a:r>
+              <a:rPr lang="de-CH" sz="1200" b="0" i="0" kern="1200" dirty="0" smtClean="0">
+                <a:solidFill>
+                  <a:schemeClr val="tx1"/>
+                </a:solidFill>
+                <a:effectLst/>
+                <a:latin typeface="+mn-lt"/>
+                <a:ea typeface="+mn-ea"/>
+                <a:cs typeface="+mn-cs"/>
+              </a:rPr>
+              <a:t>Der </a:t>
+            </a:r>
+            <a:r>
+              <a:rPr lang="de-CH" sz="1200" b="0" i="0" kern="1200" dirty="0" err="1" smtClean="0">
+                <a:solidFill>
+                  <a:schemeClr val="tx1"/>
+                </a:solidFill>
+                <a:effectLst/>
+                <a:latin typeface="+mn-lt"/>
+                <a:ea typeface="+mn-ea"/>
+                <a:cs typeface="+mn-cs"/>
+              </a:rPr>
+              <a:t>Garbage</a:t>
+            </a:r>
+            <a:r>
+              <a:rPr lang="de-CH" sz="1200" b="0" i="0" kern="1200" dirty="0" smtClean="0">
+                <a:solidFill>
+                  <a:schemeClr val="tx1"/>
+                </a:solidFill>
+                <a:effectLst/>
+                <a:latin typeface="+mn-lt"/>
+                <a:ea typeface="+mn-ea"/>
+                <a:cs typeface="+mn-cs"/>
+              </a:rPr>
+              <a:t> </a:t>
+            </a:r>
+            <a:r>
+              <a:rPr lang="de-CH" sz="1200" b="0" i="0" kern="1200" dirty="0" err="1" smtClean="0">
+                <a:solidFill>
+                  <a:schemeClr val="tx1"/>
+                </a:solidFill>
+                <a:effectLst/>
+                <a:latin typeface="+mn-lt"/>
+                <a:ea typeface="+mn-ea"/>
+                <a:cs typeface="+mn-cs"/>
+              </a:rPr>
+              <a:t>Collector</a:t>
+            </a:r>
+            <a:r>
+              <a:rPr lang="de-CH" sz="1200" b="0" i="0" kern="1200" dirty="0" smtClean="0">
+                <a:solidFill>
+                  <a:schemeClr val="tx1"/>
+                </a:solidFill>
+                <a:effectLst/>
+                <a:latin typeface="+mn-lt"/>
+                <a:ea typeface="+mn-ea"/>
+                <a:cs typeface="+mn-cs"/>
+              </a:rPr>
+              <a:t> holt sich jetzt die Root-Objekte z.B. aus dem Stack. Diese Objekte markiert (</a:t>
+            </a:r>
+            <a:r>
+              <a:rPr lang="de-CH" sz="1200" b="0" i="1" kern="1200" dirty="0" err="1" smtClean="0">
+                <a:solidFill>
+                  <a:schemeClr val="tx1"/>
+                </a:solidFill>
+                <a:effectLst/>
+                <a:latin typeface="+mn-lt"/>
+                <a:ea typeface="+mn-ea"/>
+                <a:cs typeface="+mn-cs"/>
+              </a:rPr>
+              <a:t>mark</a:t>
+            </a:r>
+            <a:r>
+              <a:rPr lang="de-CH" sz="1200" b="0" i="0" kern="1200" dirty="0" smtClean="0">
+                <a:solidFill>
+                  <a:schemeClr val="tx1"/>
+                </a:solidFill>
+                <a:effectLst/>
+                <a:latin typeface="+mn-lt"/>
+                <a:ea typeface="+mn-ea"/>
+                <a:cs typeface="+mn-cs"/>
+              </a:rPr>
+              <a:t>) er mit Grau.</a:t>
+            </a:r>
+          </a:p>
+          <a:p>
+            <a:pPr marL="228600" indent="-228600">
+              <a:buFontTx/>
+              <a:buAutoNum type="arabicPeriod"/>
+            </a:pPr>
+            <a:endParaRPr lang="de-CH" sz="1200" b="0" i="0" kern="1200" dirty="0" smtClean="0">
+              <a:solidFill>
+                <a:schemeClr val="tx1"/>
+              </a:solidFill>
+              <a:effectLst/>
+              <a:latin typeface="+mn-lt"/>
+              <a:ea typeface="+mn-ea"/>
+              <a:cs typeface="+mn-cs"/>
+            </a:endParaRPr>
+          </a:p>
+          <a:p>
+            <a:pPr marL="0" indent="0">
+              <a:buFontTx/>
+              <a:buNone/>
+            </a:pPr>
+            <a:r>
+              <a:rPr lang="de-CH" sz="1200" b="0" i="0" kern="1200" dirty="0" smtClean="0">
+                <a:solidFill>
+                  <a:schemeClr val="tx1"/>
+                </a:solidFill>
+                <a:effectLst/>
+                <a:latin typeface="+mn-lt"/>
+                <a:ea typeface="+mn-ea"/>
+                <a:cs typeface="+mn-cs"/>
+              </a:rPr>
+              <a:t>3. Danach wählt er ein Objekt zur weiteren Verfolgung aus und markiert dieses Schwarz.</a:t>
+            </a:r>
+          </a:p>
+          <a:p>
+            <a:pPr marL="0" indent="0">
+              <a:buFontTx/>
+              <a:buNone/>
+            </a:pPr>
+            <a:endParaRPr lang="de-CH" sz="1200" b="0" i="0" kern="1200" dirty="0" smtClean="0">
+              <a:solidFill>
+                <a:schemeClr val="tx1"/>
+              </a:solidFill>
+              <a:effectLst/>
+              <a:latin typeface="+mn-lt"/>
+              <a:ea typeface="+mn-ea"/>
+              <a:cs typeface="+mn-cs"/>
+            </a:endParaRPr>
+          </a:p>
+          <a:p>
+            <a:pPr marL="0" indent="0">
+              <a:buFontTx/>
+              <a:buNone/>
+            </a:pPr>
+            <a:r>
+              <a:rPr lang="de-CH" sz="1200" b="0" i="0" kern="1200" dirty="0" smtClean="0">
+                <a:solidFill>
+                  <a:schemeClr val="tx1"/>
+                </a:solidFill>
+                <a:effectLst/>
+                <a:latin typeface="+mn-lt"/>
+                <a:ea typeface="+mn-ea"/>
+                <a:cs typeface="+mn-cs"/>
+              </a:rPr>
+              <a:t>4.</a:t>
+            </a:r>
+            <a:r>
+              <a:rPr lang="de-CH" sz="1200" b="0" i="0" kern="1200" baseline="0" dirty="0" smtClean="0">
+                <a:solidFill>
+                  <a:schemeClr val="tx1"/>
+                </a:solidFill>
+                <a:effectLst/>
+                <a:latin typeface="+mn-lt"/>
+                <a:ea typeface="+mn-ea"/>
+                <a:cs typeface="+mn-cs"/>
+              </a:rPr>
+              <a:t> </a:t>
+            </a:r>
+            <a:r>
+              <a:rPr lang="de-CH" sz="1200" b="0" i="0" kern="1200" dirty="0" smtClean="0">
+                <a:solidFill>
+                  <a:schemeClr val="tx1"/>
+                </a:solidFill>
+                <a:effectLst/>
+                <a:latin typeface="+mn-lt"/>
+                <a:ea typeface="+mn-ea"/>
+                <a:cs typeface="+mn-cs"/>
+              </a:rPr>
+              <a:t>Jetzt folgt er den Referenzen des schwarzen Objekts und sobald er ein weisses findet, färbt er dieses Grau.</a:t>
+            </a:r>
+          </a:p>
+          <a:p>
+            <a:pPr marL="0" indent="0">
+              <a:buFontTx/>
+              <a:buNone/>
+            </a:pPr>
+            <a:endParaRPr lang="de-CH" sz="1200" b="0" i="0" kern="1200" dirty="0" smtClean="0">
+              <a:solidFill>
+                <a:schemeClr val="tx1"/>
+              </a:solidFill>
+              <a:effectLst/>
+              <a:latin typeface="+mn-lt"/>
+              <a:ea typeface="+mn-ea"/>
+              <a:cs typeface="+mn-cs"/>
+            </a:endParaRPr>
+          </a:p>
+          <a:p>
+            <a:pPr marL="0" indent="0">
+              <a:buFontTx/>
+              <a:buNone/>
+            </a:pPr>
+            <a:endParaRPr lang="de-CH" sz="1200" b="0" i="0" kern="1200" dirty="0" smtClean="0">
+              <a:solidFill>
+                <a:schemeClr val="tx1"/>
+              </a:solidFill>
+              <a:effectLst/>
+              <a:latin typeface="+mn-lt"/>
+              <a:ea typeface="+mn-ea"/>
+              <a:cs typeface="+mn-cs"/>
+            </a:endParaRPr>
+          </a:p>
+          <a:p>
+            <a:pPr marL="0" indent="0">
+              <a:buFontTx/>
+              <a:buNone/>
+            </a:pPr>
+            <a:r>
+              <a:rPr lang="de-CH" sz="1200" b="0" i="0" kern="1200" dirty="0" smtClean="0">
+                <a:solidFill>
+                  <a:schemeClr val="tx1"/>
+                </a:solidFill>
+                <a:effectLst/>
+                <a:latin typeface="+mn-lt"/>
+                <a:ea typeface="+mn-ea"/>
+                <a:cs typeface="+mn-cs"/>
+              </a:rPr>
+              <a:t>Dieser Vorgang wird so lange wiederholt bis keine grauen Objekte mehr vorhanden sind. Danach können alle weissen Objekte entfernt (</a:t>
+            </a:r>
+            <a:r>
+              <a:rPr lang="de-CH" sz="1200" b="0" i="1" kern="1200" dirty="0" err="1" smtClean="0">
+                <a:solidFill>
+                  <a:schemeClr val="tx1"/>
+                </a:solidFill>
+                <a:effectLst/>
+                <a:latin typeface="+mn-lt"/>
+                <a:ea typeface="+mn-ea"/>
+                <a:cs typeface="+mn-cs"/>
+              </a:rPr>
+              <a:t>sweep</a:t>
+            </a:r>
+            <a:r>
+              <a:rPr lang="de-CH" sz="1200" b="0" i="0" kern="1200" dirty="0" smtClean="0">
+                <a:solidFill>
+                  <a:schemeClr val="tx1"/>
+                </a:solidFill>
+                <a:effectLst/>
+                <a:latin typeface="+mn-lt"/>
+                <a:ea typeface="+mn-ea"/>
+                <a:cs typeface="+mn-cs"/>
+              </a:rPr>
+              <a:t>) werden.</a:t>
+            </a:r>
+            <a:endParaRPr lang="de-CH" baseline="0" dirty="0" smtClean="0"/>
+          </a:p>
+        </p:txBody>
+      </p:sp>
+      <p:sp>
+        <p:nvSpPr>
+          <p:cNvPr id="4" name="Foliennummernplatzhalter 3"/>
+          <p:cNvSpPr>
+            <a:spLocks noGrp="1"/>
+          </p:cNvSpPr>
+          <p:nvPr>
+            <p:ph type="sldNum" sz="quarter" idx="10"/>
+          </p:nvPr>
+        </p:nvSpPr>
+        <p:spPr/>
+        <p:txBody>
+          <a:bodyPr/>
+          <a:lstStyle/>
+          <a:p>
+            <a:fld id="{38D935FE-0AED-45EC-81AF-74ACBED722AC}" type="slidenum">
+              <a:rPr lang="de-CH" smtClean="0"/>
+              <a:t>15</a:t>
+            </a:fld>
+            <a:endParaRPr lang="de-CH"/>
+          </a:p>
+        </p:txBody>
+      </p:sp>
+    </p:spTree>
+    <p:extLst>
+      <p:ext uri="{BB962C8B-B14F-4D97-AF65-F5344CB8AC3E}">
+        <p14:creationId xmlns:p14="http://schemas.microsoft.com/office/powerpoint/2010/main" val="2169893932"/>
+      </p:ext>
+    </p:extLst>
+  </p:cSld>
+  <p:clrMapOvr>
+    <a:masterClrMapping/>
+  </p:clrMapOvr>
+</p:notes>
+</file>
+
+<file path=ppt/notesSlides/notesSlide12.xml><?xml version="1.0" encoding="utf-8"?>
+<p:notes xmlns:a="http://schemas.openxmlformats.org/drawingml/2006/main" xmlns:r="http://schemas.openxmlformats.org/officeDocument/2006/relationships" xmlns:p="http://schemas.openxmlformats.org/presentationml/2006/main">
+  <p:cSld>
+    <p:spTree>
+      <p:nvGrpSpPr>
+        <p:cNvPr id="1" name=""/>
+        <p:cNvGrpSpPr/>
+        <p:nvPr/>
+      </p:nvGrpSpPr>
+      <p:grpSpPr>
+        <a:xfrm>
+          <a:off x="0" y="0"/>
+          <a:ext cx="0" cy="0"/>
+          <a:chOff x="0" y="0"/>
+          <a:chExt cx="0" cy="0"/>
+        </a:xfrm>
+      </p:grpSpPr>
+      <p:sp>
+        <p:nvSpPr>
+          <p:cNvPr id="2" name="Folienbildplatzhalter 1"/>
+          <p:cNvSpPr>
+            <a:spLocks noGrp="1" noRot="1" noChangeAspect="1"/>
+          </p:cNvSpPr>
+          <p:nvPr>
+            <p:ph type="sldImg"/>
+          </p:nvPr>
+        </p:nvSpPr>
+        <p:spPr/>
+      </p:sp>
+      <p:sp>
+        <p:nvSpPr>
+          <p:cNvPr id="3" name="Notizenplatzhalter 2"/>
+          <p:cNvSpPr>
+            <a:spLocks noGrp="1"/>
+          </p:cNvSpPr>
+          <p:nvPr>
+            <p:ph type="body" idx="1"/>
+          </p:nvPr>
+        </p:nvSpPr>
+        <p:spPr/>
+        <p:txBody>
+          <a:bodyPr/>
+          <a:lstStyle/>
+          <a:p>
+            <a:r>
+              <a:rPr lang="de-CH" dirty="0" err="1" smtClean="0"/>
+              <a:t>Stop-the-world</a:t>
+            </a:r>
+            <a:r>
+              <a:rPr lang="de-CH" baseline="0" dirty="0" smtClean="0"/>
+              <a:t> </a:t>
+            </a:r>
+            <a:r>
+              <a:rPr lang="de-CH" baseline="0" dirty="0" err="1" smtClean="0"/>
+              <a:t>max</a:t>
+            </a:r>
+            <a:r>
+              <a:rPr lang="de-CH" baseline="0" dirty="0" smtClean="0"/>
+              <a:t> 10ms.</a:t>
+            </a:r>
+          </a:p>
+          <a:p>
+            <a:endParaRPr lang="de-CH" baseline="0" dirty="0" smtClean="0"/>
+          </a:p>
+          <a:p>
+            <a:r>
+              <a:rPr lang="de-CH" baseline="0" dirty="0" smtClean="0"/>
+              <a:t>Entscheidung, wann der Punkt gekommen ist um zu sagen, ob es noch weitere graue Objekte gibt?</a:t>
+            </a:r>
+          </a:p>
+          <a:p>
+            <a:pPr marL="171450" indent="-171450">
+              <a:buFontTx/>
+              <a:buChar char="-"/>
+            </a:pPr>
+            <a:r>
+              <a:rPr lang="de-CH" baseline="0" dirty="0" smtClean="0"/>
+              <a:t>Das kann teurer, kompliziert sein, wenn die </a:t>
+            </a:r>
+            <a:r>
+              <a:rPr lang="de-CH" baseline="0" dirty="0" err="1" smtClean="0"/>
+              <a:t>Mutatoren</a:t>
+            </a:r>
+            <a:r>
+              <a:rPr lang="de-CH" baseline="0" dirty="0" smtClean="0"/>
+              <a:t> nicht blockiert werden.</a:t>
+            </a:r>
+          </a:p>
+          <a:p>
+            <a:pPr marL="171450" indent="-171450">
+              <a:buFontTx/>
+              <a:buChar char="-"/>
+            </a:pPr>
+            <a:endParaRPr lang="de-CH" baseline="0" dirty="0" smtClean="0"/>
+          </a:p>
+          <a:p>
+            <a:pPr marL="171450" indent="-171450">
+              <a:buFontTx/>
+              <a:buChar char="-"/>
+            </a:pPr>
+            <a:r>
+              <a:rPr lang="de-CH" baseline="0" dirty="0" smtClean="0"/>
+              <a:t>Go 1,6</a:t>
+            </a:r>
+            <a:endParaRPr lang="de-CH" dirty="0"/>
+          </a:p>
+        </p:txBody>
+      </p:sp>
+      <p:sp>
+        <p:nvSpPr>
+          <p:cNvPr id="4" name="Foliennummernplatzhalter 3"/>
+          <p:cNvSpPr>
+            <a:spLocks noGrp="1"/>
+          </p:cNvSpPr>
+          <p:nvPr>
+            <p:ph type="sldNum" sz="quarter" idx="10"/>
+          </p:nvPr>
+        </p:nvSpPr>
+        <p:spPr/>
+        <p:txBody>
+          <a:bodyPr/>
+          <a:lstStyle/>
+          <a:p>
+            <a:fld id="{38D935FE-0AED-45EC-81AF-74ACBED722AC}" type="slidenum">
+              <a:rPr lang="de-CH" smtClean="0"/>
+              <a:t>16</a:t>
+            </a:fld>
+            <a:endParaRPr lang="de-CH"/>
+          </a:p>
+        </p:txBody>
+      </p:sp>
+    </p:spTree>
+    <p:extLst>
+      <p:ext uri="{BB962C8B-B14F-4D97-AF65-F5344CB8AC3E}">
+        <p14:creationId xmlns:p14="http://schemas.microsoft.com/office/powerpoint/2010/main" val="2177363444"/>
+      </p:ext>
+    </p:extLst>
+  </p:cSld>
+  <p:clrMapOvr>
+    <a:masterClrMapping/>
+  </p:clrMapOvr>
+</p:notes>
+</file>
+
+<file path=ppt/notesSlides/notesSlide13.xml><?xml version="1.0" encoding="utf-8"?>
+<p:notes xmlns:a="http://schemas.openxmlformats.org/drawingml/2006/main" xmlns:r="http://schemas.openxmlformats.org/officeDocument/2006/relationships" xmlns:p="http://schemas.openxmlformats.org/presentationml/2006/main">
+  <p:cSld>
+    <p:spTree>
+      <p:nvGrpSpPr>
+        <p:cNvPr id="1" name=""/>
+        <p:cNvGrpSpPr/>
+        <p:nvPr/>
+      </p:nvGrpSpPr>
+      <p:grpSpPr>
+        <a:xfrm>
+          <a:off x="0" y="0"/>
+          <a:ext cx="0" cy="0"/>
+          <a:chOff x="0" y="0"/>
+          <a:chExt cx="0" cy="0"/>
+        </a:xfrm>
+      </p:grpSpPr>
+      <p:sp>
+        <p:nvSpPr>
+          <p:cNvPr id="2" name="Folienbildplatzhalter 1"/>
+          <p:cNvSpPr>
+            <a:spLocks noGrp="1" noRot="1" noChangeAspect="1"/>
+          </p:cNvSpPr>
+          <p:nvPr>
+            <p:ph type="sldImg"/>
+          </p:nvPr>
+        </p:nvSpPr>
+        <p:spPr/>
+      </p:sp>
+      <p:sp>
+        <p:nvSpPr>
+          <p:cNvPr id="3" name="Notizenplatzhalter 2"/>
+          <p:cNvSpPr>
+            <a:spLocks noGrp="1"/>
+          </p:cNvSpPr>
+          <p:nvPr>
+            <p:ph type="body" idx="1"/>
+          </p:nvPr>
+        </p:nvSpPr>
+        <p:spPr/>
+        <p:txBody>
+          <a:bodyPr/>
+          <a:lstStyle/>
+          <a:p>
+            <a:r>
+              <a:rPr lang="de-CH" sz="1200" b="0" i="0" kern="1200" dirty="0" smtClean="0">
+                <a:solidFill>
+                  <a:schemeClr val="tx1"/>
+                </a:solidFill>
+                <a:effectLst/>
+                <a:latin typeface="+mn-lt"/>
+                <a:ea typeface="+mn-ea"/>
+                <a:cs typeface="+mn-cs"/>
+              </a:rPr>
+              <a:t>Mit Go zu Programmieren hat grossen Spass gemacht. Die Installation der Entwicklungsumgebung verlief ohne Probleme und mit </a:t>
+            </a:r>
+            <a:r>
+              <a:rPr lang="de-CH" sz="1200" b="0" i="1" kern="1200" dirty="0" err="1" smtClean="0">
+                <a:solidFill>
+                  <a:schemeClr val="tx1"/>
+                </a:solidFill>
+                <a:effectLst/>
+                <a:latin typeface="+mn-lt"/>
+                <a:ea typeface="+mn-ea"/>
+                <a:cs typeface="+mn-cs"/>
+              </a:rPr>
+              <a:t>Goclipse</a:t>
+            </a:r>
+            <a:r>
+              <a:rPr lang="de-CH" sz="1200" b="0" i="0" kern="1200" dirty="0" smtClean="0">
+                <a:solidFill>
+                  <a:schemeClr val="tx1"/>
+                </a:solidFill>
+                <a:effectLst/>
+                <a:latin typeface="+mn-lt"/>
+                <a:ea typeface="+mn-ea"/>
+                <a:cs typeface="+mn-cs"/>
+              </a:rPr>
+              <a:t> konnte auch eine vertraute IDE auf Basis von </a:t>
+            </a:r>
+            <a:r>
+              <a:rPr lang="de-CH" sz="1200" b="0" i="0" kern="1200" dirty="0" err="1" smtClean="0">
+                <a:solidFill>
+                  <a:schemeClr val="tx1"/>
+                </a:solidFill>
+                <a:effectLst/>
+                <a:latin typeface="+mn-lt"/>
+                <a:ea typeface="+mn-ea"/>
+                <a:cs typeface="+mn-cs"/>
+              </a:rPr>
+              <a:t>Eclipse</a:t>
+            </a:r>
+            <a:r>
+              <a:rPr lang="de-CH" sz="1200" b="0" i="0" kern="1200" dirty="0" smtClean="0">
+                <a:solidFill>
+                  <a:schemeClr val="tx1"/>
+                </a:solidFill>
+                <a:effectLst/>
+                <a:latin typeface="+mn-lt"/>
+                <a:ea typeface="+mn-ea"/>
+                <a:cs typeface="+mn-cs"/>
+              </a:rPr>
+              <a:t> verwendet werden.</a:t>
+            </a:r>
+          </a:p>
+          <a:p>
+            <a:endParaRPr lang="de-CH" sz="1200" b="0" i="0" kern="1200" dirty="0" smtClean="0">
+              <a:solidFill>
+                <a:schemeClr val="tx1"/>
+              </a:solidFill>
+              <a:effectLst/>
+              <a:latin typeface="+mn-lt"/>
+              <a:ea typeface="+mn-ea"/>
+              <a:cs typeface="+mn-cs"/>
+            </a:endParaRPr>
+          </a:p>
+          <a:p>
+            <a:r>
+              <a:rPr lang="de-CH" sz="1200" b="0" i="0" kern="1200" dirty="0" smtClean="0">
+                <a:solidFill>
+                  <a:schemeClr val="tx1"/>
+                </a:solidFill>
+                <a:effectLst/>
+                <a:latin typeface="+mn-lt"/>
+                <a:ea typeface="+mn-ea"/>
+                <a:cs typeface="+mn-cs"/>
+              </a:rPr>
+              <a:t>Ein kleiner Nachteil von Go ist, dass ein Programm für jede Zielplattform kompiliert werden muss. Dies ist aber dank einem </a:t>
+            </a:r>
+            <a:r>
+              <a:rPr lang="de-CH" sz="1200" b="0" i="0" kern="1200" dirty="0" err="1" smtClean="0">
+                <a:solidFill>
+                  <a:schemeClr val="tx1"/>
+                </a:solidFill>
+                <a:effectLst/>
+                <a:latin typeface="+mn-lt"/>
+                <a:ea typeface="+mn-ea"/>
+                <a:cs typeface="+mn-cs"/>
+              </a:rPr>
+              <a:t>Crosscompiler</a:t>
+            </a:r>
+            <a:r>
+              <a:rPr lang="de-CH" sz="1200" b="0" i="0" kern="1200" dirty="0" smtClean="0">
+                <a:solidFill>
+                  <a:schemeClr val="tx1"/>
+                </a:solidFill>
+                <a:effectLst/>
+                <a:latin typeface="+mn-lt"/>
+                <a:ea typeface="+mn-ea"/>
+                <a:cs typeface="+mn-cs"/>
+              </a:rPr>
+              <a:t> problemlos möglich (sogar die ARM-Architektur wird unterstützt).</a:t>
+            </a:r>
+          </a:p>
+          <a:p>
+            <a:endParaRPr lang="de-CH" sz="1200" b="0" i="0" kern="1200" dirty="0" smtClean="0">
+              <a:solidFill>
+                <a:schemeClr val="tx1"/>
+              </a:solidFill>
+              <a:effectLst/>
+              <a:latin typeface="+mn-lt"/>
+              <a:ea typeface="+mn-ea"/>
+              <a:cs typeface="+mn-cs"/>
+            </a:endParaRPr>
+          </a:p>
+          <a:p>
+            <a:r>
+              <a:rPr lang="de-CH" sz="1200" b="0" i="0" kern="1200" dirty="0" smtClean="0">
+                <a:solidFill>
+                  <a:schemeClr val="tx1"/>
+                </a:solidFill>
+                <a:effectLst/>
+                <a:latin typeface="+mn-lt"/>
+                <a:ea typeface="+mn-ea"/>
+                <a:cs typeface="+mn-cs"/>
+              </a:rPr>
+              <a:t>Obwohl das Team keine grosse C-Erfahrung vorweisen kann, wurde der </a:t>
+            </a:r>
+            <a:r>
+              <a:rPr lang="de-CH" sz="1200" b="0" i="0" kern="1200" dirty="0" err="1" smtClean="0">
+                <a:solidFill>
+                  <a:schemeClr val="tx1"/>
+                </a:solidFill>
+                <a:effectLst/>
+                <a:latin typeface="+mn-lt"/>
+                <a:ea typeface="+mn-ea"/>
+                <a:cs typeface="+mn-cs"/>
+              </a:rPr>
+              <a:t>Garbage</a:t>
+            </a:r>
+            <a:r>
+              <a:rPr lang="de-CH" sz="1200" b="0" i="0" kern="1200" dirty="0" smtClean="0">
+                <a:solidFill>
+                  <a:schemeClr val="tx1"/>
+                </a:solidFill>
+                <a:effectLst/>
+                <a:latin typeface="+mn-lt"/>
+                <a:ea typeface="+mn-ea"/>
+                <a:cs typeface="+mn-cs"/>
+              </a:rPr>
+              <a:t> </a:t>
+            </a:r>
+            <a:r>
+              <a:rPr lang="de-CH" sz="1200" b="0" i="0" kern="1200" dirty="0" err="1" smtClean="0">
+                <a:solidFill>
+                  <a:schemeClr val="tx1"/>
+                </a:solidFill>
+                <a:effectLst/>
+                <a:latin typeface="+mn-lt"/>
+                <a:ea typeface="+mn-ea"/>
+                <a:cs typeface="+mn-cs"/>
+              </a:rPr>
+              <a:t>Collector</a:t>
+            </a:r>
+            <a:r>
+              <a:rPr lang="de-CH" sz="1200" b="0" i="0" kern="1200" dirty="0" smtClean="0">
+                <a:solidFill>
+                  <a:schemeClr val="tx1"/>
+                </a:solidFill>
+                <a:effectLst/>
+                <a:latin typeface="+mn-lt"/>
+                <a:ea typeface="+mn-ea"/>
+                <a:cs typeface="+mn-cs"/>
+              </a:rPr>
+              <a:t> als angenehm empfunden. So mussten wir das Thema manuelles Memory Management nicht vertiefen und konnten sofort mit der Programmierung loslegen.</a:t>
+            </a:r>
+          </a:p>
+          <a:p>
+            <a:endParaRPr lang="de-CH" sz="1200" b="0" i="0" kern="1200" dirty="0" smtClean="0">
+              <a:solidFill>
+                <a:schemeClr val="tx1"/>
+              </a:solidFill>
+              <a:effectLst/>
+              <a:latin typeface="+mn-lt"/>
+              <a:ea typeface="+mn-ea"/>
+              <a:cs typeface="+mn-cs"/>
+            </a:endParaRPr>
+          </a:p>
+          <a:p>
+            <a:r>
+              <a:rPr lang="de-CH" sz="1200" b="0" i="0" kern="1200" dirty="0" smtClean="0">
+                <a:solidFill>
+                  <a:schemeClr val="tx1"/>
+                </a:solidFill>
+                <a:effectLst/>
+                <a:latin typeface="+mn-lt"/>
+                <a:ea typeface="+mn-ea"/>
+                <a:cs typeface="+mn-cs"/>
+              </a:rPr>
+              <a:t>Die Sprache ist generell sehr aufgeräumt, vor allem wenn man sie mit aussagekräftigen Sprachen wir Java vergleicht. Ein gutes Beispiel sind die </a:t>
+            </a:r>
+            <a:r>
+              <a:rPr lang="de-CH" sz="1200" b="0" i="0" kern="1200" dirty="0" err="1" smtClean="0">
+                <a:solidFill>
+                  <a:schemeClr val="tx1"/>
+                </a:solidFill>
+                <a:effectLst/>
+                <a:latin typeface="+mn-lt"/>
+                <a:ea typeface="+mn-ea"/>
+                <a:cs typeface="+mn-cs"/>
+              </a:rPr>
+              <a:t>Sichtbarkeitsmodifizierer</a:t>
+            </a:r>
+            <a:r>
+              <a:rPr lang="de-CH" sz="1200" b="0" i="0" kern="1200" dirty="0" smtClean="0">
+                <a:solidFill>
+                  <a:schemeClr val="tx1"/>
+                </a:solidFill>
+                <a:effectLst/>
+                <a:latin typeface="+mn-lt"/>
+                <a:ea typeface="+mn-ea"/>
+                <a:cs typeface="+mn-cs"/>
+              </a:rPr>
+              <a:t>. Während es in Java 3 Schlüsselwörter für die Sichtbarkeit gibt, kann die Sichtbarkeit in Go durch Gross-/Kleinschreibung eingestellt werden. So kann ein Programmierer anhand des Methodennamens die Sichtbarkeit ablesen.</a:t>
+            </a:r>
+          </a:p>
+          <a:p>
+            <a:endParaRPr lang="de-CH" sz="1200" b="0" i="0" kern="1200" dirty="0" smtClean="0">
+              <a:solidFill>
+                <a:schemeClr val="tx1"/>
+              </a:solidFill>
+              <a:effectLst/>
+              <a:latin typeface="+mn-lt"/>
+              <a:ea typeface="+mn-ea"/>
+              <a:cs typeface="+mn-cs"/>
+            </a:endParaRPr>
+          </a:p>
+          <a:p>
+            <a:r>
+              <a:rPr lang="de-CH" sz="1200" b="0" i="0" kern="1200" dirty="0" smtClean="0">
+                <a:solidFill>
+                  <a:schemeClr val="tx1"/>
+                </a:solidFill>
+                <a:effectLst/>
+                <a:latin typeface="+mn-lt"/>
+                <a:ea typeface="+mn-ea"/>
+                <a:cs typeface="+mn-cs"/>
+              </a:rPr>
+              <a:t>Das Team würde Go für z.B. einen schnellen Backend-Service oder ein Command Line Tool verwenden. Für grössere Applikationen fehlt noch ein grosses Ökosystem wie z.B. bei Java.</a:t>
+            </a:r>
+          </a:p>
+          <a:p>
+            <a:endParaRPr lang="de-CH" dirty="0"/>
+          </a:p>
+        </p:txBody>
+      </p:sp>
+      <p:sp>
+        <p:nvSpPr>
+          <p:cNvPr id="4" name="Foliennummernplatzhalter 3"/>
+          <p:cNvSpPr>
+            <a:spLocks noGrp="1"/>
+          </p:cNvSpPr>
+          <p:nvPr>
+            <p:ph type="sldNum" sz="quarter" idx="10"/>
+          </p:nvPr>
+        </p:nvSpPr>
+        <p:spPr/>
+        <p:txBody>
+          <a:bodyPr/>
+          <a:lstStyle/>
+          <a:p>
+            <a:fld id="{38D935FE-0AED-45EC-81AF-74ACBED722AC}" type="slidenum">
+              <a:rPr lang="de-CH" smtClean="0"/>
+              <a:t>17</a:t>
+            </a:fld>
+            <a:endParaRPr lang="de-CH"/>
+          </a:p>
+        </p:txBody>
+      </p:sp>
+    </p:spTree>
+    <p:extLst>
+      <p:ext uri="{BB962C8B-B14F-4D97-AF65-F5344CB8AC3E}">
+        <p14:creationId xmlns:p14="http://schemas.microsoft.com/office/powerpoint/2010/main" val="1767075832"/>
+      </p:ext>
+    </p:extLst>
+  </p:cSld>
+  <p:clrMapOvr>
+    <a:masterClrMapping/>
+  </p:clrMapOvr>
+</p:notes>
+</file>
+
+<file path=ppt/notesSlides/notesSlide2.xml><?xml version="1.0" encoding="utf-8"?>
+<p:notes xmlns:a="http://schemas.openxmlformats.org/drawingml/2006/main" xmlns:r="http://schemas.openxmlformats.org/officeDocument/2006/relationships" xmlns:p="http://schemas.openxmlformats.org/presentationml/2006/main">
+  <p:cSld>
+    <p:spTree>
+      <p:nvGrpSpPr>
+        <p:cNvPr id="1" name=""/>
+        <p:cNvGrpSpPr/>
+        <p:nvPr/>
+      </p:nvGrpSpPr>
+      <p:grpSpPr>
+        <a:xfrm>
+          <a:off x="0" y="0"/>
+          <a:ext cx="0" cy="0"/>
+          <a:chOff x="0" y="0"/>
+          <a:chExt cx="0" cy="0"/>
+        </a:xfrm>
+      </p:grpSpPr>
+      <p:sp>
+        <p:nvSpPr>
+          <p:cNvPr id="2" name="Folienbildplatzhalter 1"/>
+          <p:cNvSpPr>
+            <a:spLocks noGrp="1" noRot="1" noChangeAspect="1"/>
+          </p:cNvSpPr>
+          <p:nvPr>
+            <p:ph type="sldImg"/>
+          </p:nvPr>
+        </p:nvSpPr>
+        <p:spPr/>
+      </p:sp>
+      <p:sp>
+        <p:nvSpPr>
+          <p:cNvPr id="3" name="Notizenplatzhalter 2"/>
+          <p:cNvSpPr>
+            <a:spLocks noGrp="1"/>
+          </p:cNvSpPr>
+          <p:nvPr>
+            <p:ph type="body" idx="1"/>
+          </p:nvPr>
+        </p:nvSpPr>
+        <p:spPr/>
+        <p:txBody>
+          <a:bodyPr/>
+          <a:lstStyle/>
+          <a:p>
+            <a:r>
+              <a:rPr lang="de-CH" dirty="0" smtClean="0"/>
+              <a:t>Go (Alex)</a:t>
+            </a:r>
+          </a:p>
+          <a:p>
+            <a:r>
+              <a:rPr lang="de-CH" dirty="0" smtClean="0"/>
+              <a:t>Themen</a:t>
+            </a:r>
+          </a:p>
+          <a:p>
+            <a:pPr lvl="1"/>
+            <a:r>
+              <a:rPr lang="de-CH" dirty="0" smtClean="0"/>
+              <a:t>Nicht klassenbasiertes OOP (Fabian)</a:t>
+            </a:r>
+          </a:p>
+          <a:p>
+            <a:pPr lvl="1"/>
+            <a:r>
+              <a:rPr lang="de-CH" dirty="0" smtClean="0"/>
+              <a:t>Slice (Fabian)</a:t>
+            </a:r>
+          </a:p>
+          <a:p>
+            <a:pPr lvl="1"/>
+            <a:r>
+              <a:rPr lang="de-CH" dirty="0" err="1" smtClean="0"/>
+              <a:t>Garbage</a:t>
+            </a:r>
+            <a:r>
+              <a:rPr lang="de-CH" dirty="0" smtClean="0"/>
+              <a:t> </a:t>
+            </a:r>
+            <a:r>
+              <a:rPr lang="de-CH" dirty="0" err="1" smtClean="0"/>
+              <a:t>Collector</a:t>
+            </a:r>
+            <a:r>
+              <a:rPr lang="de-CH" dirty="0" smtClean="0"/>
+              <a:t> (Alex)</a:t>
+            </a:r>
+          </a:p>
+          <a:p>
+            <a:r>
+              <a:rPr lang="de-CH" dirty="0" smtClean="0"/>
+              <a:t>Fazit (Alex)</a:t>
+            </a:r>
+          </a:p>
+          <a:p>
+            <a:endParaRPr lang="de-CH" dirty="0"/>
+          </a:p>
+        </p:txBody>
+      </p:sp>
+      <p:sp>
+        <p:nvSpPr>
+          <p:cNvPr id="4" name="Foliennummernplatzhalter 3"/>
+          <p:cNvSpPr>
+            <a:spLocks noGrp="1"/>
+          </p:cNvSpPr>
+          <p:nvPr>
+            <p:ph type="sldNum" sz="quarter" idx="10"/>
+          </p:nvPr>
+        </p:nvSpPr>
+        <p:spPr/>
+        <p:txBody>
+          <a:bodyPr/>
+          <a:lstStyle/>
+          <a:p>
+            <a:fld id="{38D935FE-0AED-45EC-81AF-74ACBED722AC}" type="slidenum">
+              <a:rPr lang="de-CH" smtClean="0"/>
+              <a:t>2</a:t>
+            </a:fld>
+            <a:endParaRPr lang="de-CH"/>
+          </a:p>
+        </p:txBody>
+      </p:sp>
+    </p:spTree>
+    <p:extLst>
+      <p:ext uri="{BB962C8B-B14F-4D97-AF65-F5344CB8AC3E}">
+        <p14:creationId xmlns:p14="http://schemas.microsoft.com/office/powerpoint/2010/main" val="3200382363"/>
+      </p:ext>
+    </p:extLst>
+  </p:cSld>
+  <p:clrMapOvr>
+    <a:masterClrMapping/>
+  </p:clrMapOvr>
+</p:notes>
+</file>
+
+<file path=ppt/notesSlides/notesSlide3.xml><?xml version="1.0" encoding="utf-8"?>
+<p:notes xmlns:a="http://schemas.openxmlformats.org/drawingml/2006/main" xmlns:r="http://schemas.openxmlformats.org/officeDocument/2006/relationships" xmlns:p="http://schemas.openxmlformats.org/presentationml/2006/main">
+  <p:cSld>
+    <p:spTree>
+      <p:nvGrpSpPr>
+        <p:cNvPr id="1" name=""/>
+        <p:cNvGrpSpPr/>
+        <p:nvPr/>
+      </p:nvGrpSpPr>
+      <p:grpSpPr>
+        <a:xfrm>
+          <a:off x="0" y="0"/>
+          <a:ext cx="0" cy="0"/>
+          <a:chOff x="0" y="0"/>
+          <a:chExt cx="0" cy="0"/>
+        </a:xfrm>
+      </p:grpSpPr>
+      <p:sp>
+        <p:nvSpPr>
+          <p:cNvPr id="2" name="Folienbildplatzhalter 1"/>
+          <p:cNvSpPr>
+            <a:spLocks noGrp="1" noRot="1" noChangeAspect="1"/>
+          </p:cNvSpPr>
+          <p:nvPr>
+            <p:ph type="sldImg"/>
+          </p:nvPr>
+        </p:nvSpPr>
+        <p:spPr/>
+      </p:sp>
+      <p:sp>
+        <p:nvSpPr>
+          <p:cNvPr id="3" name="Notizenplatzhalter 2"/>
+          <p:cNvSpPr>
+            <a:spLocks noGrp="1"/>
+          </p:cNvSpPr>
+          <p:nvPr>
+            <p:ph type="body" idx="1"/>
+          </p:nvPr>
+        </p:nvSpPr>
+        <p:spPr/>
+        <p:txBody>
+          <a:bodyPr/>
+          <a:lstStyle/>
+          <a:p>
+            <a:pPr marL="0" marR="0" indent="0" algn="l" defTabSz="914400" rtl="0" eaLnBrk="1" fontAlgn="auto" latinLnBrk="0" hangingPunct="1">
+              <a:lnSpc>
+                <a:spcPct val="100000"/>
+              </a:lnSpc>
+              <a:spcBef>
+                <a:spcPts val="0"/>
+              </a:spcBef>
+              <a:spcAft>
+                <a:spcPts val="0"/>
+              </a:spcAft>
+              <a:buClrTx/>
+              <a:buSzTx/>
+              <a:buFontTx/>
+              <a:buNone/>
+              <a:tabLst/>
+              <a:defRPr/>
+            </a:pPr>
+            <a:r>
+              <a:rPr lang="en-US" i="1" dirty="0" smtClean="0"/>
+              <a:t>Rob Pike</a:t>
+            </a:r>
+            <a:r>
+              <a:rPr lang="en-US" i="1" baseline="0" dirty="0" smtClean="0"/>
+              <a:t>: </a:t>
+            </a:r>
+            <a:r>
+              <a:rPr lang="de-CH" sz="1200" b="0" i="0" kern="1200" dirty="0" smtClean="0">
+                <a:solidFill>
+                  <a:schemeClr val="tx1"/>
+                </a:solidFill>
+                <a:effectLst/>
+                <a:latin typeface="+mn-lt"/>
+                <a:ea typeface="+mn-ea"/>
+                <a:cs typeface="+mn-cs"/>
+              </a:rPr>
+              <a:t>Pike ist verheiratet und arbeitet derzeit für </a:t>
+            </a:r>
+            <a:r>
+              <a:rPr lang="de-CH" sz="1200" b="0" i="0" u="none" strike="noStrike" kern="1200" dirty="0" smtClean="0">
+                <a:solidFill>
+                  <a:schemeClr val="tx1"/>
+                </a:solidFill>
+                <a:effectLst/>
+                <a:latin typeface="+mn-lt"/>
+                <a:ea typeface="+mn-ea"/>
+                <a:cs typeface="+mn-cs"/>
+                <a:hlinkClick r:id="rId3" tooltip="Google Inc."/>
+              </a:rPr>
+              <a:t>Google Inc.</a:t>
+            </a:r>
+            <a:r>
+              <a:rPr lang="de-CH" sz="1200" b="0" i="0" kern="1200" dirty="0" smtClean="0">
+                <a:solidFill>
+                  <a:schemeClr val="tx1"/>
+                </a:solidFill>
+                <a:effectLst/>
+                <a:latin typeface="+mn-lt"/>
+                <a:ea typeface="+mn-ea"/>
+                <a:cs typeface="+mn-cs"/>
+              </a:rPr>
+              <a:t>, wo er sich der Entwicklung der Programmiersprache </a:t>
+            </a:r>
+            <a:r>
+              <a:rPr lang="de-CH" sz="1200" b="0" i="0" u="none" strike="noStrike" kern="1200" dirty="0" smtClean="0">
+                <a:solidFill>
+                  <a:schemeClr val="tx1"/>
+                </a:solidFill>
+                <a:effectLst/>
+                <a:latin typeface="+mn-lt"/>
+                <a:ea typeface="+mn-ea"/>
+                <a:cs typeface="+mn-cs"/>
+                <a:hlinkClick r:id="rId4" tooltip="Go (Programmiersprache)"/>
+              </a:rPr>
+              <a:t>Go</a:t>
+            </a:r>
+            <a:r>
+              <a:rPr lang="de-CH" sz="1200" b="0" i="0" kern="1200" dirty="0" smtClean="0">
+                <a:solidFill>
+                  <a:schemeClr val="tx1"/>
+                </a:solidFill>
+                <a:effectLst/>
+                <a:latin typeface="+mn-lt"/>
+                <a:ea typeface="+mn-ea"/>
+                <a:cs typeface="+mn-cs"/>
+              </a:rPr>
+              <a:t> widmet</a:t>
+            </a:r>
+            <a:r>
+              <a:rPr lang="de-CH" sz="1200" b="0" i="0" u="none" strike="noStrike" kern="1200" baseline="30000" dirty="0" smtClean="0">
+                <a:solidFill>
+                  <a:schemeClr val="tx1"/>
+                </a:solidFill>
+                <a:effectLst/>
+                <a:latin typeface="+mn-lt"/>
+                <a:ea typeface="+mn-ea"/>
+                <a:cs typeface="+mn-cs"/>
+                <a:hlinkClick r:id="rId5"/>
+              </a:rPr>
+              <a:t>[2]</a:t>
+            </a:r>
+            <a:r>
+              <a:rPr lang="de-CH" sz="1200" b="0" i="0" kern="1200" dirty="0" smtClean="0">
+                <a:solidFill>
+                  <a:schemeClr val="tx1"/>
+                </a:solidFill>
+                <a:effectLst/>
+                <a:latin typeface="+mn-lt"/>
+                <a:ea typeface="+mn-ea"/>
+                <a:cs typeface="+mn-cs"/>
+              </a:rPr>
+              <a:t>.</a:t>
+            </a:r>
+          </a:p>
+          <a:p>
+            <a:pPr marL="0" marR="0" indent="0" algn="l" defTabSz="914400" rtl="0" eaLnBrk="1" fontAlgn="auto" latinLnBrk="0" hangingPunct="1">
+              <a:lnSpc>
+                <a:spcPct val="100000"/>
+              </a:lnSpc>
+              <a:spcBef>
+                <a:spcPts val="0"/>
+              </a:spcBef>
+              <a:spcAft>
+                <a:spcPts val="0"/>
+              </a:spcAft>
+              <a:buClrTx/>
+              <a:buSzTx/>
+              <a:buFontTx/>
+              <a:buNone/>
+              <a:tabLst/>
+              <a:defRPr/>
+            </a:pPr>
+            <a:endParaRPr lang="de-CH" sz="1200" b="0" i="0" kern="1200" dirty="0" smtClean="0">
+              <a:solidFill>
+                <a:schemeClr val="tx1"/>
+              </a:solidFill>
+              <a:effectLst/>
+              <a:latin typeface="+mn-lt"/>
+              <a:ea typeface="+mn-ea"/>
+              <a:cs typeface="+mn-cs"/>
+            </a:endParaRPr>
+          </a:p>
+          <a:p>
+            <a:pPr marL="0" marR="0" indent="0" algn="l" defTabSz="914400" rtl="0" eaLnBrk="1" fontAlgn="auto" latinLnBrk="0" hangingPunct="1">
+              <a:lnSpc>
+                <a:spcPct val="100000"/>
+              </a:lnSpc>
+              <a:spcBef>
+                <a:spcPts val="0"/>
+              </a:spcBef>
+              <a:spcAft>
+                <a:spcPts val="0"/>
+              </a:spcAft>
+              <a:buClrTx/>
+              <a:buSzTx/>
+              <a:buFontTx/>
+              <a:buNone/>
+              <a:tabLst/>
+              <a:defRPr/>
+            </a:pPr>
+            <a:endParaRPr lang="en-US" i="1" dirty="0" smtClean="0"/>
+          </a:p>
+          <a:p>
+            <a:pPr marL="0" marR="0" indent="0" algn="l" defTabSz="914400" rtl="0" eaLnBrk="1" fontAlgn="auto" latinLnBrk="0" hangingPunct="1">
+              <a:lnSpc>
+                <a:spcPct val="100000"/>
+              </a:lnSpc>
+              <a:spcBef>
+                <a:spcPts val="0"/>
+              </a:spcBef>
+              <a:spcAft>
+                <a:spcPts val="0"/>
+              </a:spcAft>
+              <a:buClrTx/>
+              <a:buSzTx/>
+              <a:buFontTx/>
+              <a:buNone/>
+              <a:tabLst/>
+              <a:defRPr/>
+            </a:pPr>
+            <a:r>
+              <a:rPr lang="en-US" i="1" dirty="0" smtClean="0"/>
+              <a:t>Google </a:t>
+            </a:r>
+            <a:r>
+              <a:rPr lang="en-US" i="1" dirty="0" err="1" smtClean="0"/>
+              <a:t>selber</a:t>
+            </a:r>
+            <a:r>
+              <a:rPr lang="en-US" i="1" dirty="0" smtClean="0"/>
+              <a:t> </a:t>
+            </a:r>
+            <a:r>
+              <a:rPr lang="en-US" i="1" dirty="0" err="1" smtClean="0"/>
+              <a:t>bezeichnet</a:t>
+            </a:r>
+            <a:r>
+              <a:rPr lang="en-US" i="1" dirty="0" smtClean="0"/>
+              <a:t> </a:t>
+            </a:r>
+            <a:r>
+              <a:rPr lang="en-US" i="1" dirty="0" err="1" smtClean="0"/>
+              <a:t>es</a:t>
+            </a:r>
+            <a:r>
+              <a:rPr lang="en-US" i="1" dirty="0" smtClean="0"/>
+              <a:t> </a:t>
+            </a:r>
+            <a:r>
+              <a:rPr lang="en-US" i="1" dirty="0" err="1" smtClean="0"/>
+              <a:t>nicht</a:t>
+            </a:r>
+            <a:r>
+              <a:rPr lang="en-US" i="1" dirty="0" smtClean="0"/>
+              <a:t> </a:t>
+            </a:r>
+            <a:r>
+              <a:rPr lang="en-US" i="1" dirty="0" err="1" smtClean="0"/>
+              <a:t>als</a:t>
+            </a:r>
+            <a:r>
+              <a:rPr lang="en-US" i="1" dirty="0" smtClean="0"/>
+              <a:t> </a:t>
+            </a:r>
+            <a:r>
+              <a:rPr lang="en-US" i="1" dirty="0" err="1" smtClean="0"/>
+              <a:t>bahnbrechende</a:t>
+            </a:r>
+            <a:r>
+              <a:rPr lang="en-US" i="1" dirty="0" smtClean="0"/>
+              <a:t> </a:t>
+            </a:r>
+            <a:r>
+              <a:rPr lang="en-US" i="1" dirty="0" err="1" smtClean="0"/>
+              <a:t>neue</a:t>
+            </a:r>
+            <a:r>
+              <a:rPr lang="en-US" i="1" dirty="0" smtClean="0"/>
+              <a:t> </a:t>
+            </a:r>
+            <a:r>
+              <a:rPr lang="en-US" i="1" dirty="0" err="1" smtClean="0"/>
+              <a:t>Sprache</a:t>
+            </a:r>
+            <a:r>
+              <a:rPr lang="en-US" i="1" dirty="0" smtClean="0"/>
+              <a:t>. </a:t>
+            </a:r>
+            <a:r>
+              <a:rPr lang="en-US" i="1" dirty="0" err="1" smtClean="0"/>
+              <a:t>Es</a:t>
+            </a:r>
+            <a:r>
+              <a:rPr lang="en-US" i="1" dirty="0" smtClean="0"/>
+              <a:t> </a:t>
+            </a:r>
+            <a:r>
+              <a:rPr lang="en-US" i="1" dirty="0" err="1" smtClean="0"/>
+              <a:t>adressiert</a:t>
+            </a:r>
+            <a:r>
+              <a:rPr lang="en-US" i="1" dirty="0" smtClean="0"/>
+              <a:t> die </a:t>
+            </a:r>
+            <a:r>
+              <a:rPr lang="en-US" i="1" dirty="0" err="1" smtClean="0"/>
+              <a:t>Entwicklung</a:t>
+            </a:r>
+            <a:r>
+              <a:rPr lang="en-US" i="1" dirty="0" smtClean="0"/>
+              <a:t> grosser Software-</a:t>
+            </a:r>
+            <a:r>
+              <a:rPr lang="en-US" i="1" dirty="0" err="1" smtClean="0"/>
+              <a:t>Projetke</a:t>
+            </a:r>
+            <a:r>
+              <a:rPr lang="en-US" i="1" dirty="0" smtClean="0"/>
+              <a:t>.</a:t>
+            </a:r>
+          </a:p>
+          <a:p>
+            <a:endParaRPr lang="de-CH" dirty="0" smtClean="0"/>
+          </a:p>
+          <a:p>
+            <a:endParaRPr lang="de-CH" dirty="0" smtClean="0"/>
+          </a:p>
+          <a:p>
+            <a:r>
+              <a:rPr lang="de-CH" dirty="0" smtClean="0"/>
+              <a:t>Big</a:t>
+            </a:r>
+          </a:p>
+          <a:p>
+            <a:pPr marL="171450" indent="-171450">
+              <a:buFontTx/>
+              <a:buChar char="-"/>
+            </a:pPr>
+            <a:r>
+              <a:rPr lang="de-CH" dirty="0" smtClean="0"/>
+              <a:t>Big Hardware, Big Software</a:t>
+            </a:r>
+          </a:p>
+          <a:p>
+            <a:pPr marL="171450" indent="-171450">
+              <a:buFontTx/>
+              <a:buChar char="-"/>
+            </a:pPr>
+            <a:r>
+              <a:rPr lang="de-CH" dirty="0" smtClean="0"/>
+              <a:t>Mehrere</a:t>
+            </a:r>
+            <a:r>
+              <a:rPr lang="de-CH" baseline="0" dirty="0" smtClean="0"/>
+              <a:t> Millionen Zeilen an Code (C++, Java, Python)</a:t>
+            </a:r>
+          </a:p>
+          <a:p>
+            <a:pPr marL="171450" indent="-171450">
+              <a:buFontTx/>
+              <a:buChar char="-"/>
+            </a:pPr>
+            <a:r>
+              <a:rPr lang="de-CH" baseline="0" dirty="0" smtClean="0"/>
+              <a:t>Tausende von Ingenieuren</a:t>
+            </a:r>
+          </a:p>
+          <a:p>
+            <a:pPr marL="171450" indent="-171450">
+              <a:buFontTx/>
+              <a:buChar char="-"/>
+            </a:pPr>
+            <a:endParaRPr lang="de-CH" baseline="0" dirty="0" smtClean="0"/>
+          </a:p>
+          <a:p>
+            <a:pPr marL="171450" indent="-171450">
+              <a:buFontTx/>
+              <a:buChar char="-"/>
+            </a:pPr>
+            <a:endParaRPr lang="de-CH" dirty="0" smtClean="0"/>
+          </a:p>
+          <a:p>
+            <a:pPr marL="0" indent="0">
+              <a:buFontTx/>
+              <a:buNone/>
+            </a:pPr>
+            <a:r>
+              <a:rPr lang="en-US" sz="1200" b="0" i="0" kern="1200" dirty="0" smtClean="0">
+                <a:solidFill>
+                  <a:schemeClr val="tx1"/>
+                </a:solidFill>
+                <a:effectLst/>
+                <a:latin typeface="+mn-lt"/>
+                <a:ea typeface="+mn-ea"/>
+                <a:cs typeface="+mn-cs"/>
+              </a:rPr>
+              <a:t>In short, development at Google is big, can be slow, and is often clumsy. But it </a:t>
+            </a:r>
+            <a:r>
+              <a:rPr lang="en-US" sz="1200" b="0" i="1" kern="1200" dirty="0" smtClean="0">
+                <a:solidFill>
+                  <a:schemeClr val="tx1"/>
+                </a:solidFill>
+                <a:effectLst/>
+                <a:latin typeface="+mn-lt"/>
+                <a:ea typeface="+mn-ea"/>
+                <a:cs typeface="+mn-cs"/>
+              </a:rPr>
+              <a:t>is</a:t>
+            </a:r>
+            <a:r>
+              <a:rPr lang="en-US" sz="1200" b="0" i="0" kern="1200" dirty="0" smtClean="0">
+                <a:solidFill>
+                  <a:schemeClr val="tx1"/>
+                </a:solidFill>
+                <a:effectLst/>
+                <a:latin typeface="+mn-lt"/>
+                <a:ea typeface="+mn-ea"/>
+                <a:cs typeface="+mn-cs"/>
+              </a:rPr>
+              <a:t> effective.</a:t>
+            </a:r>
+          </a:p>
+          <a:p>
+            <a:pPr marL="0" indent="0">
+              <a:buFontTx/>
+              <a:buNone/>
+            </a:pPr>
+            <a:r>
+              <a:rPr lang="de-CH" dirty="0" smtClean="0"/>
+              <a:t>Kurz gesagt, ist die Entwicklung bei Google groß, kann langsam sein, und ist oft ungeschickt. Es ist jedoch effektiv.</a:t>
+            </a:r>
+          </a:p>
+          <a:p>
+            <a:pPr marL="0" indent="0">
+              <a:buFontTx/>
+              <a:buNone/>
+            </a:pPr>
+            <a:endParaRPr lang="de-CH" dirty="0" smtClean="0"/>
+          </a:p>
+          <a:p>
+            <a:pPr marL="0" indent="0">
+              <a:buFontTx/>
+              <a:buNone/>
+            </a:pPr>
+            <a:r>
+              <a:rPr lang="en-US" sz="1200" b="0" i="0" kern="1200" dirty="0" smtClean="0">
+                <a:solidFill>
+                  <a:schemeClr val="tx1"/>
+                </a:solidFill>
+                <a:effectLst/>
+                <a:latin typeface="+mn-lt"/>
+                <a:ea typeface="+mn-ea"/>
+                <a:cs typeface="+mn-cs"/>
+              </a:rPr>
+              <a:t>The goals of the Go project were to eliminate the slowness and clumsiness of software development at Google, and thereby to make the process more productive and scalable. The language was designed by and for people who write—and read and debug and maintain—large software systems.</a:t>
+            </a:r>
+            <a:endParaRPr lang="de-CH" dirty="0" smtClean="0"/>
+          </a:p>
+        </p:txBody>
+      </p:sp>
+      <p:sp>
+        <p:nvSpPr>
+          <p:cNvPr id="4" name="Foliennummernplatzhalter 3"/>
+          <p:cNvSpPr>
+            <a:spLocks noGrp="1"/>
+          </p:cNvSpPr>
+          <p:nvPr>
+            <p:ph type="sldNum" sz="quarter" idx="10"/>
+          </p:nvPr>
+        </p:nvSpPr>
+        <p:spPr/>
+        <p:txBody>
+          <a:bodyPr/>
+          <a:lstStyle/>
+          <a:p>
+            <a:fld id="{38D935FE-0AED-45EC-81AF-74ACBED722AC}" type="slidenum">
+              <a:rPr lang="de-CH" smtClean="0"/>
+              <a:t>3</a:t>
+            </a:fld>
+            <a:endParaRPr lang="de-CH"/>
+          </a:p>
+        </p:txBody>
+      </p:sp>
+    </p:spTree>
+    <p:extLst>
+      <p:ext uri="{BB962C8B-B14F-4D97-AF65-F5344CB8AC3E}">
+        <p14:creationId xmlns:p14="http://schemas.microsoft.com/office/powerpoint/2010/main" val="1785782625"/>
+      </p:ext>
+    </p:extLst>
+  </p:cSld>
+  <p:clrMapOvr>
+    <a:masterClrMapping/>
+  </p:clrMapOvr>
+</p:notes>
+</file>
+
+<file path=ppt/notesSlides/notesSlide4.xml><?xml version="1.0" encoding="utf-8"?>
+<p:notes xmlns:a="http://schemas.openxmlformats.org/drawingml/2006/main" xmlns:r="http://schemas.openxmlformats.org/officeDocument/2006/relationships" xmlns:p="http://schemas.openxmlformats.org/presentationml/2006/main">
+  <p:cSld>
+    <p:spTree>
+      <p:nvGrpSpPr>
+        <p:cNvPr id="1" name=""/>
+        <p:cNvGrpSpPr/>
+        <p:nvPr/>
+      </p:nvGrpSpPr>
+      <p:grpSpPr>
+        <a:xfrm>
+          <a:off x="0" y="0"/>
+          <a:ext cx="0" cy="0"/>
+          <a:chOff x="0" y="0"/>
+          <a:chExt cx="0" cy="0"/>
+        </a:xfrm>
+      </p:grpSpPr>
+      <p:sp>
+        <p:nvSpPr>
+          <p:cNvPr id="2" name="Folienbildplatzhalter 1"/>
+          <p:cNvSpPr>
+            <a:spLocks noGrp="1" noRot="1" noChangeAspect="1"/>
+          </p:cNvSpPr>
+          <p:nvPr>
+            <p:ph type="sldImg"/>
+          </p:nvPr>
+        </p:nvSpPr>
+        <p:spPr/>
+      </p:sp>
+      <p:sp>
+        <p:nvSpPr>
+          <p:cNvPr id="3" name="Notizenplatzhalter 2"/>
+          <p:cNvSpPr>
+            <a:spLocks noGrp="1"/>
+          </p:cNvSpPr>
+          <p:nvPr>
+            <p:ph type="body" idx="1"/>
+          </p:nvPr>
+        </p:nvSpPr>
+        <p:spPr/>
+        <p:txBody>
+          <a:bodyPr/>
+          <a:lstStyle/>
+          <a:p>
+            <a:r>
+              <a:rPr lang="de-CH" dirty="0" smtClean="0"/>
+              <a:t>Typenmodell</a:t>
+            </a:r>
+          </a:p>
+          <a:p>
+            <a:pPr lvl="1"/>
+            <a:r>
+              <a:rPr lang="de-CH" dirty="0" smtClean="0"/>
+              <a:t>Starke Typisierung zur Kompilierzeit</a:t>
+            </a:r>
+          </a:p>
+          <a:p>
+            <a:pPr lvl="1"/>
+            <a:endParaRPr lang="de-CH" dirty="0" smtClean="0"/>
+          </a:p>
+          <a:p>
+            <a:r>
+              <a:rPr lang="de-CH" dirty="0" smtClean="0"/>
+              <a:t>Haupt-Programmiermodell</a:t>
+            </a:r>
+          </a:p>
+          <a:p>
+            <a:pPr lvl="1"/>
+            <a:r>
+              <a:rPr lang="de-CH" dirty="0" smtClean="0"/>
+              <a:t>Imperativ</a:t>
+            </a:r>
+          </a:p>
+          <a:p>
+            <a:pPr lvl="1"/>
+            <a:r>
+              <a:rPr lang="de-CH" dirty="0" smtClean="0"/>
+              <a:t>Objektorientierte Programmierung möglich, aber ohne Klassen!</a:t>
+            </a:r>
+          </a:p>
+          <a:p>
+            <a:pPr lvl="1"/>
+            <a:endParaRPr lang="de-CH" dirty="0" smtClean="0"/>
+          </a:p>
+          <a:p>
+            <a:r>
+              <a:rPr lang="de-CH" dirty="0" smtClean="0"/>
+              <a:t>Wie laufen Go-Programme ab?</a:t>
+            </a:r>
+          </a:p>
+          <a:p>
+            <a:pPr lvl="1"/>
+            <a:r>
+              <a:rPr lang="de-CH" dirty="0" smtClean="0"/>
+              <a:t>Go-Programme werden für das jeweilige Zielsystem zu einer ausführbaren Datei kompiliert (native).</a:t>
+            </a:r>
+          </a:p>
+          <a:p>
+            <a:pPr lvl="1"/>
+            <a:r>
+              <a:rPr lang="de-CH" dirty="0" smtClean="0"/>
+              <a:t>Mehrere Threads (Go-</a:t>
+            </a:r>
+            <a:r>
+              <a:rPr lang="de-CH" dirty="0" err="1" smtClean="0"/>
+              <a:t>Runtime</a:t>
+            </a:r>
+            <a:r>
+              <a:rPr lang="de-CH" dirty="0" smtClean="0"/>
+              <a:t>)</a:t>
+            </a:r>
+          </a:p>
+          <a:p>
+            <a:pPr lvl="1"/>
+            <a:endParaRPr lang="de-CH" dirty="0" smtClean="0"/>
+          </a:p>
+          <a:p>
+            <a:r>
+              <a:rPr lang="de-CH" dirty="0" smtClean="0"/>
+              <a:t>Was sind wichtige </a:t>
+            </a:r>
+            <a:r>
+              <a:rPr lang="de-CH" dirty="0" err="1" smtClean="0"/>
+              <a:t>Entscheidungskonstrukte</a:t>
+            </a:r>
+            <a:r>
+              <a:rPr lang="de-CH" dirty="0" smtClean="0"/>
+              <a:t>?</a:t>
+            </a:r>
+          </a:p>
+          <a:p>
+            <a:pPr lvl="1"/>
+            <a:r>
+              <a:rPr lang="de-CH" dirty="0" smtClean="0"/>
+              <a:t>Ähnlich wie in C, aber bei den Schleifen nur </a:t>
+            </a:r>
+            <a:r>
+              <a:rPr lang="de-CH" i="1" dirty="0" err="1" smtClean="0"/>
+              <a:t>for</a:t>
+            </a:r>
+            <a:endParaRPr lang="de-CH" dirty="0" smtClean="0"/>
+          </a:p>
+          <a:p>
+            <a:pPr lvl="1"/>
+            <a:r>
+              <a:rPr lang="de-CH" i="1" dirty="0" smtClean="0"/>
+              <a:t>Switch</a:t>
+            </a:r>
+            <a:r>
+              <a:rPr lang="de-CH" dirty="0" smtClean="0"/>
+              <a:t>-Anweisung ist flexibler und mit </a:t>
+            </a:r>
+            <a:r>
+              <a:rPr lang="de-CH" i="1" dirty="0" smtClean="0"/>
+              <a:t>Select</a:t>
+            </a:r>
+            <a:r>
+              <a:rPr lang="de-CH" dirty="0" smtClean="0"/>
+              <a:t> ein Spezial-Switch für </a:t>
+            </a:r>
+            <a:r>
+              <a:rPr lang="de-CH" dirty="0" err="1" smtClean="0"/>
+              <a:t>Concurrency</a:t>
+            </a:r>
+            <a:endParaRPr lang="de-CH" dirty="0" smtClean="0"/>
+          </a:p>
+          <a:p>
+            <a:pPr lvl="1"/>
+            <a:endParaRPr lang="de-CH" dirty="0" smtClean="0"/>
+          </a:p>
+          <a:p>
+            <a:r>
+              <a:rPr lang="de-CH" dirty="0" smtClean="0"/>
+              <a:t>Was sind die wichtigsten Datenstrukturen</a:t>
+            </a:r>
+          </a:p>
+          <a:p>
+            <a:pPr lvl="1"/>
+            <a:r>
+              <a:rPr lang="de-CH" dirty="0" smtClean="0"/>
+              <a:t>Arrays, Slice, </a:t>
+            </a:r>
+            <a:r>
+              <a:rPr lang="de-CH" dirty="0" err="1" smtClean="0"/>
+              <a:t>Maps</a:t>
+            </a:r>
+            <a:r>
+              <a:rPr lang="de-CH" dirty="0" smtClean="0"/>
+              <a:t>, </a:t>
+            </a:r>
+            <a:r>
+              <a:rPr lang="de-CH" dirty="0" err="1" smtClean="0"/>
+              <a:t>Structs</a:t>
+            </a:r>
+            <a:endParaRPr lang="de-CH" dirty="0" smtClean="0"/>
+          </a:p>
+        </p:txBody>
+      </p:sp>
+      <p:sp>
+        <p:nvSpPr>
+          <p:cNvPr id="4" name="Foliennummernplatzhalter 3"/>
+          <p:cNvSpPr>
+            <a:spLocks noGrp="1"/>
+          </p:cNvSpPr>
+          <p:nvPr>
+            <p:ph type="sldNum" sz="quarter" idx="10"/>
+          </p:nvPr>
+        </p:nvSpPr>
+        <p:spPr/>
+        <p:txBody>
+          <a:bodyPr/>
+          <a:lstStyle/>
+          <a:p>
+            <a:fld id="{38D935FE-0AED-45EC-81AF-74ACBED722AC}" type="slidenum">
+              <a:rPr lang="de-CH" smtClean="0"/>
+              <a:t>4</a:t>
+            </a:fld>
+            <a:endParaRPr lang="de-CH"/>
+          </a:p>
+        </p:txBody>
+      </p:sp>
+    </p:spTree>
+    <p:extLst>
+      <p:ext uri="{BB962C8B-B14F-4D97-AF65-F5344CB8AC3E}">
+        <p14:creationId xmlns:p14="http://schemas.microsoft.com/office/powerpoint/2010/main" val="2410950230"/>
+      </p:ext>
+    </p:extLst>
+  </p:cSld>
+  <p:clrMapOvr>
+    <a:masterClrMapping/>
+  </p:clrMapOvr>
+</p:notes>
+</file>
+
+<file path=ppt/notesSlides/notesSlide5.xml><?xml version="1.0" encoding="utf-8"?>
+<p:notes xmlns:a="http://schemas.openxmlformats.org/drawingml/2006/main" xmlns:r="http://schemas.openxmlformats.org/officeDocument/2006/relationships" xmlns:p="http://schemas.openxmlformats.org/presentationml/2006/main">
+  <p:cSld>
+    <p:spTree>
+      <p:nvGrpSpPr>
+        <p:cNvPr id="1" name=""/>
+        <p:cNvGrpSpPr/>
+        <p:nvPr/>
+      </p:nvGrpSpPr>
+      <p:grpSpPr>
+        <a:xfrm>
+          <a:off x="0" y="0"/>
+          <a:ext cx="0" cy="0"/>
+          <a:chOff x="0" y="0"/>
+          <a:chExt cx="0" cy="0"/>
+        </a:xfrm>
+      </p:grpSpPr>
+      <p:sp>
+        <p:nvSpPr>
+          <p:cNvPr id="2" name="Folienbildplatzhalter 1"/>
+          <p:cNvSpPr>
+            <a:spLocks noGrp="1" noRot="1" noChangeAspect="1"/>
+          </p:cNvSpPr>
+          <p:nvPr>
+            <p:ph type="sldImg"/>
+          </p:nvPr>
+        </p:nvSpPr>
+        <p:spPr/>
+      </p:sp>
+      <p:sp>
+        <p:nvSpPr>
+          <p:cNvPr id="3" name="Notizenplatzhalter 2"/>
+          <p:cNvSpPr>
+            <a:spLocks noGrp="1"/>
+          </p:cNvSpPr>
+          <p:nvPr>
+            <p:ph type="body" idx="1"/>
+          </p:nvPr>
+        </p:nvSpPr>
+        <p:spPr/>
+        <p:txBody>
+          <a:bodyPr/>
+          <a:lstStyle/>
+          <a:p>
+            <a:pPr marL="171450" indent="-171450">
+              <a:buFontTx/>
+              <a:buChar char="-"/>
+            </a:pPr>
+            <a:r>
+              <a:rPr lang="de-CH" dirty="0" smtClean="0"/>
+              <a:t>Bei</a:t>
+            </a:r>
+            <a:r>
+              <a:rPr lang="de-CH" baseline="0" dirty="0" smtClean="0"/>
+              <a:t> Systemnahen Programmiersprachen muss die Speicherverwaltung von Hand gemacht werden (C)</a:t>
+            </a:r>
+          </a:p>
+          <a:p>
+            <a:pPr marL="171450" indent="-171450">
+              <a:buFontTx/>
+              <a:buChar char="-"/>
+            </a:pPr>
+            <a:r>
+              <a:rPr lang="de-CH" baseline="0" dirty="0" smtClean="0"/>
+              <a:t>Problem: Bei der Entwicklung alle ok, in der Produktion </a:t>
+            </a:r>
+            <a:r>
+              <a:rPr lang="de-CH" baseline="0" dirty="0" err="1" smtClean="0"/>
+              <a:t>fehler</a:t>
+            </a:r>
+            <a:endParaRPr lang="de-CH" baseline="0" dirty="0" smtClean="0"/>
+          </a:p>
+          <a:p>
+            <a:pPr marL="171450" indent="-171450">
+              <a:buFontTx/>
+              <a:buChar char="-"/>
+            </a:pPr>
+            <a:endParaRPr lang="de-CH" baseline="0" dirty="0" smtClean="0"/>
+          </a:p>
+          <a:p>
+            <a:pPr marL="171450" indent="-171450">
+              <a:buFontTx/>
+              <a:buChar char="-"/>
+            </a:pPr>
+            <a:r>
+              <a:rPr lang="de-CH" baseline="0" dirty="0" smtClean="0"/>
+              <a:t>Daher kommt gibt es in vielen Programmiersprachen eine </a:t>
+            </a:r>
+            <a:r>
+              <a:rPr lang="de-CH" baseline="0" dirty="0" err="1" smtClean="0"/>
+              <a:t>Garbage</a:t>
+            </a:r>
+            <a:r>
+              <a:rPr lang="de-CH" baseline="0" dirty="0" smtClean="0"/>
+              <a:t> Collection (Automatische Speicherbereinigung)</a:t>
+            </a:r>
+          </a:p>
+          <a:p>
+            <a:pPr marL="171450" indent="-171450">
+              <a:buFontTx/>
+              <a:buChar char="-"/>
+            </a:pPr>
+            <a:r>
+              <a:rPr lang="de-CH" baseline="0" dirty="0" smtClean="0"/>
+              <a:t>Programm, welches selber im Hintergrund, nach nicht mehr referenzierten Speicher sucht</a:t>
+            </a:r>
+          </a:p>
+          <a:p>
+            <a:pPr marL="171450" indent="-171450">
+              <a:buFontTx/>
+              <a:buChar char="-"/>
+            </a:pPr>
+            <a:endParaRPr lang="de-CH" baseline="0" dirty="0" smtClean="0"/>
+          </a:p>
+          <a:p>
+            <a:pPr marL="171450" indent="-171450">
+              <a:buFontTx/>
+              <a:buChar char="-"/>
+            </a:pPr>
+            <a:r>
+              <a:rPr lang="de-CH" baseline="0" dirty="0" smtClean="0"/>
+              <a:t>+ Entwickler muss weniger Aufwand betreiben</a:t>
+            </a:r>
+          </a:p>
+          <a:p>
+            <a:pPr marL="171450" indent="-171450">
+              <a:buFontTx/>
+              <a:buChar char="-"/>
+            </a:pPr>
+            <a:r>
+              <a:rPr lang="de-CH" baseline="0" dirty="0" smtClean="0"/>
+              <a:t>- Die </a:t>
+            </a:r>
+            <a:r>
+              <a:rPr lang="de-CH" baseline="0" dirty="0" err="1" smtClean="0"/>
+              <a:t>Gargabe</a:t>
+            </a:r>
+            <a:r>
+              <a:rPr lang="de-CH" baseline="0" dirty="0" smtClean="0"/>
+              <a:t> Collection ist oft auch teuer</a:t>
+            </a:r>
+          </a:p>
+          <a:p>
+            <a:pPr marL="171450" indent="-171450">
+              <a:buFontTx/>
+              <a:buChar char="-"/>
+            </a:pPr>
+            <a:endParaRPr lang="de-CH" baseline="0" dirty="0" smtClean="0"/>
+          </a:p>
+          <a:p>
+            <a:pPr marL="171450" indent="-171450">
+              <a:buFontTx/>
+              <a:buChar char="-"/>
+            </a:pPr>
+            <a:endParaRPr lang="de-CH" baseline="0" dirty="0" smtClean="0"/>
+          </a:p>
+          <a:p>
+            <a:pPr marL="171450" indent="-171450">
+              <a:buFontTx/>
+              <a:buChar char="-"/>
+            </a:pPr>
+            <a:r>
+              <a:rPr lang="de-CH" baseline="0" dirty="0" smtClean="0"/>
+              <a:t>Auch Go hat eine </a:t>
+            </a:r>
+            <a:r>
+              <a:rPr lang="de-CH" baseline="0" dirty="0" err="1" smtClean="0"/>
+              <a:t>Garbage</a:t>
+            </a:r>
+            <a:r>
+              <a:rPr lang="de-CH" baseline="0" dirty="0" smtClean="0"/>
+              <a:t> Collection</a:t>
+            </a:r>
+          </a:p>
+          <a:p>
+            <a:pPr marL="171450" indent="-171450">
+              <a:buFontTx/>
+              <a:buChar char="-"/>
+            </a:pPr>
+            <a:endParaRPr lang="de-CH" baseline="0" dirty="0" smtClean="0"/>
+          </a:p>
+          <a:p>
+            <a:pPr marL="171450" indent="-171450">
+              <a:buFontTx/>
+              <a:buChar char="-"/>
+            </a:pPr>
+            <a:endParaRPr lang="de-CH" baseline="0" dirty="0" smtClean="0"/>
+          </a:p>
+          <a:p>
+            <a:pPr marL="171450" indent="-171450">
+              <a:buFontTx/>
+              <a:buChar char="-"/>
+            </a:pPr>
+            <a:r>
+              <a:rPr lang="de-CH" baseline="0" dirty="0" err="1" smtClean="0"/>
+              <a:t>Sweep</a:t>
+            </a:r>
+            <a:r>
+              <a:rPr lang="de-CH" baseline="0" dirty="0" smtClean="0"/>
+              <a:t> (fegen, streichen, kehren)</a:t>
+            </a:r>
+          </a:p>
+          <a:p>
+            <a:pPr marL="171450" indent="-171450">
+              <a:buFontTx/>
+              <a:buChar char="-"/>
+            </a:pPr>
+            <a:endParaRPr lang="de-CH" baseline="0" dirty="0" smtClean="0"/>
+          </a:p>
+        </p:txBody>
+      </p:sp>
+      <p:sp>
+        <p:nvSpPr>
+          <p:cNvPr id="4" name="Foliennummernplatzhalter 3"/>
+          <p:cNvSpPr>
+            <a:spLocks noGrp="1"/>
+          </p:cNvSpPr>
+          <p:nvPr>
+            <p:ph type="sldNum" sz="quarter" idx="10"/>
+          </p:nvPr>
+        </p:nvSpPr>
+        <p:spPr/>
+        <p:txBody>
+          <a:bodyPr/>
+          <a:lstStyle/>
+          <a:p>
+            <a:fld id="{38D935FE-0AED-45EC-81AF-74ACBED722AC}" type="slidenum">
+              <a:rPr lang="de-CH" smtClean="0"/>
+              <a:t>9</a:t>
+            </a:fld>
+            <a:endParaRPr lang="de-CH"/>
+          </a:p>
+        </p:txBody>
+      </p:sp>
+    </p:spTree>
+    <p:extLst>
+      <p:ext uri="{BB962C8B-B14F-4D97-AF65-F5344CB8AC3E}">
+        <p14:creationId xmlns:p14="http://schemas.microsoft.com/office/powerpoint/2010/main" val="733028900"/>
+      </p:ext>
+    </p:extLst>
+  </p:cSld>
+  <p:clrMapOvr>
+    <a:masterClrMapping/>
+  </p:clrMapOvr>
+</p:notes>
+</file>
+
+<file path=ppt/notesSlides/notesSlide6.xml><?xml version="1.0" encoding="utf-8"?>
+<p:notes xmlns:a="http://schemas.openxmlformats.org/drawingml/2006/main" xmlns:r="http://schemas.openxmlformats.org/officeDocument/2006/relationships" xmlns:p="http://schemas.openxmlformats.org/presentationml/2006/main">
+  <p:cSld>
+    <p:spTree>
+      <p:nvGrpSpPr>
+        <p:cNvPr id="1" name=""/>
+        <p:cNvGrpSpPr/>
+        <p:nvPr/>
+      </p:nvGrpSpPr>
+      <p:grpSpPr>
+        <a:xfrm>
+          <a:off x="0" y="0"/>
+          <a:ext cx="0" cy="0"/>
+          <a:chOff x="0" y="0"/>
+          <a:chExt cx="0" cy="0"/>
+        </a:xfrm>
+      </p:grpSpPr>
+      <p:sp>
+        <p:nvSpPr>
+          <p:cNvPr id="2" name="Folienbildplatzhalter 1"/>
+          <p:cNvSpPr>
+            <a:spLocks noGrp="1" noRot="1" noChangeAspect="1"/>
+          </p:cNvSpPr>
+          <p:nvPr>
+            <p:ph type="sldImg"/>
+          </p:nvPr>
+        </p:nvSpPr>
+        <p:spPr/>
+      </p:sp>
+      <p:sp>
+        <p:nvSpPr>
+          <p:cNvPr id="3" name="Notizenplatzhalter 2"/>
+          <p:cNvSpPr>
+            <a:spLocks noGrp="1"/>
+          </p:cNvSpPr>
+          <p:nvPr>
+            <p:ph type="body" idx="1"/>
+          </p:nvPr>
+        </p:nvSpPr>
+        <p:spPr/>
+        <p:txBody>
+          <a:bodyPr/>
+          <a:lstStyle/>
+          <a:p>
+            <a:pPr marL="0" indent="0">
+              <a:buFontTx/>
+              <a:buNone/>
+            </a:pPr>
+            <a:r>
+              <a:rPr lang="de-CH" sz="1200" b="0" i="0" kern="1200" dirty="0" smtClean="0">
+                <a:solidFill>
+                  <a:schemeClr val="tx1"/>
+                </a:solidFill>
+                <a:effectLst/>
+                <a:latin typeface="+mn-lt"/>
+                <a:ea typeface="+mn-ea"/>
+                <a:cs typeface="+mn-cs"/>
+              </a:rPr>
+              <a:t>-</a:t>
+            </a:r>
+            <a:r>
+              <a:rPr lang="de-CH" sz="1200" b="0" i="0" kern="1200" baseline="0" dirty="0" smtClean="0">
+                <a:solidFill>
+                  <a:schemeClr val="tx1"/>
+                </a:solidFill>
+                <a:effectLst/>
+                <a:latin typeface="+mn-lt"/>
+                <a:ea typeface="+mn-ea"/>
+                <a:cs typeface="+mn-cs"/>
+              </a:rPr>
+              <a:t> </a:t>
+            </a:r>
+            <a:r>
+              <a:rPr lang="de-CH" sz="1200" b="0" i="0" kern="1200" dirty="0" smtClean="0">
+                <a:solidFill>
+                  <a:schemeClr val="tx1"/>
+                </a:solidFill>
+                <a:effectLst/>
+                <a:latin typeface="+mn-lt"/>
+                <a:ea typeface="+mn-ea"/>
+                <a:cs typeface="+mn-cs"/>
+              </a:rPr>
+              <a:t>Beim diesem Algorithmus können Objekte die Farben Weiss, Grau und Schwarz (</a:t>
+            </a:r>
+            <a:r>
+              <a:rPr lang="de-CH" sz="1200" b="0" i="1" kern="1200" dirty="0" err="1" smtClean="0">
+                <a:solidFill>
+                  <a:schemeClr val="tx1"/>
+                </a:solidFill>
+                <a:effectLst/>
+                <a:latin typeface="+mn-lt"/>
+                <a:ea typeface="+mn-ea"/>
+                <a:cs typeface="+mn-cs"/>
+              </a:rPr>
+              <a:t>tri</a:t>
+            </a:r>
+            <a:r>
+              <a:rPr lang="de-CH" sz="1200" b="0" i="1" kern="1200" dirty="0" smtClean="0">
+                <a:solidFill>
+                  <a:schemeClr val="tx1"/>
+                </a:solidFill>
+                <a:effectLst/>
+                <a:latin typeface="+mn-lt"/>
+                <a:ea typeface="+mn-ea"/>
+                <a:cs typeface="+mn-cs"/>
+              </a:rPr>
+              <a:t>-color</a:t>
+            </a:r>
+            <a:r>
+              <a:rPr lang="de-CH" sz="1200" b="0" i="0" kern="1200" dirty="0" smtClean="0">
+                <a:solidFill>
+                  <a:schemeClr val="tx1"/>
+                </a:solidFill>
+                <a:effectLst/>
+                <a:latin typeface="+mn-lt"/>
+                <a:ea typeface="+mn-ea"/>
+                <a:cs typeface="+mn-cs"/>
+              </a:rPr>
+              <a:t>) haben. </a:t>
+            </a:r>
+          </a:p>
+          <a:p>
+            <a:pPr marL="0" indent="0">
+              <a:buFontTx/>
+              <a:buNone/>
+            </a:pPr>
+            <a:endParaRPr lang="de-CH" sz="1200" b="0" i="0" kern="1200" dirty="0" smtClean="0">
+              <a:solidFill>
+                <a:schemeClr val="tx1"/>
+              </a:solidFill>
+              <a:effectLst/>
+              <a:latin typeface="+mn-lt"/>
+              <a:ea typeface="+mn-ea"/>
+              <a:cs typeface="+mn-cs"/>
+            </a:endParaRPr>
+          </a:p>
+          <a:p>
+            <a:pPr marL="0" indent="0">
+              <a:buFontTx/>
+              <a:buNone/>
+            </a:pPr>
+            <a:endParaRPr lang="de-CH" sz="1200" b="0" i="0" kern="1200" dirty="0" smtClean="0">
+              <a:solidFill>
+                <a:schemeClr val="tx1"/>
+              </a:solidFill>
+              <a:effectLst/>
+              <a:latin typeface="+mn-lt"/>
+              <a:ea typeface="+mn-ea"/>
+              <a:cs typeface="+mn-cs"/>
+            </a:endParaRPr>
+          </a:p>
+          <a:p>
+            <a:pPr marL="228600" indent="-228600">
+              <a:buFontTx/>
+              <a:buAutoNum type="arabicPeriod"/>
+            </a:pPr>
+            <a:r>
+              <a:rPr lang="de-CH" sz="1200" b="0" i="0" kern="1200" dirty="0" smtClean="0">
+                <a:solidFill>
+                  <a:schemeClr val="tx1"/>
+                </a:solidFill>
+                <a:effectLst/>
+                <a:latin typeface="+mn-lt"/>
+                <a:ea typeface="+mn-ea"/>
+                <a:cs typeface="+mn-cs"/>
+              </a:rPr>
+              <a:t>Zu Beginn sind alle Objekte weiss</a:t>
+            </a:r>
+          </a:p>
+          <a:p>
+            <a:pPr marL="228600" indent="-228600">
+              <a:buFontTx/>
+              <a:buAutoNum type="arabicPeriod"/>
+            </a:pPr>
+            <a:endParaRPr lang="de-CH" sz="1200" b="0" i="0" kern="1200" dirty="0" smtClean="0">
+              <a:solidFill>
+                <a:schemeClr val="tx1"/>
+              </a:solidFill>
+              <a:effectLst/>
+              <a:latin typeface="+mn-lt"/>
+              <a:ea typeface="+mn-ea"/>
+              <a:cs typeface="+mn-cs"/>
+            </a:endParaRPr>
+          </a:p>
+          <a:p>
+            <a:pPr marL="228600" indent="-228600">
+              <a:buFontTx/>
+              <a:buAutoNum type="arabicPeriod"/>
+            </a:pPr>
+            <a:endParaRPr lang="de-CH" sz="1200" b="0" i="0" kern="1200" dirty="0" smtClean="0">
+              <a:solidFill>
+                <a:schemeClr val="tx1"/>
+              </a:solidFill>
+              <a:effectLst/>
+              <a:latin typeface="+mn-lt"/>
+              <a:ea typeface="+mn-ea"/>
+              <a:cs typeface="+mn-cs"/>
+            </a:endParaRPr>
+          </a:p>
+          <a:p>
+            <a:pPr marL="228600" indent="-228600">
+              <a:buFontTx/>
+              <a:buAutoNum type="arabicPeriod"/>
+            </a:pPr>
+            <a:r>
+              <a:rPr lang="de-CH" sz="1200" b="0" i="0" kern="1200" dirty="0" smtClean="0">
+                <a:solidFill>
+                  <a:schemeClr val="tx1"/>
+                </a:solidFill>
+                <a:effectLst/>
+                <a:latin typeface="+mn-lt"/>
+                <a:ea typeface="+mn-ea"/>
+                <a:cs typeface="+mn-cs"/>
+              </a:rPr>
+              <a:t>Der </a:t>
+            </a:r>
+            <a:r>
+              <a:rPr lang="de-CH" sz="1200" b="0" i="0" kern="1200" dirty="0" err="1" smtClean="0">
+                <a:solidFill>
+                  <a:schemeClr val="tx1"/>
+                </a:solidFill>
+                <a:effectLst/>
+                <a:latin typeface="+mn-lt"/>
+                <a:ea typeface="+mn-ea"/>
+                <a:cs typeface="+mn-cs"/>
+              </a:rPr>
+              <a:t>Garbage</a:t>
+            </a:r>
+            <a:r>
+              <a:rPr lang="de-CH" sz="1200" b="0" i="0" kern="1200" dirty="0" smtClean="0">
+                <a:solidFill>
+                  <a:schemeClr val="tx1"/>
+                </a:solidFill>
+                <a:effectLst/>
+                <a:latin typeface="+mn-lt"/>
+                <a:ea typeface="+mn-ea"/>
+                <a:cs typeface="+mn-cs"/>
+              </a:rPr>
+              <a:t> </a:t>
+            </a:r>
+            <a:r>
+              <a:rPr lang="de-CH" sz="1200" b="0" i="0" kern="1200" dirty="0" err="1" smtClean="0">
+                <a:solidFill>
+                  <a:schemeClr val="tx1"/>
+                </a:solidFill>
+                <a:effectLst/>
+                <a:latin typeface="+mn-lt"/>
+                <a:ea typeface="+mn-ea"/>
+                <a:cs typeface="+mn-cs"/>
+              </a:rPr>
+              <a:t>Collector</a:t>
+            </a:r>
+            <a:r>
+              <a:rPr lang="de-CH" sz="1200" b="0" i="0" kern="1200" dirty="0" smtClean="0">
+                <a:solidFill>
+                  <a:schemeClr val="tx1"/>
+                </a:solidFill>
+                <a:effectLst/>
+                <a:latin typeface="+mn-lt"/>
+                <a:ea typeface="+mn-ea"/>
+                <a:cs typeface="+mn-cs"/>
+              </a:rPr>
+              <a:t> holt sich jetzt die Root-Objekte z.B. aus dem Stack. Diese Objekte markiert (</a:t>
+            </a:r>
+            <a:r>
+              <a:rPr lang="de-CH" sz="1200" b="0" i="1" kern="1200" dirty="0" err="1" smtClean="0">
+                <a:solidFill>
+                  <a:schemeClr val="tx1"/>
+                </a:solidFill>
+                <a:effectLst/>
+                <a:latin typeface="+mn-lt"/>
+                <a:ea typeface="+mn-ea"/>
+                <a:cs typeface="+mn-cs"/>
+              </a:rPr>
+              <a:t>mark</a:t>
+            </a:r>
+            <a:r>
+              <a:rPr lang="de-CH" sz="1200" b="0" i="0" kern="1200" dirty="0" smtClean="0">
+                <a:solidFill>
+                  <a:schemeClr val="tx1"/>
+                </a:solidFill>
+                <a:effectLst/>
+                <a:latin typeface="+mn-lt"/>
+                <a:ea typeface="+mn-ea"/>
+                <a:cs typeface="+mn-cs"/>
+              </a:rPr>
+              <a:t>) er mit Grau.</a:t>
+            </a:r>
+          </a:p>
+          <a:p>
+            <a:pPr marL="228600" indent="-228600">
+              <a:buFontTx/>
+              <a:buAutoNum type="arabicPeriod"/>
+            </a:pPr>
+            <a:endParaRPr lang="de-CH" sz="1200" b="0" i="0" kern="1200" dirty="0" smtClean="0">
+              <a:solidFill>
+                <a:schemeClr val="tx1"/>
+              </a:solidFill>
+              <a:effectLst/>
+              <a:latin typeface="+mn-lt"/>
+              <a:ea typeface="+mn-ea"/>
+              <a:cs typeface="+mn-cs"/>
+            </a:endParaRPr>
+          </a:p>
+          <a:p>
+            <a:pPr marL="0" indent="0">
+              <a:buFontTx/>
+              <a:buNone/>
+            </a:pPr>
+            <a:r>
+              <a:rPr lang="de-CH" sz="1200" b="0" i="0" kern="1200" dirty="0" smtClean="0">
+                <a:solidFill>
+                  <a:schemeClr val="tx1"/>
+                </a:solidFill>
+                <a:effectLst/>
+                <a:latin typeface="+mn-lt"/>
+                <a:ea typeface="+mn-ea"/>
+                <a:cs typeface="+mn-cs"/>
+              </a:rPr>
+              <a:t>Danach wählt er ein Objekt zur weiteren Verfolgung aus und markiert dieses Schwarz. Jetzt folgt er den Referenzen des schwarzen Objekts und sobald er ein weisses findet, färbt er dieses Grau. Dieser Vorgang wird so lange wiederholt bis keine grauen Objekte mehr vorhanden sind. Danach können alle weissen Objekte entfernt (</a:t>
+            </a:r>
+            <a:r>
+              <a:rPr lang="de-CH" sz="1200" b="0" i="1" kern="1200" dirty="0" err="1" smtClean="0">
+                <a:solidFill>
+                  <a:schemeClr val="tx1"/>
+                </a:solidFill>
+                <a:effectLst/>
+                <a:latin typeface="+mn-lt"/>
+                <a:ea typeface="+mn-ea"/>
+                <a:cs typeface="+mn-cs"/>
+              </a:rPr>
+              <a:t>sweep</a:t>
+            </a:r>
+            <a:r>
+              <a:rPr lang="de-CH" sz="1200" b="0" i="0" kern="1200" dirty="0" smtClean="0">
+                <a:solidFill>
+                  <a:schemeClr val="tx1"/>
+                </a:solidFill>
+                <a:effectLst/>
+                <a:latin typeface="+mn-lt"/>
+                <a:ea typeface="+mn-ea"/>
+                <a:cs typeface="+mn-cs"/>
+              </a:rPr>
+              <a:t>) werden.</a:t>
+            </a:r>
+            <a:endParaRPr lang="de-CH" baseline="0" dirty="0" smtClean="0"/>
+          </a:p>
+        </p:txBody>
+      </p:sp>
+      <p:sp>
+        <p:nvSpPr>
+          <p:cNvPr id="4" name="Foliennummernplatzhalter 3"/>
+          <p:cNvSpPr>
+            <a:spLocks noGrp="1"/>
+          </p:cNvSpPr>
+          <p:nvPr>
+            <p:ph type="sldNum" sz="quarter" idx="10"/>
+          </p:nvPr>
+        </p:nvSpPr>
+        <p:spPr/>
+        <p:txBody>
+          <a:bodyPr/>
+          <a:lstStyle/>
+          <a:p>
+            <a:fld id="{38D935FE-0AED-45EC-81AF-74ACBED722AC}" type="slidenum">
+              <a:rPr lang="de-CH" smtClean="0"/>
+              <a:t>10</a:t>
+            </a:fld>
+            <a:endParaRPr lang="de-CH"/>
+          </a:p>
+        </p:txBody>
+      </p:sp>
+    </p:spTree>
+    <p:extLst>
+      <p:ext uri="{BB962C8B-B14F-4D97-AF65-F5344CB8AC3E}">
+        <p14:creationId xmlns:p14="http://schemas.microsoft.com/office/powerpoint/2010/main" val="2324743499"/>
+      </p:ext>
+    </p:extLst>
+  </p:cSld>
+  <p:clrMapOvr>
+    <a:masterClrMapping/>
+  </p:clrMapOvr>
+</p:notes>
+</file>
+
+<file path=ppt/notesSlides/notesSlide7.xml><?xml version="1.0" encoding="utf-8"?>
+<p:notes xmlns:a="http://schemas.openxmlformats.org/drawingml/2006/main" xmlns:r="http://schemas.openxmlformats.org/officeDocument/2006/relationships" xmlns:p="http://schemas.openxmlformats.org/presentationml/2006/main">
+  <p:cSld>
+    <p:spTree>
+      <p:nvGrpSpPr>
+        <p:cNvPr id="1" name=""/>
+        <p:cNvGrpSpPr/>
+        <p:nvPr/>
+      </p:nvGrpSpPr>
+      <p:grpSpPr>
+        <a:xfrm>
+          <a:off x="0" y="0"/>
+          <a:ext cx="0" cy="0"/>
+          <a:chOff x="0" y="0"/>
+          <a:chExt cx="0" cy="0"/>
+        </a:xfrm>
+      </p:grpSpPr>
+      <p:sp>
+        <p:nvSpPr>
+          <p:cNvPr id="2" name="Folienbildplatzhalter 1"/>
+          <p:cNvSpPr>
+            <a:spLocks noGrp="1" noRot="1" noChangeAspect="1"/>
+          </p:cNvSpPr>
+          <p:nvPr>
+            <p:ph type="sldImg"/>
+          </p:nvPr>
+        </p:nvSpPr>
+        <p:spPr/>
+      </p:sp>
+      <p:sp>
+        <p:nvSpPr>
+          <p:cNvPr id="3" name="Notizenplatzhalter 2"/>
+          <p:cNvSpPr>
+            <a:spLocks noGrp="1"/>
+          </p:cNvSpPr>
+          <p:nvPr>
+            <p:ph type="body" idx="1"/>
+          </p:nvPr>
+        </p:nvSpPr>
+        <p:spPr/>
+        <p:txBody>
+          <a:bodyPr/>
+          <a:lstStyle/>
+          <a:p>
+            <a:pPr marL="0" indent="0">
+              <a:buFontTx/>
+              <a:buNone/>
+            </a:pPr>
+            <a:r>
+              <a:rPr lang="de-CH" sz="1200" b="0" i="0" kern="1200" dirty="0" smtClean="0">
+                <a:solidFill>
+                  <a:schemeClr val="tx1"/>
+                </a:solidFill>
+                <a:effectLst/>
+                <a:latin typeface="+mn-lt"/>
+                <a:ea typeface="+mn-ea"/>
+                <a:cs typeface="+mn-cs"/>
+              </a:rPr>
+              <a:t>-</a:t>
+            </a:r>
+            <a:r>
+              <a:rPr lang="de-CH" sz="1200" b="0" i="0" kern="1200" baseline="0" dirty="0" smtClean="0">
+                <a:solidFill>
+                  <a:schemeClr val="tx1"/>
+                </a:solidFill>
+                <a:effectLst/>
+                <a:latin typeface="+mn-lt"/>
+                <a:ea typeface="+mn-ea"/>
+                <a:cs typeface="+mn-cs"/>
+              </a:rPr>
+              <a:t> </a:t>
+            </a:r>
+            <a:r>
+              <a:rPr lang="de-CH" sz="1200" b="0" i="0" kern="1200" dirty="0" smtClean="0">
+                <a:solidFill>
+                  <a:schemeClr val="tx1"/>
+                </a:solidFill>
+                <a:effectLst/>
+                <a:latin typeface="+mn-lt"/>
+                <a:ea typeface="+mn-ea"/>
+                <a:cs typeface="+mn-cs"/>
+              </a:rPr>
+              <a:t>Beim diesem Algorithmus können Objekte die Farben Weiss, Grau und Schwarz (</a:t>
+            </a:r>
+            <a:r>
+              <a:rPr lang="de-CH" sz="1200" b="0" i="1" kern="1200" dirty="0" err="1" smtClean="0">
+                <a:solidFill>
+                  <a:schemeClr val="tx1"/>
+                </a:solidFill>
+                <a:effectLst/>
+                <a:latin typeface="+mn-lt"/>
+                <a:ea typeface="+mn-ea"/>
+                <a:cs typeface="+mn-cs"/>
+              </a:rPr>
+              <a:t>tri</a:t>
+            </a:r>
+            <a:r>
+              <a:rPr lang="de-CH" sz="1200" b="0" i="1" kern="1200" dirty="0" smtClean="0">
+                <a:solidFill>
+                  <a:schemeClr val="tx1"/>
+                </a:solidFill>
+                <a:effectLst/>
+                <a:latin typeface="+mn-lt"/>
+                <a:ea typeface="+mn-ea"/>
+                <a:cs typeface="+mn-cs"/>
+              </a:rPr>
+              <a:t>-color</a:t>
+            </a:r>
+            <a:r>
+              <a:rPr lang="de-CH" sz="1200" b="0" i="0" kern="1200" dirty="0" smtClean="0">
+                <a:solidFill>
+                  <a:schemeClr val="tx1"/>
+                </a:solidFill>
+                <a:effectLst/>
+                <a:latin typeface="+mn-lt"/>
+                <a:ea typeface="+mn-ea"/>
+                <a:cs typeface="+mn-cs"/>
+              </a:rPr>
+              <a:t>) haben. </a:t>
+            </a:r>
+          </a:p>
+          <a:p>
+            <a:pPr marL="0" indent="0">
+              <a:buFontTx/>
+              <a:buNone/>
+            </a:pPr>
+            <a:endParaRPr lang="de-CH" sz="1200" b="0" i="0" kern="1200" dirty="0" smtClean="0">
+              <a:solidFill>
+                <a:schemeClr val="tx1"/>
+              </a:solidFill>
+              <a:effectLst/>
+              <a:latin typeface="+mn-lt"/>
+              <a:ea typeface="+mn-ea"/>
+              <a:cs typeface="+mn-cs"/>
+            </a:endParaRPr>
+          </a:p>
+          <a:p>
+            <a:pPr marL="0" indent="0">
+              <a:buFontTx/>
+              <a:buNone/>
+            </a:pPr>
+            <a:endParaRPr lang="de-CH" sz="1200" b="0" i="0" kern="1200" dirty="0" smtClean="0">
+              <a:solidFill>
+                <a:schemeClr val="tx1"/>
+              </a:solidFill>
+              <a:effectLst/>
+              <a:latin typeface="+mn-lt"/>
+              <a:ea typeface="+mn-ea"/>
+              <a:cs typeface="+mn-cs"/>
+            </a:endParaRPr>
+          </a:p>
+          <a:p>
+            <a:pPr marL="228600" indent="-228600">
+              <a:buFontTx/>
+              <a:buAutoNum type="arabicPeriod"/>
+            </a:pPr>
+            <a:r>
+              <a:rPr lang="de-CH" sz="1200" b="0" i="0" kern="1200" dirty="0" smtClean="0">
+                <a:solidFill>
+                  <a:schemeClr val="tx1"/>
+                </a:solidFill>
+                <a:effectLst/>
+                <a:latin typeface="+mn-lt"/>
+                <a:ea typeface="+mn-ea"/>
+                <a:cs typeface="+mn-cs"/>
+              </a:rPr>
+              <a:t>Zu Beginn sind alle Objekte weiss</a:t>
+            </a:r>
+          </a:p>
+          <a:p>
+            <a:pPr marL="228600" indent="-228600">
+              <a:buFontTx/>
+              <a:buAutoNum type="arabicPeriod"/>
+            </a:pPr>
+            <a:endParaRPr lang="de-CH" sz="1200" b="0" i="0" kern="1200" dirty="0" smtClean="0">
+              <a:solidFill>
+                <a:schemeClr val="tx1"/>
+              </a:solidFill>
+              <a:effectLst/>
+              <a:latin typeface="+mn-lt"/>
+              <a:ea typeface="+mn-ea"/>
+              <a:cs typeface="+mn-cs"/>
+            </a:endParaRPr>
+          </a:p>
+          <a:p>
+            <a:pPr marL="0" indent="0">
+              <a:buFontTx/>
+              <a:buNone/>
+            </a:pPr>
+            <a:r>
+              <a:rPr lang="de-CH" sz="1200" b="0" i="0" kern="1200" dirty="0" smtClean="0">
+                <a:solidFill>
+                  <a:schemeClr val="tx1"/>
+                </a:solidFill>
+                <a:effectLst/>
+                <a:latin typeface="+mn-lt"/>
+                <a:ea typeface="+mn-ea"/>
+                <a:cs typeface="+mn-cs"/>
+              </a:rPr>
+              <a:t>2.</a:t>
+            </a:r>
+            <a:r>
+              <a:rPr lang="de-CH" sz="1200" b="0" i="0" kern="1200" baseline="0" dirty="0" smtClean="0">
+                <a:solidFill>
+                  <a:schemeClr val="tx1"/>
+                </a:solidFill>
+                <a:effectLst/>
+                <a:latin typeface="+mn-lt"/>
+                <a:ea typeface="+mn-ea"/>
+                <a:cs typeface="+mn-cs"/>
+              </a:rPr>
+              <a:t> </a:t>
+            </a:r>
+            <a:r>
+              <a:rPr lang="de-CH" sz="1200" b="0" i="0" kern="1200" dirty="0" smtClean="0">
+                <a:solidFill>
+                  <a:schemeClr val="tx1"/>
+                </a:solidFill>
+                <a:effectLst/>
+                <a:latin typeface="+mn-lt"/>
+                <a:ea typeface="+mn-ea"/>
+                <a:cs typeface="+mn-cs"/>
+              </a:rPr>
+              <a:t>Der </a:t>
+            </a:r>
+            <a:r>
+              <a:rPr lang="de-CH" sz="1200" b="0" i="0" kern="1200" dirty="0" err="1" smtClean="0">
+                <a:solidFill>
+                  <a:schemeClr val="tx1"/>
+                </a:solidFill>
+                <a:effectLst/>
+                <a:latin typeface="+mn-lt"/>
+                <a:ea typeface="+mn-ea"/>
+                <a:cs typeface="+mn-cs"/>
+              </a:rPr>
+              <a:t>Garbage</a:t>
+            </a:r>
+            <a:r>
+              <a:rPr lang="de-CH" sz="1200" b="0" i="0" kern="1200" dirty="0" smtClean="0">
+                <a:solidFill>
+                  <a:schemeClr val="tx1"/>
+                </a:solidFill>
+                <a:effectLst/>
+                <a:latin typeface="+mn-lt"/>
+                <a:ea typeface="+mn-ea"/>
+                <a:cs typeface="+mn-cs"/>
+              </a:rPr>
+              <a:t> </a:t>
+            </a:r>
+            <a:r>
+              <a:rPr lang="de-CH" sz="1200" b="0" i="0" kern="1200" dirty="0" err="1" smtClean="0">
+                <a:solidFill>
+                  <a:schemeClr val="tx1"/>
+                </a:solidFill>
+                <a:effectLst/>
+                <a:latin typeface="+mn-lt"/>
+                <a:ea typeface="+mn-ea"/>
+                <a:cs typeface="+mn-cs"/>
+              </a:rPr>
+              <a:t>Collector</a:t>
+            </a:r>
+            <a:r>
+              <a:rPr lang="de-CH" sz="1200" b="0" i="0" kern="1200" dirty="0" smtClean="0">
+                <a:solidFill>
+                  <a:schemeClr val="tx1"/>
+                </a:solidFill>
+                <a:effectLst/>
+                <a:latin typeface="+mn-lt"/>
+                <a:ea typeface="+mn-ea"/>
+                <a:cs typeface="+mn-cs"/>
+              </a:rPr>
+              <a:t> holt sich jetzt die Root-Objekte z.B. aus dem Stack. Diese Objekte markiert (</a:t>
+            </a:r>
+            <a:r>
+              <a:rPr lang="de-CH" sz="1200" b="0" i="1" kern="1200" dirty="0" err="1" smtClean="0">
+                <a:solidFill>
+                  <a:schemeClr val="tx1"/>
+                </a:solidFill>
+                <a:effectLst/>
+                <a:latin typeface="+mn-lt"/>
+                <a:ea typeface="+mn-ea"/>
+                <a:cs typeface="+mn-cs"/>
+              </a:rPr>
+              <a:t>mark</a:t>
+            </a:r>
+            <a:r>
+              <a:rPr lang="de-CH" sz="1200" b="0" i="0" kern="1200" dirty="0" smtClean="0">
+                <a:solidFill>
+                  <a:schemeClr val="tx1"/>
+                </a:solidFill>
+                <a:effectLst/>
+                <a:latin typeface="+mn-lt"/>
+                <a:ea typeface="+mn-ea"/>
+                <a:cs typeface="+mn-cs"/>
+              </a:rPr>
+              <a:t>) er mit Grau.</a:t>
+            </a:r>
+          </a:p>
+          <a:p>
+            <a:pPr marL="228600" indent="-228600">
+              <a:buFontTx/>
+              <a:buAutoNum type="arabicPeriod"/>
+            </a:pPr>
+            <a:endParaRPr lang="de-CH" sz="1200" b="0" i="0" kern="1200" dirty="0" smtClean="0">
+              <a:solidFill>
+                <a:schemeClr val="tx1"/>
+              </a:solidFill>
+              <a:effectLst/>
+              <a:latin typeface="+mn-lt"/>
+              <a:ea typeface="+mn-ea"/>
+              <a:cs typeface="+mn-cs"/>
+            </a:endParaRPr>
+          </a:p>
+          <a:p>
+            <a:pPr marL="0" indent="0">
+              <a:buFontTx/>
+              <a:buNone/>
+            </a:pPr>
+            <a:r>
+              <a:rPr lang="de-CH" sz="1200" b="0" i="0" kern="1200" dirty="0" smtClean="0">
+                <a:solidFill>
+                  <a:schemeClr val="tx1"/>
+                </a:solidFill>
+                <a:effectLst/>
+                <a:latin typeface="+mn-lt"/>
+                <a:ea typeface="+mn-ea"/>
+                <a:cs typeface="+mn-cs"/>
+              </a:rPr>
+              <a:t>3. Danach wählt er ein Objekt zur weiteren Verfolgung aus und markiert dieses Schwarz.</a:t>
+            </a:r>
+          </a:p>
+          <a:p>
+            <a:pPr marL="0" indent="0">
+              <a:buFontTx/>
+              <a:buNone/>
+            </a:pPr>
+            <a:endParaRPr lang="de-CH" sz="1200" b="0" i="0" kern="1200" dirty="0" smtClean="0">
+              <a:solidFill>
+                <a:schemeClr val="tx1"/>
+              </a:solidFill>
+              <a:effectLst/>
+              <a:latin typeface="+mn-lt"/>
+              <a:ea typeface="+mn-ea"/>
+              <a:cs typeface="+mn-cs"/>
+            </a:endParaRPr>
+          </a:p>
+          <a:p>
+            <a:pPr marL="0" indent="0">
+              <a:buFontTx/>
+              <a:buNone/>
+            </a:pPr>
+            <a:endParaRPr lang="de-CH" sz="1200" b="0" i="0" kern="1200" dirty="0" smtClean="0">
+              <a:solidFill>
+                <a:schemeClr val="tx1"/>
+              </a:solidFill>
+              <a:effectLst/>
+              <a:latin typeface="+mn-lt"/>
+              <a:ea typeface="+mn-ea"/>
+              <a:cs typeface="+mn-cs"/>
+            </a:endParaRPr>
+          </a:p>
+          <a:p>
+            <a:pPr marL="0" indent="0">
+              <a:buFontTx/>
+              <a:buNone/>
+            </a:pPr>
+            <a:endParaRPr lang="de-CH" sz="1200" b="0" i="0" kern="1200" dirty="0" smtClean="0">
+              <a:solidFill>
+                <a:schemeClr val="tx1"/>
+              </a:solidFill>
+              <a:effectLst/>
+              <a:latin typeface="+mn-lt"/>
+              <a:ea typeface="+mn-ea"/>
+              <a:cs typeface="+mn-cs"/>
+            </a:endParaRPr>
+          </a:p>
+          <a:p>
+            <a:pPr marL="0" indent="0">
+              <a:buFontTx/>
+              <a:buNone/>
+            </a:pPr>
+            <a:r>
+              <a:rPr lang="de-CH" sz="1200" b="0" i="0" kern="1200" dirty="0" smtClean="0">
+                <a:solidFill>
+                  <a:schemeClr val="tx1"/>
+                </a:solidFill>
+                <a:effectLst/>
+                <a:latin typeface="+mn-lt"/>
+                <a:ea typeface="+mn-ea"/>
+                <a:cs typeface="+mn-cs"/>
+              </a:rPr>
+              <a:t>Jetzt folgt er den Referenzen des schwarzen Objekts und sobald er ein weisses findet, färbt er dieses Grau. Dieser Vorgang wird so lange wiederholt bis keine grauen Objekte mehr vorhanden sind. Danach können alle weissen Objekte entfernt (</a:t>
+            </a:r>
+            <a:r>
+              <a:rPr lang="de-CH" sz="1200" b="0" i="1" kern="1200" dirty="0" err="1" smtClean="0">
+                <a:solidFill>
+                  <a:schemeClr val="tx1"/>
+                </a:solidFill>
+                <a:effectLst/>
+                <a:latin typeface="+mn-lt"/>
+                <a:ea typeface="+mn-ea"/>
+                <a:cs typeface="+mn-cs"/>
+              </a:rPr>
+              <a:t>sweep</a:t>
+            </a:r>
+            <a:r>
+              <a:rPr lang="de-CH" sz="1200" b="0" i="0" kern="1200" dirty="0" smtClean="0">
+                <a:solidFill>
+                  <a:schemeClr val="tx1"/>
+                </a:solidFill>
+                <a:effectLst/>
+                <a:latin typeface="+mn-lt"/>
+                <a:ea typeface="+mn-ea"/>
+                <a:cs typeface="+mn-cs"/>
+              </a:rPr>
+              <a:t>) werden.</a:t>
+            </a:r>
+            <a:endParaRPr lang="de-CH" baseline="0" dirty="0" smtClean="0"/>
+          </a:p>
+        </p:txBody>
+      </p:sp>
+      <p:sp>
+        <p:nvSpPr>
+          <p:cNvPr id="4" name="Foliennummernplatzhalter 3"/>
+          <p:cNvSpPr>
+            <a:spLocks noGrp="1"/>
+          </p:cNvSpPr>
+          <p:nvPr>
+            <p:ph type="sldNum" sz="quarter" idx="10"/>
+          </p:nvPr>
+        </p:nvSpPr>
+        <p:spPr/>
+        <p:txBody>
+          <a:bodyPr/>
+          <a:lstStyle/>
+          <a:p>
+            <a:fld id="{38D935FE-0AED-45EC-81AF-74ACBED722AC}" type="slidenum">
+              <a:rPr lang="de-CH" smtClean="0"/>
+              <a:t>11</a:t>
+            </a:fld>
+            <a:endParaRPr lang="de-CH"/>
+          </a:p>
+        </p:txBody>
+      </p:sp>
+    </p:spTree>
+    <p:extLst>
+      <p:ext uri="{BB962C8B-B14F-4D97-AF65-F5344CB8AC3E}">
+        <p14:creationId xmlns:p14="http://schemas.microsoft.com/office/powerpoint/2010/main" val="232420642"/>
+      </p:ext>
+    </p:extLst>
+  </p:cSld>
+  <p:clrMapOvr>
+    <a:masterClrMapping/>
+  </p:clrMapOvr>
+</p:notes>
+</file>
+
+<file path=ppt/notesSlides/notesSlide8.xml><?xml version="1.0" encoding="utf-8"?>
+<p:notes xmlns:a="http://schemas.openxmlformats.org/drawingml/2006/main" xmlns:r="http://schemas.openxmlformats.org/officeDocument/2006/relationships" xmlns:p="http://schemas.openxmlformats.org/presentationml/2006/main">
+  <p:cSld>
+    <p:spTree>
+      <p:nvGrpSpPr>
+        <p:cNvPr id="1" name=""/>
+        <p:cNvGrpSpPr/>
+        <p:nvPr/>
+      </p:nvGrpSpPr>
+      <p:grpSpPr>
+        <a:xfrm>
+          <a:off x="0" y="0"/>
+          <a:ext cx="0" cy="0"/>
+          <a:chOff x="0" y="0"/>
+          <a:chExt cx="0" cy="0"/>
+        </a:xfrm>
+      </p:grpSpPr>
+      <p:sp>
+        <p:nvSpPr>
+          <p:cNvPr id="2" name="Folienbildplatzhalter 1"/>
+          <p:cNvSpPr>
+            <a:spLocks noGrp="1" noRot="1" noChangeAspect="1"/>
+          </p:cNvSpPr>
+          <p:nvPr>
+            <p:ph type="sldImg"/>
+          </p:nvPr>
+        </p:nvSpPr>
+        <p:spPr/>
+      </p:sp>
+      <p:sp>
+        <p:nvSpPr>
+          <p:cNvPr id="3" name="Notizenplatzhalter 2"/>
+          <p:cNvSpPr>
+            <a:spLocks noGrp="1"/>
+          </p:cNvSpPr>
+          <p:nvPr>
+            <p:ph type="body" idx="1"/>
+          </p:nvPr>
+        </p:nvSpPr>
+        <p:spPr/>
+        <p:txBody>
+          <a:bodyPr/>
+          <a:lstStyle/>
+          <a:p>
+            <a:pPr marL="0" indent="0">
+              <a:buFontTx/>
+              <a:buNone/>
+            </a:pPr>
+            <a:r>
+              <a:rPr lang="de-CH" sz="1200" b="0" i="0" kern="1200" dirty="0" smtClean="0">
+                <a:solidFill>
+                  <a:schemeClr val="tx1"/>
+                </a:solidFill>
+                <a:effectLst/>
+                <a:latin typeface="+mn-lt"/>
+                <a:ea typeface="+mn-ea"/>
+                <a:cs typeface="+mn-cs"/>
+              </a:rPr>
+              <a:t>-</a:t>
+            </a:r>
+            <a:r>
+              <a:rPr lang="de-CH" sz="1200" b="0" i="0" kern="1200" baseline="0" dirty="0" smtClean="0">
+                <a:solidFill>
+                  <a:schemeClr val="tx1"/>
+                </a:solidFill>
+                <a:effectLst/>
+                <a:latin typeface="+mn-lt"/>
+                <a:ea typeface="+mn-ea"/>
+                <a:cs typeface="+mn-cs"/>
+              </a:rPr>
+              <a:t> </a:t>
+            </a:r>
+            <a:r>
+              <a:rPr lang="de-CH" sz="1200" b="0" i="0" kern="1200" dirty="0" smtClean="0">
+                <a:solidFill>
+                  <a:schemeClr val="tx1"/>
+                </a:solidFill>
+                <a:effectLst/>
+                <a:latin typeface="+mn-lt"/>
+                <a:ea typeface="+mn-ea"/>
+                <a:cs typeface="+mn-cs"/>
+              </a:rPr>
+              <a:t>Beim diesem Algorithmus können Objekte die Farben Weiss, Grau und Schwarz (</a:t>
+            </a:r>
+            <a:r>
+              <a:rPr lang="de-CH" sz="1200" b="0" i="1" kern="1200" dirty="0" err="1" smtClean="0">
+                <a:solidFill>
+                  <a:schemeClr val="tx1"/>
+                </a:solidFill>
+                <a:effectLst/>
+                <a:latin typeface="+mn-lt"/>
+                <a:ea typeface="+mn-ea"/>
+                <a:cs typeface="+mn-cs"/>
+              </a:rPr>
+              <a:t>tri</a:t>
+            </a:r>
+            <a:r>
+              <a:rPr lang="de-CH" sz="1200" b="0" i="1" kern="1200" dirty="0" smtClean="0">
+                <a:solidFill>
+                  <a:schemeClr val="tx1"/>
+                </a:solidFill>
+                <a:effectLst/>
+                <a:latin typeface="+mn-lt"/>
+                <a:ea typeface="+mn-ea"/>
+                <a:cs typeface="+mn-cs"/>
+              </a:rPr>
+              <a:t>-color</a:t>
+            </a:r>
+            <a:r>
+              <a:rPr lang="de-CH" sz="1200" b="0" i="0" kern="1200" dirty="0" smtClean="0">
+                <a:solidFill>
+                  <a:schemeClr val="tx1"/>
+                </a:solidFill>
+                <a:effectLst/>
+                <a:latin typeface="+mn-lt"/>
+                <a:ea typeface="+mn-ea"/>
+                <a:cs typeface="+mn-cs"/>
+              </a:rPr>
+              <a:t>) haben. </a:t>
+            </a:r>
+          </a:p>
+          <a:p>
+            <a:pPr marL="0" indent="0">
+              <a:buFontTx/>
+              <a:buNone/>
+            </a:pPr>
+            <a:endParaRPr lang="de-CH" sz="1200" b="0" i="0" kern="1200" dirty="0" smtClean="0">
+              <a:solidFill>
+                <a:schemeClr val="tx1"/>
+              </a:solidFill>
+              <a:effectLst/>
+              <a:latin typeface="+mn-lt"/>
+              <a:ea typeface="+mn-ea"/>
+              <a:cs typeface="+mn-cs"/>
+            </a:endParaRPr>
+          </a:p>
+          <a:p>
+            <a:pPr marL="0" indent="0">
+              <a:buFontTx/>
+              <a:buNone/>
+            </a:pPr>
+            <a:endParaRPr lang="de-CH" sz="1200" b="0" i="0" kern="1200" dirty="0" smtClean="0">
+              <a:solidFill>
+                <a:schemeClr val="tx1"/>
+              </a:solidFill>
+              <a:effectLst/>
+              <a:latin typeface="+mn-lt"/>
+              <a:ea typeface="+mn-ea"/>
+              <a:cs typeface="+mn-cs"/>
+            </a:endParaRPr>
+          </a:p>
+          <a:p>
+            <a:pPr marL="0" indent="0">
+              <a:buFontTx/>
+              <a:buNone/>
+            </a:pPr>
+            <a:r>
+              <a:rPr lang="de-CH" sz="1200" b="0" i="0" kern="1200" dirty="0" smtClean="0">
+                <a:solidFill>
+                  <a:schemeClr val="tx1"/>
+                </a:solidFill>
+                <a:effectLst/>
+                <a:latin typeface="+mn-lt"/>
+                <a:ea typeface="+mn-ea"/>
+                <a:cs typeface="+mn-cs"/>
+              </a:rPr>
+              <a:t>1.</a:t>
+            </a:r>
+            <a:r>
+              <a:rPr lang="de-CH" sz="1200" b="0" i="0" kern="1200" baseline="0" dirty="0" smtClean="0">
+                <a:solidFill>
+                  <a:schemeClr val="tx1"/>
+                </a:solidFill>
+                <a:effectLst/>
+                <a:latin typeface="+mn-lt"/>
+                <a:ea typeface="+mn-ea"/>
+                <a:cs typeface="+mn-cs"/>
+              </a:rPr>
+              <a:t> </a:t>
+            </a:r>
+            <a:r>
+              <a:rPr lang="de-CH" sz="1200" b="0" i="0" kern="1200" dirty="0" smtClean="0">
+                <a:solidFill>
+                  <a:schemeClr val="tx1"/>
+                </a:solidFill>
+                <a:effectLst/>
+                <a:latin typeface="+mn-lt"/>
+                <a:ea typeface="+mn-ea"/>
+                <a:cs typeface="+mn-cs"/>
+              </a:rPr>
+              <a:t>Zu Beginn sind alle Objekte weiss</a:t>
+            </a:r>
+          </a:p>
+          <a:p>
+            <a:pPr marL="228600" indent="-228600">
+              <a:buFontTx/>
+              <a:buAutoNum type="arabicPeriod"/>
+            </a:pPr>
+            <a:endParaRPr lang="de-CH" sz="1200" b="0" i="0" kern="1200" dirty="0" smtClean="0">
+              <a:solidFill>
+                <a:schemeClr val="tx1"/>
+              </a:solidFill>
+              <a:effectLst/>
+              <a:latin typeface="+mn-lt"/>
+              <a:ea typeface="+mn-ea"/>
+              <a:cs typeface="+mn-cs"/>
+            </a:endParaRPr>
+          </a:p>
+          <a:p>
+            <a:pPr marL="0" indent="0">
+              <a:buFontTx/>
+              <a:buNone/>
+            </a:pPr>
+            <a:r>
+              <a:rPr lang="de-CH" sz="1200" b="0" i="0" kern="1200" dirty="0" smtClean="0">
+                <a:solidFill>
+                  <a:schemeClr val="tx1"/>
+                </a:solidFill>
+                <a:effectLst/>
+                <a:latin typeface="+mn-lt"/>
+                <a:ea typeface="+mn-ea"/>
+                <a:cs typeface="+mn-cs"/>
+              </a:rPr>
+              <a:t>2.</a:t>
+            </a:r>
+            <a:r>
+              <a:rPr lang="de-CH" sz="1200" b="0" i="0" kern="1200" baseline="0" dirty="0" smtClean="0">
+                <a:solidFill>
+                  <a:schemeClr val="tx1"/>
+                </a:solidFill>
+                <a:effectLst/>
+                <a:latin typeface="+mn-lt"/>
+                <a:ea typeface="+mn-ea"/>
+                <a:cs typeface="+mn-cs"/>
+              </a:rPr>
+              <a:t> </a:t>
+            </a:r>
+            <a:r>
+              <a:rPr lang="de-CH" sz="1200" b="0" i="0" kern="1200" dirty="0" smtClean="0">
+                <a:solidFill>
+                  <a:schemeClr val="tx1"/>
+                </a:solidFill>
+                <a:effectLst/>
+                <a:latin typeface="+mn-lt"/>
+                <a:ea typeface="+mn-ea"/>
+                <a:cs typeface="+mn-cs"/>
+              </a:rPr>
+              <a:t>Der </a:t>
+            </a:r>
+            <a:r>
+              <a:rPr lang="de-CH" sz="1200" b="0" i="0" kern="1200" dirty="0" err="1" smtClean="0">
+                <a:solidFill>
+                  <a:schemeClr val="tx1"/>
+                </a:solidFill>
+                <a:effectLst/>
+                <a:latin typeface="+mn-lt"/>
+                <a:ea typeface="+mn-ea"/>
+                <a:cs typeface="+mn-cs"/>
+              </a:rPr>
+              <a:t>Garbage</a:t>
+            </a:r>
+            <a:r>
+              <a:rPr lang="de-CH" sz="1200" b="0" i="0" kern="1200" dirty="0" smtClean="0">
+                <a:solidFill>
+                  <a:schemeClr val="tx1"/>
+                </a:solidFill>
+                <a:effectLst/>
+                <a:latin typeface="+mn-lt"/>
+                <a:ea typeface="+mn-ea"/>
+                <a:cs typeface="+mn-cs"/>
+              </a:rPr>
+              <a:t> </a:t>
+            </a:r>
+            <a:r>
+              <a:rPr lang="de-CH" sz="1200" b="0" i="0" kern="1200" dirty="0" err="1" smtClean="0">
+                <a:solidFill>
+                  <a:schemeClr val="tx1"/>
+                </a:solidFill>
+                <a:effectLst/>
+                <a:latin typeface="+mn-lt"/>
+                <a:ea typeface="+mn-ea"/>
+                <a:cs typeface="+mn-cs"/>
+              </a:rPr>
+              <a:t>Collector</a:t>
+            </a:r>
+            <a:r>
+              <a:rPr lang="de-CH" sz="1200" b="0" i="0" kern="1200" dirty="0" smtClean="0">
+                <a:solidFill>
+                  <a:schemeClr val="tx1"/>
+                </a:solidFill>
+                <a:effectLst/>
+                <a:latin typeface="+mn-lt"/>
+                <a:ea typeface="+mn-ea"/>
+                <a:cs typeface="+mn-cs"/>
+              </a:rPr>
+              <a:t> holt sich jetzt die Root-Objekte z.B. aus dem Stack. Diese Objekte markiert (</a:t>
+            </a:r>
+            <a:r>
+              <a:rPr lang="de-CH" sz="1200" b="0" i="1" kern="1200" dirty="0" err="1" smtClean="0">
+                <a:solidFill>
+                  <a:schemeClr val="tx1"/>
+                </a:solidFill>
+                <a:effectLst/>
+                <a:latin typeface="+mn-lt"/>
+                <a:ea typeface="+mn-ea"/>
+                <a:cs typeface="+mn-cs"/>
+              </a:rPr>
+              <a:t>mark</a:t>
+            </a:r>
+            <a:r>
+              <a:rPr lang="de-CH" sz="1200" b="0" i="0" kern="1200" dirty="0" smtClean="0">
+                <a:solidFill>
+                  <a:schemeClr val="tx1"/>
+                </a:solidFill>
+                <a:effectLst/>
+                <a:latin typeface="+mn-lt"/>
+                <a:ea typeface="+mn-ea"/>
+                <a:cs typeface="+mn-cs"/>
+              </a:rPr>
+              <a:t>) er mit Grau.</a:t>
+            </a:r>
+          </a:p>
+          <a:p>
+            <a:pPr marL="228600" indent="-228600">
+              <a:buFontTx/>
+              <a:buAutoNum type="arabicPeriod"/>
+            </a:pPr>
+            <a:endParaRPr lang="de-CH" sz="1200" b="0" i="0" kern="1200" dirty="0" smtClean="0">
+              <a:solidFill>
+                <a:schemeClr val="tx1"/>
+              </a:solidFill>
+              <a:effectLst/>
+              <a:latin typeface="+mn-lt"/>
+              <a:ea typeface="+mn-ea"/>
+              <a:cs typeface="+mn-cs"/>
+            </a:endParaRPr>
+          </a:p>
+          <a:p>
+            <a:pPr marL="0" indent="0">
+              <a:buFontTx/>
+              <a:buNone/>
+            </a:pPr>
+            <a:r>
+              <a:rPr lang="de-CH" sz="1200" b="0" i="0" kern="1200" dirty="0" smtClean="0">
+                <a:solidFill>
+                  <a:schemeClr val="tx1"/>
+                </a:solidFill>
+                <a:effectLst/>
+                <a:latin typeface="+mn-lt"/>
+                <a:ea typeface="+mn-ea"/>
+                <a:cs typeface="+mn-cs"/>
+              </a:rPr>
+              <a:t>3. Danach wählt er ein Objekt zur weiteren Verfolgung aus und markiert dieses Schwarz.</a:t>
+            </a:r>
+          </a:p>
+          <a:p>
+            <a:pPr marL="0" indent="0">
+              <a:buFontTx/>
+              <a:buNone/>
+            </a:pPr>
+            <a:endParaRPr lang="de-CH" sz="1200" b="0" i="0" kern="1200" dirty="0" smtClean="0">
+              <a:solidFill>
+                <a:schemeClr val="tx1"/>
+              </a:solidFill>
+              <a:effectLst/>
+              <a:latin typeface="+mn-lt"/>
+              <a:ea typeface="+mn-ea"/>
+              <a:cs typeface="+mn-cs"/>
+            </a:endParaRPr>
+          </a:p>
+          <a:p>
+            <a:pPr marL="0" indent="0">
+              <a:buFontTx/>
+              <a:buNone/>
+            </a:pPr>
+            <a:r>
+              <a:rPr lang="de-CH" sz="1200" b="0" i="0" kern="1200" dirty="0" smtClean="0">
+                <a:solidFill>
+                  <a:schemeClr val="tx1"/>
+                </a:solidFill>
+                <a:effectLst/>
+                <a:latin typeface="+mn-lt"/>
+                <a:ea typeface="+mn-ea"/>
+                <a:cs typeface="+mn-cs"/>
+              </a:rPr>
+              <a:t>4.</a:t>
+            </a:r>
+            <a:r>
+              <a:rPr lang="de-CH" sz="1200" b="0" i="0" kern="1200" baseline="0" dirty="0" smtClean="0">
+                <a:solidFill>
+                  <a:schemeClr val="tx1"/>
+                </a:solidFill>
+                <a:effectLst/>
+                <a:latin typeface="+mn-lt"/>
+                <a:ea typeface="+mn-ea"/>
+                <a:cs typeface="+mn-cs"/>
+              </a:rPr>
+              <a:t> </a:t>
+            </a:r>
+            <a:r>
+              <a:rPr lang="de-CH" sz="1200" b="0" i="0" kern="1200" dirty="0" smtClean="0">
+                <a:solidFill>
+                  <a:schemeClr val="tx1"/>
+                </a:solidFill>
+                <a:effectLst/>
+                <a:latin typeface="+mn-lt"/>
+                <a:ea typeface="+mn-ea"/>
+                <a:cs typeface="+mn-cs"/>
+              </a:rPr>
+              <a:t>Jetzt folgt er den Referenzen des schwarzen Objekts und sobald er ein weisses findet, färbt er dieses Grau.</a:t>
+            </a:r>
+          </a:p>
+          <a:p>
+            <a:pPr marL="0" indent="0">
+              <a:buFontTx/>
+              <a:buNone/>
+            </a:pPr>
+            <a:endParaRPr lang="de-CH" sz="1200" b="0" i="0" kern="1200" dirty="0" smtClean="0">
+              <a:solidFill>
+                <a:schemeClr val="tx1"/>
+              </a:solidFill>
+              <a:effectLst/>
+              <a:latin typeface="+mn-lt"/>
+              <a:ea typeface="+mn-ea"/>
+              <a:cs typeface="+mn-cs"/>
+            </a:endParaRPr>
+          </a:p>
+          <a:p>
+            <a:pPr marL="0" indent="0">
+              <a:buFontTx/>
+              <a:buNone/>
+            </a:pPr>
+            <a:endParaRPr lang="de-CH" sz="1200" b="0" i="0" kern="1200" dirty="0" smtClean="0">
+              <a:solidFill>
+                <a:schemeClr val="tx1"/>
+              </a:solidFill>
+              <a:effectLst/>
+              <a:latin typeface="+mn-lt"/>
+              <a:ea typeface="+mn-ea"/>
+              <a:cs typeface="+mn-cs"/>
+            </a:endParaRPr>
+          </a:p>
+          <a:p>
+            <a:pPr marL="0" indent="0">
+              <a:buFontTx/>
+              <a:buNone/>
+            </a:pPr>
+            <a:r>
+              <a:rPr lang="de-CH" sz="1200" b="0" i="0" kern="1200" dirty="0" smtClean="0">
+                <a:solidFill>
+                  <a:schemeClr val="tx1"/>
+                </a:solidFill>
+                <a:effectLst/>
+                <a:latin typeface="+mn-lt"/>
+                <a:ea typeface="+mn-ea"/>
+                <a:cs typeface="+mn-cs"/>
+              </a:rPr>
+              <a:t>Dieser Vorgang wird so lange wiederholt bis keine grauen Objekte mehr vorhanden sind. Danach können alle weissen Objekte entfernt (</a:t>
+            </a:r>
+            <a:r>
+              <a:rPr lang="de-CH" sz="1200" b="0" i="1" kern="1200" dirty="0" err="1" smtClean="0">
+                <a:solidFill>
+                  <a:schemeClr val="tx1"/>
+                </a:solidFill>
+                <a:effectLst/>
+                <a:latin typeface="+mn-lt"/>
+                <a:ea typeface="+mn-ea"/>
+                <a:cs typeface="+mn-cs"/>
+              </a:rPr>
+              <a:t>sweep</a:t>
+            </a:r>
+            <a:r>
+              <a:rPr lang="de-CH" sz="1200" b="0" i="0" kern="1200" dirty="0" smtClean="0">
+                <a:solidFill>
+                  <a:schemeClr val="tx1"/>
+                </a:solidFill>
+                <a:effectLst/>
+                <a:latin typeface="+mn-lt"/>
+                <a:ea typeface="+mn-ea"/>
+                <a:cs typeface="+mn-cs"/>
+              </a:rPr>
+              <a:t>) werden.</a:t>
+            </a:r>
+            <a:endParaRPr lang="de-CH" baseline="0" dirty="0" smtClean="0"/>
+          </a:p>
+        </p:txBody>
+      </p:sp>
+      <p:sp>
+        <p:nvSpPr>
+          <p:cNvPr id="4" name="Foliennummernplatzhalter 3"/>
+          <p:cNvSpPr>
+            <a:spLocks noGrp="1"/>
+          </p:cNvSpPr>
+          <p:nvPr>
+            <p:ph type="sldNum" sz="quarter" idx="10"/>
+          </p:nvPr>
+        </p:nvSpPr>
+        <p:spPr/>
+        <p:txBody>
+          <a:bodyPr/>
+          <a:lstStyle/>
+          <a:p>
+            <a:fld id="{38D935FE-0AED-45EC-81AF-74ACBED722AC}" type="slidenum">
+              <a:rPr lang="de-CH" smtClean="0"/>
+              <a:t>12</a:t>
+            </a:fld>
+            <a:endParaRPr lang="de-CH"/>
+          </a:p>
+        </p:txBody>
+      </p:sp>
+    </p:spTree>
+    <p:extLst>
+      <p:ext uri="{BB962C8B-B14F-4D97-AF65-F5344CB8AC3E}">
+        <p14:creationId xmlns:p14="http://schemas.microsoft.com/office/powerpoint/2010/main" val="3526880247"/>
+      </p:ext>
+    </p:extLst>
+  </p:cSld>
+  <p:clrMapOvr>
+    <a:masterClrMapping/>
+  </p:clrMapOvr>
+</p:notes>
+</file>
+
+<file path=ppt/notesSlides/notesSlide9.xml><?xml version="1.0" encoding="utf-8"?>
+<p:notes xmlns:a="http://schemas.openxmlformats.org/drawingml/2006/main" xmlns:r="http://schemas.openxmlformats.org/officeDocument/2006/relationships" xmlns:p="http://schemas.openxmlformats.org/presentationml/2006/main">
+  <p:cSld>
+    <p:spTree>
+      <p:nvGrpSpPr>
+        <p:cNvPr id="1" name=""/>
+        <p:cNvGrpSpPr/>
+        <p:nvPr/>
+      </p:nvGrpSpPr>
+      <p:grpSpPr>
+        <a:xfrm>
+          <a:off x="0" y="0"/>
+          <a:ext cx="0" cy="0"/>
+          <a:chOff x="0" y="0"/>
+          <a:chExt cx="0" cy="0"/>
+        </a:xfrm>
+      </p:grpSpPr>
+      <p:sp>
+        <p:nvSpPr>
+          <p:cNvPr id="2" name="Folienbildplatzhalter 1"/>
+          <p:cNvSpPr>
+            <a:spLocks noGrp="1" noRot="1" noChangeAspect="1"/>
+          </p:cNvSpPr>
+          <p:nvPr>
+            <p:ph type="sldImg"/>
+          </p:nvPr>
+        </p:nvSpPr>
+        <p:spPr/>
+      </p:sp>
+      <p:sp>
+        <p:nvSpPr>
+          <p:cNvPr id="3" name="Notizenplatzhalter 2"/>
+          <p:cNvSpPr>
+            <a:spLocks noGrp="1"/>
+          </p:cNvSpPr>
+          <p:nvPr>
+            <p:ph type="body" idx="1"/>
+          </p:nvPr>
+        </p:nvSpPr>
+        <p:spPr/>
+        <p:txBody>
+          <a:bodyPr/>
+          <a:lstStyle/>
+          <a:p>
+            <a:pPr marL="0" indent="0">
+              <a:buFontTx/>
+              <a:buNone/>
+            </a:pPr>
+            <a:r>
+              <a:rPr lang="de-CH" sz="1200" b="0" i="0" kern="1200" dirty="0" smtClean="0">
+                <a:solidFill>
+                  <a:schemeClr val="tx1"/>
+                </a:solidFill>
+                <a:effectLst/>
+                <a:latin typeface="+mn-lt"/>
+                <a:ea typeface="+mn-ea"/>
+                <a:cs typeface="+mn-cs"/>
+              </a:rPr>
+              <a:t>-</a:t>
+            </a:r>
+            <a:r>
+              <a:rPr lang="de-CH" sz="1200" b="0" i="0" kern="1200" baseline="0" dirty="0" smtClean="0">
+                <a:solidFill>
+                  <a:schemeClr val="tx1"/>
+                </a:solidFill>
+                <a:effectLst/>
+                <a:latin typeface="+mn-lt"/>
+                <a:ea typeface="+mn-ea"/>
+                <a:cs typeface="+mn-cs"/>
+              </a:rPr>
+              <a:t> </a:t>
+            </a:r>
+            <a:r>
+              <a:rPr lang="de-CH" sz="1200" b="0" i="0" kern="1200" dirty="0" smtClean="0">
+                <a:solidFill>
+                  <a:schemeClr val="tx1"/>
+                </a:solidFill>
+                <a:effectLst/>
+                <a:latin typeface="+mn-lt"/>
+                <a:ea typeface="+mn-ea"/>
+                <a:cs typeface="+mn-cs"/>
+              </a:rPr>
+              <a:t>Beim diesem Algorithmus können Objekte die Farben Weiss, Grau und Schwarz (</a:t>
+            </a:r>
+            <a:r>
+              <a:rPr lang="de-CH" sz="1200" b="0" i="1" kern="1200" dirty="0" err="1" smtClean="0">
+                <a:solidFill>
+                  <a:schemeClr val="tx1"/>
+                </a:solidFill>
+                <a:effectLst/>
+                <a:latin typeface="+mn-lt"/>
+                <a:ea typeface="+mn-ea"/>
+                <a:cs typeface="+mn-cs"/>
+              </a:rPr>
+              <a:t>tri</a:t>
+            </a:r>
+            <a:r>
+              <a:rPr lang="de-CH" sz="1200" b="0" i="1" kern="1200" dirty="0" smtClean="0">
+                <a:solidFill>
+                  <a:schemeClr val="tx1"/>
+                </a:solidFill>
+                <a:effectLst/>
+                <a:latin typeface="+mn-lt"/>
+                <a:ea typeface="+mn-ea"/>
+                <a:cs typeface="+mn-cs"/>
+              </a:rPr>
+              <a:t>-color</a:t>
+            </a:r>
+            <a:r>
+              <a:rPr lang="de-CH" sz="1200" b="0" i="0" kern="1200" dirty="0" smtClean="0">
+                <a:solidFill>
+                  <a:schemeClr val="tx1"/>
+                </a:solidFill>
+                <a:effectLst/>
+                <a:latin typeface="+mn-lt"/>
+                <a:ea typeface="+mn-ea"/>
+                <a:cs typeface="+mn-cs"/>
+              </a:rPr>
+              <a:t>) haben. </a:t>
+            </a:r>
+          </a:p>
+          <a:p>
+            <a:pPr marL="0" indent="0">
+              <a:buFontTx/>
+              <a:buNone/>
+            </a:pPr>
+            <a:endParaRPr lang="de-CH" sz="1200" b="0" i="0" kern="1200" dirty="0" smtClean="0">
+              <a:solidFill>
+                <a:schemeClr val="tx1"/>
+              </a:solidFill>
+              <a:effectLst/>
+              <a:latin typeface="+mn-lt"/>
+              <a:ea typeface="+mn-ea"/>
+              <a:cs typeface="+mn-cs"/>
+            </a:endParaRPr>
+          </a:p>
+          <a:p>
+            <a:pPr marL="0" indent="0">
+              <a:buFontTx/>
+              <a:buNone/>
+            </a:pPr>
+            <a:endParaRPr lang="de-CH" sz="1200" b="0" i="0" kern="1200" dirty="0" smtClean="0">
+              <a:solidFill>
+                <a:schemeClr val="tx1"/>
+              </a:solidFill>
+              <a:effectLst/>
+              <a:latin typeface="+mn-lt"/>
+              <a:ea typeface="+mn-ea"/>
+              <a:cs typeface="+mn-cs"/>
+            </a:endParaRPr>
+          </a:p>
+          <a:p>
+            <a:pPr marL="0" indent="0">
+              <a:buFontTx/>
+              <a:buNone/>
+            </a:pPr>
+            <a:r>
+              <a:rPr lang="de-CH" sz="1200" b="0" i="0" kern="1200" dirty="0" smtClean="0">
+                <a:solidFill>
+                  <a:schemeClr val="tx1"/>
+                </a:solidFill>
+                <a:effectLst/>
+                <a:latin typeface="+mn-lt"/>
+                <a:ea typeface="+mn-ea"/>
+                <a:cs typeface="+mn-cs"/>
+              </a:rPr>
+              <a:t>1.</a:t>
+            </a:r>
+            <a:r>
+              <a:rPr lang="de-CH" sz="1200" b="0" i="0" kern="1200" baseline="0" dirty="0" smtClean="0">
+                <a:solidFill>
+                  <a:schemeClr val="tx1"/>
+                </a:solidFill>
+                <a:effectLst/>
+                <a:latin typeface="+mn-lt"/>
+                <a:ea typeface="+mn-ea"/>
+                <a:cs typeface="+mn-cs"/>
+              </a:rPr>
+              <a:t> </a:t>
+            </a:r>
+            <a:r>
+              <a:rPr lang="de-CH" sz="1200" b="0" i="0" kern="1200" dirty="0" smtClean="0">
+                <a:solidFill>
+                  <a:schemeClr val="tx1"/>
+                </a:solidFill>
+                <a:effectLst/>
+                <a:latin typeface="+mn-lt"/>
+                <a:ea typeface="+mn-ea"/>
+                <a:cs typeface="+mn-cs"/>
+              </a:rPr>
+              <a:t>Zu Beginn sind alle Objekte weiss</a:t>
+            </a:r>
+          </a:p>
+          <a:p>
+            <a:pPr marL="228600" indent="-228600">
+              <a:buFontTx/>
+              <a:buAutoNum type="arabicPeriod"/>
+            </a:pPr>
+            <a:endParaRPr lang="de-CH" sz="1200" b="0" i="0" kern="1200" dirty="0" smtClean="0">
+              <a:solidFill>
+                <a:schemeClr val="tx1"/>
+              </a:solidFill>
+              <a:effectLst/>
+              <a:latin typeface="+mn-lt"/>
+              <a:ea typeface="+mn-ea"/>
+              <a:cs typeface="+mn-cs"/>
+            </a:endParaRPr>
+          </a:p>
+          <a:p>
+            <a:pPr marL="0" indent="0">
+              <a:buFontTx/>
+              <a:buNone/>
+            </a:pPr>
+            <a:r>
+              <a:rPr lang="de-CH" sz="1200" b="0" i="0" kern="1200" dirty="0" smtClean="0">
+                <a:solidFill>
+                  <a:schemeClr val="tx1"/>
+                </a:solidFill>
+                <a:effectLst/>
+                <a:latin typeface="+mn-lt"/>
+                <a:ea typeface="+mn-ea"/>
+                <a:cs typeface="+mn-cs"/>
+              </a:rPr>
+              <a:t>2.</a:t>
+            </a:r>
+            <a:r>
+              <a:rPr lang="de-CH" sz="1200" b="0" i="0" kern="1200" baseline="0" dirty="0" smtClean="0">
+                <a:solidFill>
+                  <a:schemeClr val="tx1"/>
+                </a:solidFill>
+                <a:effectLst/>
+                <a:latin typeface="+mn-lt"/>
+                <a:ea typeface="+mn-ea"/>
+                <a:cs typeface="+mn-cs"/>
+              </a:rPr>
+              <a:t> </a:t>
+            </a:r>
+            <a:r>
+              <a:rPr lang="de-CH" sz="1200" b="0" i="0" kern="1200" dirty="0" smtClean="0">
+                <a:solidFill>
+                  <a:schemeClr val="tx1"/>
+                </a:solidFill>
+                <a:effectLst/>
+                <a:latin typeface="+mn-lt"/>
+                <a:ea typeface="+mn-ea"/>
+                <a:cs typeface="+mn-cs"/>
+              </a:rPr>
+              <a:t>Der </a:t>
+            </a:r>
+            <a:r>
+              <a:rPr lang="de-CH" sz="1200" b="0" i="0" kern="1200" dirty="0" err="1" smtClean="0">
+                <a:solidFill>
+                  <a:schemeClr val="tx1"/>
+                </a:solidFill>
+                <a:effectLst/>
+                <a:latin typeface="+mn-lt"/>
+                <a:ea typeface="+mn-ea"/>
+                <a:cs typeface="+mn-cs"/>
+              </a:rPr>
+              <a:t>Garbage</a:t>
+            </a:r>
+            <a:r>
+              <a:rPr lang="de-CH" sz="1200" b="0" i="0" kern="1200" dirty="0" smtClean="0">
+                <a:solidFill>
+                  <a:schemeClr val="tx1"/>
+                </a:solidFill>
+                <a:effectLst/>
+                <a:latin typeface="+mn-lt"/>
+                <a:ea typeface="+mn-ea"/>
+                <a:cs typeface="+mn-cs"/>
+              </a:rPr>
+              <a:t> </a:t>
+            </a:r>
+            <a:r>
+              <a:rPr lang="de-CH" sz="1200" b="0" i="0" kern="1200" dirty="0" err="1" smtClean="0">
+                <a:solidFill>
+                  <a:schemeClr val="tx1"/>
+                </a:solidFill>
+                <a:effectLst/>
+                <a:latin typeface="+mn-lt"/>
+                <a:ea typeface="+mn-ea"/>
+                <a:cs typeface="+mn-cs"/>
+              </a:rPr>
+              <a:t>Collector</a:t>
+            </a:r>
+            <a:r>
+              <a:rPr lang="de-CH" sz="1200" b="0" i="0" kern="1200" dirty="0" smtClean="0">
+                <a:solidFill>
+                  <a:schemeClr val="tx1"/>
+                </a:solidFill>
+                <a:effectLst/>
+                <a:latin typeface="+mn-lt"/>
+                <a:ea typeface="+mn-ea"/>
+                <a:cs typeface="+mn-cs"/>
+              </a:rPr>
+              <a:t> holt sich jetzt die Root-Objekte z.B. aus dem Stack. Diese Objekte markiert (</a:t>
+            </a:r>
+            <a:r>
+              <a:rPr lang="de-CH" sz="1200" b="0" i="1" kern="1200" dirty="0" err="1" smtClean="0">
+                <a:solidFill>
+                  <a:schemeClr val="tx1"/>
+                </a:solidFill>
+                <a:effectLst/>
+                <a:latin typeface="+mn-lt"/>
+                <a:ea typeface="+mn-ea"/>
+                <a:cs typeface="+mn-cs"/>
+              </a:rPr>
+              <a:t>mark</a:t>
+            </a:r>
+            <a:r>
+              <a:rPr lang="de-CH" sz="1200" b="0" i="0" kern="1200" dirty="0" smtClean="0">
+                <a:solidFill>
+                  <a:schemeClr val="tx1"/>
+                </a:solidFill>
+                <a:effectLst/>
+                <a:latin typeface="+mn-lt"/>
+                <a:ea typeface="+mn-ea"/>
+                <a:cs typeface="+mn-cs"/>
+              </a:rPr>
+              <a:t>) er mit Grau.</a:t>
+            </a:r>
+          </a:p>
+          <a:p>
+            <a:pPr marL="228600" indent="-228600">
+              <a:buFontTx/>
+              <a:buAutoNum type="arabicPeriod"/>
+            </a:pPr>
+            <a:endParaRPr lang="de-CH" sz="1200" b="0" i="0" kern="1200" dirty="0" smtClean="0">
+              <a:solidFill>
+                <a:schemeClr val="tx1"/>
+              </a:solidFill>
+              <a:effectLst/>
+              <a:latin typeface="+mn-lt"/>
+              <a:ea typeface="+mn-ea"/>
+              <a:cs typeface="+mn-cs"/>
+            </a:endParaRPr>
+          </a:p>
+          <a:p>
+            <a:pPr marL="0" indent="0">
+              <a:buFontTx/>
+              <a:buNone/>
+            </a:pPr>
+            <a:r>
+              <a:rPr lang="de-CH" sz="1200" b="0" i="0" kern="1200" dirty="0" smtClean="0">
+                <a:solidFill>
+                  <a:schemeClr val="tx1"/>
+                </a:solidFill>
+                <a:effectLst/>
+                <a:latin typeface="+mn-lt"/>
+                <a:ea typeface="+mn-ea"/>
+                <a:cs typeface="+mn-cs"/>
+              </a:rPr>
+              <a:t>3. Danach wählt er ein Objekt zur weiteren Verfolgung aus und markiert dieses Schwarz.</a:t>
+            </a:r>
+          </a:p>
+          <a:p>
+            <a:pPr marL="0" indent="0">
+              <a:buFontTx/>
+              <a:buNone/>
+            </a:pPr>
+            <a:endParaRPr lang="de-CH" sz="1200" b="0" i="0" kern="1200" dirty="0" smtClean="0">
+              <a:solidFill>
+                <a:schemeClr val="tx1"/>
+              </a:solidFill>
+              <a:effectLst/>
+              <a:latin typeface="+mn-lt"/>
+              <a:ea typeface="+mn-ea"/>
+              <a:cs typeface="+mn-cs"/>
+            </a:endParaRPr>
+          </a:p>
+          <a:p>
+            <a:pPr marL="0" indent="0">
+              <a:buFontTx/>
+              <a:buNone/>
+            </a:pPr>
+            <a:r>
+              <a:rPr lang="de-CH" sz="1200" b="0" i="0" kern="1200" dirty="0" smtClean="0">
+                <a:solidFill>
+                  <a:schemeClr val="tx1"/>
+                </a:solidFill>
+                <a:effectLst/>
+                <a:latin typeface="+mn-lt"/>
+                <a:ea typeface="+mn-ea"/>
+                <a:cs typeface="+mn-cs"/>
+              </a:rPr>
+              <a:t>4.</a:t>
+            </a:r>
+            <a:r>
+              <a:rPr lang="de-CH" sz="1200" b="0" i="0" kern="1200" baseline="0" dirty="0" smtClean="0">
+                <a:solidFill>
+                  <a:schemeClr val="tx1"/>
+                </a:solidFill>
+                <a:effectLst/>
+                <a:latin typeface="+mn-lt"/>
+                <a:ea typeface="+mn-ea"/>
+                <a:cs typeface="+mn-cs"/>
+              </a:rPr>
+              <a:t> </a:t>
+            </a:r>
+            <a:r>
+              <a:rPr lang="de-CH" sz="1200" b="0" i="0" kern="1200" dirty="0" smtClean="0">
+                <a:solidFill>
+                  <a:schemeClr val="tx1"/>
+                </a:solidFill>
+                <a:effectLst/>
+                <a:latin typeface="+mn-lt"/>
+                <a:ea typeface="+mn-ea"/>
+                <a:cs typeface="+mn-cs"/>
+              </a:rPr>
+              <a:t>Jetzt folgt er den Referenzen des schwarzen Objekts und sobald er ein weisses findet, färbt er dieses Grau.</a:t>
+            </a:r>
+          </a:p>
+          <a:p>
+            <a:pPr marL="0" indent="0">
+              <a:buFontTx/>
+              <a:buNone/>
+            </a:pPr>
+            <a:endParaRPr lang="de-CH" sz="1200" b="0" i="0" kern="1200" dirty="0" smtClean="0">
+              <a:solidFill>
+                <a:schemeClr val="tx1"/>
+              </a:solidFill>
+              <a:effectLst/>
+              <a:latin typeface="+mn-lt"/>
+              <a:ea typeface="+mn-ea"/>
+              <a:cs typeface="+mn-cs"/>
+            </a:endParaRPr>
+          </a:p>
+          <a:p>
+            <a:pPr marL="0" indent="0">
+              <a:buFontTx/>
+              <a:buNone/>
+            </a:pPr>
+            <a:endParaRPr lang="de-CH" sz="1200" b="0" i="0" kern="1200" dirty="0" smtClean="0">
+              <a:solidFill>
+                <a:schemeClr val="tx1"/>
+              </a:solidFill>
+              <a:effectLst/>
+              <a:latin typeface="+mn-lt"/>
+              <a:ea typeface="+mn-ea"/>
+              <a:cs typeface="+mn-cs"/>
+            </a:endParaRPr>
+          </a:p>
+          <a:p>
+            <a:pPr marL="0" indent="0">
+              <a:buFontTx/>
+              <a:buNone/>
+            </a:pPr>
+            <a:r>
+              <a:rPr lang="de-CH" sz="1200" b="0" i="0" kern="1200" dirty="0" smtClean="0">
+                <a:solidFill>
+                  <a:schemeClr val="tx1"/>
+                </a:solidFill>
+                <a:effectLst/>
+                <a:latin typeface="+mn-lt"/>
+                <a:ea typeface="+mn-ea"/>
+                <a:cs typeface="+mn-cs"/>
+              </a:rPr>
+              <a:t>Dieser Vorgang wird so lange wiederholt bis keine grauen Objekte mehr vorhanden sind. Danach können alle weissen Objekte entfernt (</a:t>
+            </a:r>
+            <a:r>
+              <a:rPr lang="de-CH" sz="1200" b="0" i="1" kern="1200" dirty="0" err="1" smtClean="0">
+                <a:solidFill>
+                  <a:schemeClr val="tx1"/>
+                </a:solidFill>
+                <a:effectLst/>
+                <a:latin typeface="+mn-lt"/>
+                <a:ea typeface="+mn-ea"/>
+                <a:cs typeface="+mn-cs"/>
+              </a:rPr>
+              <a:t>sweep</a:t>
+            </a:r>
+            <a:r>
+              <a:rPr lang="de-CH" sz="1200" b="0" i="0" kern="1200" dirty="0" smtClean="0">
+                <a:solidFill>
+                  <a:schemeClr val="tx1"/>
+                </a:solidFill>
+                <a:effectLst/>
+                <a:latin typeface="+mn-lt"/>
+                <a:ea typeface="+mn-ea"/>
+                <a:cs typeface="+mn-cs"/>
+              </a:rPr>
+              <a:t>) werden.</a:t>
+            </a:r>
+            <a:endParaRPr lang="de-CH" baseline="0" dirty="0" smtClean="0"/>
+          </a:p>
+        </p:txBody>
+      </p:sp>
+      <p:sp>
+        <p:nvSpPr>
+          <p:cNvPr id="4" name="Foliennummernplatzhalter 3"/>
+          <p:cNvSpPr>
+            <a:spLocks noGrp="1"/>
+          </p:cNvSpPr>
+          <p:nvPr>
+            <p:ph type="sldNum" sz="quarter" idx="10"/>
+          </p:nvPr>
+        </p:nvSpPr>
+        <p:spPr/>
+        <p:txBody>
+          <a:bodyPr/>
+          <a:lstStyle/>
+          <a:p>
+            <a:fld id="{38D935FE-0AED-45EC-81AF-74ACBED722AC}" type="slidenum">
+              <a:rPr lang="de-CH" smtClean="0"/>
+              <a:t>13</a:t>
+            </a:fld>
+            <a:endParaRPr lang="de-CH"/>
+          </a:p>
+        </p:txBody>
+      </p:sp>
+    </p:spTree>
+    <p:extLst>
+      <p:ext uri="{BB962C8B-B14F-4D97-AF65-F5344CB8AC3E}">
+        <p14:creationId xmlns:p14="http://schemas.microsoft.com/office/powerpoint/2010/main" val="3026099436"/>
+      </p:ext>
+    </p:extLst>
+  </p:cSld>
+  <p:clrMapOvr>
+    <a:masterClrMapping/>
+  </p:clrMapOvr>
+</p:notes>
+</file>
+
 <file path=ppt/slideLayouts/slideLayout1.xml><?xml version="1.0" encoding="utf-8"?>
 <p:sldLayout xmlns:a="http://schemas.openxmlformats.org/drawingml/2006/main" xmlns:r="http://schemas.openxmlformats.org/officeDocument/2006/relationships" xmlns:p="http://schemas.openxmlformats.org/presentationml/2006/main" type="title" preserve="1">
   <p:cSld name="Titelfolie">
@@ -254,7 +5238,7 @@
           <a:p>
             <a:fld id="{C31526B6-66CE-4ADC-93C7-07C2ECA5558A}" type="datetimeFigureOut">
               <a:rPr lang="de-CH" smtClean="0"/>
-              <a:t>11.12.2015</a:t>
+              <a:t>12.12.2015</a:t>
             </a:fld>
             <a:endParaRPr lang="de-CH"/>
           </a:p>
@@ -424,7 +5408,7 @@
           <a:p>
             <a:fld id="{C31526B6-66CE-4ADC-93C7-07C2ECA5558A}" type="datetimeFigureOut">
               <a:rPr lang="de-CH" smtClean="0"/>
-              <a:t>11.12.2015</a:t>
+              <a:t>12.12.2015</a:t>
             </a:fld>
             <a:endParaRPr lang="de-CH"/>
           </a:p>
@@ -604,7 +5588,7 @@
           <a:p>
             <a:fld id="{C31526B6-66CE-4ADC-93C7-07C2ECA5558A}" type="datetimeFigureOut">
               <a:rPr lang="de-CH" smtClean="0"/>
-              <a:t>11.12.2015</a:t>
+              <a:t>12.12.2015</a:t>
             </a:fld>
             <a:endParaRPr lang="de-CH"/>
           </a:p>
@@ -774,7 +5758,7 @@
           <a:p>
             <a:fld id="{C31526B6-66CE-4ADC-93C7-07C2ECA5558A}" type="datetimeFigureOut">
               <a:rPr lang="de-CH" smtClean="0"/>
-              <a:t>11.12.2015</a:t>
+              <a:t>12.12.2015</a:t>
             </a:fld>
             <a:endParaRPr lang="de-CH"/>
           </a:p>
@@ -1020,7 +6004,7 @@
           <a:p>
             <a:fld id="{C31526B6-66CE-4ADC-93C7-07C2ECA5558A}" type="datetimeFigureOut">
               <a:rPr lang="de-CH" smtClean="0"/>
-              <a:t>11.12.2015</a:t>
+              <a:t>12.12.2015</a:t>
             </a:fld>
             <a:endParaRPr lang="de-CH"/>
           </a:p>
@@ -1252,7 +6236,7 @@
           <a:p>
             <a:fld id="{C31526B6-66CE-4ADC-93C7-07C2ECA5558A}" type="datetimeFigureOut">
               <a:rPr lang="de-CH" smtClean="0"/>
-              <a:t>11.12.2015</a:t>
+              <a:t>12.12.2015</a:t>
             </a:fld>
             <a:endParaRPr lang="de-CH"/>
           </a:p>
@@ -1619,7 +6603,7 @@
           <a:p>
             <a:fld id="{C31526B6-66CE-4ADC-93C7-07C2ECA5558A}" type="datetimeFigureOut">
               <a:rPr lang="de-CH" smtClean="0"/>
-              <a:t>11.12.2015</a:t>
+              <a:t>12.12.2015</a:t>
             </a:fld>
             <a:endParaRPr lang="de-CH"/>
           </a:p>
@@ -1737,7 +6721,7 @@
           <a:p>
             <a:fld id="{C31526B6-66CE-4ADC-93C7-07C2ECA5558A}" type="datetimeFigureOut">
               <a:rPr lang="de-CH" smtClean="0"/>
-              <a:t>11.12.2015</a:t>
+              <a:t>12.12.2015</a:t>
             </a:fld>
             <a:endParaRPr lang="de-CH"/>
           </a:p>
@@ -1832,7 +6816,7 @@
           <a:p>
             <a:fld id="{C31526B6-66CE-4ADC-93C7-07C2ECA5558A}" type="datetimeFigureOut">
               <a:rPr lang="de-CH" smtClean="0"/>
-              <a:t>11.12.2015</a:t>
+              <a:t>12.12.2015</a:t>
             </a:fld>
             <a:endParaRPr lang="de-CH"/>
           </a:p>
@@ -2109,7 +7093,7 @@
           <a:p>
             <a:fld id="{C31526B6-66CE-4ADC-93C7-07C2ECA5558A}" type="datetimeFigureOut">
               <a:rPr lang="de-CH" smtClean="0"/>
-              <a:t>11.12.2015</a:t>
+              <a:t>12.12.2015</a:t>
             </a:fld>
             <a:endParaRPr lang="de-CH"/>
           </a:p>
@@ -2362,7 +7346,7 @@
           <a:p>
             <a:fld id="{C31526B6-66CE-4ADC-93C7-07C2ECA5558A}" type="datetimeFigureOut">
               <a:rPr lang="de-CH" smtClean="0"/>
-              <a:t>11.12.2015</a:t>
+              <a:t>12.12.2015</a:t>
             </a:fld>
             <a:endParaRPr lang="de-CH"/>
           </a:p>
@@ -2575,7 +7559,7 @@
           <a:p>
             <a:fld id="{C31526B6-66CE-4ADC-93C7-07C2ECA5558A}" type="datetimeFigureOut">
               <a:rPr lang="de-CH" smtClean="0"/>
-              <a:t>11.12.2015</a:t>
+              <a:t>12.12.2015</a:t>
             </a:fld>
             <a:endParaRPr lang="de-CH"/>
           </a:p>
@@ -2989,7 +7973,7 @@
           <p:nvPr/>
         </p:nvPicPr>
         <p:blipFill>
-          <a:blip r:embed="rId2">
+          <a:blip r:embed="rId3">
             <a:extLst>
               <a:ext uri="{28A0092B-C50C-407E-A947-70E740481C1C}">
                 <a14:useLocalDpi xmlns:a14="http://schemas.microsoft.com/office/drawing/2010/main" val="0"/>
@@ -3063,8 +8047,20 @@
           <a:lstStyle/>
           <a:p>
             <a:r>
-              <a:rPr lang="de-CH" dirty="0" smtClean="0"/>
-              <a:t>Fazit Team</a:t>
+              <a:rPr lang="de-CH" dirty="0" err="1" smtClean="0"/>
+              <a:t>Garbage</a:t>
+            </a:r>
+            <a:r>
+              <a:rPr lang="de-CH" dirty="0" smtClean="0"/>
+              <a:t> </a:t>
+            </a:r>
+            <a:r>
+              <a:rPr lang="de-CH" dirty="0" err="1" smtClean="0"/>
+              <a:t>Collector</a:t>
+            </a:r>
+            <a:r>
+              <a:rPr lang="de-CH" dirty="0" smtClean="0"/>
+              <a:t> (2)</a:t>
             </a:r>
             <a:endParaRPr lang="de-CH" dirty="0"/>
           </a:p>
@@ -3072,7 +8068,319 @@
       </p:sp>
       <p:sp>
         <p:nvSpPr>
-          <p:cNvPr id="3" name="Inhaltsplatzhalter 2"/>
+          <p:cNvPr id="4" name="Ellipse 3"/>
+          <p:cNvSpPr/>
+          <p:nvPr/>
+        </p:nvSpPr>
+        <p:spPr>
+          <a:xfrm>
+            <a:off x="2505489" y="3022789"/>
+            <a:ext cx="1363288" cy="1379912"/>
+          </a:xfrm>
+          <a:prstGeom prst="ellipse">
+            <a:avLst/>
+          </a:prstGeom>
+        </p:spPr>
+        <p:style>
+          <a:lnRef idx="2">
+            <a:schemeClr val="dk1"/>
+          </a:lnRef>
+          <a:fillRef idx="1">
+            <a:schemeClr val="lt1"/>
+          </a:fillRef>
+          <a:effectRef idx="0">
+            <a:schemeClr val="dk1"/>
+          </a:effectRef>
+          <a:fontRef idx="minor">
+            <a:schemeClr val="dk1"/>
+          </a:fontRef>
+        </p:style>
+        <p:txBody>
+          <a:bodyPr rtlCol="0" anchor="ctr"/>
+          <a:lstStyle/>
+          <a:p>
+            <a:pPr algn="ctr"/>
+            <a:r>
+              <a:rPr lang="de-CH" dirty="0" smtClean="0"/>
+              <a:t>Auto</a:t>
+            </a:r>
+            <a:endParaRPr lang="de-CH" dirty="0"/>
+          </a:p>
+        </p:txBody>
+      </p:sp>
+      <p:sp>
+        <p:nvSpPr>
+          <p:cNvPr id="6" name="Ellipse 5"/>
+          <p:cNvSpPr/>
+          <p:nvPr/>
+        </p:nvSpPr>
+        <p:spPr>
+          <a:xfrm>
+            <a:off x="7933698" y="3022789"/>
+            <a:ext cx="1363288" cy="1379912"/>
+          </a:xfrm>
+          <a:prstGeom prst="ellipse">
+            <a:avLst/>
+          </a:prstGeom>
+        </p:spPr>
+        <p:style>
+          <a:lnRef idx="2">
+            <a:schemeClr val="dk1"/>
+          </a:lnRef>
+          <a:fillRef idx="1">
+            <a:schemeClr val="lt1"/>
+          </a:fillRef>
+          <a:effectRef idx="0">
+            <a:schemeClr val="dk1"/>
+          </a:effectRef>
+          <a:fontRef idx="minor">
+            <a:schemeClr val="dk1"/>
+          </a:fontRef>
+        </p:style>
+        <p:txBody>
+          <a:bodyPr rtlCol="0" anchor="ctr"/>
+          <a:lstStyle/>
+          <a:p>
+            <a:pPr algn="ctr"/>
+            <a:r>
+              <a:rPr lang="de-CH" dirty="0" smtClean="0"/>
+              <a:t>Fahrrad</a:t>
+            </a:r>
+            <a:endParaRPr lang="de-CH" dirty="0"/>
+          </a:p>
+        </p:txBody>
+      </p:sp>
+      <p:sp>
+        <p:nvSpPr>
+          <p:cNvPr id="7" name="Ellipse 6"/>
+          <p:cNvSpPr/>
+          <p:nvPr/>
+        </p:nvSpPr>
+        <p:spPr>
+          <a:xfrm>
+            <a:off x="1507961" y="4754607"/>
+            <a:ext cx="1363288" cy="1379912"/>
+          </a:xfrm>
+          <a:prstGeom prst="ellipse">
+            <a:avLst/>
+          </a:prstGeom>
+        </p:spPr>
+        <p:style>
+          <a:lnRef idx="2">
+            <a:schemeClr val="dk1"/>
+          </a:lnRef>
+          <a:fillRef idx="1">
+            <a:schemeClr val="lt1"/>
+          </a:fillRef>
+          <a:effectRef idx="0">
+            <a:schemeClr val="dk1"/>
+          </a:effectRef>
+          <a:fontRef idx="minor">
+            <a:schemeClr val="dk1"/>
+          </a:fontRef>
+        </p:style>
+        <p:txBody>
+          <a:bodyPr rtlCol="0" anchor="ctr"/>
+          <a:lstStyle/>
+          <a:p>
+            <a:pPr algn="ctr"/>
+            <a:r>
+              <a:rPr lang="de-CH" dirty="0" smtClean="0"/>
+              <a:t>Motor</a:t>
+            </a:r>
+            <a:endParaRPr lang="de-CH" dirty="0"/>
+          </a:p>
+        </p:txBody>
+      </p:sp>
+      <p:sp>
+        <p:nvSpPr>
+          <p:cNvPr id="8" name="Ellipse 7"/>
+          <p:cNvSpPr/>
+          <p:nvPr/>
+        </p:nvSpPr>
+        <p:spPr>
+          <a:xfrm>
+            <a:off x="9039293" y="4754607"/>
+            <a:ext cx="1363288" cy="1379912"/>
+          </a:xfrm>
+          <a:prstGeom prst="ellipse">
+            <a:avLst/>
+          </a:prstGeom>
+        </p:spPr>
+        <p:style>
+          <a:lnRef idx="2">
+            <a:schemeClr val="dk1"/>
+          </a:lnRef>
+          <a:fillRef idx="1">
+            <a:schemeClr val="lt1"/>
+          </a:fillRef>
+          <a:effectRef idx="0">
+            <a:schemeClr val="dk1"/>
+          </a:effectRef>
+          <a:fontRef idx="minor">
+            <a:schemeClr val="dk1"/>
+          </a:fontRef>
+        </p:style>
+        <p:txBody>
+          <a:bodyPr rtlCol="0" anchor="ctr"/>
+          <a:lstStyle/>
+          <a:p>
+            <a:pPr algn="ctr"/>
+            <a:r>
+              <a:rPr lang="de-CH" dirty="0" smtClean="0"/>
+              <a:t>Rad 2</a:t>
+            </a:r>
+            <a:endParaRPr lang="de-CH" dirty="0"/>
+          </a:p>
+        </p:txBody>
+      </p:sp>
+      <p:sp>
+        <p:nvSpPr>
+          <p:cNvPr id="9" name="Ellipse 8"/>
+          <p:cNvSpPr/>
+          <p:nvPr/>
+        </p:nvSpPr>
+        <p:spPr>
+          <a:xfrm>
+            <a:off x="6936170" y="4754607"/>
+            <a:ext cx="1363288" cy="1379912"/>
+          </a:xfrm>
+          <a:prstGeom prst="ellipse">
+            <a:avLst/>
+          </a:prstGeom>
+        </p:spPr>
+        <p:style>
+          <a:lnRef idx="2">
+            <a:schemeClr val="dk1"/>
+          </a:lnRef>
+          <a:fillRef idx="1">
+            <a:schemeClr val="lt1"/>
+          </a:fillRef>
+          <a:effectRef idx="0">
+            <a:schemeClr val="dk1"/>
+          </a:effectRef>
+          <a:fontRef idx="minor">
+            <a:schemeClr val="dk1"/>
+          </a:fontRef>
+        </p:style>
+        <p:txBody>
+          <a:bodyPr rtlCol="0" anchor="ctr"/>
+          <a:lstStyle/>
+          <a:p>
+            <a:pPr algn="ctr"/>
+            <a:r>
+              <a:rPr lang="de-CH" dirty="0" smtClean="0"/>
+              <a:t>Rad 1</a:t>
+            </a:r>
+            <a:endParaRPr lang="de-CH" dirty="0"/>
+          </a:p>
+        </p:txBody>
+      </p:sp>
+      <p:cxnSp>
+        <p:nvCxnSpPr>
+          <p:cNvPr id="11" name="Gerade Verbindung mit Pfeil 10"/>
+          <p:cNvCxnSpPr/>
+          <p:nvPr/>
+        </p:nvCxnSpPr>
+        <p:spPr>
+          <a:xfrm flipH="1">
+            <a:off x="2505489" y="4301660"/>
+            <a:ext cx="365761" cy="579433"/>
+          </a:xfrm>
+          <a:prstGeom prst="straightConnector1">
+            <a:avLst/>
+          </a:prstGeom>
+          <a:ln w="38100">
+            <a:tailEnd type="triangle"/>
+          </a:ln>
+        </p:spPr>
+        <p:style>
+          <a:lnRef idx="1">
+            <a:schemeClr val="dk1"/>
+          </a:lnRef>
+          <a:fillRef idx="0">
+            <a:schemeClr val="dk1"/>
+          </a:fillRef>
+          <a:effectRef idx="0">
+            <a:schemeClr val="dk1"/>
+          </a:effectRef>
+          <a:fontRef idx="minor">
+            <a:schemeClr val="tx1"/>
+          </a:fontRef>
+        </p:style>
+      </p:cxnSp>
+      <p:cxnSp>
+        <p:nvCxnSpPr>
+          <p:cNvPr id="14" name="Gerade Verbindung mit Pfeil 13"/>
+          <p:cNvCxnSpPr/>
+          <p:nvPr/>
+        </p:nvCxnSpPr>
+        <p:spPr>
+          <a:xfrm flipH="1">
+            <a:off x="7933698" y="4346545"/>
+            <a:ext cx="365760" cy="520374"/>
+          </a:xfrm>
+          <a:prstGeom prst="straightConnector1">
+            <a:avLst/>
+          </a:prstGeom>
+          <a:ln w="38100">
+            <a:tailEnd type="triangle"/>
+          </a:ln>
+        </p:spPr>
+        <p:style>
+          <a:lnRef idx="1">
+            <a:schemeClr val="dk1"/>
+          </a:lnRef>
+          <a:fillRef idx="0">
+            <a:schemeClr val="dk1"/>
+          </a:fillRef>
+          <a:effectRef idx="0">
+            <a:schemeClr val="dk1"/>
+          </a:effectRef>
+          <a:fontRef idx="minor">
+            <a:schemeClr val="tx1"/>
+          </a:fontRef>
+        </p:style>
+      </p:cxnSp>
+      <p:cxnSp>
+        <p:nvCxnSpPr>
+          <p:cNvPr id="16" name="Gerade Verbindung mit Pfeil 15"/>
+          <p:cNvCxnSpPr/>
+          <p:nvPr/>
+        </p:nvCxnSpPr>
+        <p:spPr>
+          <a:xfrm>
+            <a:off x="9039293" y="4301660"/>
+            <a:ext cx="479365" cy="452947"/>
+          </a:xfrm>
+          <a:prstGeom prst="straightConnector1">
+            <a:avLst/>
+          </a:prstGeom>
+          <a:ln w="38100">
+            <a:solidFill>
+              <a:schemeClr val="tx1"/>
+            </a:solidFill>
+            <a:tailEnd type="triangle"/>
+          </a:ln>
+        </p:spPr>
+        <p:style>
+          <a:lnRef idx="1">
+            <a:schemeClr val="dk1"/>
+          </a:lnRef>
+          <a:fillRef idx="0">
+            <a:schemeClr val="dk1"/>
+          </a:fillRef>
+          <a:effectRef idx="0">
+            <a:schemeClr val="dk1"/>
+          </a:effectRef>
+          <a:fontRef idx="minor">
+            <a:schemeClr val="tx1"/>
+          </a:fontRef>
+        </p:style>
+      </p:cxnSp>
+      <p:sp>
+        <p:nvSpPr>
+          <p:cNvPr id="22" name="Inhaltsplatzhalter 2"/>
           <p:cNvSpPr>
             <a:spLocks noGrp="1"/>
           </p:cNvSpPr>
@@ -3080,90 +8388,65 @@
             <p:ph idx="1"/>
           </p:nvPr>
         </p:nvSpPr>
-        <p:spPr/>
+        <p:spPr>
+          <a:xfrm>
+            <a:off x="838200" y="1825625"/>
+            <a:ext cx="10515600" cy="4351338"/>
+          </a:xfrm>
+        </p:spPr>
         <p:txBody>
           <a:bodyPr/>
           <a:lstStyle/>
           <a:p>
-            <a:r>
-              <a:rPr lang="de-CH" dirty="0" smtClean="0"/>
-              <a:t>Spass (wir haben uns selten </a:t>
-            </a:r>
-            <a:r>
-              <a:rPr lang="de-CH" dirty="0" err="1" smtClean="0"/>
-              <a:t>geärgeter</a:t>
-            </a:r>
-            <a:r>
-              <a:rPr lang="de-CH" dirty="0" smtClean="0"/>
-              <a:t>)</a:t>
-            </a:r>
-          </a:p>
-          <a:p>
-            <a:pPr lvl="1"/>
-            <a:r>
-              <a:rPr lang="de-CH" dirty="0" smtClean="0"/>
-              <a:t>Die WTF-Rate geht gegen 0</a:t>
-            </a:r>
-          </a:p>
-          <a:p>
-            <a:pPr lvl="1"/>
-            <a:endParaRPr lang="de-CH" dirty="0" smtClean="0"/>
-          </a:p>
-          <a:p>
-            <a:r>
-              <a:rPr lang="de-CH" dirty="0" smtClean="0"/>
-              <a:t>Wird auf Ziel Plattform kompiliert.</a:t>
-            </a:r>
-          </a:p>
-          <a:p>
-            <a:r>
-              <a:rPr lang="de-CH" dirty="0" smtClean="0"/>
-              <a:t>Manuelle Memory </a:t>
-            </a:r>
-            <a:r>
-              <a:rPr lang="de-CH" dirty="0" err="1" smtClean="0"/>
-              <a:t>Mgmt</a:t>
-            </a:r>
-            <a:r>
-              <a:rPr lang="de-CH" dirty="0" smtClean="0"/>
-              <a:t>. obwohl Low Level.</a:t>
-            </a:r>
-          </a:p>
-          <a:p>
+            <a:pPr marL="0" indent="0">
+              <a:buNone/>
+            </a:pPr>
+            <a:r>
+              <a:rPr lang="de-CH" dirty="0" smtClean="0"/>
+              <a:t>1. Zu Beginn sind alle Objekte weiss</a:t>
+            </a:r>
             <a:endParaRPr lang="de-CH" dirty="0"/>
           </a:p>
-          <a:p>
-            <a:r>
-              <a:rPr lang="de-CH" dirty="0" smtClean="0"/>
-              <a:t>Es ist nicht überfüllt mit </a:t>
-            </a:r>
-            <a:r>
-              <a:rPr lang="de-CH" dirty="0" err="1" smtClean="0"/>
-              <a:t>modifier</a:t>
-            </a:r>
-            <a:r>
-              <a:rPr lang="de-CH" dirty="0" smtClean="0"/>
-              <a:t>. Gross und Kleinschreibung </a:t>
-            </a:r>
-            <a:r>
-              <a:rPr lang="de-CH" dirty="0" err="1" smtClean="0"/>
-              <a:t>sichtbarkeit</a:t>
-            </a:r>
-            <a:r>
-              <a:rPr lang="de-CH" dirty="0" smtClean="0"/>
-              <a:t>.</a:t>
-            </a:r>
-          </a:p>
-          <a:p>
-            <a:endParaRPr lang="de-CH" dirty="0"/>
-          </a:p>
-          <a:p>
-            <a:endParaRPr lang="de-CH" dirty="0" smtClean="0"/>
-          </a:p>
-          <a:p>
-            <a:endParaRPr lang="de-CH" dirty="0"/>
-          </a:p>
-          <a:p>
+        </p:txBody>
+      </p:sp>
+      <p:sp>
+        <p:nvSpPr>
+          <p:cNvPr id="23" name="Ellipse 22"/>
+          <p:cNvSpPr/>
+          <p:nvPr/>
+        </p:nvSpPr>
+        <p:spPr>
+          <a:xfrm>
+            <a:off x="4608999" y="4745535"/>
+            <a:ext cx="1363288" cy="1379912"/>
+          </a:xfrm>
+          <a:prstGeom prst="ellipse">
+            <a:avLst/>
+          </a:prstGeom>
+        </p:spPr>
+        <p:style>
+          <a:lnRef idx="2">
+            <a:schemeClr val="dk1"/>
+          </a:lnRef>
+          <a:fillRef idx="1">
+            <a:schemeClr val="lt1"/>
+          </a:fillRef>
+          <a:effectRef idx="0">
+            <a:schemeClr val="dk1"/>
+          </a:effectRef>
+          <a:fontRef idx="minor">
+            <a:schemeClr val="dk1"/>
+          </a:fontRef>
+        </p:style>
+        <p:txBody>
+          <a:bodyPr rtlCol="0" anchor="ctr"/>
+          <a:lstStyle/>
+          <a:p>
+            <a:pPr algn="ctr"/>
+            <a:r>
+              <a:rPr lang="de-CH" dirty="0" smtClean="0"/>
+              <a:t>Apfel</a:t>
+            </a:r>
             <a:endParaRPr lang="de-CH" dirty="0"/>
           </a:p>
         </p:txBody>
@@ -3171,13 +8454,20 @@
     </p:spTree>
     <p:extLst>
       <p:ext uri="{BB962C8B-B14F-4D97-AF65-F5344CB8AC3E}">
-        <p14:creationId xmlns:p14="http://schemas.microsoft.com/office/powerpoint/2010/main" val="1796784916"/>
+        <p14:creationId xmlns:p14="http://schemas.microsoft.com/office/powerpoint/2010/main" val="2356542223"/>
       </p:ext>
     </p:extLst>
   </p:cSld>
   <p:clrMapOvr>
     <a:masterClrMapping/>
   </p:clrMapOvr>
+  <p:timing>
+    <p:tnLst>
+      <p:par>
+        <p:cTn id="1" dur="indefinite" restart="never" nodeType="tmRoot"/>
+      </p:par>
+    </p:tnLst>
+  </p:timing>
 </p:sld>
 </file>
 
@@ -3214,8 +8504,20 @@
           <a:lstStyle/>
           <a:p>
             <a:r>
-              <a:rPr lang="de-CH" dirty="0" smtClean="0"/>
-              <a:t>Fazit Alex</a:t>
+              <a:rPr lang="de-CH" dirty="0" err="1" smtClean="0"/>
+              <a:t>Garbage</a:t>
+            </a:r>
+            <a:r>
+              <a:rPr lang="de-CH" dirty="0" smtClean="0"/>
+              <a:t> </a:t>
+            </a:r>
+            <a:r>
+              <a:rPr lang="de-CH" dirty="0" err="1" smtClean="0"/>
+              <a:t>Collector</a:t>
+            </a:r>
+            <a:r>
+              <a:rPr lang="de-CH" dirty="0" smtClean="0"/>
+              <a:t> (3)</a:t>
             </a:r>
             <a:endParaRPr lang="de-CH" dirty="0"/>
           </a:p>
@@ -3223,7 +8525,329 @@
       </p:sp>
       <p:sp>
         <p:nvSpPr>
-          <p:cNvPr id="3" name="Inhaltsplatzhalter 2"/>
+          <p:cNvPr id="4" name="Ellipse 3"/>
+          <p:cNvSpPr/>
+          <p:nvPr/>
+        </p:nvSpPr>
+        <p:spPr>
+          <a:xfrm>
+            <a:off x="2892423" y="3035857"/>
+            <a:ext cx="1363288" cy="1379912"/>
+          </a:xfrm>
+          <a:prstGeom prst="ellipse">
+            <a:avLst/>
+          </a:prstGeom>
+          <a:solidFill>
+            <a:schemeClr val="bg1">
+              <a:lumMod val="75000"/>
+            </a:schemeClr>
+          </a:solidFill>
+        </p:spPr>
+        <p:style>
+          <a:lnRef idx="2">
+            <a:schemeClr val="dk1"/>
+          </a:lnRef>
+          <a:fillRef idx="1">
+            <a:schemeClr val="lt1"/>
+          </a:fillRef>
+          <a:effectRef idx="0">
+            <a:schemeClr val="dk1"/>
+          </a:effectRef>
+          <a:fontRef idx="minor">
+            <a:schemeClr val="dk1"/>
+          </a:fontRef>
+        </p:style>
+        <p:txBody>
+          <a:bodyPr rtlCol="0" anchor="ctr"/>
+          <a:lstStyle/>
+          <a:p>
+            <a:pPr algn="ctr"/>
+            <a:r>
+              <a:rPr lang="de-CH" dirty="0" smtClean="0"/>
+              <a:t>Auto</a:t>
+            </a:r>
+            <a:endParaRPr lang="de-CH" dirty="0"/>
+          </a:p>
+        </p:txBody>
+      </p:sp>
+      <p:sp>
+        <p:nvSpPr>
+          <p:cNvPr id="6" name="Ellipse 5"/>
+          <p:cNvSpPr/>
+          <p:nvPr/>
+        </p:nvSpPr>
+        <p:spPr>
+          <a:xfrm>
+            <a:off x="8320632" y="3035857"/>
+            <a:ext cx="1363288" cy="1379912"/>
+          </a:xfrm>
+          <a:prstGeom prst="ellipse">
+            <a:avLst/>
+          </a:prstGeom>
+          <a:solidFill>
+            <a:schemeClr val="bg1">
+              <a:lumMod val="75000"/>
+            </a:schemeClr>
+          </a:solidFill>
+        </p:spPr>
+        <p:style>
+          <a:lnRef idx="2">
+            <a:schemeClr val="dk1"/>
+          </a:lnRef>
+          <a:fillRef idx="1">
+            <a:schemeClr val="lt1"/>
+          </a:fillRef>
+          <a:effectRef idx="0">
+            <a:schemeClr val="dk1"/>
+          </a:effectRef>
+          <a:fontRef idx="minor">
+            <a:schemeClr val="dk1"/>
+          </a:fontRef>
+        </p:style>
+        <p:txBody>
+          <a:bodyPr rtlCol="0" anchor="ctr"/>
+          <a:lstStyle/>
+          <a:p>
+            <a:pPr algn="ctr"/>
+            <a:r>
+              <a:rPr lang="de-CH" dirty="0" smtClean="0"/>
+              <a:t>Fahrrad</a:t>
+            </a:r>
+            <a:endParaRPr lang="de-CH" dirty="0"/>
+          </a:p>
+        </p:txBody>
+      </p:sp>
+      <p:sp>
+        <p:nvSpPr>
+          <p:cNvPr id="7" name="Ellipse 6"/>
+          <p:cNvSpPr/>
+          <p:nvPr/>
+        </p:nvSpPr>
+        <p:spPr>
+          <a:xfrm>
+            <a:off x="1894895" y="4767675"/>
+            <a:ext cx="1363288" cy="1379912"/>
+          </a:xfrm>
+          <a:prstGeom prst="ellipse">
+            <a:avLst/>
+          </a:prstGeom>
+        </p:spPr>
+        <p:style>
+          <a:lnRef idx="2">
+            <a:schemeClr val="dk1"/>
+          </a:lnRef>
+          <a:fillRef idx="1">
+            <a:schemeClr val="lt1"/>
+          </a:fillRef>
+          <a:effectRef idx="0">
+            <a:schemeClr val="dk1"/>
+          </a:effectRef>
+          <a:fontRef idx="minor">
+            <a:schemeClr val="dk1"/>
+          </a:fontRef>
+        </p:style>
+        <p:txBody>
+          <a:bodyPr rtlCol="0" anchor="ctr"/>
+          <a:lstStyle/>
+          <a:p>
+            <a:pPr algn="ctr"/>
+            <a:r>
+              <a:rPr lang="de-CH" dirty="0" smtClean="0"/>
+              <a:t>Motor</a:t>
+            </a:r>
+            <a:endParaRPr lang="de-CH" dirty="0"/>
+          </a:p>
+        </p:txBody>
+      </p:sp>
+      <p:sp>
+        <p:nvSpPr>
+          <p:cNvPr id="8" name="Ellipse 7"/>
+          <p:cNvSpPr/>
+          <p:nvPr/>
+        </p:nvSpPr>
+        <p:spPr>
+          <a:xfrm>
+            <a:off x="9426227" y="4767675"/>
+            <a:ext cx="1363288" cy="1379912"/>
+          </a:xfrm>
+          <a:prstGeom prst="ellipse">
+            <a:avLst/>
+          </a:prstGeom>
+        </p:spPr>
+        <p:style>
+          <a:lnRef idx="2">
+            <a:schemeClr val="dk1"/>
+          </a:lnRef>
+          <a:fillRef idx="1">
+            <a:schemeClr val="lt1"/>
+          </a:fillRef>
+          <a:effectRef idx="0">
+            <a:schemeClr val="dk1"/>
+          </a:effectRef>
+          <a:fontRef idx="minor">
+            <a:schemeClr val="dk1"/>
+          </a:fontRef>
+        </p:style>
+        <p:txBody>
+          <a:bodyPr rtlCol="0" anchor="ctr"/>
+          <a:lstStyle/>
+          <a:p>
+            <a:pPr algn="ctr"/>
+            <a:r>
+              <a:rPr lang="de-CH" dirty="0" smtClean="0"/>
+              <a:t>Rad 2</a:t>
+            </a:r>
+            <a:endParaRPr lang="de-CH" dirty="0"/>
+          </a:p>
+        </p:txBody>
+      </p:sp>
+      <p:sp>
+        <p:nvSpPr>
+          <p:cNvPr id="9" name="Ellipse 8"/>
+          <p:cNvSpPr/>
+          <p:nvPr/>
+        </p:nvSpPr>
+        <p:spPr>
+          <a:xfrm>
+            <a:off x="7323104" y="4767675"/>
+            <a:ext cx="1363288" cy="1379912"/>
+          </a:xfrm>
+          <a:prstGeom prst="ellipse">
+            <a:avLst/>
+          </a:prstGeom>
+        </p:spPr>
+        <p:style>
+          <a:lnRef idx="2">
+            <a:schemeClr val="dk1"/>
+          </a:lnRef>
+          <a:fillRef idx="1">
+            <a:schemeClr val="lt1"/>
+          </a:fillRef>
+          <a:effectRef idx="0">
+            <a:schemeClr val="dk1"/>
+          </a:effectRef>
+          <a:fontRef idx="minor">
+            <a:schemeClr val="dk1"/>
+          </a:fontRef>
+        </p:style>
+        <p:txBody>
+          <a:bodyPr rtlCol="0" anchor="ctr"/>
+          <a:lstStyle/>
+          <a:p>
+            <a:pPr algn="ctr"/>
+            <a:r>
+              <a:rPr lang="de-CH" dirty="0" smtClean="0"/>
+              <a:t>Rad 1</a:t>
+            </a:r>
+            <a:endParaRPr lang="de-CH" dirty="0"/>
+          </a:p>
+        </p:txBody>
+      </p:sp>
+      <p:cxnSp>
+        <p:nvCxnSpPr>
+          <p:cNvPr id="11" name="Gerade Verbindung mit Pfeil 10"/>
+          <p:cNvCxnSpPr/>
+          <p:nvPr/>
+        </p:nvCxnSpPr>
+        <p:spPr>
+          <a:xfrm flipH="1">
+            <a:off x="2892423" y="4314728"/>
+            <a:ext cx="365761" cy="579433"/>
+          </a:xfrm>
+          <a:prstGeom prst="straightConnector1">
+            <a:avLst/>
+          </a:prstGeom>
+          <a:ln w="38100">
+            <a:tailEnd type="triangle"/>
+          </a:ln>
+        </p:spPr>
+        <p:style>
+          <a:lnRef idx="1">
+            <a:schemeClr val="dk1"/>
+          </a:lnRef>
+          <a:fillRef idx="0">
+            <a:schemeClr val="dk1"/>
+          </a:fillRef>
+          <a:effectRef idx="0">
+            <a:schemeClr val="dk1"/>
+          </a:effectRef>
+          <a:fontRef idx="minor">
+            <a:schemeClr val="tx1"/>
+          </a:fontRef>
+        </p:style>
+      </p:cxnSp>
+      <p:cxnSp>
+        <p:nvCxnSpPr>
+          <p:cNvPr id="14" name="Gerade Verbindung mit Pfeil 13"/>
+          <p:cNvCxnSpPr/>
+          <p:nvPr/>
+        </p:nvCxnSpPr>
+        <p:spPr>
+          <a:xfrm flipH="1">
+            <a:off x="8320632" y="4359613"/>
+            <a:ext cx="365760" cy="520374"/>
+          </a:xfrm>
+          <a:prstGeom prst="straightConnector1">
+            <a:avLst/>
+          </a:prstGeom>
+          <a:ln w="38100">
+            <a:tailEnd type="triangle"/>
+          </a:ln>
+        </p:spPr>
+        <p:style>
+          <a:lnRef idx="1">
+            <a:schemeClr val="dk1"/>
+          </a:lnRef>
+          <a:fillRef idx="0">
+            <a:schemeClr val="dk1"/>
+          </a:fillRef>
+          <a:effectRef idx="0">
+            <a:schemeClr val="dk1"/>
+          </a:effectRef>
+          <a:fontRef idx="minor">
+            <a:schemeClr val="tx1"/>
+          </a:fontRef>
+        </p:style>
+      </p:cxnSp>
+      <p:cxnSp>
+        <p:nvCxnSpPr>
+          <p:cNvPr id="16" name="Gerade Verbindung mit Pfeil 15"/>
+          <p:cNvCxnSpPr/>
+          <p:nvPr/>
+        </p:nvCxnSpPr>
+        <p:spPr>
+          <a:xfrm>
+            <a:off x="9426227" y="4314728"/>
+            <a:ext cx="479365" cy="452947"/>
+          </a:xfrm>
+          <a:prstGeom prst="straightConnector1">
+            <a:avLst/>
+          </a:prstGeom>
+          <a:ln w="38100">
+            <a:solidFill>
+              <a:schemeClr val="tx1"/>
+            </a:solidFill>
+            <a:tailEnd type="triangle"/>
+          </a:ln>
+        </p:spPr>
+        <p:style>
+          <a:lnRef idx="1">
+            <a:schemeClr val="dk1"/>
+          </a:lnRef>
+          <a:fillRef idx="0">
+            <a:schemeClr val="dk1"/>
+          </a:fillRef>
+          <a:effectRef idx="0">
+            <a:schemeClr val="dk1"/>
+          </a:effectRef>
+          <a:fontRef idx="minor">
+            <a:schemeClr val="tx1"/>
+          </a:fontRef>
+        </p:style>
+      </p:cxnSp>
+      <p:sp>
+        <p:nvSpPr>
+          <p:cNvPr id="13" name="Inhaltsplatzhalter 2"/>
           <p:cNvSpPr>
             <a:spLocks noGrp="1"/>
           </p:cNvSpPr>
@@ -3231,60 +8855,98 @@
             <p:ph idx="1"/>
           </p:nvPr>
         </p:nvSpPr>
-        <p:spPr/>
+        <p:spPr>
+          <a:xfrm>
+            <a:off x="838200" y="1825625"/>
+            <a:ext cx="10515600" cy="4351338"/>
+          </a:xfrm>
+        </p:spPr>
         <p:txBody>
           <a:bodyPr/>
           <a:lstStyle/>
           <a:p>
-            <a:pPr marL="0" indent="0" algn="ctr">
-              <a:buNone/>
-            </a:pPr>
-            <a:endParaRPr lang="de-CH" sz="3600" dirty="0"/>
-          </a:p>
-          <a:p>
-            <a:pPr marL="0" indent="0" algn="ctr">
-              <a:buNone/>
-            </a:pPr>
-            <a:r>
-              <a:rPr lang="de-CH" sz="4800" i="1" dirty="0" smtClean="0"/>
-              <a:t>Minimalistisch</a:t>
-            </a:r>
-          </a:p>
-          <a:p>
-            <a:pPr marL="0" indent="0" algn="ctr">
-              <a:buNone/>
-            </a:pPr>
-            <a:r>
-              <a:rPr lang="de-CH" sz="4800" i="1" dirty="0" smtClean="0"/>
-              <a:t>Schnell</a:t>
-            </a:r>
-          </a:p>
-          <a:p>
-            <a:pPr marL="0" indent="0" algn="ctr">
-              <a:buNone/>
-            </a:pPr>
-            <a:r>
-              <a:rPr lang="de-CH" sz="4800" i="1" dirty="0" err="1"/>
-              <a:t>C</a:t>
-            </a:r>
-            <a:r>
-              <a:rPr lang="de-CH" sz="4800" i="1" dirty="0" err="1" smtClean="0"/>
-              <a:t>oncurrency</a:t>
-            </a:r>
-            <a:endParaRPr lang="de-CH" sz="4800" i="1" dirty="0"/>
+            <a:pPr marL="0" indent="0">
+              <a:buNone/>
+            </a:pPr>
+            <a:r>
+              <a:rPr lang="de-CH" dirty="0" smtClean="0"/>
+              <a:t>2. Root-Objekte holen und grau markieren </a:t>
+            </a:r>
+            <a:r>
+              <a:rPr lang="de-CH" i="1" dirty="0" smtClean="0"/>
+              <a:t>(</a:t>
+            </a:r>
+            <a:r>
+              <a:rPr lang="de-CH" i="1" dirty="0" err="1" smtClean="0"/>
+              <a:t>mark</a:t>
+            </a:r>
+            <a:r>
+              <a:rPr lang="de-CH" i="1" dirty="0" smtClean="0"/>
+              <a:t>)</a:t>
+            </a:r>
+            <a:endParaRPr lang="de-CH" i="1" dirty="0"/>
+          </a:p>
+        </p:txBody>
+      </p:sp>
+      <p:sp>
+        <p:nvSpPr>
+          <p:cNvPr id="18" name="Ellipse 17"/>
+          <p:cNvSpPr/>
+          <p:nvPr/>
+        </p:nvSpPr>
+        <p:spPr>
+          <a:xfrm>
+            <a:off x="4608999" y="4745535"/>
+            <a:ext cx="1363288" cy="1379912"/>
+          </a:xfrm>
+          <a:prstGeom prst="ellipse">
+            <a:avLst/>
+          </a:prstGeom>
+        </p:spPr>
+        <p:style>
+          <a:lnRef idx="2">
+            <a:schemeClr val="dk1"/>
+          </a:lnRef>
+          <a:fillRef idx="1">
+            <a:schemeClr val="lt1"/>
+          </a:fillRef>
+          <a:effectRef idx="0">
+            <a:schemeClr val="dk1"/>
+          </a:effectRef>
+          <a:fontRef idx="minor">
+            <a:schemeClr val="dk1"/>
+          </a:fontRef>
+        </p:style>
+        <p:txBody>
+          <a:bodyPr rtlCol="0" anchor="ctr"/>
+          <a:lstStyle/>
+          <a:p>
+            <a:pPr algn="ctr"/>
+            <a:r>
+              <a:rPr lang="de-CH" dirty="0" smtClean="0"/>
+              <a:t>Apfel</a:t>
+            </a:r>
+            <a:endParaRPr lang="de-CH" dirty="0"/>
           </a:p>
         </p:txBody>
       </p:sp>
     </p:spTree>
     <p:extLst>
       <p:ext uri="{BB962C8B-B14F-4D97-AF65-F5344CB8AC3E}">
-        <p14:creationId xmlns:p14="http://schemas.microsoft.com/office/powerpoint/2010/main" val="1362767083"/>
+        <p14:creationId xmlns:p14="http://schemas.microsoft.com/office/powerpoint/2010/main" val="2527350989"/>
       </p:ext>
     </p:extLst>
   </p:cSld>
   <p:clrMapOvr>
     <a:masterClrMapping/>
   </p:clrMapOvr>
+  <p:timing>
+    <p:tnLst>
+      <p:par>
+        <p:cTn id="1" dur="indefinite" restart="never" nodeType="tmRoot"/>
+      </p:par>
+    </p:tnLst>
+  </p:timing>
 </p:sld>
 </file>
 
@@ -3321,6 +8983,2317 @@
           <a:lstStyle/>
           <a:p>
             <a:r>
+              <a:rPr lang="de-CH" dirty="0" err="1" smtClean="0"/>
+              <a:t>Garbage</a:t>
+            </a:r>
+            <a:r>
+              <a:rPr lang="de-CH" dirty="0" smtClean="0"/>
+              <a:t> </a:t>
+            </a:r>
+            <a:r>
+              <a:rPr lang="de-CH" dirty="0" err="1" smtClean="0"/>
+              <a:t>Collector</a:t>
+            </a:r>
+            <a:r>
+              <a:rPr lang="de-CH" dirty="0" smtClean="0"/>
+              <a:t> (4)</a:t>
+            </a:r>
+            <a:endParaRPr lang="de-CH" dirty="0"/>
+          </a:p>
+        </p:txBody>
+      </p:sp>
+      <p:sp>
+        <p:nvSpPr>
+          <p:cNvPr id="4" name="Ellipse 3"/>
+          <p:cNvSpPr/>
+          <p:nvPr/>
+        </p:nvSpPr>
+        <p:spPr>
+          <a:xfrm>
+            <a:off x="2892423" y="3035857"/>
+            <a:ext cx="1363288" cy="1379912"/>
+          </a:xfrm>
+          <a:prstGeom prst="ellipse">
+            <a:avLst/>
+          </a:prstGeom>
+          <a:solidFill>
+            <a:schemeClr val="bg1">
+              <a:lumMod val="75000"/>
+            </a:schemeClr>
+          </a:solidFill>
+        </p:spPr>
+        <p:style>
+          <a:lnRef idx="2">
+            <a:schemeClr val="dk1"/>
+          </a:lnRef>
+          <a:fillRef idx="1">
+            <a:schemeClr val="lt1"/>
+          </a:fillRef>
+          <a:effectRef idx="0">
+            <a:schemeClr val="dk1"/>
+          </a:effectRef>
+          <a:fontRef idx="minor">
+            <a:schemeClr val="dk1"/>
+          </a:fontRef>
+        </p:style>
+        <p:txBody>
+          <a:bodyPr rtlCol="0" anchor="ctr"/>
+          <a:lstStyle/>
+          <a:p>
+            <a:pPr algn="ctr"/>
+            <a:r>
+              <a:rPr lang="de-CH" dirty="0" smtClean="0"/>
+              <a:t>Auto</a:t>
+            </a:r>
+            <a:endParaRPr lang="de-CH" dirty="0"/>
+          </a:p>
+        </p:txBody>
+      </p:sp>
+      <p:sp>
+        <p:nvSpPr>
+          <p:cNvPr id="6" name="Ellipse 5"/>
+          <p:cNvSpPr/>
+          <p:nvPr/>
+        </p:nvSpPr>
+        <p:spPr>
+          <a:xfrm>
+            <a:off x="8320632" y="3035857"/>
+            <a:ext cx="1363288" cy="1379912"/>
+          </a:xfrm>
+          <a:prstGeom prst="ellipse">
+            <a:avLst/>
+          </a:prstGeom>
+        </p:spPr>
+        <p:style>
+          <a:lnRef idx="2">
+            <a:schemeClr val="dk1">
+              <a:shade val="50000"/>
+            </a:schemeClr>
+          </a:lnRef>
+          <a:fillRef idx="1">
+            <a:schemeClr val="dk1"/>
+          </a:fillRef>
+          <a:effectRef idx="0">
+            <a:schemeClr val="dk1"/>
+          </a:effectRef>
+          <a:fontRef idx="minor">
+            <a:schemeClr val="lt1"/>
+          </a:fontRef>
+        </p:style>
+        <p:txBody>
+          <a:bodyPr rtlCol="0" anchor="ctr"/>
+          <a:lstStyle/>
+          <a:p>
+            <a:pPr algn="ctr"/>
+            <a:r>
+              <a:rPr lang="de-CH" dirty="0" smtClean="0"/>
+              <a:t>Fahrrad</a:t>
+            </a:r>
+            <a:endParaRPr lang="de-CH" dirty="0"/>
+          </a:p>
+        </p:txBody>
+      </p:sp>
+      <p:sp>
+        <p:nvSpPr>
+          <p:cNvPr id="7" name="Ellipse 6"/>
+          <p:cNvSpPr/>
+          <p:nvPr/>
+        </p:nvSpPr>
+        <p:spPr>
+          <a:xfrm>
+            <a:off x="1894895" y="4767675"/>
+            <a:ext cx="1363288" cy="1379912"/>
+          </a:xfrm>
+          <a:prstGeom prst="ellipse">
+            <a:avLst/>
+          </a:prstGeom>
+        </p:spPr>
+        <p:style>
+          <a:lnRef idx="2">
+            <a:schemeClr val="dk1"/>
+          </a:lnRef>
+          <a:fillRef idx="1">
+            <a:schemeClr val="lt1"/>
+          </a:fillRef>
+          <a:effectRef idx="0">
+            <a:schemeClr val="dk1"/>
+          </a:effectRef>
+          <a:fontRef idx="minor">
+            <a:schemeClr val="dk1"/>
+          </a:fontRef>
+        </p:style>
+        <p:txBody>
+          <a:bodyPr rtlCol="0" anchor="ctr"/>
+          <a:lstStyle/>
+          <a:p>
+            <a:pPr algn="ctr"/>
+            <a:r>
+              <a:rPr lang="de-CH" dirty="0" smtClean="0"/>
+              <a:t>Motor</a:t>
+            </a:r>
+            <a:endParaRPr lang="de-CH" dirty="0"/>
+          </a:p>
+        </p:txBody>
+      </p:sp>
+      <p:sp>
+        <p:nvSpPr>
+          <p:cNvPr id="8" name="Ellipse 7"/>
+          <p:cNvSpPr/>
+          <p:nvPr/>
+        </p:nvSpPr>
+        <p:spPr>
+          <a:xfrm>
+            <a:off x="9426227" y="4767675"/>
+            <a:ext cx="1363288" cy="1379912"/>
+          </a:xfrm>
+          <a:prstGeom prst="ellipse">
+            <a:avLst/>
+          </a:prstGeom>
+        </p:spPr>
+        <p:style>
+          <a:lnRef idx="2">
+            <a:schemeClr val="dk1"/>
+          </a:lnRef>
+          <a:fillRef idx="1">
+            <a:schemeClr val="lt1"/>
+          </a:fillRef>
+          <a:effectRef idx="0">
+            <a:schemeClr val="dk1"/>
+          </a:effectRef>
+          <a:fontRef idx="minor">
+            <a:schemeClr val="dk1"/>
+          </a:fontRef>
+        </p:style>
+        <p:txBody>
+          <a:bodyPr rtlCol="0" anchor="ctr"/>
+          <a:lstStyle/>
+          <a:p>
+            <a:pPr algn="ctr"/>
+            <a:r>
+              <a:rPr lang="de-CH" dirty="0" smtClean="0"/>
+              <a:t>Rad 2</a:t>
+            </a:r>
+            <a:endParaRPr lang="de-CH" dirty="0"/>
+          </a:p>
+        </p:txBody>
+      </p:sp>
+      <p:sp>
+        <p:nvSpPr>
+          <p:cNvPr id="9" name="Ellipse 8"/>
+          <p:cNvSpPr/>
+          <p:nvPr/>
+        </p:nvSpPr>
+        <p:spPr>
+          <a:xfrm>
+            <a:off x="7323104" y="4767675"/>
+            <a:ext cx="1363288" cy="1379912"/>
+          </a:xfrm>
+          <a:prstGeom prst="ellipse">
+            <a:avLst/>
+          </a:prstGeom>
+        </p:spPr>
+        <p:style>
+          <a:lnRef idx="2">
+            <a:schemeClr val="dk1"/>
+          </a:lnRef>
+          <a:fillRef idx="1">
+            <a:schemeClr val="lt1"/>
+          </a:fillRef>
+          <a:effectRef idx="0">
+            <a:schemeClr val="dk1"/>
+          </a:effectRef>
+          <a:fontRef idx="minor">
+            <a:schemeClr val="dk1"/>
+          </a:fontRef>
+        </p:style>
+        <p:txBody>
+          <a:bodyPr rtlCol="0" anchor="ctr"/>
+          <a:lstStyle/>
+          <a:p>
+            <a:pPr algn="ctr"/>
+            <a:r>
+              <a:rPr lang="de-CH" dirty="0" smtClean="0"/>
+              <a:t>Rad 1</a:t>
+            </a:r>
+            <a:endParaRPr lang="de-CH" dirty="0"/>
+          </a:p>
+        </p:txBody>
+      </p:sp>
+      <p:cxnSp>
+        <p:nvCxnSpPr>
+          <p:cNvPr id="11" name="Gerade Verbindung mit Pfeil 10"/>
+          <p:cNvCxnSpPr/>
+          <p:nvPr/>
+        </p:nvCxnSpPr>
+        <p:spPr>
+          <a:xfrm flipH="1">
+            <a:off x="2892423" y="4314728"/>
+            <a:ext cx="365761" cy="579433"/>
+          </a:xfrm>
+          <a:prstGeom prst="straightConnector1">
+            <a:avLst/>
+          </a:prstGeom>
+          <a:ln w="38100">
+            <a:tailEnd type="triangle"/>
+          </a:ln>
+        </p:spPr>
+        <p:style>
+          <a:lnRef idx="1">
+            <a:schemeClr val="dk1"/>
+          </a:lnRef>
+          <a:fillRef idx="0">
+            <a:schemeClr val="dk1"/>
+          </a:fillRef>
+          <a:effectRef idx="0">
+            <a:schemeClr val="dk1"/>
+          </a:effectRef>
+          <a:fontRef idx="minor">
+            <a:schemeClr val="tx1"/>
+          </a:fontRef>
+        </p:style>
+      </p:cxnSp>
+      <p:cxnSp>
+        <p:nvCxnSpPr>
+          <p:cNvPr id="14" name="Gerade Verbindung mit Pfeil 13"/>
+          <p:cNvCxnSpPr/>
+          <p:nvPr/>
+        </p:nvCxnSpPr>
+        <p:spPr>
+          <a:xfrm flipH="1">
+            <a:off x="8320632" y="4359613"/>
+            <a:ext cx="365760" cy="520374"/>
+          </a:xfrm>
+          <a:prstGeom prst="straightConnector1">
+            <a:avLst/>
+          </a:prstGeom>
+          <a:ln w="38100">
+            <a:tailEnd type="triangle"/>
+          </a:ln>
+        </p:spPr>
+        <p:style>
+          <a:lnRef idx="1">
+            <a:schemeClr val="dk1"/>
+          </a:lnRef>
+          <a:fillRef idx="0">
+            <a:schemeClr val="dk1"/>
+          </a:fillRef>
+          <a:effectRef idx="0">
+            <a:schemeClr val="dk1"/>
+          </a:effectRef>
+          <a:fontRef idx="minor">
+            <a:schemeClr val="tx1"/>
+          </a:fontRef>
+        </p:style>
+      </p:cxnSp>
+      <p:cxnSp>
+        <p:nvCxnSpPr>
+          <p:cNvPr id="16" name="Gerade Verbindung mit Pfeil 15"/>
+          <p:cNvCxnSpPr/>
+          <p:nvPr/>
+        </p:nvCxnSpPr>
+        <p:spPr>
+          <a:xfrm>
+            <a:off x="9426227" y="4314728"/>
+            <a:ext cx="479365" cy="452947"/>
+          </a:xfrm>
+          <a:prstGeom prst="straightConnector1">
+            <a:avLst/>
+          </a:prstGeom>
+          <a:ln w="38100">
+            <a:solidFill>
+              <a:schemeClr val="tx1"/>
+            </a:solidFill>
+            <a:tailEnd type="triangle"/>
+          </a:ln>
+        </p:spPr>
+        <p:style>
+          <a:lnRef idx="1">
+            <a:schemeClr val="dk1"/>
+          </a:lnRef>
+          <a:fillRef idx="0">
+            <a:schemeClr val="dk1"/>
+          </a:fillRef>
+          <a:effectRef idx="0">
+            <a:schemeClr val="dk1"/>
+          </a:effectRef>
+          <a:fontRef idx="minor">
+            <a:schemeClr val="tx1"/>
+          </a:fontRef>
+        </p:style>
+      </p:cxnSp>
+      <p:sp>
+        <p:nvSpPr>
+          <p:cNvPr id="13" name="Inhaltsplatzhalter 2"/>
+          <p:cNvSpPr>
+            <a:spLocks noGrp="1"/>
+          </p:cNvSpPr>
+          <p:nvPr>
+            <p:ph idx="1"/>
+          </p:nvPr>
+        </p:nvSpPr>
+        <p:spPr>
+          <a:xfrm>
+            <a:off x="838200" y="1825625"/>
+            <a:ext cx="10515600" cy="4351338"/>
+          </a:xfrm>
+        </p:spPr>
+        <p:txBody>
+          <a:bodyPr/>
+          <a:lstStyle/>
+          <a:p>
+            <a:pPr marL="0" indent="0">
+              <a:buNone/>
+            </a:pPr>
+            <a:r>
+              <a:rPr lang="de-CH" dirty="0" smtClean="0"/>
+              <a:t>3. Ein graues Objekt wählen und schwarz markieren.</a:t>
+            </a:r>
+            <a:endParaRPr lang="de-CH" dirty="0"/>
+          </a:p>
+        </p:txBody>
+      </p:sp>
+      <p:sp>
+        <p:nvSpPr>
+          <p:cNvPr id="15" name="Ellipse 14"/>
+          <p:cNvSpPr/>
+          <p:nvPr/>
+        </p:nvSpPr>
+        <p:spPr>
+          <a:xfrm>
+            <a:off x="4608999" y="4745535"/>
+            <a:ext cx="1363288" cy="1379912"/>
+          </a:xfrm>
+          <a:prstGeom prst="ellipse">
+            <a:avLst/>
+          </a:prstGeom>
+        </p:spPr>
+        <p:style>
+          <a:lnRef idx="2">
+            <a:schemeClr val="dk1"/>
+          </a:lnRef>
+          <a:fillRef idx="1">
+            <a:schemeClr val="lt1"/>
+          </a:fillRef>
+          <a:effectRef idx="0">
+            <a:schemeClr val="dk1"/>
+          </a:effectRef>
+          <a:fontRef idx="minor">
+            <a:schemeClr val="dk1"/>
+          </a:fontRef>
+        </p:style>
+        <p:txBody>
+          <a:bodyPr rtlCol="0" anchor="ctr"/>
+          <a:lstStyle/>
+          <a:p>
+            <a:pPr algn="ctr"/>
+            <a:r>
+              <a:rPr lang="de-CH" dirty="0" smtClean="0"/>
+              <a:t>Apfel</a:t>
+            </a:r>
+            <a:endParaRPr lang="de-CH" dirty="0"/>
+          </a:p>
+        </p:txBody>
+      </p:sp>
+    </p:spTree>
+    <p:extLst>
+      <p:ext uri="{BB962C8B-B14F-4D97-AF65-F5344CB8AC3E}">
+        <p14:creationId xmlns:p14="http://schemas.microsoft.com/office/powerpoint/2010/main" val="4246240982"/>
+      </p:ext>
+    </p:extLst>
+  </p:cSld>
+  <p:clrMapOvr>
+    <a:masterClrMapping/>
+  </p:clrMapOvr>
+  <p:timing>
+    <p:tnLst>
+      <p:par>
+        <p:cTn id="1" dur="indefinite" restart="never" nodeType="tmRoot"/>
+      </p:par>
+    </p:tnLst>
+  </p:timing>
+</p:sld>
+</file>
+
+<file path=ppt/slides/slide13.xml><?xml version="1.0" encoding="utf-8"?>
+<p:sld xmlns:a="http://schemas.openxmlformats.org/drawingml/2006/main" xmlns:r="http://schemas.openxmlformats.org/officeDocument/2006/relationships" xmlns:p="http://schemas.openxmlformats.org/presentationml/2006/main">
+  <p:cSld>
+    <p:spTree>
+      <p:nvGrpSpPr>
+        <p:cNvPr id="1" name=""/>
+        <p:cNvGrpSpPr/>
+        <p:nvPr/>
+      </p:nvGrpSpPr>
+      <p:grpSpPr>
+        <a:xfrm>
+          <a:off x="0" y="0"/>
+          <a:ext cx="0" cy="0"/>
+          <a:chOff x="0" y="0"/>
+          <a:chExt cx="0" cy="0"/>
+        </a:xfrm>
+      </p:grpSpPr>
+      <p:sp>
+        <p:nvSpPr>
+          <p:cNvPr id="2" name="Titel 1"/>
+          <p:cNvSpPr>
+            <a:spLocks noGrp="1"/>
+          </p:cNvSpPr>
+          <p:nvPr>
+            <p:ph type="title"/>
+          </p:nvPr>
+        </p:nvSpPr>
+        <p:spPr/>
+        <p:txBody>
+          <a:bodyPr/>
+          <a:lstStyle/>
+          <a:p>
+            <a:r>
+              <a:rPr lang="de-CH" dirty="0" err="1" smtClean="0"/>
+              <a:t>Garbage</a:t>
+            </a:r>
+            <a:r>
+              <a:rPr lang="de-CH" dirty="0" smtClean="0"/>
+              <a:t> </a:t>
+            </a:r>
+            <a:r>
+              <a:rPr lang="de-CH" dirty="0" err="1" smtClean="0"/>
+              <a:t>Collector</a:t>
+            </a:r>
+            <a:r>
+              <a:rPr lang="de-CH" dirty="0" smtClean="0"/>
+              <a:t> (5)</a:t>
+            </a:r>
+            <a:endParaRPr lang="de-CH" dirty="0"/>
+          </a:p>
+        </p:txBody>
+      </p:sp>
+      <p:sp>
+        <p:nvSpPr>
+          <p:cNvPr id="4" name="Ellipse 3"/>
+          <p:cNvSpPr/>
+          <p:nvPr/>
+        </p:nvSpPr>
+        <p:spPr>
+          <a:xfrm>
+            <a:off x="2892423" y="3035857"/>
+            <a:ext cx="1363288" cy="1379912"/>
+          </a:xfrm>
+          <a:prstGeom prst="ellipse">
+            <a:avLst/>
+          </a:prstGeom>
+          <a:solidFill>
+            <a:schemeClr val="bg1">
+              <a:lumMod val="75000"/>
+            </a:schemeClr>
+          </a:solidFill>
+        </p:spPr>
+        <p:style>
+          <a:lnRef idx="2">
+            <a:schemeClr val="dk1"/>
+          </a:lnRef>
+          <a:fillRef idx="1">
+            <a:schemeClr val="lt1"/>
+          </a:fillRef>
+          <a:effectRef idx="0">
+            <a:schemeClr val="dk1"/>
+          </a:effectRef>
+          <a:fontRef idx="minor">
+            <a:schemeClr val="dk1"/>
+          </a:fontRef>
+        </p:style>
+        <p:txBody>
+          <a:bodyPr rtlCol="0" anchor="ctr"/>
+          <a:lstStyle/>
+          <a:p>
+            <a:pPr algn="ctr"/>
+            <a:r>
+              <a:rPr lang="de-CH" dirty="0" smtClean="0"/>
+              <a:t>Auto</a:t>
+            </a:r>
+            <a:endParaRPr lang="de-CH" dirty="0"/>
+          </a:p>
+        </p:txBody>
+      </p:sp>
+      <p:sp>
+        <p:nvSpPr>
+          <p:cNvPr id="6" name="Ellipse 5"/>
+          <p:cNvSpPr/>
+          <p:nvPr/>
+        </p:nvSpPr>
+        <p:spPr>
+          <a:xfrm>
+            <a:off x="8320632" y="3035857"/>
+            <a:ext cx="1363288" cy="1379912"/>
+          </a:xfrm>
+          <a:prstGeom prst="ellipse">
+            <a:avLst/>
+          </a:prstGeom>
+        </p:spPr>
+        <p:style>
+          <a:lnRef idx="2">
+            <a:schemeClr val="dk1">
+              <a:shade val="50000"/>
+            </a:schemeClr>
+          </a:lnRef>
+          <a:fillRef idx="1">
+            <a:schemeClr val="dk1"/>
+          </a:fillRef>
+          <a:effectRef idx="0">
+            <a:schemeClr val="dk1"/>
+          </a:effectRef>
+          <a:fontRef idx="minor">
+            <a:schemeClr val="lt1"/>
+          </a:fontRef>
+        </p:style>
+        <p:txBody>
+          <a:bodyPr rtlCol="0" anchor="ctr"/>
+          <a:lstStyle/>
+          <a:p>
+            <a:pPr algn="ctr"/>
+            <a:r>
+              <a:rPr lang="de-CH" dirty="0" smtClean="0"/>
+              <a:t>Fahrrad</a:t>
+            </a:r>
+            <a:endParaRPr lang="de-CH" dirty="0"/>
+          </a:p>
+        </p:txBody>
+      </p:sp>
+      <p:sp>
+        <p:nvSpPr>
+          <p:cNvPr id="7" name="Ellipse 6"/>
+          <p:cNvSpPr/>
+          <p:nvPr/>
+        </p:nvSpPr>
+        <p:spPr>
+          <a:xfrm>
+            <a:off x="1894895" y="4767675"/>
+            <a:ext cx="1363288" cy="1379912"/>
+          </a:xfrm>
+          <a:prstGeom prst="ellipse">
+            <a:avLst/>
+          </a:prstGeom>
+        </p:spPr>
+        <p:style>
+          <a:lnRef idx="2">
+            <a:schemeClr val="dk1"/>
+          </a:lnRef>
+          <a:fillRef idx="1">
+            <a:schemeClr val="lt1"/>
+          </a:fillRef>
+          <a:effectRef idx="0">
+            <a:schemeClr val="dk1"/>
+          </a:effectRef>
+          <a:fontRef idx="minor">
+            <a:schemeClr val="dk1"/>
+          </a:fontRef>
+        </p:style>
+        <p:txBody>
+          <a:bodyPr rtlCol="0" anchor="ctr"/>
+          <a:lstStyle/>
+          <a:p>
+            <a:pPr algn="ctr"/>
+            <a:r>
+              <a:rPr lang="de-CH" dirty="0" smtClean="0"/>
+              <a:t>Motor</a:t>
+            </a:r>
+            <a:endParaRPr lang="de-CH" dirty="0"/>
+          </a:p>
+        </p:txBody>
+      </p:sp>
+      <p:sp>
+        <p:nvSpPr>
+          <p:cNvPr id="8" name="Ellipse 7"/>
+          <p:cNvSpPr/>
+          <p:nvPr/>
+        </p:nvSpPr>
+        <p:spPr>
+          <a:xfrm>
+            <a:off x="9426227" y="4767675"/>
+            <a:ext cx="1363288" cy="1379912"/>
+          </a:xfrm>
+          <a:prstGeom prst="ellipse">
+            <a:avLst/>
+          </a:prstGeom>
+        </p:spPr>
+        <p:style>
+          <a:lnRef idx="2">
+            <a:schemeClr val="dk1"/>
+          </a:lnRef>
+          <a:fillRef idx="1">
+            <a:schemeClr val="lt1"/>
+          </a:fillRef>
+          <a:effectRef idx="0">
+            <a:schemeClr val="dk1"/>
+          </a:effectRef>
+          <a:fontRef idx="minor">
+            <a:schemeClr val="dk1"/>
+          </a:fontRef>
+        </p:style>
+        <p:txBody>
+          <a:bodyPr rtlCol="0" anchor="ctr"/>
+          <a:lstStyle/>
+          <a:p>
+            <a:pPr algn="ctr"/>
+            <a:r>
+              <a:rPr lang="de-CH" dirty="0" smtClean="0"/>
+              <a:t>Rad 2</a:t>
+            </a:r>
+            <a:endParaRPr lang="de-CH" dirty="0"/>
+          </a:p>
+        </p:txBody>
+      </p:sp>
+      <p:sp>
+        <p:nvSpPr>
+          <p:cNvPr id="9" name="Ellipse 8"/>
+          <p:cNvSpPr/>
+          <p:nvPr/>
+        </p:nvSpPr>
+        <p:spPr>
+          <a:xfrm>
+            <a:off x="7323104" y="4767675"/>
+            <a:ext cx="1363288" cy="1379912"/>
+          </a:xfrm>
+          <a:prstGeom prst="ellipse">
+            <a:avLst/>
+          </a:prstGeom>
+          <a:solidFill>
+            <a:schemeClr val="bg1">
+              <a:lumMod val="75000"/>
+            </a:schemeClr>
+          </a:solidFill>
+        </p:spPr>
+        <p:style>
+          <a:lnRef idx="2">
+            <a:schemeClr val="dk1"/>
+          </a:lnRef>
+          <a:fillRef idx="1">
+            <a:schemeClr val="lt1"/>
+          </a:fillRef>
+          <a:effectRef idx="0">
+            <a:schemeClr val="dk1"/>
+          </a:effectRef>
+          <a:fontRef idx="minor">
+            <a:schemeClr val="dk1"/>
+          </a:fontRef>
+        </p:style>
+        <p:txBody>
+          <a:bodyPr rtlCol="0" anchor="ctr"/>
+          <a:lstStyle/>
+          <a:p>
+            <a:pPr algn="ctr"/>
+            <a:r>
+              <a:rPr lang="de-CH" dirty="0" smtClean="0"/>
+              <a:t>Rad 1</a:t>
+            </a:r>
+            <a:endParaRPr lang="de-CH" dirty="0"/>
+          </a:p>
+        </p:txBody>
+      </p:sp>
+      <p:cxnSp>
+        <p:nvCxnSpPr>
+          <p:cNvPr id="11" name="Gerade Verbindung mit Pfeil 10"/>
+          <p:cNvCxnSpPr/>
+          <p:nvPr/>
+        </p:nvCxnSpPr>
+        <p:spPr>
+          <a:xfrm flipH="1">
+            <a:off x="2892423" y="4314728"/>
+            <a:ext cx="365761" cy="579433"/>
+          </a:xfrm>
+          <a:prstGeom prst="straightConnector1">
+            <a:avLst/>
+          </a:prstGeom>
+          <a:ln w="38100">
+            <a:tailEnd type="triangle"/>
+          </a:ln>
+        </p:spPr>
+        <p:style>
+          <a:lnRef idx="1">
+            <a:schemeClr val="dk1"/>
+          </a:lnRef>
+          <a:fillRef idx="0">
+            <a:schemeClr val="dk1"/>
+          </a:fillRef>
+          <a:effectRef idx="0">
+            <a:schemeClr val="dk1"/>
+          </a:effectRef>
+          <a:fontRef idx="minor">
+            <a:schemeClr val="tx1"/>
+          </a:fontRef>
+        </p:style>
+      </p:cxnSp>
+      <p:cxnSp>
+        <p:nvCxnSpPr>
+          <p:cNvPr id="14" name="Gerade Verbindung mit Pfeil 13"/>
+          <p:cNvCxnSpPr/>
+          <p:nvPr/>
+        </p:nvCxnSpPr>
+        <p:spPr>
+          <a:xfrm flipH="1">
+            <a:off x="8320632" y="4359613"/>
+            <a:ext cx="365760" cy="520374"/>
+          </a:xfrm>
+          <a:prstGeom prst="straightConnector1">
+            <a:avLst/>
+          </a:prstGeom>
+          <a:ln w="38100">
+            <a:tailEnd type="triangle"/>
+          </a:ln>
+        </p:spPr>
+        <p:style>
+          <a:lnRef idx="1">
+            <a:schemeClr val="dk1"/>
+          </a:lnRef>
+          <a:fillRef idx="0">
+            <a:schemeClr val="dk1"/>
+          </a:fillRef>
+          <a:effectRef idx="0">
+            <a:schemeClr val="dk1"/>
+          </a:effectRef>
+          <a:fontRef idx="minor">
+            <a:schemeClr val="tx1"/>
+          </a:fontRef>
+        </p:style>
+      </p:cxnSp>
+      <p:cxnSp>
+        <p:nvCxnSpPr>
+          <p:cNvPr id="16" name="Gerade Verbindung mit Pfeil 15"/>
+          <p:cNvCxnSpPr/>
+          <p:nvPr/>
+        </p:nvCxnSpPr>
+        <p:spPr>
+          <a:xfrm>
+            <a:off x="9426227" y="4314728"/>
+            <a:ext cx="479365" cy="452947"/>
+          </a:xfrm>
+          <a:prstGeom prst="straightConnector1">
+            <a:avLst/>
+          </a:prstGeom>
+          <a:ln w="38100">
+            <a:solidFill>
+              <a:schemeClr val="tx1"/>
+            </a:solidFill>
+            <a:tailEnd type="triangle"/>
+          </a:ln>
+        </p:spPr>
+        <p:style>
+          <a:lnRef idx="1">
+            <a:schemeClr val="dk1"/>
+          </a:lnRef>
+          <a:fillRef idx="0">
+            <a:schemeClr val="dk1"/>
+          </a:fillRef>
+          <a:effectRef idx="0">
+            <a:schemeClr val="dk1"/>
+          </a:effectRef>
+          <a:fontRef idx="minor">
+            <a:schemeClr val="tx1"/>
+          </a:fontRef>
+        </p:style>
+      </p:cxnSp>
+      <p:sp>
+        <p:nvSpPr>
+          <p:cNvPr id="13" name="Inhaltsplatzhalter 2"/>
+          <p:cNvSpPr>
+            <a:spLocks noGrp="1"/>
+          </p:cNvSpPr>
+          <p:nvPr>
+            <p:ph idx="1"/>
+          </p:nvPr>
+        </p:nvSpPr>
+        <p:spPr>
+          <a:xfrm>
+            <a:off x="838200" y="1825625"/>
+            <a:ext cx="10515600" cy="4351338"/>
+          </a:xfrm>
+        </p:spPr>
+        <p:txBody>
+          <a:bodyPr/>
+          <a:lstStyle/>
+          <a:p>
+            <a:pPr marL="0" indent="0">
+              <a:buNone/>
+            </a:pPr>
+            <a:r>
+              <a:rPr lang="de-CH" dirty="0" smtClean="0"/>
+              <a:t>4. Den Referenzen des schwarzen Objekts folgen und weisse Objekte grau färben. </a:t>
+            </a:r>
+            <a:endParaRPr lang="de-CH" dirty="0"/>
+          </a:p>
+        </p:txBody>
+      </p:sp>
+      <p:sp>
+        <p:nvSpPr>
+          <p:cNvPr id="15" name="Ellipse 14"/>
+          <p:cNvSpPr/>
+          <p:nvPr/>
+        </p:nvSpPr>
+        <p:spPr>
+          <a:xfrm>
+            <a:off x="4608999" y="4745535"/>
+            <a:ext cx="1363288" cy="1379912"/>
+          </a:xfrm>
+          <a:prstGeom prst="ellipse">
+            <a:avLst/>
+          </a:prstGeom>
+        </p:spPr>
+        <p:style>
+          <a:lnRef idx="2">
+            <a:schemeClr val="dk1"/>
+          </a:lnRef>
+          <a:fillRef idx="1">
+            <a:schemeClr val="lt1"/>
+          </a:fillRef>
+          <a:effectRef idx="0">
+            <a:schemeClr val="dk1"/>
+          </a:effectRef>
+          <a:fontRef idx="minor">
+            <a:schemeClr val="dk1"/>
+          </a:fontRef>
+        </p:style>
+        <p:txBody>
+          <a:bodyPr rtlCol="0" anchor="ctr"/>
+          <a:lstStyle/>
+          <a:p>
+            <a:pPr algn="ctr"/>
+            <a:r>
+              <a:rPr lang="de-CH" dirty="0" smtClean="0"/>
+              <a:t>Apfel</a:t>
+            </a:r>
+            <a:endParaRPr lang="de-CH" dirty="0"/>
+          </a:p>
+        </p:txBody>
+      </p:sp>
+    </p:spTree>
+    <p:extLst>
+      <p:ext uri="{BB962C8B-B14F-4D97-AF65-F5344CB8AC3E}">
+        <p14:creationId xmlns:p14="http://schemas.microsoft.com/office/powerpoint/2010/main" val="1666420945"/>
+      </p:ext>
+    </p:extLst>
+  </p:cSld>
+  <p:clrMapOvr>
+    <a:masterClrMapping/>
+  </p:clrMapOvr>
+  <p:timing>
+    <p:tnLst>
+      <p:par>
+        <p:cTn id="1" dur="indefinite" restart="never" nodeType="tmRoot"/>
+      </p:par>
+    </p:tnLst>
+  </p:timing>
+</p:sld>
+</file>
+
+<file path=ppt/slides/slide14.xml><?xml version="1.0" encoding="utf-8"?>
+<p:sld xmlns:a="http://schemas.openxmlformats.org/drawingml/2006/main" xmlns:r="http://schemas.openxmlformats.org/officeDocument/2006/relationships" xmlns:p="http://schemas.openxmlformats.org/presentationml/2006/main">
+  <p:cSld>
+    <p:spTree>
+      <p:nvGrpSpPr>
+        <p:cNvPr id="1" name=""/>
+        <p:cNvGrpSpPr/>
+        <p:nvPr/>
+      </p:nvGrpSpPr>
+      <p:grpSpPr>
+        <a:xfrm>
+          <a:off x="0" y="0"/>
+          <a:ext cx="0" cy="0"/>
+          <a:chOff x="0" y="0"/>
+          <a:chExt cx="0" cy="0"/>
+        </a:xfrm>
+      </p:grpSpPr>
+      <p:sp>
+        <p:nvSpPr>
+          <p:cNvPr id="2" name="Titel 1"/>
+          <p:cNvSpPr>
+            <a:spLocks noGrp="1"/>
+          </p:cNvSpPr>
+          <p:nvPr>
+            <p:ph type="title"/>
+          </p:nvPr>
+        </p:nvSpPr>
+        <p:spPr/>
+        <p:txBody>
+          <a:bodyPr/>
+          <a:lstStyle/>
+          <a:p>
+            <a:r>
+              <a:rPr lang="de-CH" dirty="0" err="1" smtClean="0"/>
+              <a:t>Garbage</a:t>
+            </a:r>
+            <a:r>
+              <a:rPr lang="de-CH" dirty="0" smtClean="0"/>
+              <a:t> </a:t>
+            </a:r>
+            <a:r>
+              <a:rPr lang="de-CH" dirty="0" err="1" smtClean="0"/>
+              <a:t>Collector</a:t>
+            </a:r>
+            <a:r>
+              <a:rPr lang="de-CH" dirty="0" smtClean="0"/>
+              <a:t> (6)</a:t>
+            </a:r>
+            <a:endParaRPr lang="de-CH" dirty="0"/>
+          </a:p>
+        </p:txBody>
+      </p:sp>
+      <p:sp>
+        <p:nvSpPr>
+          <p:cNvPr id="4" name="Ellipse 3"/>
+          <p:cNvSpPr/>
+          <p:nvPr/>
+        </p:nvSpPr>
+        <p:spPr>
+          <a:xfrm>
+            <a:off x="2892423" y="3035857"/>
+            <a:ext cx="1363288" cy="1379912"/>
+          </a:xfrm>
+          <a:prstGeom prst="ellipse">
+            <a:avLst/>
+          </a:prstGeom>
+        </p:spPr>
+        <p:style>
+          <a:lnRef idx="2">
+            <a:schemeClr val="dk1">
+              <a:shade val="50000"/>
+            </a:schemeClr>
+          </a:lnRef>
+          <a:fillRef idx="1">
+            <a:schemeClr val="dk1"/>
+          </a:fillRef>
+          <a:effectRef idx="0">
+            <a:schemeClr val="dk1"/>
+          </a:effectRef>
+          <a:fontRef idx="minor">
+            <a:schemeClr val="lt1"/>
+          </a:fontRef>
+        </p:style>
+        <p:txBody>
+          <a:bodyPr rtlCol="0" anchor="ctr"/>
+          <a:lstStyle/>
+          <a:p>
+            <a:pPr algn="ctr"/>
+            <a:r>
+              <a:rPr lang="de-CH" dirty="0" smtClean="0"/>
+              <a:t>Auto</a:t>
+            </a:r>
+            <a:endParaRPr lang="de-CH" dirty="0"/>
+          </a:p>
+        </p:txBody>
+      </p:sp>
+      <p:sp>
+        <p:nvSpPr>
+          <p:cNvPr id="6" name="Ellipse 5"/>
+          <p:cNvSpPr/>
+          <p:nvPr/>
+        </p:nvSpPr>
+        <p:spPr>
+          <a:xfrm>
+            <a:off x="8320632" y="3035857"/>
+            <a:ext cx="1363288" cy="1379912"/>
+          </a:xfrm>
+          <a:prstGeom prst="ellipse">
+            <a:avLst/>
+          </a:prstGeom>
+        </p:spPr>
+        <p:style>
+          <a:lnRef idx="2">
+            <a:schemeClr val="dk1">
+              <a:shade val="50000"/>
+            </a:schemeClr>
+          </a:lnRef>
+          <a:fillRef idx="1">
+            <a:schemeClr val="dk1"/>
+          </a:fillRef>
+          <a:effectRef idx="0">
+            <a:schemeClr val="dk1"/>
+          </a:effectRef>
+          <a:fontRef idx="minor">
+            <a:schemeClr val="lt1"/>
+          </a:fontRef>
+        </p:style>
+        <p:txBody>
+          <a:bodyPr rtlCol="0" anchor="ctr"/>
+          <a:lstStyle/>
+          <a:p>
+            <a:pPr algn="ctr"/>
+            <a:r>
+              <a:rPr lang="de-CH" dirty="0" smtClean="0"/>
+              <a:t>Fahrrad</a:t>
+            </a:r>
+            <a:endParaRPr lang="de-CH" dirty="0"/>
+          </a:p>
+        </p:txBody>
+      </p:sp>
+      <p:sp>
+        <p:nvSpPr>
+          <p:cNvPr id="7" name="Ellipse 6"/>
+          <p:cNvSpPr/>
+          <p:nvPr/>
+        </p:nvSpPr>
+        <p:spPr>
+          <a:xfrm>
+            <a:off x="1894895" y="4767675"/>
+            <a:ext cx="1363288" cy="1379912"/>
+          </a:xfrm>
+          <a:prstGeom prst="ellipse">
+            <a:avLst/>
+          </a:prstGeom>
+        </p:spPr>
+        <p:style>
+          <a:lnRef idx="2">
+            <a:schemeClr val="dk1">
+              <a:shade val="50000"/>
+            </a:schemeClr>
+          </a:lnRef>
+          <a:fillRef idx="1">
+            <a:schemeClr val="dk1"/>
+          </a:fillRef>
+          <a:effectRef idx="0">
+            <a:schemeClr val="dk1"/>
+          </a:effectRef>
+          <a:fontRef idx="minor">
+            <a:schemeClr val="lt1"/>
+          </a:fontRef>
+        </p:style>
+        <p:txBody>
+          <a:bodyPr rtlCol="0" anchor="ctr"/>
+          <a:lstStyle/>
+          <a:p>
+            <a:pPr algn="ctr"/>
+            <a:r>
+              <a:rPr lang="de-CH" dirty="0" smtClean="0"/>
+              <a:t>Motor</a:t>
+            </a:r>
+            <a:endParaRPr lang="de-CH" dirty="0"/>
+          </a:p>
+        </p:txBody>
+      </p:sp>
+      <p:sp>
+        <p:nvSpPr>
+          <p:cNvPr id="8" name="Ellipse 7"/>
+          <p:cNvSpPr/>
+          <p:nvPr/>
+        </p:nvSpPr>
+        <p:spPr>
+          <a:xfrm>
+            <a:off x="9426227" y="4767675"/>
+            <a:ext cx="1363288" cy="1379912"/>
+          </a:xfrm>
+          <a:prstGeom prst="ellipse">
+            <a:avLst/>
+          </a:prstGeom>
+        </p:spPr>
+        <p:style>
+          <a:lnRef idx="2">
+            <a:schemeClr val="dk1">
+              <a:shade val="50000"/>
+            </a:schemeClr>
+          </a:lnRef>
+          <a:fillRef idx="1">
+            <a:schemeClr val="dk1"/>
+          </a:fillRef>
+          <a:effectRef idx="0">
+            <a:schemeClr val="dk1"/>
+          </a:effectRef>
+          <a:fontRef idx="minor">
+            <a:schemeClr val="lt1"/>
+          </a:fontRef>
+        </p:style>
+        <p:txBody>
+          <a:bodyPr rtlCol="0" anchor="ctr"/>
+          <a:lstStyle/>
+          <a:p>
+            <a:pPr algn="ctr"/>
+            <a:r>
+              <a:rPr lang="de-CH" dirty="0" smtClean="0"/>
+              <a:t>Rad 2</a:t>
+            </a:r>
+            <a:endParaRPr lang="de-CH" dirty="0"/>
+          </a:p>
+        </p:txBody>
+      </p:sp>
+      <p:sp>
+        <p:nvSpPr>
+          <p:cNvPr id="9" name="Ellipse 8"/>
+          <p:cNvSpPr/>
+          <p:nvPr/>
+        </p:nvSpPr>
+        <p:spPr>
+          <a:xfrm>
+            <a:off x="7323104" y="4767675"/>
+            <a:ext cx="1363288" cy="1379912"/>
+          </a:xfrm>
+          <a:prstGeom prst="ellipse">
+            <a:avLst/>
+          </a:prstGeom>
+        </p:spPr>
+        <p:style>
+          <a:lnRef idx="2">
+            <a:schemeClr val="dk1">
+              <a:shade val="50000"/>
+            </a:schemeClr>
+          </a:lnRef>
+          <a:fillRef idx="1">
+            <a:schemeClr val="dk1"/>
+          </a:fillRef>
+          <a:effectRef idx="0">
+            <a:schemeClr val="dk1"/>
+          </a:effectRef>
+          <a:fontRef idx="minor">
+            <a:schemeClr val="lt1"/>
+          </a:fontRef>
+        </p:style>
+        <p:txBody>
+          <a:bodyPr rtlCol="0" anchor="ctr"/>
+          <a:lstStyle/>
+          <a:p>
+            <a:pPr algn="ctr"/>
+            <a:r>
+              <a:rPr lang="de-CH" dirty="0" smtClean="0"/>
+              <a:t>Rad 1</a:t>
+            </a:r>
+            <a:endParaRPr lang="de-CH" dirty="0"/>
+          </a:p>
+        </p:txBody>
+      </p:sp>
+      <p:cxnSp>
+        <p:nvCxnSpPr>
+          <p:cNvPr id="11" name="Gerade Verbindung mit Pfeil 10"/>
+          <p:cNvCxnSpPr/>
+          <p:nvPr/>
+        </p:nvCxnSpPr>
+        <p:spPr>
+          <a:xfrm flipH="1">
+            <a:off x="2892423" y="4314728"/>
+            <a:ext cx="365761" cy="579433"/>
+          </a:xfrm>
+          <a:prstGeom prst="straightConnector1">
+            <a:avLst/>
+          </a:prstGeom>
+          <a:ln w="38100">
+            <a:tailEnd type="triangle"/>
+          </a:ln>
+        </p:spPr>
+        <p:style>
+          <a:lnRef idx="1">
+            <a:schemeClr val="dk1"/>
+          </a:lnRef>
+          <a:fillRef idx="0">
+            <a:schemeClr val="dk1"/>
+          </a:fillRef>
+          <a:effectRef idx="0">
+            <a:schemeClr val="dk1"/>
+          </a:effectRef>
+          <a:fontRef idx="minor">
+            <a:schemeClr val="tx1"/>
+          </a:fontRef>
+        </p:style>
+      </p:cxnSp>
+      <p:cxnSp>
+        <p:nvCxnSpPr>
+          <p:cNvPr id="14" name="Gerade Verbindung mit Pfeil 13"/>
+          <p:cNvCxnSpPr/>
+          <p:nvPr/>
+        </p:nvCxnSpPr>
+        <p:spPr>
+          <a:xfrm flipH="1">
+            <a:off x="8320632" y="4359613"/>
+            <a:ext cx="365760" cy="520374"/>
+          </a:xfrm>
+          <a:prstGeom prst="straightConnector1">
+            <a:avLst/>
+          </a:prstGeom>
+          <a:ln w="38100">
+            <a:tailEnd type="triangle"/>
+          </a:ln>
+        </p:spPr>
+        <p:style>
+          <a:lnRef idx="1">
+            <a:schemeClr val="dk1"/>
+          </a:lnRef>
+          <a:fillRef idx="0">
+            <a:schemeClr val="dk1"/>
+          </a:fillRef>
+          <a:effectRef idx="0">
+            <a:schemeClr val="dk1"/>
+          </a:effectRef>
+          <a:fontRef idx="minor">
+            <a:schemeClr val="tx1"/>
+          </a:fontRef>
+        </p:style>
+      </p:cxnSp>
+      <p:cxnSp>
+        <p:nvCxnSpPr>
+          <p:cNvPr id="16" name="Gerade Verbindung mit Pfeil 15"/>
+          <p:cNvCxnSpPr/>
+          <p:nvPr/>
+        </p:nvCxnSpPr>
+        <p:spPr>
+          <a:xfrm>
+            <a:off x="9426227" y="4314728"/>
+            <a:ext cx="479365" cy="452947"/>
+          </a:xfrm>
+          <a:prstGeom prst="straightConnector1">
+            <a:avLst/>
+          </a:prstGeom>
+          <a:ln w="38100">
+            <a:solidFill>
+              <a:schemeClr val="tx1"/>
+            </a:solidFill>
+            <a:tailEnd type="triangle"/>
+          </a:ln>
+        </p:spPr>
+        <p:style>
+          <a:lnRef idx="1">
+            <a:schemeClr val="dk1"/>
+          </a:lnRef>
+          <a:fillRef idx="0">
+            <a:schemeClr val="dk1"/>
+          </a:fillRef>
+          <a:effectRef idx="0">
+            <a:schemeClr val="dk1"/>
+          </a:effectRef>
+          <a:fontRef idx="minor">
+            <a:schemeClr val="tx1"/>
+          </a:fontRef>
+        </p:style>
+      </p:cxnSp>
+      <p:sp>
+        <p:nvSpPr>
+          <p:cNvPr id="13" name="Inhaltsplatzhalter 2"/>
+          <p:cNvSpPr>
+            <a:spLocks noGrp="1"/>
+          </p:cNvSpPr>
+          <p:nvPr>
+            <p:ph idx="1"/>
+          </p:nvPr>
+        </p:nvSpPr>
+        <p:spPr>
+          <a:xfrm>
+            <a:off x="838200" y="1825625"/>
+            <a:ext cx="10515600" cy="4351338"/>
+          </a:xfrm>
+        </p:spPr>
+        <p:txBody>
+          <a:bodyPr/>
+          <a:lstStyle/>
+          <a:p>
+            <a:pPr marL="0" indent="0">
+              <a:buNone/>
+            </a:pPr>
+            <a:r>
+              <a:rPr lang="de-CH" dirty="0" smtClean="0"/>
+              <a:t>5. Schritt 3 und 4 wiederholen, bis es keine grauen Objekte mehr gibt.</a:t>
+            </a:r>
+            <a:endParaRPr lang="de-CH" dirty="0"/>
+          </a:p>
+        </p:txBody>
+      </p:sp>
+      <p:sp>
+        <p:nvSpPr>
+          <p:cNvPr id="15" name="Ellipse 14"/>
+          <p:cNvSpPr/>
+          <p:nvPr/>
+        </p:nvSpPr>
+        <p:spPr>
+          <a:xfrm>
+            <a:off x="4608999" y="4745535"/>
+            <a:ext cx="1363288" cy="1379912"/>
+          </a:xfrm>
+          <a:prstGeom prst="ellipse">
+            <a:avLst/>
+          </a:prstGeom>
+        </p:spPr>
+        <p:style>
+          <a:lnRef idx="2">
+            <a:schemeClr val="dk1"/>
+          </a:lnRef>
+          <a:fillRef idx="1">
+            <a:schemeClr val="lt1"/>
+          </a:fillRef>
+          <a:effectRef idx="0">
+            <a:schemeClr val="dk1"/>
+          </a:effectRef>
+          <a:fontRef idx="minor">
+            <a:schemeClr val="dk1"/>
+          </a:fontRef>
+        </p:style>
+        <p:txBody>
+          <a:bodyPr rtlCol="0" anchor="ctr"/>
+          <a:lstStyle/>
+          <a:p>
+            <a:pPr algn="ctr"/>
+            <a:r>
+              <a:rPr lang="de-CH" dirty="0" smtClean="0"/>
+              <a:t>Apfel</a:t>
+            </a:r>
+            <a:endParaRPr lang="de-CH" dirty="0"/>
+          </a:p>
+        </p:txBody>
+      </p:sp>
+    </p:spTree>
+    <p:extLst>
+      <p:ext uri="{BB962C8B-B14F-4D97-AF65-F5344CB8AC3E}">
+        <p14:creationId xmlns:p14="http://schemas.microsoft.com/office/powerpoint/2010/main" val="827448253"/>
+      </p:ext>
+    </p:extLst>
+  </p:cSld>
+  <p:clrMapOvr>
+    <a:masterClrMapping/>
+  </p:clrMapOvr>
+  <p:timing>
+    <p:tnLst>
+      <p:par>
+        <p:cTn id="1" dur="indefinite" restart="never" nodeType="tmRoot"/>
+      </p:par>
+    </p:tnLst>
+  </p:timing>
+</p:sld>
+</file>
+
+<file path=ppt/slides/slide15.xml><?xml version="1.0" encoding="utf-8"?>
+<p:sld xmlns:a="http://schemas.openxmlformats.org/drawingml/2006/main" xmlns:r="http://schemas.openxmlformats.org/officeDocument/2006/relationships" xmlns:p="http://schemas.openxmlformats.org/presentationml/2006/main">
+  <p:cSld>
+    <p:spTree>
+      <p:nvGrpSpPr>
+        <p:cNvPr id="1" name=""/>
+        <p:cNvGrpSpPr/>
+        <p:nvPr/>
+      </p:nvGrpSpPr>
+      <p:grpSpPr>
+        <a:xfrm>
+          <a:off x="0" y="0"/>
+          <a:ext cx="0" cy="0"/>
+          <a:chOff x="0" y="0"/>
+          <a:chExt cx="0" cy="0"/>
+        </a:xfrm>
+      </p:grpSpPr>
+      <p:sp>
+        <p:nvSpPr>
+          <p:cNvPr id="2" name="Titel 1"/>
+          <p:cNvSpPr>
+            <a:spLocks noGrp="1"/>
+          </p:cNvSpPr>
+          <p:nvPr>
+            <p:ph type="title"/>
+          </p:nvPr>
+        </p:nvSpPr>
+        <p:spPr/>
+        <p:txBody>
+          <a:bodyPr/>
+          <a:lstStyle/>
+          <a:p>
+            <a:r>
+              <a:rPr lang="de-CH" dirty="0" err="1" smtClean="0"/>
+              <a:t>Garbage</a:t>
+            </a:r>
+            <a:r>
+              <a:rPr lang="de-CH" dirty="0" smtClean="0"/>
+              <a:t> </a:t>
+            </a:r>
+            <a:r>
+              <a:rPr lang="de-CH" dirty="0" err="1" smtClean="0"/>
+              <a:t>Collector</a:t>
+            </a:r>
+            <a:r>
+              <a:rPr lang="de-CH" dirty="0" smtClean="0"/>
+              <a:t> (7)</a:t>
+            </a:r>
+            <a:endParaRPr lang="de-CH" dirty="0"/>
+          </a:p>
+        </p:txBody>
+      </p:sp>
+      <p:sp>
+        <p:nvSpPr>
+          <p:cNvPr id="4" name="Ellipse 3"/>
+          <p:cNvSpPr/>
+          <p:nvPr/>
+        </p:nvSpPr>
+        <p:spPr>
+          <a:xfrm>
+            <a:off x="2892423" y="3035857"/>
+            <a:ext cx="1363288" cy="1379912"/>
+          </a:xfrm>
+          <a:prstGeom prst="ellipse">
+            <a:avLst/>
+          </a:prstGeom>
+        </p:spPr>
+        <p:style>
+          <a:lnRef idx="2">
+            <a:schemeClr val="dk1">
+              <a:shade val="50000"/>
+            </a:schemeClr>
+          </a:lnRef>
+          <a:fillRef idx="1">
+            <a:schemeClr val="dk1"/>
+          </a:fillRef>
+          <a:effectRef idx="0">
+            <a:schemeClr val="dk1"/>
+          </a:effectRef>
+          <a:fontRef idx="minor">
+            <a:schemeClr val="lt1"/>
+          </a:fontRef>
+        </p:style>
+        <p:txBody>
+          <a:bodyPr rtlCol="0" anchor="ctr"/>
+          <a:lstStyle/>
+          <a:p>
+            <a:pPr algn="ctr"/>
+            <a:r>
+              <a:rPr lang="de-CH" dirty="0" smtClean="0"/>
+              <a:t>Auto</a:t>
+            </a:r>
+            <a:endParaRPr lang="de-CH" dirty="0"/>
+          </a:p>
+        </p:txBody>
+      </p:sp>
+      <p:sp>
+        <p:nvSpPr>
+          <p:cNvPr id="6" name="Ellipse 5"/>
+          <p:cNvSpPr/>
+          <p:nvPr/>
+        </p:nvSpPr>
+        <p:spPr>
+          <a:xfrm>
+            <a:off x="8320632" y="3035857"/>
+            <a:ext cx="1363288" cy="1379912"/>
+          </a:xfrm>
+          <a:prstGeom prst="ellipse">
+            <a:avLst/>
+          </a:prstGeom>
+        </p:spPr>
+        <p:style>
+          <a:lnRef idx="2">
+            <a:schemeClr val="dk1">
+              <a:shade val="50000"/>
+            </a:schemeClr>
+          </a:lnRef>
+          <a:fillRef idx="1">
+            <a:schemeClr val="dk1"/>
+          </a:fillRef>
+          <a:effectRef idx="0">
+            <a:schemeClr val="dk1"/>
+          </a:effectRef>
+          <a:fontRef idx="minor">
+            <a:schemeClr val="lt1"/>
+          </a:fontRef>
+        </p:style>
+        <p:txBody>
+          <a:bodyPr rtlCol="0" anchor="ctr"/>
+          <a:lstStyle/>
+          <a:p>
+            <a:pPr algn="ctr"/>
+            <a:r>
+              <a:rPr lang="de-CH" dirty="0" smtClean="0"/>
+              <a:t>Fahrrad</a:t>
+            </a:r>
+            <a:endParaRPr lang="de-CH" dirty="0"/>
+          </a:p>
+        </p:txBody>
+      </p:sp>
+      <p:sp>
+        <p:nvSpPr>
+          <p:cNvPr id="7" name="Ellipse 6"/>
+          <p:cNvSpPr/>
+          <p:nvPr/>
+        </p:nvSpPr>
+        <p:spPr>
+          <a:xfrm>
+            <a:off x="1894895" y="4767675"/>
+            <a:ext cx="1363288" cy="1379912"/>
+          </a:xfrm>
+          <a:prstGeom prst="ellipse">
+            <a:avLst/>
+          </a:prstGeom>
+        </p:spPr>
+        <p:style>
+          <a:lnRef idx="2">
+            <a:schemeClr val="dk1">
+              <a:shade val="50000"/>
+            </a:schemeClr>
+          </a:lnRef>
+          <a:fillRef idx="1">
+            <a:schemeClr val="dk1"/>
+          </a:fillRef>
+          <a:effectRef idx="0">
+            <a:schemeClr val="dk1"/>
+          </a:effectRef>
+          <a:fontRef idx="minor">
+            <a:schemeClr val="lt1"/>
+          </a:fontRef>
+        </p:style>
+        <p:txBody>
+          <a:bodyPr rtlCol="0" anchor="ctr"/>
+          <a:lstStyle/>
+          <a:p>
+            <a:pPr algn="ctr"/>
+            <a:r>
+              <a:rPr lang="de-CH" dirty="0" smtClean="0"/>
+              <a:t>Motor</a:t>
+            </a:r>
+            <a:endParaRPr lang="de-CH" dirty="0"/>
+          </a:p>
+        </p:txBody>
+      </p:sp>
+      <p:sp>
+        <p:nvSpPr>
+          <p:cNvPr id="8" name="Ellipse 7"/>
+          <p:cNvSpPr/>
+          <p:nvPr/>
+        </p:nvSpPr>
+        <p:spPr>
+          <a:xfrm>
+            <a:off x="9426227" y="4767675"/>
+            <a:ext cx="1363288" cy="1379912"/>
+          </a:xfrm>
+          <a:prstGeom prst="ellipse">
+            <a:avLst/>
+          </a:prstGeom>
+        </p:spPr>
+        <p:style>
+          <a:lnRef idx="2">
+            <a:schemeClr val="dk1">
+              <a:shade val="50000"/>
+            </a:schemeClr>
+          </a:lnRef>
+          <a:fillRef idx="1">
+            <a:schemeClr val="dk1"/>
+          </a:fillRef>
+          <a:effectRef idx="0">
+            <a:schemeClr val="dk1"/>
+          </a:effectRef>
+          <a:fontRef idx="minor">
+            <a:schemeClr val="lt1"/>
+          </a:fontRef>
+        </p:style>
+        <p:txBody>
+          <a:bodyPr rtlCol="0" anchor="ctr"/>
+          <a:lstStyle/>
+          <a:p>
+            <a:pPr algn="ctr"/>
+            <a:r>
+              <a:rPr lang="de-CH" dirty="0" smtClean="0"/>
+              <a:t>Rad 2</a:t>
+            </a:r>
+            <a:endParaRPr lang="de-CH" dirty="0"/>
+          </a:p>
+        </p:txBody>
+      </p:sp>
+      <p:sp>
+        <p:nvSpPr>
+          <p:cNvPr id="9" name="Ellipse 8"/>
+          <p:cNvSpPr/>
+          <p:nvPr/>
+        </p:nvSpPr>
+        <p:spPr>
+          <a:xfrm>
+            <a:off x="7323104" y="4767675"/>
+            <a:ext cx="1363288" cy="1379912"/>
+          </a:xfrm>
+          <a:prstGeom prst="ellipse">
+            <a:avLst/>
+          </a:prstGeom>
+        </p:spPr>
+        <p:style>
+          <a:lnRef idx="2">
+            <a:schemeClr val="dk1">
+              <a:shade val="50000"/>
+            </a:schemeClr>
+          </a:lnRef>
+          <a:fillRef idx="1">
+            <a:schemeClr val="dk1"/>
+          </a:fillRef>
+          <a:effectRef idx="0">
+            <a:schemeClr val="dk1"/>
+          </a:effectRef>
+          <a:fontRef idx="minor">
+            <a:schemeClr val="lt1"/>
+          </a:fontRef>
+        </p:style>
+        <p:txBody>
+          <a:bodyPr rtlCol="0" anchor="ctr"/>
+          <a:lstStyle/>
+          <a:p>
+            <a:pPr algn="ctr"/>
+            <a:r>
+              <a:rPr lang="de-CH" dirty="0" smtClean="0"/>
+              <a:t>Rad 1</a:t>
+            </a:r>
+            <a:endParaRPr lang="de-CH" dirty="0"/>
+          </a:p>
+        </p:txBody>
+      </p:sp>
+      <p:cxnSp>
+        <p:nvCxnSpPr>
+          <p:cNvPr id="11" name="Gerade Verbindung mit Pfeil 10"/>
+          <p:cNvCxnSpPr/>
+          <p:nvPr/>
+        </p:nvCxnSpPr>
+        <p:spPr>
+          <a:xfrm flipH="1">
+            <a:off x="2892423" y="4314728"/>
+            <a:ext cx="365761" cy="579433"/>
+          </a:xfrm>
+          <a:prstGeom prst="straightConnector1">
+            <a:avLst/>
+          </a:prstGeom>
+          <a:ln w="38100">
+            <a:tailEnd type="triangle"/>
+          </a:ln>
+        </p:spPr>
+        <p:style>
+          <a:lnRef idx="1">
+            <a:schemeClr val="dk1"/>
+          </a:lnRef>
+          <a:fillRef idx="0">
+            <a:schemeClr val="dk1"/>
+          </a:fillRef>
+          <a:effectRef idx="0">
+            <a:schemeClr val="dk1"/>
+          </a:effectRef>
+          <a:fontRef idx="minor">
+            <a:schemeClr val="tx1"/>
+          </a:fontRef>
+        </p:style>
+      </p:cxnSp>
+      <p:cxnSp>
+        <p:nvCxnSpPr>
+          <p:cNvPr id="14" name="Gerade Verbindung mit Pfeil 13"/>
+          <p:cNvCxnSpPr/>
+          <p:nvPr/>
+        </p:nvCxnSpPr>
+        <p:spPr>
+          <a:xfrm flipH="1">
+            <a:off x="8320632" y="4359613"/>
+            <a:ext cx="365760" cy="520374"/>
+          </a:xfrm>
+          <a:prstGeom prst="straightConnector1">
+            <a:avLst/>
+          </a:prstGeom>
+          <a:ln w="38100">
+            <a:tailEnd type="triangle"/>
+          </a:ln>
+        </p:spPr>
+        <p:style>
+          <a:lnRef idx="1">
+            <a:schemeClr val="dk1"/>
+          </a:lnRef>
+          <a:fillRef idx="0">
+            <a:schemeClr val="dk1"/>
+          </a:fillRef>
+          <a:effectRef idx="0">
+            <a:schemeClr val="dk1"/>
+          </a:effectRef>
+          <a:fontRef idx="minor">
+            <a:schemeClr val="tx1"/>
+          </a:fontRef>
+        </p:style>
+      </p:cxnSp>
+      <p:cxnSp>
+        <p:nvCxnSpPr>
+          <p:cNvPr id="16" name="Gerade Verbindung mit Pfeil 15"/>
+          <p:cNvCxnSpPr/>
+          <p:nvPr/>
+        </p:nvCxnSpPr>
+        <p:spPr>
+          <a:xfrm>
+            <a:off x="9426227" y="4314728"/>
+            <a:ext cx="479365" cy="452947"/>
+          </a:xfrm>
+          <a:prstGeom prst="straightConnector1">
+            <a:avLst/>
+          </a:prstGeom>
+          <a:ln w="38100">
+            <a:solidFill>
+              <a:schemeClr val="tx1"/>
+            </a:solidFill>
+            <a:tailEnd type="triangle"/>
+          </a:ln>
+        </p:spPr>
+        <p:style>
+          <a:lnRef idx="1">
+            <a:schemeClr val="dk1"/>
+          </a:lnRef>
+          <a:fillRef idx="0">
+            <a:schemeClr val="dk1"/>
+          </a:fillRef>
+          <a:effectRef idx="0">
+            <a:schemeClr val="dk1"/>
+          </a:effectRef>
+          <a:fontRef idx="minor">
+            <a:schemeClr val="tx1"/>
+          </a:fontRef>
+        </p:style>
+      </p:cxnSp>
+      <p:sp>
+        <p:nvSpPr>
+          <p:cNvPr id="13" name="Inhaltsplatzhalter 2"/>
+          <p:cNvSpPr>
+            <a:spLocks noGrp="1"/>
+          </p:cNvSpPr>
+          <p:nvPr>
+            <p:ph idx="1"/>
+          </p:nvPr>
+        </p:nvSpPr>
+        <p:spPr>
+          <a:xfrm>
+            <a:off x="838200" y="1825625"/>
+            <a:ext cx="10515600" cy="4351338"/>
+          </a:xfrm>
+        </p:spPr>
+        <p:txBody>
+          <a:bodyPr/>
+          <a:lstStyle/>
+          <a:p>
+            <a:pPr marL="0" indent="0">
+              <a:buNone/>
+            </a:pPr>
+            <a:r>
+              <a:rPr lang="de-CH" dirty="0" smtClean="0"/>
+              <a:t>6. Weisse Objekte entfernen </a:t>
+            </a:r>
+            <a:r>
+              <a:rPr lang="de-CH" i="1" dirty="0" smtClean="0"/>
+              <a:t>(</a:t>
+            </a:r>
+            <a:r>
+              <a:rPr lang="de-CH" i="1" dirty="0" err="1" smtClean="0"/>
+              <a:t>sweep</a:t>
+            </a:r>
+            <a:r>
+              <a:rPr lang="de-CH" i="1" dirty="0" smtClean="0"/>
+              <a:t>)</a:t>
+            </a:r>
+            <a:endParaRPr lang="de-CH" i="1" dirty="0"/>
+          </a:p>
+        </p:txBody>
+      </p:sp>
+    </p:spTree>
+    <p:extLst>
+      <p:ext uri="{BB962C8B-B14F-4D97-AF65-F5344CB8AC3E}">
+        <p14:creationId xmlns:p14="http://schemas.microsoft.com/office/powerpoint/2010/main" val="170708424"/>
+      </p:ext>
+    </p:extLst>
+  </p:cSld>
+  <p:clrMapOvr>
+    <a:masterClrMapping/>
+  </p:clrMapOvr>
+  <p:timing>
+    <p:tnLst>
+      <p:par>
+        <p:cTn id="1" dur="indefinite" restart="never" nodeType="tmRoot"/>
+      </p:par>
+    </p:tnLst>
+  </p:timing>
+</p:sld>
+</file>
+
+<file path=ppt/slides/slide16.xml><?xml version="1.0" encoding="utf-8"?>
+<p:sld xmlns:a="http://schemas.openxmlformats.org/drawingml/2006/main" xmlns:r="http://schemas.openxmlformats.org/officeDocument/2006/relationships" xmlns:p="http://schemas.openxmlformats.org/presentationml/2006/main">
+  <p:cSld>
+    <p:spTree>
+      <p:nvGrpSpPr>
+        <p:cNvPr id="1" name=""/>
+        <p:cNvGrpSpPr/>
+        <p:nvPr/>
+      </p:nvGrpSpPr>
+      <p:grpSpPr>
+        <a:xfrm>
+          <a:off x="0" y="0"/>
+          <a:ext cx="0" cy="0"/>
+          <a:chOff x="0" y="0"/>
+          <a:chExt cx="0" cy="0"/>
+        </a:xfrm>
+      </p:grpSpPr>
+      <p:sp>
+        <p:nvSpPr>
+          <p:cNvPr id="2" name="Titel 1"/>
+          <p:cNvSpPr>
+            <a:spLocks noGrp="1"/>
+          </p:cNvSpPr>
+          <p:nvPr>
+            <p:ph type="title"/>
+          </p:nvPr>
+        </p:nvSpPr>
+        <p:spPr/>
+        <p:txBody>
+          <a:bodyPr/>
+          <a:lstStyle/>
+          <a:p>
+            <a:r>
+              <a:rPr lang="de-CH" dirty="0" err="1" smtClean="0"/>
+              <a:t>Garbage</a:t>
+            </a:r>
+            <a:r>
+              <a:rPr lang="de-CH" dirty="0" smtClean="0"/>
+              <a:t> </a:t>
+            </a:r>
+            <a:r>
+              <a:rPr lang="de-CH" dirty="0" err="1" smtClean="0"/>
+              <a:t>Collector</a:t>
+            </a:r>
+            <a:r>
+              <a:rPr lang="de-CH" dirty="0" smtClean="0"/>
+              <a:t> (8)</a:t>
+            </a:r>
+            <a:endParaRPr lang="de-CH" dirty="0"/>
+          </a:p>
+        </p:txBody>
+      </p:sp>
+      <p:sp>
+        <p:nvSpPr>
+          <p:cNvPr id="3" name="Inhaltsplatzhalter 2"/>
+          <p:cNvSpPr>
+            <a:spLocks noGrp="1"/>
+          </p:cNvSpPr>
+          <p:nvPr>
+            <p:ph idx="1"/>
+          </p:nvPr>
+        </p:nvSpPr>
+        <p:spPr/>
+        <p:txBody>
+          <a:bodyPr>
+            <a:normAutofit lnSpcReduction="10000"/>
+          </a:bodyPr>
+          <a:lstStyle/>
+          <a:p>
+            <a:r>
+              <a:rPr lang="de-CH" i="1" dirty="0" err="1" smtClean="0"/>
+              <a:t>Concurrent</a:t>
+            </a:r>
+            <a:r>
+              <a:rPr lang="de-CH" dirty="0" smtClean="0"/>
+              <a:t>?</a:t>
+            </a:r>
+          </a:p>
+          <a:p>
+            <a:endParaRPr lang="de-CH" dirty="0"/>
+          </a:p>
+          <a:p>
+            <a:r>
+              <a:rPr lang="de-CH" dirty="0" smtClean="0"/>
+              <a:t>Die Applikation (</a:t>
+            </a:r>
+            <a:r>
+              <a:rPr lang="de-CH" i="1" dirty="0" err="1" smtClean="0"/>
+              <a:t>Mutator</a:t>
+            </a:r>
+            <a:r>
+              <a:rPr lang="de-CH" dirty="0" smtClean="0"/>
+              <a:t>) kann während des GC-Algorithmus von schwarzen Objekten auf weisse Zeigen.</a:t>
+            </a:r>
+          </a:p>
+          <a:p>
+            <a:pPr marL="0" indent="0">
+              <a:buNone/>
+            </a:pPr>
+            <a:endParaRPr lang="de-CH" dirty="0" smtClean="0"/>
+          </a:p>
+          <a:p>
+            <a:r>
+              <a:rPr lang="de-CH" dirty="0" smtClean="0"/>
+              <a:t>Zuständigkeit:</a:t>
+            </a:r>
+            <a:r>
+              <a:rPr lang="de-CH" i="1" dirty="0" smtClean="0"/>
+              <a:t> Writer </a:t>
+            </a:r>
+            <a:r>
+              <a:rPr lang="de-CH" i="1" dirty="0" err="1" smtClean="0"/>
+              <a:t>Barrier</a:t>
+            </a:r>
+            <a:endParaRPr lang="de-CH" i="1" dirty="0" smtClean="0"/>
+          </a:p>
+          <a:p>
+            <a:pPr lvl="1"/>
+            <a:r>
+              <a:rPr lang="de-CH" dirty="0" smtClean="0"/>
+              <a:t>Kleine Funktion, von </a:t>
+            </a:r>
+            <a:r>
+              <a:rPr lang="de-CH" dirty="0" err="1" smtClean="0"/>
+              <a:t>Mutator</a:t>
+            </a:r>
+            <a:r>
+              <a:rPr lang="de-CH" dirty="0" smtClean="0"/>
+              <a:t> ausgeführt</a:t>
+            </a:r>
+          </a:p>
+          <a:p>
+            <a:pPr lvl="1"/>
+            <a:r>
+              <a:rPr lang="de-CH" dirty="0" smtClean="0"/>
+              <a:t>Färbt weisse Objekte, welche nun erreichbar sind, gleich selber grau.</a:t>
+            </a:r>
+          </a:p>
+          <a:p>
+            <a:pPr lvl="1"/>
+            <a:endParaRPr lang="de-CH" dirty="0"/>
+          </a:p>
+          <a:p>
+            <a:r>
+              <a:rPr lang="de-CH" dirty="0" smtClean="0"/>
+              <a:t>Trotzdem braucht es eine kurze </a:t>
+            </a:r>
+            <a:r>
+              <a:rPr lang="de-CH" i="1" dirty="0" err="1" smtClean="0"/>
+              <a:t>stop-the-world</a:t>
+            </a:r>
+            <a:r>
+              <a:rPr lang="de-CH" dirty="0" smtClean="0"/>
+              <a:t> Phase.</a:t>
+            </a:r>
+          </a:p>
+          <a:p>
+            <a:pPr marL="457200" lvl="1" indent="0">
+              <a:buNone/>
+            </a:pPr>
+            <a:endParaRPr lang="de-CH" dirty="0"/>
+          </a:p>
+        </p:txBody>
+      </p:sp>
+    </p:spTree>
+    <p:extLst>
+      <p:ext uri="{BB962C8B-B14F-4D97-AF65-F5344CB8AC3E}">
+        <p14:creationId xmlns:p14="http://schemas.microsoft.com/office/powerpoint/2010/main" val="3987652731"/>
+      </p:ext>
+    </p:extLst>
+  </p:cSld>
+  <p:clrMapOvr>
+    <a:masterClrMapping/>
+  </p:clrMapOvr>
+  <p:timing>
+    <p:tnLst>
+      <p:par>
+        <p:cTn id="1" dur="indefinite" restart="never" nodeType="tmRoot"/>
+      </p:par>
+    </p:tnLst>
+  </p:timing>
+</p:sld>
+</file>
+
+<file path=ppt/slides/slide17.xml><?xml version="1.0" encoding="utf-8"?>
+<p:sld xmlns:a="http://schemas.openxmlformats.org/drawingml/2006/main" xmlns:r="http://schemas.openxmlformats.org/officeDocument/2006/relationships" xmlns:p="http://schemas.openxmlformats.org/presentationml/2006/main">
+  <p:cSld>
+    <p:spTree>
+      <p:nvGrpSpPr>
+        <p:cNvPr id="1" name=""/>
+        <p:cNvGrpSpPr/>
+        <p:nvPr/>
+      </p:nvGrpSpPr>
+      <p:grpSpPr>
+        <a:xfrm>
+          <a:off x="0" y="0"/>
+          <a:ext cx="0" cy="0"/>
+          <a:chOff x="0" y="0"/>
+          <a:chExt cx="0" cy="0"/>
+        </a:xfrm>
+      </p:grpSpPr>
+      <p:sp>
+        <p:nvSpPr>
+          <p:cNvPr id="2" name="Titel 1"/>
+          <p:cNvSpPr>
+            <a:spLocks noGrp="1"/>
+          </p:cNvSpPr>
+          <p:nvPr>
+            <p:ph type="title"/>
+          </p:nvPr>
+        </p:nvSpPr>
+        <p:spPr/>
+        <p:txBody>
+          <a:bodyPr/>
+          <a:lstStyle/>
+          <a:p>
+            <a:r>
+              <a:rPr lang="de-CH" dirty="0" smtClean="0"/>
+              <a:t>Fazit Team</a:t>
+            </a:r>
+            <a:endParaRPr lang="de-CH" dirty="0"/>
+          </a:p>
+        </p:txBody>
+      </p:sp>
+      <p:sp>
+        <p:nvSpPr>
+          <p:cNvPr id="3" name="Inhaltsplatzhalter 2"/>
+          <p:cNvSpPr>
+            <a:spLocks noGrp="1"/>
+          </p:cNvSpPr>
+          <p:nvPr>
+            <p:ph idx="1"/>
+          </p:nvPr>
+        </p:nvSpPr>
+        <p:spPr/>
+        <p:txBody>
+          <a:bodyPr>
+            <a:normAutofit fontScale="92500" lnSpcReduction="20000"/>
+          </a:bodyPr>
+          <a:lstStyle/>
+          <a:p>
+            <a:pPr marL="0" indent="0">
+              <a:buNone/>
+            </a:pPr>
+            <a:r>
+              <a:rPr lang="de-CH" sz="3500" dirty="0" smtClean="0"/>
+              <a:t>Aspekte</a:t>
+            </a:r>
+            <a:endParaRPr lang="de-CH" sz="3000" dirty="0" smtClean="0"/>
+          </a:p>
+          <a:p>
+            <a:pPr marL="0" indent="0">
+              <a:buNone/>
+            </a:pPr>
+            <a:r>
+              <a:rPr lang="de-CH" sz="3500" dirty="0" smtClean="0"/>
+              <a:t>+ Spass (Entwicklungsumgebung)</a:t>
+            </a:r>
+          </a:p>
+          <a:p>
+            <a:pPr marL="0" indent="0">
+              <a:buNone/>
+            </a:pPr>
+            <a:r>
+              <a:rPr lang="de-CH" sz="3500" dirty="0" smtClean="0"/>
+              <a:t>+ </a:t>
+            </a:r>
+            <a:r>
+              <a:rPr lang="de-CH" sz="3500" dirty="0" err="1" smtClean="0"/>
+              <a:t>Garbage</a:t>
+            </a:r>
+            <a:r>
+              <a:rPr lang="de-CH" sz="3500" dirty="0" smtClean="0"/>
+              <a:t> Collection</a:t>
+            </a:r>
+          </a:p>
+          <a:p>
+            <a:pPr marL="0" indent="0">
+              <a:buNone/>
+            </a:pPr>
+            <a:r>
+              <a:rPr lang="de-CH" sz="3500" dirty="0" smtClean="0"/>
+              <a:t>+ Aufgeräumte Sprache</a:t>
+            </a:r>
+          </a:p>
+          <a:p>
+            <a:pPr marL="0" indent="0">
+              <a:buNone/>
+            </a:pPr>
+            <a:r>
+              <a:rPr lang="de-CH" sz="3500" dirty="0" smtClean="0"/>
+              <a:t>- Kompilierung für spezifische Zielplattform</a:t>
+            </a:r>
+            <a:endParaRPr lang="de-CH" sz="3500" dirty="0"/>
+          </a:p>
+          <a:p>
+            <a:pPr marL="0" indent="0">
+              <a:buNone/>
+            </a:pPr>
+            <a:endParaRPr lang="de-CH" sz="3500" dirty="0"/>
+          </a:p>
+          <a:p>
+            <a:pPr marL="0" indent="0">
+              <a:buNone/>
+            </a:pPr>
+            <a:r>
+              <a:rPr lang="de-CH" sz="3500" dirty="0" smtClean="0"/>
+              <a:t>Für was?</a:t>
+            </a:r>
+          </a:p>
+          <a:p>
+            <a:pPr marL="0" indent="0">
+              <a:buNone/>
+            </a:pPr>
+            <a:r>
+              <a:rPr lang="de-CH" sz="3500" dirty="0" smtClean="0"/>
+              <a:t>+ Schnellen Backend-Service oder CLI-Tool</a:t>
+            </a:r>
+          </a:p>
+          <a:p>
+            <a:pPr marL="0" indent="0">
+              <a:buNone/>
+            </a:pPr>
+            <a:r>
+              <a:rPr lang="de-CH" sz="3500" dirty="0" smtClean="0"/>
+              <a:t>- Ökosystem von Go (noch) klein</a:t>
+            </a:r>
+            <a:endParaRPr lang="de-CH" sz="3500" dirty="0"/>
+          </a:p>
+          <a:p>
+            <a:endParaRPr lang="de-CH" dirty="0" smtClean="0"/>
+          </a:p>
+          <a:p>
+            <a:endParaRPr lang="de-CH" dirty="0"/>
+          </a:p>
+          <a:p>
+            <a:endParaRPr lang="de-CH" dirty="0"/>
+          </a:p>
+        </p:txBody>
+      </p:sp>
+    </p:spTree>
+    <p:extLst>
+      <p:ext uri="{BB962C8B-B14F-4D97-AF65-F5344CB8AC3E}">
+        <p14:creationId xmlns:p14="http://schemas.microsoft.com/office/powerpoint/2010/main" val="1796784916"/>
+      </p:ext>
+    </p:extLst>
+  </p:cSld>
+  <p:clrMapOvr>
+    <a:masterClrMapping/>
+  </p:clrMapOvr>
+  <p:timing>
+    <p:tnLst>
+      <p:par>
+        <p:cTn id="1" dur="indefinite" restart="never" nodeType="tmRoot"/>
+      </p:par>
+    </p:tnLst>
+  </p:timing>
+</p:sld>
+</file>
+
+<file path=ppt/slides/slide18.xml><?xml version="1.0" encoding="utf-8"?>
+<p:sld xmlns:a="http://schemas.openxmlformats.org/drawingml/2006/main" xmlns:r="http://schemas.openxmlformats.org/officeDocument/2006/relationships" xmlns:p="http://schemas.openxmlformats.org/presentationml/2006/main">
+  <p:cSld>
+    <p:spTree>
+      <p:nvGrpSpPr>
+        <p:cNvPr id="1" name=""/>
+        <p:cNvGrpSpPr/>
+        <p:nvPr/>
+      </p:nvGrpSpPr>
+      <p:grpSpPr>
+        <a:xfrm>
+          <a:off x="0" y="0"/>
+          <a:ext cx="0" cy="0"/>
+          <a:chOff x="0" y="0"/>
+          <a:chExt cx="0" cy="0"/>
+        </a:xfrm>
+      </p:grpSpPr>
+      <p:sp>
+        <p:nvSpPr>
+          <p:cNvPr id="2" name="Titel 1"/>
+          <p:cNvSpPr>
+            <a:spLocks noGrp="1"/>
+          </p:cNvSpPr>
+          <p:nvPr>
+            <p:ph type="title"/>
+          </p:nvPr>
+        </p:nvSpPr>
+        <p:spPr/>
+        <p:txBody>
+          <a:bodyPr/>
+          <a:lstStyle/>
+          <a:p>
+            <a:r>
+              <a:rPr lang="de-CH" dirty="0" smtClean="0"/>
+              <a:t>Fazit Alex</a:t>
+            </a:r>
+            <a:endParaRPr lang="de-CH" dirty="0"/>
+          </a:p>
+        </p:txBody>
+      </p:sp>
+      <p:sp>
+        <p:nvSpPr>
+          <p:cNvPr id="3" name="Inhaltsplatzhalter 2"/>
+          <p:cNvSpPr>
+            <a:spLocks noGrp="1"/>
+          </p:cNvSpPr>
+          <p:nvPr>
+            <p:ph idx="1"/>
+          </p:nvPr>
+        </p:nvSpPr>
+        <p:spPr/>
+        <p:txBody>
+          <a:bodyPr/>
+          <a:lstStyle/>
+          <a:p>
+            <a:pPr marL="0" indent="0" algn="ctr">
+              <a:buNone/>
+            </a:pPr>
+            <a:endParaRPr lang="de-CH" sz="3600" dirty="0"/>
+          </a:p>
+          <a:p>
+            <a:pPr marL="0" indent="0" algn="ctr">
+              <a:buNone/>
+            </a:pPr>
+            <a:r>
+              <a:rPr lang="de-CH" sz="4800" i="1" dirty="0" smtClean="0"/>
+              <a:t>Minimalistisch</a:t>
+            </a:r>
+          </a:p>
+          <a:p>
+            <a:pPr marL="0" indent="0" algn="ctr">
+              <a:buNone/>
+            </a:pPr>
+            <a:r>
+              <a:rPr lang="de-CH" sz="4800" i="1" dirty="0" smtClean="0"/>
+              <a:t>Schnell</a:t>
+            </a:r>
+          </a:p>
+          <a:p>
+            <a:pPr marL="0" indent="0" algn="ctr">
+              <a:buNone/>
+            </a:pPr>
+            <a:r>
+              <a:rPr lang="de-CH" sz="4800" i="1" dirty="0" err="1"/>
+              <a:t>C</a:t>
+            </a:r>
+            <a:r>
+              <a:rPr lang="de-CH" sz="4800" i="1" dirty="0" err="1" smtClean="0"/>
+              <a:t>oncurrency</a:t>
+            </a:r>
+            <a:endParaRPr lang="de-CH" sz="4800" i="1" dirty="0"/>
+          </a:p>
+        </p:txBody>
+      </p:sp>
+    </p:spTree>
+    <p:extLst>
+      <p:ext uri="{BB962C8B-B14F-4D97-AF65-F5344CB8AC3E}">
+        <p14:creationId xmlns:p14="http://schemas.microsoft.com/office/powerpoint/2010/main" val="1362767083"/>
+      </p:ext>
+    </p:extLst>
+  </p:cSld>
+  <p:clrMapOvr>
+    <a:masterClrMapping/>
+  </p:clrMapOvr>
+  <p:timing>
+    <p:tnLst>
+      <p:par>
+        <p:cTn id="1" dur="indefinite" restart="never" nodeType="tmRoot"/>
+      </p:par>
+    </p:tnLst>
+  </p:timing>
+</p:sld>
+</file>
+
+<file path=ppt/slides/slide19.xml><?xml version="1.0" encoding="utf-8"?>
+<p:sld xmlns:a="http://schemas.openxmlformats.org/drawingml/2006/main" xmlns:r="http://schemas.openxmlformats.org/officeDocument/2006/relationships" xmlns:p="http://schemas.openxmlformats.org/presentationml/2006/main">
+  <p:cSld>
+    <p:spTree>
+      <p:nvGrpSpPr>
+        <p:cNvPr id="1" name=""/>
+        <p:cNvGrpSpPr/>
+        <p:nvPr/>
+      </p:nvGrpSpPr>
+      <p:grpSpPr>
+        <a:xfrm>
+          <a:off x="0" y="0"/>
+          <a:ext cx="0" cy="0"/>
+          <a:chOff x="0" y="0"/>
+          <a:chExt cx="0" cy="0"/>
+        </a:xfrm>
+      </p:grpSpPr>
+      <p:sp>
+        <p:nvSpPr>
+          <p:cNvPr id="2" name="Titel 1"/>
+          <p:cNvSpPr>
+            <a:spLocks noGrp="1"/>
+          </p:cNvSpPr>
+          <p:nvPr>
+            <p:ph type="title"/>
+          </p:nvPr>
+        </p:nvSpPr>
+        <p:spPr/>
+        <p:txBody>
+          <a:bodyPr/>
+          <a:lstStyle/>
+          <a:p>
+            <a:r>
               <a:rPr lang="de-CH" dirty="0" smtClean="0"/>
               <a:t>Fazit Fabian</a:t>
             </a:r>
@@ -3394,6 +11367,13 @@
   <p:clrMapOvr>
     <a:masterClrMapping/>
   </p:clrMapOvr>
+  <p:timing>
+    <p:tnLst>
+      <p:par>
+        <p:cTn id="1" dur="indefinite" restart="never" nodeType="tmRoot"/>
+      </p:par>
+    </p:tnLst>
+  </p:timing>
 </p:sld>
 </file>
 
@@ -3456,8 +11436,9 @@
           <a:p>
             <a:r>
               <a:rPr lang="de-CH" dirty="0" smtClean="0"/>
-              <a:t>Go (Alex)</a:t>
-            </a:r>
+              <a:t>Go</a:t>
+            </a:r>
+            <a:endParaRPr lang="de-CH" dirty="0" smtClean="0"/>
           </a:p>
           <a:p>
             <a:r>
@@ -3469,15 +11450,21 @@
             <a:pPr lvl="1"/>
             <a:r>
               <a:rPr lang="de-CH" dirty="0" smtClean="0"/>
-              <a:t>Nicht klassenbasiertes OOP (Fabian)</a:t>
-            </a:r>
+              <a:t>Nicht klassenbasiertes </a:t>
+            </a:r>
+            <a:r>
+              <a:rPr lang="de-CH" dirty="0" smtClean="0"/>
+              <a:t>OOP</a:t>
+            </a:r>
+            <a:endParaRPr lang="de-CH" dirty="0" smtClean="0"/>
           </a:p>
           <a:p>
             <a:pPr lvl="1"/>
             <a:r>
               <a:rPr lang="de-CH" dirty="0" smtClean="0"/>
-              <a:t>Slice (Fabian)</a:t>
-            </a:r>
+              <a:t>Slice</a:t>
+            </a:r>
+            <a:endParaRPr lang="de-CH" dirty="0" smtClean="0"/>
           </a:p>
           <a:p>
             <a:pPr lvl="1"/>
@@ -3493,16 +11480,12 @@
               <a:rPr lang="de-CH" dirty="0" err="1" smtClean="0"/>
               <a:t>Collector</a:t>
             </a:r>
-            <a:r>
-              <a:rPr lang="de-CH" dirty="0" smtClean="0"/>
-              <a:t> (Alex)</a:t>
-            </a:r>
             <a:endParaRPr lang="de-CH" dirty="0"/>
           </a:p>
           <a:p>
             <a:r>
               <a:rPr lang="de-CH" dirty="0" smtClean="0"/>
-              <a:t>Fazit (Alex)</a:t>
+              <a:t>Fazit</a:t>
             </a:r>
             <a:endParaRPr lang="de-CH" dirty="0"/>
           </a:p>
@@ -3575,7 +11558,27 @@
             </a:r>
             <a:r>
               <a:rPr lang="en-US" dirty="0" smtClean="0"/>
-              <a:t> 2009, First official Release 2012</a:t>
+              <a:t> 2009</a:t>
+            </a:r>
+            <a:r>
+              <a:rPr lang="en-US" dirty="0" smtClean="0"/>
+              <a:t>, </a:t>
+            </a:r>
+            <a:r>
+              <a:rPr lang="en-US" dirty="0" smtClean="0"/>
+              <a:t>first </a:t>
+            </a:r>
+            <a:r>
+              <a:rPr lang="en-US" dirty="0" smtClean="0"/>
+              <a:t>official </a:t>
+            </a:r>
+            <a:r>
+              <a:rPr lang="en-US" dirty="0" smtClean="0"/>
+              <a:t>release </a:t>
+            </a:r>
+            <a:r>
+              <a:rPr lang="en-US" dirty="0" smtClean="0"/>
+              <a:t>2012</a:t>
             </a:r>
           </a:p>
           <a:p>
@@ -3594,15 +11597,7 @@
             </a:r>
             <a:r>
               <a:rPr lang="en-US" sz="1800" i="1" dirty="0" smtClean="0"/>
-              <a:t>(</a:t>
-            </a:r>
-            <a:r>
-              <a:rPr lang="en-US" sz="1800" i="1" dirty="0"/>
-              <a:t>https://</a:t>
-            </a:r>
-            <a:r>
-              <a:rPr lang="en-US" sz="1800" i="1" dirty="0" smtClean="0"/>
-              <a:t>talks.golang.org/2012/splash.article)</a:t>
+              <a:t>(https://talks.golang.org/2012/splash.article)</a:t>
             </a:r>
           </a:p>
           <a:p>
@@ -3653,8 +11648,36 @@
               <a:buChar char="-"/>
             </a:pPr>
             <a:r>
+              <a:rPr lang="en-US" b="1" dirty="0" smtClean="0"/>
+              <a:t>C</a:t>
+            </a:r>
+            <a:r>
               <a:rPr lang="en-US" dirty="0" smtClean="0"/>
-              <a:t>CLI-Tools (Docker)</a:t>
+              <a:t>ommand </a:t>
+            </a:r>
+            <a:r>
+              <a:rPr lang="en-US" b="1" dirty="0" smtClean="0"/>
+              <a:t>L</a:t>
+            </a:r>
+            <a:r>
+              <a:rPr lang="en-US" dirty="0" smtClean="0"/>
+              <a:t>ine </a:t>
+            </a:r>
+            <a:r>
+              <a:rPr lang="en-US" b="1" dirty="0" smtClean="0"/>
+              <a:t>I</a:t>
+            </a:r>
+            <a:r>
+              <a:rPr lang="en-US" dirty="0" smtClean="0"/>
+              <a:t>nterface-Tools </a:t>
+            </a:r>
+            <a:r>
+              <a:rPr lang="en-US" dirty="0" smtClean="0"/>
+              <a:t>(Docker</a:t>
+            </a:r>
+            <a:r>
+              <a:rPr lang="en-US" dirty="0" smtClean="0"/>
+              <a:t>)</a:t>
             </a:r>
             <a:endParaRPr lang="en-US" dirty="0"/>
           </a:p>
@@ -3761,151 +11784,53 @@
         <p:spPr/>
         <p:txBody>
           <a:bodyPr>
-            <a:normAutofit fontScale="62500" lnSpcReduction="20000"/>
+            <a:normAutofit/>
           </a:bodyPr>
           <a:lstStyle/>
           <a:p>
             <a:r>
               <a:rPr lang="de-CH" dirty="0" smtClean="0"/>
-              <a:t>Typenmodell</a:t>
-            </a:r>
-          </a:p>
-          <a:p>
-            <a:pPr lvl="1"/>
-            <a:r>
-              <a:rPr lang="de-CH" dirty="0" smtClean="0"/>
-              <a:t>Starke Typisierung zur Kompilierzeit</a:t>
-            </a:r>
-          </a:p>
-          <a:p>
-            <a:pPr lvl="1"/>
+              <a:t>Statisch typisiert</a:t>
+            </a:r>
             <a:endParaRPr lang="de-CH" dirty="0"/>
           </a:p>
           <a:p>
             <a:r>
               <a:rPr lang="de-CH" dirty="0" smtClean="0"/>
-              <a:t>Haupt-Programmiermodell</a:t>
-            </a:r>
-          </a:p>
-          <a:p>
-            <a:pPr lvl="1"/>
-            <a:r>
-              <a:rPr lang="de-CH" dirty="0" smtClean="0"/>
-              <a:t>Imperativ</a:t>
-            </a:r>
-          </a:p>
-          <a:p>
-            <a:pPr lvl="1"/>
-            <a:r>
-              <a:rPr lang="de-CH" dirty="0" smtClean="0"/>
-              <a:t>Objektorientierte Programmierung möglich, aber ohne Klassen!</a:t>
-            </a:r>
-          </a:p>
-          <a:p>
-            <a:pPr lvl="1"/>
+              <a:t>Imperativ (objektorientierte Programmierung möglich – ohne Klassen)</a:t>
+            </a:r>
+            <a:endParaRPr lang="de-CH" dirty="0" smtClean="0"/>
+          </a:p>
+          <a:p>
+            <a:r>
+              <a:rPr lang="de-CH" dirty="0" smtClean="0"/>
+              <a:t>Go-Programme </a:t>
+            </a:r>
+            <a:r>
+              <a:rPr lang="de-CH" dirty="0" smtClean="0"/>
+              <a:t>werden für das jeweilige Zielsystem zu einer ausführbaren Datei </a:t>
+            </a:r>
+            <a:r>
+              <a:rPr lang="de-CH" dirty="0" smtClean="0"/>
+              <a:t>kompiliert.</a:t>
+            </a:r>
+            <a:endParaRPr lang="de-CH" dirty="0" smtClean="0"/>
+          </a:p>
+          <a:p>
+            <a:r>
+              <a:rPr lang="de-CH" dirty="0" smtClean="0"/>
+              <a:t>Syntax ähnlich wie C</a:t>
+            </a:r>
             <a:endParaRPr lang="de-CH" dirty="0"/>
           </a:p>
           <a:p>
             <a:r>
               <a:rPr lang="de-CH" dirty="0" smtClean="0"/>
-              <a:t>Wie laufen Go-Programme ab?</a:t>
-            </a:r>
-          </a:p>
-          <a:p>
-            <a:pPr lvl="1"/>
-            <a:r>
-              <a:rPr lang="de-CH" dirty="0" smtClean="0"/>
-              <a:t>Go-Programme werden für das jeweilige Zielsystem zu einer ausführbaren Datei kompiliert (native).</a:t>
-            </a:r>
-          </a:p>
-          <a:p>
-            <a:pPr lvl="1"/>
-            <a:r>
-              <a:rPr lang="de-CH" dirty="0" smtClean="0"/>
-              <a:t>Mehrere Threads (Go-</a:t>
-            </a:r>
-            <a:r>
-              <a:rPr lang="de-CH" dirty="0" err="1" smtClean="0"/>
-              <a:t>Runtime</a:t>
-            </a:r>
-            <a:r>
-              <a:rPr lang="de-CH" dirty="0" smtClean="0"/>
-              <a:t>)</a:t>
-            </a:r>
-          </a:p>
-          <a:p>
-            <a:pPr lvl="1"/>
-            <a:endParaRPr lang="de-CH" dirty="0" smtClean="0"/>
-          </a:p>
-          <a:p>
-            <a:r>
-              <a:rPr lang="de-CH" dirty="0" smtClean="0"/>
-              <a:t>Was sind wichtige </a:t>
-            </a:r>
-            <a:r>
-              <a:rPr lang="de-CH" dirty="0" err="1" smtClean="0"/>
-              <a:t>Entscheidungskonstrukte</a:t>
-            </a:r>
-            <a:r>
-              <a:rPr lang="de-CH" dirty="0" smtClean="0"/>
-              <a:t>?</a:t>
-            </a:r>
-          </a:p>
-          <a:p>
-            <a:pPr lvl="1"/>
-            <a:r>
-              <a:rPr lang="de-CH" dirty="0" smtClean="0"/>
-              <a:t>Ähnlich wie in C, aber bei den Schleifen nur </a:t>
-            </a:r>
-            <a:r>
-              <a:rPr lang="de-CH" i="1" dirty="0" err="1" smtClean="0"/>
-              <a:t>for</a:t>
-            </a:r>
-            <a:endParaRPr lang="de-CH" dirty="0" smtClean="0"/>
-          </a:p>
-          <a:p>
-            <a:pPr lvl="1"/>
-            <a:r>
-              <a:rPr lang="de-CH" i="1" dirty="0" smtClean="0"/>
-              <a:t>Switch</a:t>
-            </a:r>
-            <a:r>
-              <a:rPr lang="de-CH" dirty="0"/>
-              <a:t>-</a:t>
-            </a:r>
-            <a:r>
-              <a:rPr lang="de-CH" dirty="0" smtClean="0"/>
-              <a:t>Anweisung ist flexibler und mit </a:t>
-            </a:r>
-            <a:r>
-              <a:rPr lang="de-CH" i="1" dirty="0" smtClean="0"/>
-              <a:t>Select</a:t>
-            </a:r>
-            <a:r>
-              <a:rPr lang="de-CH" dirty="0" smtClean="0"/>
-              <a:t> ein Spezial-Switch für </a:t>
-            </a:r>
-            <a:r>
-              <a:rPr lang="de-CH" dirty="0" err="1" smtClean="0"/>
-              <a:t>Concurrency</a:t>
-            </a:r>
-            <a:endParaRPr lang="de-CH" dirty="0" smtClean="0"/>
-          </a:p>
-          <a:p>
-            <a:pPr lvl="1"/>
-            <a:endParaRPr lang="de-CH" dirty="0"/>
-          </a:p>
-          <a:p>
-            <a:r>
-              <a:rPr lang="de-CH" dirty="0" smtClean="0"/>
-              <a:t>Was sind die wichtigsten Datenstrukturen</a:t>
-            </a:r>
-          </a:p>
-          <a:p>
-            <a:pPr lvl="1"/>
-            <a:r>
-              <a:rPr lang="de-CH" dirty="0" smtClean="0"/>
-              <a:t>Arrays, Slice, </a:t>
+              <a:t>Datenstrukturen: Arrays</a:t>
+            </a:r>
+            <a:r>
+              <a:rPr lang="de-CH" dirty="0" smtClean="0"/>
+              <a:t>, Slice, </a:t>
             </a:r>
             <a:r>
               <a:rPr lang="de-CH" dirty="0" err="1" smtClean="0"/>
@@ -4031,7 +11956,15 @@
           <a:p>
             <a:r>
               <a:rPr lang="de-CH" dirty="0" smtClean="0"/>
-              <a:t>Interface wird erfüllt wenn </a:t>
+              <a:t>Interface wird </a:t>
+            </a:r>
+            <a:r>
+              <a:rPr lang="de-CH" dirty="0" smtClean="0"/>
+              <a:t>erfüllt, </a:t>
+            </a:r>
+            <a:r>
+              <a:rPr lang="de-CH" dirty="0" smtClean="0"/>
+              <a:t>wenn </a:t>
             </a:r>
             <a:r>
               <a:rPr lang="de-CH" dirty="0" err="1" smtClean="0"/>
@@ -4224,11 +12157,7 @@
           <a:p>
             <a:r>
               <a:rPr lang="de-CH" dirty="0" smtClean="0"/>
-              <a:t>Slice ist ein </a:t>
-            </a:r>
-            <a:r>
-              <a:rPr lang="de-CH" dirty="0" smtClean="0"/>
-              <a:t>Datentyp der Ausschnitt von einem Array abbildet</a:t>
+              <a:t>Slice ist ein Datentyp der Ausschnitt von einem Array abbildet</a:t>
             </a:r>
           </a:p>
           <a:p>
@@ -4273,7 +12202,6 @@
               <a:rPr lang="de-CH" dirty="0" smtClean="0"/>
               <a:t>Slice an Funktion übergeben --&gt; Array wird nicht kopiert</a:t>
             </a:r>
-            <a:endParaRPr lang="de-CH" dirty="0" smtClean="0"/>
           </a:p>
           <a:p>
             <a:endParaRPr lang="de-CH" dirty="0"/>
@@ -4436,6 +12364,10 @@
               <a:rPr lang="de-CH" dirty="0" err="1" smtClean="0"/>
               <a:t>Collector</a:t>
             </a:r>
+            <a:r>
+              <a:rPr lang="de-CH" dirty="0" smtClean="0"/>
+              <a:t> (1)</a:t>
+            </a:r>
             <a:endParaRPr lang="de-CH" dirty="0"/>
           </a:p>
         </p:txBody>
@@ -4457,7 +12389,108 @@
           <a:p>
             <a:r>
               <a:rPr lang="de-CH" dirty="0" smtClean="0"/>
-              <a:t>Text</a:t>
+              <a:t>In systemnahmen Programmiersprachen (C) muss oft manuelle Speicherverwaltung betrieben werden.</a:t>
+            </a:r>
+          </a:p>
+          <a:p>
+            <a:pPr marL="0" indent="0">
+              <a:buNone/>
+            </a:pPr>
+            <a:endParaRPr lang="de-CH" dirty="0" smtClean="0"/>
+          </a:p>
+          <a:p>
+            <a:r>
+              <a:rPr lang="de-CH" dirty="0" smtClean="0"/>
+              <a:t>Lösung: </a:t>
+            </a:r>
+            <a:r>
+              <a:rPr lang="de-CH" dirty="0" err="1" smtClean="0"/>
+              <a:t>Garbage</a:t>
+            </a:r>
+            <a:r>
+              <a:rPr lang="de-CH" dirty="0" smtClean="0"/>
+              <a:t> Collection (Automatische Speicherbereinigung)</a:t>
+            </a:r>
+          </a:p>
+          <a:p>
+            <a:pPr marL="457200" lvl="1" indent="0">
+              <a:buNone/>
+            </a:pPr>
+            <a:r>
+              <a:rPr lang="de-CH" dirty="0" smtClean="0"/>
+              <a:t>+ Weniger Entwicklungsaufwand</a:t>
+            </a:r>
+          </a:p>
+          <a:p>
+            <a:pPr marL="457200" lvl="1" indent="0">
+              <a:buNone/>
+            </a:pPr>
+            <a:r>
+              <a:rPr lang="de-CH" dirty="0" smtClean="0"/>
+              <a:t>- Teurer </a:t>
+            </a:r>
+            <a:r>
+              <a:rPr lang="de-CH" dirty="0" err="1" smtClean="0"/>
+              <a:t>Garbage</a:t>
+            </a:r>
+            <a:r>
+              <a:rPr lang="de-CH" dirty="0" smtClean="0"/>
+              <a:t> </a:t>
+            </a:r>
+            <a:r>
+              <a:rPr lang="de-CH" dirty="0" err="1" smtClean="0"/>
+              <a:t>Collector</a:t>
+            </a:r>
+            <a:endParaRPr lang="de-CH" dirty="0" smtClean="0"/>
+          </a:p>
+          <a:p>
+            <a:pPr lvl="1"/>
+            <a:endParaRPr lang="de-CH" dirty="0"/>
+          </a:p>
+          <a:p>
+            <a:r>
+              <a:rPr lang="de-CH" dirty="0" smtClean="0"/>
+              <a:t>Go verwendet einen </a:t>
+            </a:r>
+            <a:r>
+              <a:rPr lang="de-CH" i="1" dirty="0" err="1" smtClean="0"/>
+              <a:t>concurrent</a:t>
+            </a:r>
+            <a:r>
+              <a:rPr lang="de-CH" i="1" dirty="0" smtClean="0"/>
+              <a:t>, </a:t>
+            </a:r>
+            <a:r>
+              <a:rPr lang="de-CH" i="1" dirty="0" err="1" smtClean="0"/>
+              <a:t>tri</a:t>
+            </a:r>
+            <a:r>
+              <a:rPr lang="de-CH" i="1" dirty="0" smtClean="0"/>
+              <a:t>-color, mark-</a:t>
+            </a:r>
+            <a:r>
+              <a:rPr lang="de-CH" i="1" dirty="0" err="1" smtClean="0"/>
+              <a:t>sweep</a:t>
+            </a:r>
+            <a:r>
+              <a:rPr lang="de-CH" i="1" dirty="0" smtClean="0"/>
+              <a:t> </a:t>
+            </a:r>
+            <a:r>
+              <a:rPr lang="de-CH" dirty="0" err="1" smtClean="0"/>
+              <a:t>collector</a:t>
+            </a:r>
+            <a:endParaRPr lang="de-CH" dirty="0" smtClean="0"/>
+          </a:p>
+          <a:p>
+            <a:pPr lvl="1"/>
+            <a:r>
+              <a:rPr lang="de-CH" dirty="0"/>
+              <a:t>Die Idee zu diesem Algorithmus hatte </a:t>
+            </a:r>
+            <a:r>
+              <a:rPr lang="de-CH" dirty="0" smtClean="0"/>
+              <a:t>ein gewisser Dijkstra bereits 1978.</a:t>
             </a:r>
             <a:endParaRPr lang="de-CH" dirty="0"/>
           </a:p>
@@ -4473,6 +12506,13 @@
   <p:clrMapOvr>
     <a:masterClrMapping/>
   </p:clrMapOvr>
+  <p:timing>
+    <p:tnLst>
+      <p:par>
+        <p:cTn id="1" dur="indefinite" restart="never" nodeType="tmRoot"/>
+      </p:par>
+    </p:tnLst>
+  </p:timing>
 </p:sld>
 </file>
 
@@ -4735,4 +12775,265 @@
     </a:ext>
   </a:extLst>
 </a:theme>
+</file>
+
+<file path=ppt/theme/theme2.xml><?xml version="1.0" encoding="utf-8"?>
+<a:theme xmlns:a="http://schemas.openxmlformats.org/drawingml/2006/main" name="Office Theme">
+  <a:themeElements>
+    <a:clrScheme name="Office">
+      <a:dk1>
+        <a:sysClr val="windowText" lastClr="000000"/>
+      </a:dk1>
+      <a:lt1>
+        <a:sysClr val="window" lastClr="FFFFFF"/>
+      </a:lt1>
+      <a:dk2>
+        <a:srgbClr val="44546A"/>
+      </a:dk2>
+      <a:lt2>
+        <a:srgbClr val="E7E6E6"/>
+      </a:lt2>
+      <a:accent1>
+        <a:srgbClr val="5B9BD5"/>
+      </a:accent1>
+      <a:accent2>
+        <a:srgbClr val="ED7D31"/>
+      </a:accent2>
+      <a:accent3>
+        <a:srgbClr val="A5A5A5"/>
+      </a:accent3>
+      <a:accent4>
+        <a:srgbClr val="FFC000"/>
+      </a:accent4>
+      <a:accent5>
+        <a:srgbClr val="4472C4"/>
+      </a:accent5>
+      <a:accent6>
+        <a:srgbClr val="70AD47"/>
+      </a:accent6>
+      <a:hlink>
+        <a:srgbClr val="0563C1"/>
+      </a:hlink>
+      <a:folHlink>
+        <a:srgbClr val="954F72"/>
+      </a:folHlink>
+    </a:clrScheme>
+    <a:fontScheme name="Office">
+      <a:majorFont>
+        <a:latin typeface="Calibri Light" panose="020F0302020204030204"/>
+        <a:ea typeface=""/>
+        <a:cs typeface=""/>
+        <a:font script="Jpan" typeface="ＭＳ Ｐゴシック"/>
+        <a:font script="Hang" typeface="맑은 고딕"/>
+        <a:font script="Hans" typeface="宋体"/>
+        <a:font script="Hant" typeface="新細明體"/>
+        <a:font script="Arab" typeface="Times New Roman"/>
+        <a:font script="Hebr" typeface="Times New Roman"/>
+        <a:font script="Thai" typeface="Angsana New"/>
+        <a:font script="Ethi" typeface="Nyala"/>
+        <a:font script="Beng" typeface="Vrinda"/>
+        <a:font script="Gujr" typeface="Shruti"/>
+        <a:font script="Khmr" typeface="MoolBoran"/>
+        <a:font script="Knda" typeface="Tunga"/>
+        <a:font script="Guru" typeface="Raavi"/>
+        <a:font script="Cans" typeface="Euphemia"/>
+        <a:font script="Cher" typeface="Plantagenet Cherokee"/>
+        <a:font script="Yiii" typeface="Microsoft Yi Baiti"/>
+        <a:font script="Tibt" typeface="Microsoft Himalaya"/>
+        <a:font script="Thaa" typeface="MV Boli"/>
+        <a:font script="Deva" typeface="Mangal"/>
+        <a:font script="Telu" typeface="Gautami"/>
+        <a:font script="Taml" typeface="Latha"/>
+        <a:font script="Syrc" typeface="Estrangelo Edessa"/>
+        <a:font script="Orya" typeface="Kalinga"/>
+        <a:font script="Mlym" typeface="Kartika"/>
+        <a:font script="Laoo" typeface="DokChampa"/>
+        <a:font script="Sinh" typeface="Iskoola Pota"/>
+        <a:font script="Mong" typeface="Mongolian Baiti"/>
+        <a:font script="Viet" typeface="Times New Roman"/>
+        <a:font script="Uigh" typeface="Microsoft Uighur"/>
+        <a:font script="Geor" typeface="Sylfaen"/>
+      </a:majorFont>
+      <a:minorFont>
+        <a:latin typeface="Calibri" panose="020F0502020204030204"/>
+        <a:ea typeface=""/>
+        <a:cs typeface=""/>
+        <a:font script="Jpan" typeface="ＭＳ Ｐゴシック"/>
+        <a:font script="Hang" typeface="맑은 고딕"/>
+        <a:font script="Hans" typeface="宋体"/>
+        <a:font script="Hant" typeface="新細明體"/>
+        <a:font script="Arab" typeface="Arial"/>
+        <a:font script="Hebr" typeface="Arial"/>
+        <a:font script="Thai" typeface="Cordia New"/>
+        <a:font script="Ethi" typeface="Nyala"/>
+        <a:font script="Beng" typeface="Vrinda"/>
+        <a:font script="Gujr" typeface="Shruti"/>
+        <a:font script="Khmr" typeface="DaunPenh"/>
+        <a:font script="Knda" typeface="Tunga"/>
+        <a:font script="Guru" typeface="Raavi"/>
+        <a:font script="Cans" typeface="Euphemia"/>
+        <a:font script="Cher" typeface="Plantagenet Cherokee"/>
+        <a:font script="Yiii" typeface="Microsoft Yi Baiti"/>
+        <a:font script="Tibt" typeface="Microsoft Himalaya"/>
+        <a:font script="Thaa" typeface="MV Boli"/>
+        <a:font script="Deva" typeface="Mangal"/>
+        <a:font script="Telu" typeface="Gautami"/>
+        <a:font script="Taml" typeface="Latha"/>
+        <a:font script="Syrc" typeface="Estrangelo Edessa"/>
+        <a:font script="Orya" typeface="Kalinga"/>
+        <a:font script="Mlym" typeface="Kartika"/>
+        <a:font script="Laoo" typeface="DokChampa"/>
+        <a:font script="Sinh" typeface="Iskoola Pota"/>
+        <a:font script="Mong" typeface="Mongolian Baiti"/>
+        <a:font script="Viet" typeface="Arial"/>
+        <a:font script="Uigh" typeface="Microsoft Uighur"/>
+        <a:font script="Geor" typeface="Sylfaen"/>
+      </a:minorFont>
+    </a:fontScheme>
+    <a:fmtScheme name="Office">
+      <a:fillStyleLst>
+        <a:solidFill>
+          <a:schemeClr val="phClr"/>
+        </a:solidFill>
+        <a:gradFill rotWithShape="1">
+          <a:gsLst>
+            <a:gs pos="0">
+              <a:schemeClr val="phClr">
+                <a:lumMod val="110000"/>
+                <a:satMod val="105000"/>
+                <a:tint val="67000"/>
+              </a:schemeClr>
+            </a:gs>
+            <a:gs pos="50000">
+              <a:schemeClr val="phClr">
+                <a:lumMod val="105000"/>
+                <a:satMod val="103000"/>
+                <a:tint val="73000"/>
+              </a:schemeClr>
+            </a:gs>
+            <a:gs pos="100000">
+              <a:schemeClr val="phClr">
+                <a:lumMod val="105000"/>
+                <a:satMod val="109000"/>
+                <a:tint val="81000"/>
+              </a:schemeClr>
+            </a:gs>
+          </a:gsLst>
+          <a:lin ang="5400000" scaled="0"/>
+        </a:gradFill>
+        <a:gradFill rotWithShape="1">
+          <a:gsLst>
+            <a:gs pos="0">
+              <a:schemeClr val="phClr">
+                <a:satMod val="103000"/>
+                <a:lumMod val="102000"/>
+                <a:tint val="94000"/>
+              </a:schemeClr>
+            </a:gs>
+            <a:gs pos="50000">
+              <a:schemeClr val="phClr">
+                <a:satMod val="110000"/>
+                <a:lumMod val="100000"/>
+                <a:shade val="100000"/>
+              </a:schemeClr>
+            </a:gs>
+            <a:gs pos="100000">
+              <a:schemeClr val="phClr">
+                <a:lumMod val="99000"/>
+                <a:satMod val="120000"/>
+                <a:shade val="78000"/>
+              </a:schemeClr>
+            </a:gs>
+          </a:gsLst>
+          <a:lin ang="5400000" scaled="0"/>
+        </a:gradFill>
+      </a:fillStyleLst>
+      <a:lnStyleLst>
+        <a:ln w="6350" cap="flat" cmpd="sng" algn="ctr">
+          <a:solidFill>
+            <a:schemeClr val="phClr"/>
+          </a:solidFill>
+          <a:prstDash val="solid"/>
+          <a:miter lim="800000"/>
+        </a:ln>
+        <a:ln w="12700" cap="flat" cmpd="sng" algn="ctr">
+          <a:solidFill>
+            <a:schemeClr val="phClr"/>
+          </a:solidFill>
+          <a:prstDash val="solid"/>
+          <a:miter lim="800000"/>
+        </a:ln>
+        <a:ln w="19050" cap="flat" cmpd="sng" algn="ctr">
+          <a:solidFill>
+            <a:schemeClr val="phClr"/>
+          </a:solidFill>
+          <a:prstDash val="solid"/>
+          <a:miter lim="800000"/>
+        </a:ln>
+      </a:lnStyleLst>
+      <a:effectStyleLst>
+        <a:effectStyle>
+          <a:effectLst/>
+        </a:effectStyle>
+        <a:effectStyle>
+          <a:effectLst/>
+        </a:effectStyle>
+        <a:effectStyle>
+          <a:effectLst>
+            <a:outerShdw blurRad="57150" dist="19050" dir="5400000" algn="ctr" rotWithShape="0">
+              <a:srgbClr val="000000">
+                <a:alpha val="63000"/>
+              </a:srgbClr>
+            </a:outerShdw>
+          </a:effectLst>
+        </a:effectStyle>
+      </a:effectStyleLst>
+      <a:bgFillStyleLst>
+        <a:solidFill>
+          <a:schemeClr val="phClr"/>
+        </a:solidFill>
+        <a:solidFill>
+          <a:schemeClr val="phClr">
+            <a:tint val="95000"/>
+            <a:satMod val="170000"/>
+          </a:schemeClr>
+        </a:solidFill>
+        <a:gradFill rotWithShape="1">
+          <a:gsLst>
+            <a:gs pos="0">
+              <a:schemeClr val="phClr">
+                <a:tint val="93000"/>
+                <a:satMod val="150000"/>
+                <a:shade val="98000"/>
+                <a:lumMod val="102000"/>
+              </a:schemeClr>
+            </a:gs>
+            <a:gs pos="50000">
+              <a:schemeClr val="phClr">
+                <a:tint val="98000"/>
+                <a:satMod val="130000"/>
+                <a:shade val="90000"/>
+                <a:lumMod val="103000"/>
+              </a:schemeClr>
+            </a:gs>
+            <a:gs pos="100000">
+              <a:schemeClr val="phClr">
+                <a:shade val="63000"/>
+                <a:satMod val="120000"/>
+              </a:schemeClr>
+            </a:gs>
+          </a:gsLst>
+          <a:lin ang="5400000" scaled="0"/>
+        </a:gradFill>
+      </a:bgFillStyleLst>
+    </a:fmtScheme>
+  </a:themeElements>
+  <a:objectDefaults/>
+  <a:extraClrSchemeLst/>
+  <a:extLst>
+    <a:ext uri="{05A4C25C-085E-4340-85A3-A5531E510DB2}">
+      <thm15:themeFamily xmlns:thm15="http://schemas.microsoft.com/office/thememl/2012/main" name="Office Theme" id="{62F939B6-93AF-4DB8-9C6B-D6C7DFDC589F}" vid="{4A3C46E8-61CC-4603-A589-7422A47A8E4A}"/>
+    </a:ext>
+  </a:extLst>
+</a:theme>
 </file>
--- a/presi/presi.pptx
+++ b/presi/presi.pptx
@@ -11438,7 +11438,6 @@
               <a:rPr lang="de-CH" dirty="0" smtClean="0"/>
               <a:t>Go</a:t>
             </a:r>
-            <a:endParaRPr lang="de-CH" dirty="0" smtClean="0"/>
           </a:p>
           <a:p>
             <a:r>
@@ -11450,13 +11449,8 @@
             <a:pPr lvl="1"/>
             <a:r>
               <a:rPr lang="de-CH" dirty="0" smtClean="0"/>
-              <a:t>Nicht klassenbasiertes </a:t>
-            </a:r>
-            <a:r>
-              <a:rPr lang="de-CH" dirty="0" smtClean="0"/>
-              <a:t>OOP</a:t>
-            </a:r>
-            <a:endParaRPr lang="de-CH" dirty="0" smtClean="0"/>
+              <a:t>Nicht klassenbasiertes OOP</a:t>
+            </a:r>
           </a:p>
           <a:p>
             <a:pPr lvl="1"/>
@@ -11464,7 +11458,6 @@
               <a:rPr lang="de-CH" dirty="0" smtClean="0"/>
               <a:t>Slice</a:t>
             </a:r>
-            <a:endParaRPr lang="de-CH" dirty="0" smtClean="0"/>
           </a:p>
           <a:p>
             <a:pPr lvl="1"/>
@@ -11558,27 +11551,7 @@
             </a:r>
             <a:r>
               <a:rPr lang="en-US" dirty="0" smtClean="0"/>
-              <a:t> 2009</a:t>
-            </a:r>
-            <a:r>
-              <a:rPr lang="en-US" dirty="0" smtClean="0"/>
-              <a:t>, </a:t>
-            </a:r>
-            <a:r>
-              <a:rPr lang="en-US" dirty="0" smtClean="0"/>
-              <a:t>first </a:t>
-            </a:r>
-            <a:r>
-              <a:rPr lang="en-US" dirty="0" smtClean="0"/>
-              <a:t>official </a:t>
-            </a:r>
-            <a:r>
-              <a:rPr lang="en-US" dirty="0" smtClean="0"/>
-              <a:t>release </a:t>
-            </a:r>
-            <a:r>
-              <a:rPr lang="en-US" dirty="0" smtClean="0"/>
-              <a:t>2012</a:t>
+              <a:t> 2009, first official release 2012</a:t>
             </a:r>
           </a:p>
           <a:p>
@@ -11669,15 +11642,7 @@
             </a:r>
             <a:r>
               <a:rPr lang="en-US" dirty="0" smtClean="0"/>
-              <a:t>nterface-Tools </a:t>
-            </a:r>
-            <a:r>
-              <a:rPr lang="en-US" dirty="0" smtClean="0"/>
-              <a:t>(Docker</a:t>
-            </a:r>
-            <a:r>
-              <a:rPr lang="en-US" dirty="0" smtClean="0"/>
-              <a:t>)</a:t>
+              <a:t>nterface-Tools (Docker)</a:t>
             </a:r>
             <a:endParaRPr lang="en-US" dirty="0"/>
           </a:p>
@@ -11790,7 +11755,11 @@
           <a:p>
             <a:r>
               <a:rPr lang="de-CH" dirty="0" smtClean="0"/>
-              <a:t>Statisch typisiert</a:t>
+              <a:t>Statisch </a:t>
+            </a:r>
+            <a:r>
+              <a:rPr lang="de-CH" dirty="0" smtClean="0"/>
+              <a:t>typisiert</a:t>
             </a:r>
             <a:endParaRPr lang="de-CH" dirty="0"/>
           </a:p>
@@ -11799,38 +11768,45 @@
               <a:rPr lang="de-CH" dirty="0" smtClean="0"/>
               <a:t>Imperativ (objektorientierte Programmierung möglich – ohne Klassen)</a:t>
             </a:r>
+          </a:p>
+          <a:p>
+            <a:r>
+              <a:rPr lang="de-CH" dirty="0" smtClean="0"/>
+              <a:t>Go-Programme </a:t>
+            </a:r>
+            <a:r>
+              <a:rPr lang="de-CH" dirty="0" smtClean="0"/>
+              <a:t>werden für das jeweilige Zielsystem zu einer ausführbaren Datei </a:t>
+            </a:r>
+            <a:r>
+              <a:rPr lang="de-CH" dirty="0" smtClean="0"/>
+              <a:t>kompiliert (Cross-</a:t>
+            </a:r>
+            <a:r>
+              <a:rPr lang="de-CH" dirty="0" err="1" smtClean="0"/>
+              <a:t>Compiling</a:t>
+            </a:r>
+            <a:r>
+              <a:rPr lang="de-CH" dirty="0" smtClean="0"/>
+              <a:t> möglich).</a:t>
+            </a:r>
             <a:endParaRPr lang="de-CH" dirty="0" smtClean="0"/>
           </a:p>
           <a:p>
             <a:r>
               <a:rPr lang="de-CH" dirty="0" smtClean="0"/>
-              <a:t>Go-Programme </a:t>
-            </a:r>
-            <a:r>
-              <a:rPr lang="de-CH" dirty="0" smtClean="0"/>
-              <a:t>werden für das jeweilige Zielsystem zu einer ausführbaren Datei </a:t>
-            </a:r>
-            <a:r>
-              <a:rPr lang="de-CH" dirty="0" smtClean="0"/>
-              <a:t>kompiliert.</a:t>
-            </a:r>
-            <a:endParaRPr lang="de-CH" dirty="0" smtClean="0"/>
-          </a:p>
-          <a:p>
-            <a:r>
-              <a:rPr lang="de-CH" dirty="0" smtClean="0"/>
-              <a:t>Syntax ähnlich wie C</a:t>
+              <a:t>Syntax </a:t>
+            </a:r>
+            <a:r>
+              <a:rPr lang="de-CH" dirty="0" smtClean="0"/>
+              <a:t>ähnlich wie C</a:t>
             </a:r>
             <a:endParaRPr lang="de-CH" dirty="0"/>
           </a:p>
           <a:p>
             <a:r>
               <a:rPr lang="de-CH" dirty="0" smtClean="0"/>
-              <a:t>Datenstrukturen: Arrays</a:t>
-            </a:r>
-            <a:r>
-              <a:rPr lang="de-CH" dirty="0" smtClean="0"/>
-              <a:t>, Slice, </a:t>
+              <a:t>Datenstrukturen: Arrays, Slice, </a:t>
             </a:r>
             <a:r>
               <a:rPr lang="de-CH" dirty="0" err="1" smtClean="0"/>
@@ -11956,15 +11932,7 @@
           <a:p>
             <a:r>
               <a:rPr lang="de-CH" dirty="0" smtClean="0"/>
-              <a:t>Interface wird </a:t>
-            </a:r>
-            <a:r>
-              <a:rPr lang="de-CH" dirty="0" smtClean="0"/>
-              <a:t>erfüllt, </a:t>
-            </a:r>
-            <a:r>
-              <a:rPr lang="de-CH" dirty="0" smtClean="0"/>
-              <a:t>wenn </a:t>
+              <a:t>Interface wird erfüllt, wenn </a:t>
             </a:r>
             <a:r>
               <a:rPr lang="de-CH" dirty="0" err="1" smtClean="0"/>
